--- a/cvrptw/CVRP-TW.pptx
+++ b/cvrptw/CVRP-TW.pptx
@@ -11,6 +11,18 @@
     <p:sldId id="260" r:id="rId5"/>
     <p:sldId id="261" r:id="rId6"/>
     <p:sldId id="262" r:id="rId7"/>
+    <p:sldId id="264" r:id="rId8"/>
+    <p:sldId id="271" r:id="rId9"/>
+    <p:sldId id="265" r:id="rId10"/>
+    <p:sldId id="272" r:id="rId11"/>
+    <p:sldId id="266" r:id="rId12"/>
+    <p:sldId id="273" r:id="rId13"/>
+    <p:sldId id="267" r:id="rId14"/>
+    <p:sldId id="274" r:id="rId15"/>
+    <p:sldId id="268" r:id="rId16"/>
+    <p:sldId id="275" r:id="rId17"/>
+    <p:sldId id="269" r:id="rId18"/>
+    <p:sldId id="270" r:id="rId19"/>
   </p:sldIdLst>
   <p:sldSz cx="12192000" cy="6858000"/>
   <p:notesSz cx="6858000" cy="9144000"/>
@@ -264,7 +276,7 @@
           <a:p>
             <a:fld id="{5509EB16-9B05-4C73-9EC2-D5C69DC6B901}" type="datetimeFigureOut">
               <a:rPr lang="it-IT" smtClean="0"/>
-              <a:t>04/04/2025</a:t>
+              <a:t>06/04/2025</a:t>
             </a:fld>
             <a:endParaRPr lang="it-IT"/>
           </a:p>
@@ -462,7 +474,7 @@
           <a:p>
             <a:fld id="{5509EB16-9B05-4C73-9EC2-D5C69DC6B901}" type="datetimeFigureOut">
               <a:rPr lang="it-IT" smtClean="0"/>
-              <a:t>04/04/2025</a:t>
+              <a:t>06/04/2025</a:t>
             </a:fld>
             <a:endParaRPr lang="it-IT"/>
           </a:p>
@@ -670,7 +682,7 @@
           <a:p>
             <a:fld id="{5509EB16-9B05-4C73-9EC2-D5C69DC6B901}" type="datetimeFigureOut">
               <a:rPr lang="it-IT" smtClean="0"/>
-              <a:t>04/04/2025</a:t>
+              <a:t>06/04/2025</a:t>
             </a:fld>
             <a:endParaRPr lang="it-IT"/>
           </a:p>
@@ -868,7 +880,7 @@
           <a:p>
             <a:fld id="{5509EB16-9B05-4C73-9EC2-D5C69DC6B901}" type="datetimeFigureOut">
               <a:rPr lang="it-IT" smtClean="0"/>
-              <a:t>04/04/2025</a:t>
+              <a:t>06/04/2025</a:t>
             </a:fld>
             <a:endParaRPr lang="it-IT"/>
           </a:p>
@@ -1143,7 +1155,7 @@
           <a:p>
             <a:fld id="{5509EB16-9B05-4C73-9EC2-D5C69DC6B901}" type="datetimeFigureOut">
               <a:rPr lang="it-IT" smtClean="0"/>
-              <a:t>04/04/2025</a:t>
+              <a:t>06/04/2025</a:t>
             </a:fld>
             <a:endParaRPr lang="it-IT"/>
           </a:p>
@@ -1408,7 +1420,7 @@
           <a:p>
             <a:fld id="{5509EB16-9B05-4C73-9EC2-D5C69DC6B901}" type="datetimeFigureOut">
               <a:rPr lang="it-IT" smtClean="0"/>
-              <a:t>04/04/2025</a:t>
+              <a:t>06/04/2025</a:t>
             </a:fld>
             <a:endParaRPr lang="it-IT"/>
           </a:p>
@@ -1820,7 +1832,7 @@
           <a:p>
             <a:fld id="{5509EB16-9B05-4C73-9EC2-D5C69DC6B901}" type="datetimeFigureOut">
               <a:rPr lang="it-IT" smtClean="0"/>
-              <a:t>04/04/2025</a:t>
+              <a:t>06/04/2025</a:t>
             </a:fld>
             <a:endParaRPr lang="it-IT"/>
           </a:p>
@@ -1961,7 +1973,7 @@
           <a:p>
             <a:fld id="{5509EB16-9B05-4C73-9EC2-D5C69DC6B901}" type="datetimeFigureOut">
               <a:rPr lang="it-IT" smtClean="0"/>
-              <a:t>04/04/2025</a:t>
+              <a:t>06/04/2025</a:t>
             </a:fld>
             <a:endParaRPr lang="it-IT"/>
           </a:p>
@@ -2074,7 +2086,7 @@
           <a:p>
             <a:fld id="{5509EB16-9B05-4C73-9EC2-D5C69DC6B901}" type="datetimeFigureOut">
               <a:rPr lang="it-IT" smtClean="0"/>
-              <a:t>04/04/2025</a:t>
+              <a:t>06/04/2025</a:t>
             </a:fld>
             <a:endParaRPr lang="it-IT"/>
           </a:p>
@@ -2385,7 +2397,7 @@
           <a:p>
             <a:fld id="{5509EB16-9B05-4C73-9EC2-D5C69DC6B901}" type="datetimeFigureOut">
               <a:rPr lang="it-IT" smtClean="0"/>
-              <a:t>04/04/2025</a:t>
+              <a:t>06/04/2025</a:t>
             </a:fld>
             <a:endParaRPr lang="it-IT"/>
           </a:p>
@@ -2673,7 +2685,7 @@
           <a:p>
             <a:fld id="{5509EB16-9B05-4C73-9EC2-D5C69DC6B901}" type="datetimeFigureOut">
               <a:rPr lang="it-IT" smtClean="0"/>
-              <a:t>04/04/2025</a:t>
+              <a:t>06/04/2025</a:t>
             </a:fld>
             <a:endParaRPr lang="it-IT"/>
           </a:p>
@@ -2914,7 +2926,7 @@
           <a:p>
             <a:fld id="{5509EB16-9B05-4C73-9EC2-D5C69DC6B901}" type="datetimeFigureOut">
               <a:rPr lang="it-IT" smtClean="0"/>
-              <a:t>04/04/2025</a:t>
+              <a:t>06/04/2025</a:t>
             </a:fld>
             <a:endParaRPr lang="it-IT"/>
           </a:p>
@@ -3651,6 +3663,2200 @@
     <p:extLst>
       <p:ext uri="{BB962C8B-B14F-4D97-AF65-F5344CB8AC3E}">
         <p14:creationId xmlns:p14="http://schemas.microsoft.com/office/powerpoint/2010/main" val="3829933398"/>
+      </p:ext>
+    </p:extLst>
+  </p:cSld>
+  <p:clrMapOvr>
+    <a:masterClrMapping/>
+  </p:clrMapOvr>
+</p:sld>
+</file>
+
+<file path=ppt/slides/slide10.xml><?xml version="1.0" encoding="utf-8"?>
+<p:sld xmlns:a="http://schemas.openxmlformats.org/drawingml/2006/main" xmlns:r="http://schemas.openxmlformats.org/officeDocument/2006/relationships" xmlns:p="http://schemas.openxmlformats.org/presentationml/2006/main">
+  <p:cSld>
+    <p:spTree>
+      <p:nvGrpSpPr>
+        <p:cNvPr id="1" name="">
+          <a:extLst>
+            <a:ext uri="{FF2B5EF4-FFF2-40B4-BE49-F238E27FC236}">
+              <a16:creationId xmlns:a16="http://schemas.microsoft.com/office/drawing/2014/main" id="{6E40939E-8E34-7E61-3E34-F911180AC1AB}"/>
+            </a:ext>
+          </a:extLst>
+        </p:cNvPr>
+        <p:cNvGrpSpPr/>
+        <p:nvPr/>
+      </p:nvGrpSpPr>
+      <p:grpSpPr>
+        <a:xfrm>
+          <a:off x="0" y="0"/>
+          <a:ext cx="0" cy="0"/>
+          <a:chOff x="0" y="0"/>
+          <a:chExt cx="0" cy="0"/>
+        </a:xfrm>
+      </p:grpSpPr>
+      <p:sp>
+        <p:nvSpPr>
+          <p:cNvPr id="2" name="Titolo 1">
+            <a:extLst>
+              <a:ext uri="{FF2B5EF4-FFF2-40B4-BE49-F238E27FC236}">
+                <a16:creationId xmlns:a16="http://schemas.microsoft.com/office/drawing/2014/main" id="{3A66B391-FB23-F67C-16A7-2DAE0D3CA53F}"/>
+              </a:ext>
+            </a:extLst>
+          </p:cNvPr>
+          <p:cNvSpPr>
+            <a:spLocks noGrp="1"/>
+          </p:cNvSpPr>
+          <p:nvPr>
+            <p:ph type="title"/>
+          </p:nvPr>
+        </p:nvSpPr>
+        <p:spPr>
+          <a:xfrm>
+            <a:off x="838200" y="365126"/>
+            <a:ext cx="10515600" cy="734332"/>
+          </a:xfrm>
+        </p:spPr>
+        <p:txBody>
+          <a:bodyPr/>
+          <a:lstStyle/>
+          <a:p>
+            <a:pPr algn="ctr"/>
+            <a:r>
+              <a:rPr lang="it-IT" dirty="0" err="1"/>
+              <a:t>Results</a:t>
+            </a:r>
+            <a:r>
+              <a:rPr lang="it-IT" dirty="0"/>
+              <a:t> on the 2-Group </a:t>
+            </a:r>
+            <a:r>
+              <a:rPr lang="it-IT" dirty="0" err="1"/>
+              <a:t>instances</a:t>
+            </a:r>
+            <a:endParaRPr lang="it-IT" dirty="0"/>
+          </a:p>
+        </p:txBody>
+      </p:sp>
+      <p:sp>
+        <p:nvSpPr>
+          <p:cNvPr id="4" name="Segnaposto contenuto 3">
+            <a:extLst>
+              <a:ext uri="{FF2B5EF4-FFF2-40B4-BE49-F238E27FC236}">
+                <a16:creationId xmlns:a16="http://schemas.microsoft.com/office/drawing/2014/main" id="{B5E3A57F-A593-9FB7-F0F1-1A4B4FA73A32}"/>
+              </a:ext>
+            </a:extLst>
+          </p:cNvPr>
+          <p:cNvSpPr>
+            <a:spLocks noGrp="1"/>
+          </p:cNvSpPr>
+          <p:nvPr>
+            <p:ph sz="half" idx="2"/>
+          </p:nvPr>
+        </p:nvSpPr>
+        <p:spPr>
+          <a:xfrm>
+            <a:off x="751114" y="1447800"/>
+            <a:ext cx="10515600" cy="4729163"/>
+          </a:xfrm>
+        </p:spPr>
+        <p:txBody>
+          <a:bodyPr/>
+          <a:lstStyle/>
+          <a:p>
+            <a:r>
+              <a:rPr lang="it-IT" dirty="0"/>
+              <a:t>The CP model </a:t>
+            </a:r>
+            <a:r>
+              <a:rPr lang="it-IT" dirty="0" err="1"/>
+              <a:t>outperforms</a:t>
+            </a:r>
+            <a:r>
+              <a:rPr lang="it-IT" dirty="0"/>
+              <a:t> the DIDP models.</a:t>
+            </a:r>
+          </a:p>
+          <a:p>
+            <a:r>
+              <a:rPr lang="it-IT" dirty="0"/>
+              <a:t>In 2-Group, the </a:t>
+            </a:r>
+            <a:r>
+              <a:rPr lang="it-IT" dirty="0" err="1"/>
+              <a:t>instances</a:t>
+            </a:r>
+            <a:r>
+              <a:rPr lang="it-IT" dirty="0"/>
+              <a:t> are </a:t>
+            </a:r>
+            <a:r>
+              <a:rPr lang="it-IT" dirty="0" err="1"/>
+              <a:t>less</a:t>
+            </a:r>
+            <a:r>
+              <a:rPr lang="it-IT" dirty="0"/>
+              <a:t> </a:t>
+            </a:r>
+            <a:r>
+              <a:rPr lang="it-IT" dirty="0" err="1"/>
+              <a:t>constrained</a:t>
+            </a:r>
+            <a:r>
+              <a:rPr lang="it-IT" dirty="0"/>
+              <a:t>.</a:t>
+            </a:r>
+          </a:p>
+          <a:p>
+            <a:r>
+              <a:rPr lang="it-IT" dirty="0"/>
+              <a:t>The dual bounds </a:t>
+            </a:r>
+            <a:r>
+              <a:rPr lang="it-IT" dirty="0" err="1"/>
+              <a:t>seem</a:t>
+            </a:r>
+            <a:r>
+              <a:rPr lang="it-IT" dirty="0"/>
+              <a:t> to </a:t>
+            </a:r>
+            <a:r>
+              <a:rPr lang="it-IT" dirty="0" err="1"/>
+              <a:t>struggle</a:t>
+            </a:r>
+            <a:r>
+              <a:rPr lang="it-IT" dirty="0"/>
+              <a:t> more in the </a:t>
+            </a:r>
+            <a:r>
+              <a:rPr lang="it-IT" dirty="0" err="1"/>
+              <a:t>search</a:t>
+            </a:r>
+            <a:r>
+              <a:rPr lang="it-IT" dirty="0"/>
+              <a:t> </a:t>
+            </a:r>
+            <a:r>
+              <a:rPr lang="it-IT" dirty="0" err="1"/>
+              <a:t>guidance</a:t>
+            </a:r>
+            <a:r>
+              <a:rPr lang="it-IT" dirty="0"/>
+              <a:t> </a:t>
+            </a:r>
+            <a:r>
+              <a:rPr lang="it-IT" dirty="0" err="1"/>
+              <a:t>process</a:t>
+            </a:r>
+            <a:r>
+              <a:rPr lang="it-IT" dirty="0"/>
+              <a:t>, making the </a:t>
+            </a:r>
+            <a:r>
+              <a:rPr lang="it-IT" dirty="0" err="1"/>
+              <a:t>two</a:t>
+            </a:r>
+            <a:r>
+              <a:rPr lang="it-IT" dirty="0"/>
+              <a:t> DIDP models </a:t>
+            </a:r>
+            <a:r>
+              <a:rPr lang="it-IT" dirty="0" err="1"/>
+              <a:t>without</a:t>
+            </a:r>
+            <a:r>
+              <a:rPr lang="it-IT" dirty="0"/>
+              <a:t> dual bounds </a:t>
+            </a:r>
+            <a:r>
+              <a:rPr lang="it-IT" dirty="0" err="1"/>
+              <a:t>perform</a:t>
+            </a:r>
+            <a:r>
+              <a:rPr lang="it-IT" dirty="0"/>
+              <a:t> </a:t>
+            </a:r>
+            <a:r>
+              <a:rPr lang="it-IT" dirty="0" err="1"/>
+              <a:t>better</a:t>
+            </a:r>
+            <a:r>
+              <a:rPr lang="it-IT" dirty="0"/>
+              <a:t>.</a:t>
+            </a:r>
+          </a:p>
+          <a:p>
+            <a:r>
+              <a:rPr lang="it-IT" dirty="0"/>
+              <a:t>The </a:t>
+            </a:r>
+            <a:r>
+              <a:rPr lang="it-IT" dirty="0" err="1"/>
+              <a:t>highest</a:t>
+            </a:r>
+            <a:r>
+              <a:rPr lang="it-IT" dirty="0"/>
+              <a:t> performance gap </a:t>
+            </a:r>
+            <a:r>
+              <a:rPr lang="it-IT" dirty="0" err="1"/>
+              <a:t>remains</a:t>
+            </a:r>
+            <a:r>
+              <a:rPr lang="it-IT" dirty="0"/>
+              <a:t> the one </a:t>
+            </a:r>
+            <a:r>
+              <a:rPr lang="it-IT" dirty="0" err="1"/>
+              <a:t>between</a:t>
+            </a:r>
+            <a:r>
+              <a:rPr lang="it-IT" dirty="0"/>
+              <a:t> CP and DIDP.</a:t>
+            </a:r>
+          </a:p>
+        </p:txBody>
+      </p:sp>
+    </p:spTree>
+    <p:extLst>
+      <p:ext uri="{BB962C8B-B14F-4D97-AF65-F5344CB8AC3E}">
+        <p14:creationId xmlns:p14="http://schemas.microsoft.com/office/powerpoint/2010/main" val="3879830225"/>
+      </p:ext>
+    </p:extLst>
+  </p:cSld>
+  <p:clrMapOvr>
+    <a:masterClrMapping/>
+  </p:clrMapOvr>
+</p:sld>
+</file>
+
+<file path=ppt/slides/slide11.xml><?xml version="1.0" encoding="utf-8"?>
+<p:sld xmlns:a="http://schemas.openxmlformats.org/drawingml/2006/main" xmlns:r="http://schemas.openxmlformats.org/officeDocument/2006/relationships" xmlns:p="http://schemas.openxmlformats.org/presentationml/2006/main">
+  <p:cSld>
+    <p:spTree>
+      <p:nvGrpSpPr>
+        <p:cNvPr id="1" name="">
+          <a:extLst>
+            <a:ext uri="{FF2B5EF4-FFF2-40B4-BE49-F238E27FC236}">
+              <a16:creationId xmlns:a16="http://schemas.microsoft.com/office/drawing/2014/main" id="{95F751D0-38D9-E8CF-3935-7F8097B12FBE}"/>
+            </a:ext>
+          </a:extLst>
+        </p:cNvPr>
+        <p:cNvGrpSpPr/>
+        <p:nvPr/>
+      </p:nvGrpSpPr>
+      <p:grpSpPr>
+        <a:xfrm>
+          <a:off x="0" y="0"/>
+          <a:ext cx="0" cy="0"/>
+          <a:chOff x="0" y="0"/>
+          <a:chExt cx="0" cy="0"/>
+        </a:xfrm>
+      </p:grpSpPr>
+      <p:sp>
+        <p:nvSpPr>
+          <p:cNvPr id="2" name="Titolo 1">
+            <a:extLst>
+              <a:ext uri="{FF2B5EF4-FFF2-40B4-BE49-F238E27FC236}">
+                <a16:creationId xmlns:a16="http://schemas.microsoft.com/office/drawing/2014/main" id="{05A07B13-3905-15B9-BB5F-58372086D2BC}"/>
+              </a:ext>
+            </a:extLst>
+          </p:cNvPr>
+          <p:cNvSpPr>
+            <a:spLocks noGrp="1"/>
+          </p:cNvSpPr>
+          <p:nvPr>
+            <p:ph type="title"/>
+          </p:nvPr>
+        </p:nvSpPr>
+        <p:spPr>
+          <a:xfrm>
+            <a:off x="838200" y="365126"/>
+            <a:ext cx="10515600" cy="734332"/>
+          </a:xfrm>
+        </p:spPr>
+        <p:txBody>
+          <a:bodyPr/>
+          <a:lstStyle/>
+          <a:p>
+            <a:pPr algn="ctr"/>
+            <a:r>
+              <a:rPr lang="it-IT" dirty="0" err="1"/>
+              <a:t>Results</a:t>
+            </a:r>
+            <a:r>
+              <a:rPr lang="it-IT" dirty="0"/>
+              <a:t> on the C-Group </a:t>
+            </a:r>
+            <a:r>
+              <a:rPr lang="it-IT" dirty="0" err="1"/>
+              <a:t>instances</a:t>
+            </a:r>
+            <a:endParaRPr lang="it-IT" dirty="0"/>
+          </a:p>
+        </p:txBody>
+      </p:sp>
+      <p:pic>
+        <p:nvPicPr>
+          <p:cNvPr id="7" name="Segnaposto contenuto 6" descr="Immagine che contiene testo, linea, Diagramma, diagramma&#10;&#10;Il contenuto generato dall'IA potrebbe non essere corretto.">
+            <a:extLst>
+              <a:ext uri="{FF2B5EF4-FFF2-40B4-BE49-F238E27FC236}">
+                <a16:creationId xmlns:a16="http://schemas.microsoft.com/office/drawing/2014/main" id="{28C6B4A9-AC43-1985-E07F-13B4753BC61B}"/>
+              </a:ext>
+            </a:extLst>
+          </p:cNvPr>
+          <p:cNvPicPr>
+            <a:picLocks noGrp="1" noChangeAspect="1"/>
+          </p:cNvPicPr>
+          <p:nvPr>
+            <p:ph sz="half" idx="2"/>
+          </p:nvPr>
+        </p:nvPicPr>
+        <p:blipFill>
+          <a:blip r:embed="rId2">
+            <a:extLst>
+              <a:ext uri="{28A0092B-C50C-407E-A947-70E740481C1C}">
+                <a14:useLocalDpi xmlns:a14="http://schemas.microsoft.com/office/drawing/2010/main" val="0"/>
+              </a:ext>
+            </a:extLst>
+          </a:blip>
+          <a:stretch>
+            <a:fillRect/>
+          </a:stretch>
+        </p:blipFill>
+        <p:spPr>
+          <a:xfrm>
+            <a:off x="1790700" y="1111249"/>
+            <a:ext cx="8610599" cy="5381625"/>
+          </a:xfrm>
+        </p:spPr>
+      </p:pic>
+    </p:spTree>
+    <p:extLst>
+      <p:ext uri="{BB962C8B-B14F-4D97-AF65-F5344CB8AC3E}">
+        <p14:creationId xmlns:p14="http://schemas.microsoft.com/office/powerpoint/2010/main" val="3989724299"/>
+      </p:ext>
+    </p:extLst>
+  </p:cSld>
+  <p:clrMapOvr>
+    <a:masterClrMapping/>
+  </p:clrMapOvr>
+</p:sld>
+</file>
+
+<file path=ppt/slides/slide12.xml><?xml version="1.0" encoding="utf-8"?>
+<p:sld xmlns:a="http://schemas.openxmlformats.org/drawingml/2006/main" xmlns:r="http://schemas.openxmlformats.org/officeDocument/2006/relationships" xmlns:p="http://schemas.openxmlformats.org/presentationml/2006/main">
+  <p:cSld>
+    <p:spTree>
+      <p:nvGrpSpPr>
+        <p:cNvPr id="1" name="">
+          <a:extLst>
+            <a:ext uri="{FF2B5EF4-FFF2-40B4-BE49-F238E27FC236}">
+              <a16:creationId xmlns:a16="http://schemas.microsoft.com/office/drawing/2014/main" id="{1505090D-A38B-41BA-079C-49E9603E990D}"/>
+            </a:ext>
+          </a:extLst>
+        </p:cNvPr>
+        <p:cNvGrpSpPr/>
+        <p:nvPr/>
+      </p:nvGrpSpPr>
+      <p:grpSpPr>
+        <a:xfrm>
+          <a:off x="0" y="0"/>
+          <a:ext cx="0" cy="0"/>
+          <a:chOff x="0" y="0"/>
+          <a:chExt cx="0" cy="0"/>
+        </a:xfrm>
+      </p:grpSpPr>
+      <p:sp>
+        <p:nvSpPr>
+          <p:cNvPr id="2" name="Titolo 1">
+            <a:extLst>
+              <a:ext uri="{FF2B5EF4-FFF2-40B4-BE49-F238E27FC236}">
+                <a16:creationId xmlns:a16="http://schemas.microsoft.com/office/drawing/2014/main" id="{ED92AC9A-1142-F454-4716-A13FD7A78518}"/>
+              </a:ext>
+            </a:extLst>
+          </p:cNvPr>
+          <p:cNvSpPr>
+            <a:spLocks noGrp="1"/>
+          </p:cNvSpPr>
+          <p:nvPr>
+            <p:ph type="title"/>
+          </p:nvPr>
+        </p:nvSpPr>
+        <p:spPr>
+          <a:xfrm>
+            <a:off x="838200" y="365126"/>
+            <a:ext cx="10515600" cy="734332"/>
+          </a:xfrm>
+        </p:spPr>
+        <p:txBody>
+          <a:bodyPr/>
+          <a:lstStyle/>
+          <a:p>
+            <a:pPr algn="ctr"/>
+            <a:r>
+              <a:rPr lang="it-IT" dirty="0" err="1"/>
+              <a:t>Results</a:t>
+            </a:r>
+            <a:r>
+              <a:rPr lang="it-IT" dirty="0"/>
+              <a:t> on the C-Group </a:t>
+            </a:r>
+            <a:r>
+              <a:rPr lang="it-IT" dirty="0" err="1"/>
+              <a:t>instances</a:t>
+            </a:r>
+            <a:endParaRPr lang="it-IT" dirty="0"/>
+          </a:p>
+        </p:txBody>
+      </p:sp>
+      <p:sp>
+        <p:nvSpPr>
+          <p:cNvPr id="4" name="Segnaposto contenuto 3">
+            <a:extLst>
+              <a:ext uri="{FF2B5EF4-FFF2-40B4-BE49-F238E27FC236}">
+                <a16:creationId xmlns:a16="http://schemas.microsoft.com/office/drawing/2014/main" id="{D0916EC2-6DEB-F6D7-B42C-CCFC137A61BF}"/>
+              </a:ext>
+            </a:extLst>
+          </p:cNvPr>
+          <p:cNvSpPr>
+            <a:spLocks noGrp="1"/>
+          </p:cNvSpPr>
+          <p:nvPr>
+            <p:ph sz="half" idx="2"/>
+          </p:nvPr>
+        </p:nvSpPr>
+        <p:spPr>
+          <a:xfrm>
+            <a:off x="751114" y="1447800"/>
+            <a:ext cx="10515600" cy="4729163"/>
+          </a:xfrm>
+        </p:spPr>
+        <p:txBody>
+          <a:bodyPr>
+            <a:normAutofit fontScale="92500" lnSpcReduction="10000"/>
+          </a:bodyPr>
+          <a:lstStyle/>
+          <a:p>
+            <a:pPr marL="0" indent="0">
+              <a:buNone/>
+            </a:pPr>
+            <a:r>
+              <a:rPr lang="it-IT" dirty="0"/>
+              <a:t>The C-group shows a </a:t>
+            </a:r>
+            <a:r>
+              <a:rPr lang="it-IT" dirty="0" err="1"/>
+              <a:t>stranger</a:t>
+            </a:r>
+            <a:r>
+              <a:rPr lang="it-IT" dirty="0"/>
+              <a:t> </a:t>
+            </a:r>
+            <a:r>
+              <a:rPr lang="it-IT" dirty="0" err="1"/>
+              <a:t>behaviour</a:t>
+            </a:r>
+            <a:r>
+              <a:rPr lang="it-IT" dirty="0"/>
+              <a:t>, with DIDP complete </a:t>
+            </a:r>
+            <a:r>
+              <a:rPr lang="it-IT" dirty="0" err="1"/>
+              <a:t>even</a:t>
+            </a:r>
+            <a:r>
+              <a:rPr lang="it-IT" dirty="0"/>
+              <a:t> </a:t>
+            </a:r>
+            <a:r>
+              <a:rPr lang="it-IT" dirty="0" err="1"/>
+              <a:t>slightly</a:t>
+            </a:r>
+            <a:r>
+              <a:rPr lang="it-IT" dirty="0"/>
+              <a:t> </a:t>
+            </a:r>
+            <a:r>
+              <a:rPr lang="it-IT" dirty="0" err="1"/>
+              <a:t>outperforming</a:t>
+            </a:r>
+            <a:r>
+              <a:rPr lang="it-IT" dirty="0"/>
+              <a:t> CP </a:t>
+            </a:r>
+            <a:r>
+              <a:rPr lang="it-IT" dirty="0" err="1"/>
+              <a:t>at</a:t>
+            </a:r>
+            <a:r>
+              <a:rPr lang="it-IT" dirty="0"/>
+              <a:t> the </a:t>
+            </a:r>
+            <a:r>
+              <a:rPr lang="it-IT" dirty="0" err="1"/>
+              <a:t>beginning</a:t>
+            </a:r>
+            <a:r>
+              <a:rPr lang="it-IT" dirty="0"/>
+              <a:t>, </a:t>
+            </a:r>
+            <a:r>
+              <a:rPr lang="it-IT" dirty="0" err="1"/>
+              <a:t>before</a:t>
+            </a:r>
+            <a:r>
+              <a:rPr lang="it-IT" dirty="0"/>
+              <a:t> </a:t>
+            </a:r>
+            <a:r>
+              <a:rPr lang="it-IT" dirty="0" err="1"/>
+              <a:t>becaming</a:t>
+            </a:r>
+            <a:r>
+              <a:rPr lang="it-IT" dirty="0"/>
+              <a:t> the </a:t>
+            </a:r>
+            <a:r>
+              <a:rPr lang="it-IT" dirty="0" err="1"/>
+              <a:t>worst</a:t>
+            </a:r>
+            <a:r>
+              <a:rPr lang="it-IT" dirty="0"/>
+              <a:t> </a:t>
+            </a:r>
+            <a:r>
+              <a:rPr lang="it-IT" dirty="0" err="1"/>
+              <a:t>among</a:t>
+            </a:r>
+            <a:r>
+              <a:rPr lang="it-IT" dirty="0"/>
+              <a:t> </a:t>
+            </a:r>
+            <a:r>
+              <a:rPr lang="it-IT" dirty="0" err="1"/>
+              <a:t>all</a:t>
+            </a:r>
+            <a:r>
+              <a:rPr lang="it-IT" dirty="0"/>
+              <a:t> models.</a:t>
+            </a:r>
+          </a:p>
+          <a:p>
+            <a:pPr marL="0" indent="0">
+              <a:buNone/>
+            </a:pPr>
+            <a:r>
+              <a:rPr lang="it-IT" dirty="0"/>
+              <a:t>C </a:t>
+            </a:r>
+            <a:r>
+              <a:rPr lang="it-IT" dirty="0" err="1"/>
+              <a:t>instances</a:t>
+            </a:r>
+            <a:r>
+              <a:rPr lang="it-IT" dirty="0"/>
+              <a:t> </a:t>
+            </a:r>
+            <a:r>
+              <a:rPr lang="it-IT" dirty="0" err="1"/>
+              <a:t>have</a:t>
+            </a:r>
+            <a:r>
+              <a:rPr lang="it-IT" dirty="0"/>
+              <a:t> </a:t>
+            </a:r>
+            <a:r>
+              <a:rPr lang="it-IT" dirty="0" err="1"/>
+              <a:t>clustered</a:t>
+            </a:r>
+            <a:r>
+              <a:rPr lang="it-IT" dirty="0"/>
+              <a:t> locations: dual bounds are </a:t>
+            </a:r>
+            <a:r>
+              <a:rPr lang="it-IT" dirty="0" err="1"/>
+              <a:t>unable</a:t>
+            </a:r>
+            <a:r>
+              <a:rPr lang="it-IT" dirty="0"/>
+              <a:t> to </a:t>
+            </a:r>
+            <a:r>
+              <a:rPr lang="it-IT" dirty="0" err="1"/>
+              <a:t>capture</a:t>
+            </a:r>
+            <a:r>
+              <a:rPr lang="it-IT" dirty="0"/>
+              <a:t> the high </a:t>
+            </a:r>
+            <a:r>
+              <a:rPr lang="it-IT" dirty="0" err="1"/>
+              <a:t>discrepancy</a:t>
+            </a:r>
+            <a:r>
+              <a:rPr lang="it-IT" dirty="0"/>
+              <a:t> </a:t>
+            </a:r>
+            <a:r>
+              <a:rPr lang="it-IT" dirty="0" err="1"/>
+              <a:t>between</a:t>
+            </a:r>
+            <a:r>
+              <a:rPr lang="it-IT" dirty="0"/>
+              <a:t> the </a:t>
+            </a:r>
+            <a:r>
+              <a:rPr lang="it-IT" dirty="0" err="1"/>
+              <a:t>minimim</a:t>
+            </a:r>
+            <a:r>
+              <a:rPr lang="it-IT" dirty="0"/>
+              <a:t> </a:t>
+            </a:r>
+            <a:r>
+              <a:rPr lang="it-IT" dirty="0" err="1"/>
+              <a:t>distance</a:t>
+            </a:r>
+            <a:r>
+              <a:rPr lang="it-IT" dirty="0"/>
+              <a:t> from and to a location (</a:t>
+            </a:r>
+            <a:r>
+              <a:rPr lang="it-IT" dirty="0" err="1"/>
+              <a:t>distances</a:t>
+            </a:r>
+            <a:r>
+              <a:rPr lang="it-IT" dirty="0"/>
+              <a:t> inside the </a:t>
+            </a:r>
+            <a:r>
+              <a:rPr lang="it-IT" dirty="0" err="1"/>
+              <a:t>same</a:t>
+            </a:r>
+            <a:r>
+              <a:rPr lang="it-IT" dirty="0"/>
+              <a:t> cluster) and the </a:t>
+            </a:r>
+            <a:r>
+              <a:rPr lang="it-IT" dirty="0" err="1"/>
+              <a:t>actual</a:t>
+            </a:r>
+            <a:r>
+              <a:rPr lang="it-IT" dirty="0"/>
+              <a:t> cost of a </a:t>
+            </a:r>
+            <a:r>
+              <a:rPr lang="it-IT" dirty="0" err="1"/>
+              <a:t>transition</a:t>
+            </a:r>
+            <a:r>
+              <a:rPr lang="it-IT" dirty="0"/>
+              <a:t> </a:t>
+            </a:r>
+            <a:r>
+              <a:rPr lang="it-IT" dirty="0" err="1"/>
+              <a:t>if</a:t>
+            </a:r>
+            <a:r>
+              <a:rPr lang="it-IT" dirty="0"/>
+              <a:t> </a:t>
+            </a:r>
+            <a:r>
+              <a:rPr lang="it-IT" dirty="0" err="1"/>
+              <a:t>we</a:t>
+            </a:r>
+            <a:r>
+              <a:rPr lang="it-IT" dirty="0"/>
+              <a:t> </a:t>
+            </a:r>
+            <a:r>
+              <a:rPr lang="it-IT" dirty="0" err="1"/>
+              <a:t>have</a:t>
+            </a:r>
+            <a:r>
+              <a:rPr lang="it-IT" dirty="0"/>
+              <a:t> to </a:t>
+            </a:r>
+            <a:r>
+              <a:rPr lang="it-IT" dirty="0" err="1"/>
+              <a:t>reach</a:t>
+            </a:r>
+            <a:r>
+              <a:rPr lang="it-IT" dirty="0"/>
+              <a:t> a location from </a:t>
+            </a:r>
+            <a:r>
+              <a:rPr lang="it-IT" dirty="0" err="1"/>
+              <a:t>outiside</a:t>
+            </a:r>
+            <a:r>
+              <a:rPr lang="it-IT" dirty="0"/>
+              <a:t> </a:t>
+            </a:r>
+            <a:r>
+              <a:rPr lang="it-IT" dirty="0" err="1"/>
+              <a:t>its</a:t>
+            </a:r>
+            <a:r>
+              <a:rPr lang="it-IT" dirty="0"/>
+              <a:t> cluster:</a:t>
+            </a:r>
+          </a:p>
+          <a:p>
+            <a:r>
+              <a:rPr lang="it-IT" dirty="0"/>
+              <a:t>In C1, the </a:t>
+            </a:r>
+            <a:r>
+              <a:rPr lang="it-IT" dirty="0" err="1"/>
+              <a:t>natural</a:t>
+            </a:r>
+            <a:r>
+              <a:rPr lang="it-IT" dirty="0"/>
+              <a:t> </a:t>
+            </a:r>
+            <a:r>
+              <a:rPr lang="it-IT" dirty="0" err="1"/>
+              <a:t>solution</a:t>
+            </a:r>
+            <a:r>
+              <a:rPr lang="it-IT" dirty="0"/>
+              <a:t> of </a:t>
+            </a:r>
+            <a:r>
+              <a:rPr lang="it-IT" dirty="0" err="1"/>
+              <a:t>trying</a:t>
+            </a:r>
+            <a:r>
+              <a:rPr lang="it-IT" dirty="0"/>
+              <a:t> to </a:t>
+            </a:r>
+            <a:r>
+              <a:rPr lang="it-IT" dirty="0" err="1"/>
+              <a:t>assign</a:t>
+            </a:r>
+            <a:r>
+              <a:rPr lang="it-IT" dirty="0"/>
+              <a:t> a </a:t>
+            </a:r>
+            <a:r>
+              <a:rPr lang="it-IT" dirty="0" err="1"/>
+              <a:t>vehicle</a:t>
+            </a:r>
+            <a:r>
+              <a:rPr lang="it-IT" dirty="0"/>
+              <a:t> for cluster </a:t>
+            </a:r>
+            <a:r>
+              <a:rPr lang="it-IT" dirty="0" err="1"/>
+              <a:t>is</a:t>
+            </a:r>
+            <a:r>
+              <a:rPr lang="it-IT" dirty="0"/>
+              <a:t> </a:t>
+            </a:r>
+            <a:r>
+              <a:rPr lang="it-IT" dirty="0" err="1"/>
+              <a:t>not</a:t>
+            </a:r>
+            <a:r>
+              <a:rPr lang="it-IT" dirty="0"/>
+              <a:t> </a:t>
+            </a:r>
+            <a:r>
+              <a:rPr lang="it-IT" dirty="0" err="1"/>
+              <a:t>possible</a:t>
+            </a:r>
+            <a:r>
+              <a:rPr lang="it-IT" dirty="0"/>
+              <a:t> due to the </a:t>
+            </a:r>
+            <a:r>
+              <a:rPr lang="it-IT" dirty="0" err="1"/>
+              <a:t>stict</a:t>
+            </a:r>
+            <a:r>
+              <a:rPr lang="it-IT" dirty="0"/>
+              <a:t> </a:t>
+            </a:r>
+            <a:r>
+              <a:rPr lang="it-IT" dirty="0" err="1"/>
+              <a:t>constraints</a:t>
+            </a:r>
+            <a:r>
+              <a:rPr lang="it-IT" dirty="0"/>
+              <a:t>, so the dual bounds are </a:t>
+            </a:r>
+            <a:r>
+              <a:rPr lang="it-IT" dirty="0" err="1"/>
+              <a:t>not</a:t>
+            </a:r>
+            <a:r>
+              <a:rPr lang="it-IT" dirty="0"/>
+              <a:t> </a:t>
+            </a:r>
+            <a:r>
+              <a:rPr lang="it-IT" dirty="0" err="1"/>
+              <a:t>penalizing</a:t>
+            </a:r>
+            <a:r>
+              <a:rPr lang="it-IT" dirty="0"/>
+              <a:t> the </a:t>
+            </a:r>
+            <a:r>
+              <a:rPr lang="it-IT" dirty="0" err="1"/>
+              <a:t>search</a:t>
+            </a:r>
+            <a:r>
+              <a:rPr lang="it-IT" dirty="0"/>
+              <a:t> </a:t>
+            </a:r>
+            <a:r>
+              <a:rPr lang="it-IT" dirty="0" err="1"/>
+              <a:t>process</a:t>
+            </a:r>
+            <a:r>
+              <a:rPr lang="it-IT" dirty="0"/>
+              <a:t>, </a:t>
+            </a:r>
+            <a:r>
+              <a:rPr lang="it-IT" dirty="0" err="1"/>
+              <a:t>leading</a:t>
+            </a:r>
+            <a:r>
+              <a:rPr lang="it-IT" dirty="0"/>
+              <a:t> to </a:t>
+            </a:r>
+            <a:r>
+              <a:rPr lang="it-IT" dirty="0" err="1"/>
+              <a:t>similar</a:t>
+            </a:r>
+            <a:r>
+              <a:rPr lang="it-IT" dirty="0"/>
+              <a:t> performances to </a:t>
+            </a:r>
+            <a:r>
+              <a:rPr lang="it-IT" dirty="0" err="1"/>
+              <a:t>all</a:t>
+            </a:r>
+            <a:r>
+              <a:rPr lang="it-IT" dirty="0"/>
+              <a:t> the models.</a:t>
+            </a:r>
+          </a:p>
+          <a:p>
+            <a:r>
+              <a:rPr lang="it-IT" dirty="0"/>
+              <a:t>In C2, the low </a:t>
+            </a:r>
+            <a:r>
+              <a:rPr lang="it-IT" dirty="0" err="1"/>
+              <a:t>quality</a:t>
+            </a:r>
+            <a:r>
+              <a:rPr lang="it-IT" dirty="0"/>
+              <a:t> of the dual bounds for </a:t>
+            </a:r>
+            <a:r>
+              <a:rPr lang="it-IT" dirty="0" err="1"/>
+              <a:t>search</a:t>
+            </a:r>
+            <a:r>
+              <a:rPr lang="it-IT" dirty="0"/>
+              <a:t> </a:t>
+            </a:r>
+            <a:r>
+              <a:rPr lang="it-IT" dirty="0" err="1"/>
+              <a:t>guidance</a:t>
+            </a:r>
+            <a:r>
+              <a:rPr lang="it-IT" dirty="0"/>
+              <a:t> </a:t>
+            </a:r>
+            <a:r>
+              <a:rPr lang="it-IT" dirty="0" err="1"/>
+              <a:t>emerges</a:t>
+            </a:r>
+            <a:r>
+              <a:rPr lang="it-IT" dirty="0"/>
+              <a:t>, making the models with bounds the </a:t>
+            </a:r>
+            <a:r>
+              <a:rPr lang="it-IT" dirty="0" err="1"/>
+              <a:t>worst</a:t>
+            </a:r>
+            <a:r>
+              <a:rPr lang="it-IT" dirty="0"/>
+              <a:t>.</a:t>
+            </a:r>
+          </a:p>
+        </p:txBody>
+      </p:sp>
+    </p:spTree>
+    <p:extLst>
+      <p:ext uri="{BB962C8B-B14F-4D97-AF65-F5344CB8AC3E}">
+        <p14:creationId xmlns:p14="http://schemas.microsoft.com/office/powerpoint/2010/main" val="842828976"/>
+      </p:ext>
+    </p:extLst>
+  </p:cSld>
+  <p:clrMapOvr>
+    <a:masterClrMapping/>
+  </p:clrMapOvr>
+</p:sld>
+</file>
+
+<file path=ppt/slides/slide13.xml><?xml version="1.0" encoding="utf-8"?>
+<p:sld xmlns:a="http://schemas.openxmlformats.org/drawingml/2006/main" xmlns:r="http://schemas.openxmlformats.org/officeDocument/2006/relationships" xmlns:p="http://schemas.openxmlformats.org/presentationml/2006/main">
+  <p:cSld>
+    <p:spTree>
+      <p:nvGrpSpPr>
+        <p:cNvPr id="1" name="">
+          <a:extLst>
+            <a:ext uri="{FF2B5EF4-FFF2-40B4-BE49-F238E27FC236}">
+              <a16:creationId xmlns:a16="http://schemas.microsoft.com/office/drawing/2014/main" id="{59D6EC4E-2E6F-6251-B8FC-5DFBE63D02C3}"/>
+            </a:ext>
+          </a:extLst>
+        </p:cNvPr>
+        <p:cNvGrpSpPr/>
+        <p:nvPr/>
+      </p:nvGrpSpPr>
+      <p:grpSpPr>
+        <a:xfrm>
+          <a:off x="0" y="0"/>
+          <a:ext cx="0" cy="0"/>
+          <a:chOff x="0" y="0"/>
+          <a:chExt cx="0" cy="0"/>
+        </a:xfrm>
+      </p:grpSpPr>
+      <p:sp>
+        <p:nvSpPr>
+          <p:cNvPr id="2" name="Titolo 1">
+            <a:extLst>
+              <a:ext uri="{FF2B5EF4-FFF2-40B4-BE49-F238E27FC236}">
+                <a16:creationId xmlns:a16="http://schemas.microsoft.com/office/drawing/2014/main" id="{14C96F35-4689-5248-3311-353C54EE4EB9}"/>
+              </a:ext>
+            </a:extLst>
+          </p:cNvPr>
+          <p:cNvSpPr>
+            <a:spLocks noGrp="1"/>
+          </p:cNvSpPr>
+          <p:nvPr>
+            <p:ph type="title"/>
+          </p:nvPr>
+        </p:nvSpPr>
+        <p:spPr>
+          <a:xfrm>
+            <a:off x="838200" y="365126"/>
+            <a:ext cx="10515600" cy="734332"/>
+          </a:xfrm>
+        </p:spPr>
+        <p:txBody>
+          <a:bodyPr/>
+          <a:lstStyle/>
+          <a:p>
+            <a:pPr algn="ctr"/>
+            <a:r>
+              <a:rPr lang="it-IT" dirty="0" err="1"/>
+              <a:t>Results</a:t>
+            </a:r>
+            <a:r>
+              <a:rPr lang="it-IT" dirty="0"/>
+              <a:t> on the R-Group </a:t>
+            </a:r>
+            <a:r>
+              <a:rPr lang="it-IT" dirty="0" err="1"/>
+              <a:t>instances</a:t>
+            </a:r>
+            <a:endParaRPr lang="it-IT" dirty="0"/>
+          </a:p>
+        </p:txBody>
+      </p:sp>
+      <p:pic>
+        <p:nvPicPr>
+          <p:cNvPr id="7" name="Segnaposto contenuto 6" descr="Immagine che contiene testo, Diagramma, linea, diagramma&#10;&#10;Il contenuto generato dall'IA potrebbe non essere corretto.">
+            <a:extLst>
+              <a:ext uri="{FF2B5EF4-FFF2-40B4-BE49-F238E27FC236}">
+                <a16:creationId xmlns:a16="http://schemas.microsoft.com/office/drawing/2014/main" id="{DADB9E8F-A0C9-0DF4-6A61-930832BBEA72}"/>
+              </a:ext>
+            </a:extLst>
+          </p:cNvPr>
+          <p:cNvPicPr>
+            <a:picLocks noGrp="1" noChangeAspect="1"/>
+          </p:cNvPicPr>
+          <p:nvPr>
+            <p:ph sz="half" idx="2"/>
+          </p:nvPr>
+        </p:nvPicPr>
+        <p:blipFill>
+          <a:blip r:embed="rId2">
+            <a:extLst>
+              <a:ext uri="{28A0092B-C50C-407E-A947-70E740481C1C}">
+                <a14:useLocalDpi xmlns:a14="http://schemas.microsoft.com/office/drawing/2010/main" val="0"/>
+              </a:ext>
+            </a:extLst>
+          </a:blip>
+          <a:stretch>
+            <a:fillRect/>
+          </a:stretch>
+        </p:blipFill>
+        <p:spPr>
+          <a:xfrm>
+            <a:off x="1616528" y="1099458"/>
+            <a:ext cx="8958943" cy="5599339"/>
+          </a:xfrm>
+        </p:spPr>
+      </p:pic>
+    </p:spTree>
+    <p:extLst>
+      <p:ext uri="{BB962C8B-B14F-4D97-AF65-F5344CB8AC3E}">
+        <p14:creationId xmlns:p14="http://schemas.microsoft.com/office/powerpoint/2010/main" val="1656756867"/>
+      </p:ext>
+    </p:extLst>
+  </p:cSld>
+  <p:clrMapOvr>
+    <a:masterClrMapping/>
+  </p:clrMapOvr>
+</p:sld>
+</file>
+
+<file path=ppt/slides/slide14.xml><?xml version="1.0" encoding="utf-8"?>
+<p:sld xmlns:a="http://schemas.openxmlformats.org/drawingml/2006/main" xmlns:r="http://schemas.openxmlformats.org/officeDocument/2006/relationships" xmlns:p="http://schemas.openxmlformats.org/presentationml/2006/main">
+  <p:cSld>
+    <p:spTree>
+      <p:nvGrpSpPr>
+        <p:cNvPr id="1" name="">
+          <a:extLst>
+            <a:ext uri="{FF2B5EF4-FFF2-40B4-BE49-F238E27FC236}">
+              <a16:creationId xmlns:a16="http://schemas.microsoft.com/office/drawing/2014/main" id="{A7A90526-5B70-AE63-8A99-A66368AA7FA0}"/>
+            </a:ext>
+          </a:extLst>
+        </p:cNvPr>
+        <p:cNvGrpSpPr/>
+        <p:nvPr/>
+      </p:nvGrpSpPr>
+      <p:grpSpPr>
+        <a:xfrm>
+          <a:off x="0" y="0"/>
+          <a:ext cx="0" cy="0"/>
+          <a:chOff x="0" y="0"/>
+          <a:chExt cx="0" cy="0"/>
+        </a:xfrm>
+      </p:grpSpPr>
+      <p:sp>
+        <p:nvSpPr>
+          <p:cNvPr id="2" name="Titolo 1">
+            <a:extLst>
+              <a:ext uri="{FF2B5EF4-FFF2-40B4-BE49-F238E27FC236}">
+                <a16:creationId xmlns:a16="http://schemas.microsoft.com/office/drawing/2014/main" id="{AAEA9917-E988-AC61-6C0C-C32E3656BC5C}"/>
+              </a:ext>
+            </a:extLst>
+          </p:cNvPr>
+          <p:cNvSpPr>
+            <a:spLocks noGrp="1"/>
+          </p:cNvSpPr>
+          <p:nvPr>
+            <p:ph type="title"/>
+          </p:nvPr>
+        </p:nvSpPr>
+        <p:spPr>
+          <a:xfrm>
+            <a:off x="838200" y="365126"/>
+            <a:ext cx="10515600" cy="734332"/>
+          </a:xfrm>
+        </p:spPr>
+        <p:txBody>
+          <a:bodyPr/>
+          <a:lstStyle/>
+          <a:p>
+            <a:pPr algn="ctr"/>
+            <a:r>
+              <a:rPr lang="it-IT" dirty="0" err="1"/>
+              <a:t>Results</a:t>
+            </a:r>
+            <a:r>
+              <a:rPr lang="it-IT" dirty="0"/>
+              <a:t> on the R-Group </a:t>
+            </a:r>
+            <a:r>
+              <a:rPr lang="it-IT" dirty="0" err="1"/>
+              <a:t>instances</a:t>
+            </a:r>
+            <a:endParaRPr lang="it-IT" dirty="0"/>
+          </a:p>
+        </p:txBody>
+      </p:sp>
+      <p:sp>
+        <p:nvSpPr>
+          <p:cNvPr id="4" name="Segnaposto contenuto 3">
+            <a:extLst>
+              <a:ext uri="{FF2B5EF4-FFF2-40B4-BE49-F238E27FC236}">
+                <a16:creationId xmlns:a16="http://schemas.microsoft.com/office/drawing/2014/main" id="{DD0C7276-2264-17DB-3F68-64EEBEE7745D}"/>
+              </a:ext>
+            </a:extLst>
+          </p:cNvPr>
+          <p:cNvSpPr>
+            <a:spLocks noGrp="1"/>
+          </p:cNvSpPr>
+          <p:nvPr>
+            <p:ph sz="half" idx="2"/>
+          </p:nvPr>
+        </p:nvSpPr>
+        <p:spPr>
+          <a:xfrm>
+            <a:off x="751114" y="1447800"/>
+            <a:ext cx="10515600" cy="4729163"/>
+          </a:xfrm>
+        </p:spPr>
+        <p:txBody>
+          <a:bodyPr>
+            <a:normAutofit/>
+          </a:bodyPr>
+          <a:lstStyle/>
+          <a:p>
+            <a:r>
+              <a:rPr lang="it-IT" dirty="0"/>
+              <a:t>R </a:t>
+            </a:r>
+            <a:r>
+              <a:rPr lang="it-IT" dirty="0" err="1"/>
+              <a:t>instances</a:t>
+            </a:r>
+            <a:r>
+              <a:rPr lang="it-IT" dirty="0"/>
+              <a:t> </a:t>
+            </a:r>
+            <a:r>
+              <a:rPr lang="it-IT" dirty="0" err="1"/>
+              <a:t>have</a:t>
+            </a:r>
+            <a:r>
+              <a:rPr lang="it-IT" dirty="0"/>
+              <a:t> random locations: the </a:t>
+            </a:r>
+            <a:r>
+              <a:rPr lang="it-IT" dirty="0" err="1"/>
+              <a:t>discrepancy</a:t>
+            </a:r>
+            <a:r>
+              <a:rPr lang="it-IT" dirty="0"/>
+              <a:t> </a:t>
+            </a:r>
+            <a:r>
+              <a:rPr lang="it-IT" dirty="0" err="1"/>
+              <a:t>between</a:t>
+            </a:r>
+            <a:r>
+              <a:rPr lang="it-IT" dirty="0"/>
+              <a:t> the </a:t>
+            </a:r>
+            <a:r>
+              <a:rPr lang="it-IT" dirty="0" err="1"/>
+              <a:t>minimim</a:t>
+            </a:r>
+            <a:r>
+              <a:rPr lang="it-IT" dirty="0"/>
+              <a:t> </a:t>
+            </a:r>
+            <a:r>
+              <a:rPr lang="it-IT" dirty="0" err="1"/>
+              <a:t>distance</a:t>
+            </a:r>
+            <a:r>
+              <a:rPr lang="it-IT" dirty="0"/>
+              <a:t> from and to a location and the </a:t>
+            </a:r>
+            <a:r>
+              <a:rPr lang="it-IT" dirty="0" err="1"/>
+              <a:t>actual</a:t>
+            </a:r>
+            <a:r>
+              <a:rPr lang="it-IT" dirty="0"/>
+              <a:t> cost of a </a:t>
+            </a:r>
+            <a:r>
+              <a:rPr lang="it-IT" dirty="0" err="1"/>
+              <a:t>transition</a:t>
+            </a:r>
+            <a:r>
+              <a:rPr lang="it-IT" dirty="0"/>
+              <a:t> </a:t>
+            </a:r>
+            <a:r>
+              <a:rPr lang="it-IT" dirty="0" err="1"/>
+              <a:t>is</a:t>
+            </a:r>
+            <a:r>
+              <a:rPr lang="it-IT" dirty="0"/>
+              <a:t> </a:t>
+            </a:r>
+            <a:r>
+              <a:rPr lang="it-IT" dirty="0" err="1"/>
+              <a:t>probably</a:t>
+            </a:r>
+            <a:r>
+              <a:rPr lang="it-IT" dirty="0"/>
+              <a:t> </a:t>
+            </a:r>
+            <a:r>
+              <a:rPr lang="it-IT" dirty="0" err="1"/>
+              <a:t>lower</a:t>
+            </a:r>
+            <a:r>
+              <a:rPr lang="it-IT" dirty="0"/>
+              <a:t> </a:t>
+            </a:r>
+            <a:r>
+              <a:rPr lang="it-IT" dirty="0" err="1"/>
+              <a:t>than</a:t>
+            </a:r>
+            <a:r>
+              <a:rPr lang="it-IT" dirty="0"/>
+              <a:t> in the C </a:t>
+            </a:r>
+            <a:r>
+              <a:rPr lang="it-IT" dirty="0" err="1"/>
+              <a:t>instances</a:t>
+            </a:r>
+            <a:r>
+              <a:rPr lang="it-IT" dirty="0"/>
+              <a:t>.</a:t>
+            </a:r>
+          </a:p>
+          <a:p>
+            <a:r>
+              <a:rPr lang="it-IT" dirty="0"/>
+              <a:t>In </a:t>
+            </a:r>
+            <a:r>
+              <a:rPr lang="it-IT" dirty="0" err="1"/>
+              <a:t>this</a:t>
+            </a:r>
+            <a:r>
+              <a:rPr lang="it-IT" dirty="0"/>
+              <a:t> case the dual bounds </a:t>
+            </a:r>
+            <a:r>
+              <a:rPr lang="it-IT" dirty="0" err="1"/>
+              <a:t>actually</a:t>
+            </a:r>
+            <a:r>
+              <a:rPr lang="it-IT" dirty="0"/>
+              <a:t> help the </a:t>
+            </a:r>
+            <a:r>
+              <a:rPr lang="it-IT" dirty="0" err="1"/>
+              <a:t>search</a:t>
+            </a:r>
+            <a:r>
+              <a:rPr lang="it-IT" dirty="0"/>
+              <a:t> </a:t>
+            </a:r>
+            <a:r>
+              <a:rPr lang="it-IT" dirty="0" err="1"/>
+              <a:t>process</a:t>
+            </a:r>
+            <a:r>
+              <a:rPr lang="it-IT" dirty="0"/>
+              <a:t>.</a:t>
+            </a:r>
+          </a:p>
+          <a:p>
+            <a:r>
+              <a:rPr lang="it-IT" dirty="0" err="1"/>
+              <a:t>As</a:t>
+            </a:r>
+            <a:r>
+              <a:rPr lang="it-IT" dirty="0"/>
+              <a:t> for the 1-Group, the </a:t>
+            </a:r>
+            <a:r>
+              <a:rPr lang="it-IT" dirty="0" err="1"/>
+              <a:t>resource</a:t>
+            </a:r>
+            <a:r>
+              <a:rPr lang="it-IT" dirty="0"/>
+              <a:t> </a:t>
+            </a:r>
+            <a:r>
+              <a:rPr lang="it-IT" dirty="0" err="1"/>
+              <a:t>variables</a:t>
+            </a:r>
+            <a:r>
+              <a:rPr lang="it-IT" dirty="0"/>
+              <a:t> make the models </a:t>
+            </a:r>
+            <a:r>
+              <a:rPr lang="it-IT" dirty="0" err="1"/>
+              <a:t>perform</a:t>
+            </a:r>
+            <a:r>
+              <a:rPr lang="it-IT" dirty="0"/>
+              <a:t> </a:t>
+            </a:r>
+            <a:r>
+              <a:rPr lang="it-IT" dirty="0" err="1"/>
+              <a:t>better</a:t>
+            </a:r>
+            <a:r>
+              <a:rPr lang="it-IT" dirty="0"/>
+              <a:t> </a:t>
+            </a:r>
+            <a:r>
+              <a:rPr lang="it-IT" dirty="0" err="1"/>
+              <a:t>independently</a:t>
+            </a:r>
+            <a:r>
+              <a:rPr lang="it-IT" dirty="0"/>
+              <a:t> from the </a:t>
+            </a:r>
+            <a:r>
+              <a:rPr lang="it-IT" dirty="0" err="1"/>
+              <a:t>usage</a:t>
+            </a:r>
+            <a:r>
+              <a:rPr lang="it-IT" dirty="0"/>
+              <a:t> of dual bounds.</a:t>
+            </a:r>
+          </a:p>
+          <a:p>
+            <a:r>
+              <a:rPr lang="it-IT" dirty="0"/>
+              <a:t>The </a:t>
+            </a:r>
+            <a:r>
+              <a:rPr lang="it-IT" dirty="0" err="1"/>
+              <a:t>greatest</a:t>
+            </a:r>
+            <a:r>
+              <a:rPr lang="it-IT" dirty="0"/>
+              <a:t> gap </a:t>
+            </a:r>
+            <a:r>
+              <a:rPr lang="it-IT" dirty="0" err="1"/>
+              <a:t>remains</a:t>
+            </a:r>
+            <a:r>
+              <a:rPr lang="it-IT" dirty="0"/>
+              <a:t> </a:t>
+            </a:r>
+            <a:r>
+              <a:rPr lang="it-IT" dirty="0" err="1"/>
+              <a:t>between</a:t>
+            </a:r>
+            <a:r>
+              <a:rPr lang="it-IT" dirty="0"/>
+              <a:t> CP and DIDP.</a:t>
+            </a:r>
+          </a:p>
+          <a:p>
+            <a:endParaRPr lang="it-IT" dirty="0"/>
+          </a:p>
+        </p:txBody>
+      </p:sp>
+    </p:spTree>
+    <p:extLst>
+      <p:ext uri="{BB962C8B-B14F-4D97-AF65-F5344CB8AC3E}">
+        <p14:creationId xmlns:p14="http://schemas.microsoft.com/office/powerpoint/2010/main" val="930047647"/>
+      </p:ext>
+    </p:extLst>
+  </p:cSld>
+  <p:clrMapOvr>
+    <a:masterClrMapping/>
+  </p:clrMapOvr>
+</p:sld>
+</file>
+
+<file path=ppt/slides/slide15.xml><?xml version="1.0" encoding="utf-8"?>
+<p:sld xmlns:a="http://schemas.openxmlformats.org/drawingml/2006/main" xmlns:r="http://schemas.openxmlformats.org/officeDocument/2006/relationships" xmlns:p="http://schemas.openxmlformats.org/presentationml/2006/main">
+  <p:cSld>
+    <p:spTree>
+      <p:nvGrpSpPr>
+        <p:cNvPr id="1" name="">
+          <a:extLst>
+            <a:ext uri="{FF2B5EF4-FFF2-40B4-BE49-F238E27FC236}">
+              <a16:creationId xmlns:a16="http://schemas.microsoft.com/office/drawing/2014/main" id="{FFEBB846-65FC-7958-36CC-36E67CD15A04}"/>
+            </a:ext>
+          </a:extLst>
+        </p:cNvPr>
+        <p:cNvGrpSpPr/>
+        <p:nvPr/>
+      </p:nvGrpSpPr>
+      <p:grpSpPr>
+        <a:xfrm>
+          <a:off x="0" y="0"/>
+          <a:ext cx="0" cy="0"/>
+          <a:chOff x="0" y="0"/>
+          <a:chExt cx="0" cy="0"/>
+        </a:xfrm>
+      </p:grpSpPr>
+      <p:sp>
+        <p:nvSpPr>
+          <p:cNvPr id="2" name="Titolo 1">
+            <a:extLst>
+              <a:ext uri="{FF2B5EF4-FFF2-40B4-BE49-F238E27FC236}">
+                <a16:creationId xmlns:a16="http://schemas.microsoft.com/office/drawing/2014/main" id="{DE804DA4-CB6E-C786-8480-639BE5C2913F}"/>
+              </a:ext>
+            </a:extLst>
+          </p:cNvPr>
+          <p:cNvSpPr>
+            <a:spLocks noGrp="1"/>
+          </p:cNvSpPr>
+          <p:nvPr>
+            <p:ph type="title"/>
+          </p:nvPr>
+        </p:nvSpPr>
+        <p:spPr>
+          <a:xfrm>
+            <a:off x="838200" y="365126"/>
+            <a:ext cx="10515600" cy="734332"/>
+          </a:xfrm>
+        </p:spPr>
+        <p:txBody>
+          <a:bodyPr/>
+          <a:lstStyle/>
+          <a:p>
+            <a:pPr algn="ctr"/>
+            <a:r>
+              <a:rPr lang="it-IT" dirty="0" err="1"/>
+              <a:t>Results</a:t>
+            </a:r>
+            <a:r>
+              <a:rPr lang="it-IT" dirty="0"/>
+              <a:t> on the RC-Group </a:t>
+            </a:r>
+            <a:r>
+              <a:rPr lang="it-IT" dirty="0" err="1"/>
+              <a:t>instances</a:t>
+            </a:r>
+            <a:endParaRPr lang="it-IT" dirty="0"/>
+          </a:p>
+        </p:txBody>
+      </p:sp>
+      <p:pic>
+        <p:nvPicPr>
+          <p:cNvPr id="6" name="Segnaposto contenuto 5" descr="Immagine che contiene testo, Diagramma, linea, diagramma&#10;&#10;Il contenuto generato dall'IA potrebbe non essere corretto.">
+            <a:extLst>
+              <a:ext uri="{FF2B5EF4-FFF2-40B4-BE49-F238E27FC236}">
+                <a16:creationId xmlns:a16="http://schemas.microsoft.com/office/drawing/2014/main" id="{68307069-801E-F89C-2D3A-C941922B371A}"/>
+              </a:ext>
+            </a:extLst>
+          </p:cNvPr>
+          <p:cNvPicPr>
+            <a:picLocks noGrp="1" noChangeAspect="1"/>
+          </p:cNvPicPr>
+          <p:nvPr>
+            <p:ph sz="half" idx="2"/>
+          </p:nvPr>
+        </p:nvPicPr>
+        <p:blipFill>
+          <a:blip r:embed="rId2">
+            <a:extLst>
+              <a:ext uri="{28A0092B-C50C-407E-A947-70E740481C1C}">
+                <a14:useLocalDpi xmlns:a14="http://schemas.microsoft.com/office/drawing/2010/main" val="0"/>
+              </a:ext>
+            </a:extLst>
+          </a:blip>
+          <a:stretch>
+            <a:fillRect/>
+          </a:stretch>
+        </p:blipFill>
+        <p:spPr>
+          <a:xfrm>
+            <a:off x="1524000" y="1099458"/>
+            <a:ext cx="9144000" cy="5715000"/>
+          </a:xfrm>
+        </p:spPr>
+      </p:pic>
+    </p:spTree>
+    <p:extLst>
+      <p:ext uri="{BB962C8B-B14F-4D97-AF65-F5344CB8AC3E}">
+        <p14:creationId xmlns:p14="http://schemas.microsoft.com/office/powerpoint/2010/main" val="4283797210"/>
+      </p:ext>
+    </p:extLst>
+  </p:cSld>
+  <p:clrMapOvr>
+    <a:masterClrMapping/>
+  </p:clrMapOvr>
+</p:sld>
+</file>
+
+<file path=ppt/slides/slide16.xml><?xml version="1.0" encoding="utf-8"?>
+<p:sld xmlns:a="http://schemas.openxmlformats.org/drawingml/2006/main" xmlns:r="http://schemas.openxmlformats.org/officeDocument/2006/relationships" xmlns:p="http://schemas.openxmlformats.org/presentationml/2006/main">
+  <p:cSld>
+    <p:spTree>
+      <p:nvGrpSpPr>
+        <p:cNvPr id="1" name="">
+          <a:extLst>
+            <a:ext uri="{FF2B5EF4-FFF2-40B4-BE49-F238E27FC236}">
+              <a16:creationId xmlns:a16="http://schemas.microsoft.com/office/drawing/2014/main" id="{CEAD57FE-80F8-31E5-DF65-663631B1E618}"/>
+            </a:ext>
+          </a:extLst>
+        </p:cNvPr>
+        <p:cNvGrpSpPr/>
+        <p:nvPr/>
+      </p:nvGrpSpPr>
+      <p:grpSpPr>
+        <a:xfrm>
+          <a:off x="0" y="0"/>
+          <a:ext cx="0" cy="0"/>
+          <a:chOff x="0" y="0"/>
+          <a:chExt cx="0" cy="0"/>
+        </a:xfrm>
+      </p:grpSpPr>
+      <p:sp>
+        <p:nvSpPr>
+          <p:cNvPr id="2" name="Titolo 1">
+            <a:extLst>
+              <a:ext uri="{FF2B5EF4-FFF2-40B4-BE49-F238E27FC236}">
+                <a16:creationId xmlns:a16="http://schemas.microsoft.com/office/drawing/2014/main" id="{89D7B5F4-B415-63D2-A351-53109947CD47}"/>
+              </a:ext>
+            </a:extLst>
+          </p:cNvPr>
+          <p:cNvSpPr>
+            <a:spLocks noGrp="1"/>
+          </p:cNvSpPr>
+          <p:nvPr>
+            <p:ph type="title"/>
+          </p:nvPr>
+        </p:nvSpPr>
+        <p:spPr>
+          <a:xfrm>
+            <a:off x="838200" y="365126"/>
+            <a:ext cx="10515600" cy="734332"/>
+          </a:xfrm>
+        </p:spPr>
+        <p:txBody>
+          <a:bodyPr/>
+          <a:lstStyle/>
+          <a:p>
+            <a:pPr algn="ctr"/>
+            <a:r>
+              <a:rPr lang="it-IT" dirty="0" err="1"/>
+              <a:t>Results</a:t>
+            </a:r>
+            <a:r>
+              <a:rPr lang="it-IT" dirty="0"/>
+              <a:t> on the RC-Group </a:t>
+            </a:r>
+            <a:r>
+              <a:rPr lang="it-IT" dirty="0" err="1"/>
+              <a:t>instances</a:t>
+            </a:r>
+            <a:endParaRPr lang="it-IT" dirty="0"/>
+          </a:p>
+        </p:txBody>
+      </p:sp>
+      <p:sp>
+        <p:nvSpPr>
+          <p:cNvPr id="4" name="Segnaposto contenuto 3">
+            <a:extLst>
+              <a:ext uri="{FF2B5EF4-FFF2-40B4-BE49-F238E27FC236}">
+                <a16:creationId xmlns:a16="http://schemas.microsoft.com/office/drawing/2014/main" id="{1529DD47-D085-7E70-627C-0882281D3C98}"/>
+              </a:ext>
+            </a:extLst>
+          </p:cNvPr>
+          <p:cNvSpPr>
+            <a:spLocks noGrp="1"/>
+          </p:cNvSpPr>
+          <p:nvPr>
+            <p:ph sz="half" idx="2"/>
+          </p:nvPr>
+        </p:nvSpPr>
+        <p:spPr>
+          <a:xfrm>
+            <a:off x="751114" y="1447800"/>
+            <a:ext cx="10515600" cy="4729163"/>
+          </a:xfrm>
+        </p:spPr>
+        <p:txBody>
+          <a:bodyPr>
+            <a:normAutofit/>
+          </a:bodyPr>
+          <a:lstStyle/>
+          <a:p>
+            <a:r>
+              <a:rPr lang="it-IT" dirty="0" err="1"/>
+              <a:t>As</a:t>
+            </a:r>
+            <a:r>
+              <a:rPr lang="it-IT" dirty="0"/>
+              <a:t> for the C-group, the model </a:t>
+            </a:r>
+            <a:r>
+              <a:rPr lang="it-IT" dirty="0" err="1"/>
+              <a:t>without</a:t>
+            </a:r>
+            <a:r>
+              <a:rPr lang="it-IT" dirty="0"/>
+              <a:t> the bounds and with the </a:t>
+            </a:r>
+            <a:r>
+              <a:rPr lang="it-IT" dirty="0" err="1"/>
+              <a:t>resource</a:t>
+            </a:r>
+            <a:r>
+              <a:rPr lang="it-IT" dirty="0"/>
+              <a:t> </a:t>
+            </a:r>
+            <a:r>
+              <a:rPr lang="it-IT" dirty="0" err="1"/>
+              <a:t>variables</a:t>
+            </a:r>
+            <a:r>
+              <a:rPr lang="it-IT" dirty="0"/>
+              <a:t> </a:t>
+            </a:r>
+            <a:r>
+              <a:rPr lang="it-IT" dirty="0" err="1"/>
+              <a:t>is</a:t>
+            </a:r>
+            <a:r>
+              <a:rPr lang="it-IT" dirty="0"/>
+              <a:t> the best </a:t>
+            </a:r>
+            <a:r>
+              <a:rPr lang="it-IT" dirty="0" err="1"/>
+              <a:t>among</a:t>
+            </a:r>
+            <a:r>
+              <a:rPr lang="it-IT" dirty="0"/>
+              <a:t> the DIDP models.</a:t>
+            </a:r>
+          </a:p>
+          <a:p>
+            <a:r>
+              <a:rPr lang="it-IT" dirty="0"/>
+              <a:t>The </a:t>
+            </a:r>
+            <a:r>
+              <a:rPr lang="it-IT" dirty="0" err="1"/>
+              <a:t>difference</a:t>
+            </a:r>
+            <a:r>
+              <a:rPr lang="it-IT" dirty="0"/>
+              <a:t> in the performances </a:t>
+            </a:r>
+            <a:r>
+              <a:rPr lang="it-IT" dirty="0" err="1"/>
+              <a:t>is</a:t>
+            </a:r>
+            <a:r>
+              <a:rPr lang="it-IT" dirty="0"/>
+              <a:t> </a:t>
+            </a:r>
+            <a:r>
+              <a:rPr lang="it-IT" dirty="0" err="1"/>
+              <a:t>mitigated</a:t>
+            </a:r>
+            <a:r>
+              <a:rPr lang="it-IT" dirty="0"/>
+              <a:t> by the </a:t>
+            </a:r>
+            <a:r>
+              <a:rPr lang="it-IT" dirty="0" err="1"/>
+              <a:t>fact</a:t>
+            </a:r>
+            <a:r>
+              <a:rPr lang="it-IT" dirty="0"/>
+              <a:t> </a:t>
+            </a:r>
+            <a:r>
+              <a:rPr lang="it-IT" dirty="0" err="1"/>
+              <a:t>that</a:t>
+            </a:r>
+            <a:r>
+              <a:rPr lang="it-IT" dirty="0"/>
+              <a:t> </a:t>
+            </a:r>
+            <a:r>
+              <a:rPr lang="it-IT" dirty="0" err="1"/>
+              <a:t>only</a:t>
+            </a:r>
+            <a:r>
+              <a:rPr lang="it-IT" dirty="0"/>
+              <a:t> part of the customers are </a:t>
+            </a:r>
+            <a:r>
+              <a:rPr lang="it-IT" dirty="0" err="1"/>
+              <a:t>clustered</a:t>
+            </a:r>
+            <a:r>
+              <a:rPr lang="it-IT" dirty="0"/>
+              <a:t>.</a:t>
+            </a:r>
+          </a:p>
+        </p:txBody>
+      </p:sp>
+    </p:spTree>
+    <p:extLst>
+      <p:ext uri="{BB962C8B-B14F-4D97-AF65-F5344CB8AC3E}">
+        <p14:creationId xmlns:p14="http://schemas.microsoft.com/office/powerpoint/2010/main" val="2469393461"/>
+      </p:ext>
+    </p:extLst>
+  </p:cSld>
+  <p:clrMapOvr>
+    <a:masterClrMapping/>
+  </p:clrMapOvr>
+</p:sld>
+</file>
+
+<file path=ppt/slides/slide17.xml><?xml version="1.0" encoding="utf-8"?>
+<p:sld xmlns:a="http://schemas.openxmlformats.org/drawingml/2006/main" xmlns:r="http://schemas.openxmlformats.org/officeDocument/2006/relationships" xmlns:p="http://schemas.openxmlformats.org/presentationml/2006/main">
+  <p:cSld>
+    <p:spTree>
+      <p:nvGrpSpPr>
+        <p:cNvPr id="1" name="">
+          <a:extLst>
+            <a:ext uri="{FF2B5EF4-FFF2-40B4-BE49-F238E27FC236}">
+              <a16:creationId xmlns:a16="http://schemas.microsoft.com/office/drawing/2014/main" id="{3C68A0D2-18B6-B315-4E2A-09D2016993C6}"/>
+            </a:ext>
+          </a:extLst>
+        </p:cNvPr>
+        <p:cNvGrpSpPr/>
+        <p:nvPr/>
+      </p:nvGrpSpPr>
+      <p:grpSpPr>
+        <a:xfrm>
+          <a:off x="0" y="0"/>
+          <a:ext cx="0" cy="0"/>
+          <a:chOff x="0" y="0"/>
+          <a:chExt cx="0" cy="0"/>
+        </a:xfrm>
+      </p:grpSpPr>
+      <p:sp>
+        <p:nvSpPr>
+          <p:cNvPr id="2" name="Titolo 1">
+            <a:extLst>
+              <a:ext uri="{FF2B5EF4-FFF2-40B4-BE49-F238E27FC236}">
+                <a16:creationId xmlns:a16="http://schemas.microsoft.com/office/drawing/2014/main" id="{E4094EB6-08CE-11CC-030B-8CFF2A93014C}"/>
+              </a:ext>
+            </a:extLst>
+          </p:cNvPr>
+          <p:cNvSpPr>
+            <a:spLocks noGrp="1"/>
+          </p:cNvSpPr>
+          <p:nvPr>
+            <p:ph type="title"/>
+          </p:nvPr>
+        </p:nvSpPr>
+        <p:spPr>
+          <a:xfrm>
+            <a:off x="838200" y="365126"/>
+            <a:ext cx="10515600" cy="734332"/>
+          </a:xfrm>
+        </p:spPr>
+        <p:txBody>
+          <a:bodyPr/>
+          <a:lstStyle/>
+          <a:p>
+            <a:pPr algn="ctr"/>
+            <a:r>
+              <a:rPr lang="it-IT" dirty="0"/>
+              <a:t>Total </a:t>
+            </a:r>
+            <a:r>
+              <a:rPr lang="it-IT" dirty="0" err="1"/>
+              <a:t>perfomances</a:t>
+            </a:r>
+            <a:endParaRPr lang="it-IT" dirty="0"/>
+          </a:p>
+        </p:txBody>
+      </p:sp>
+      <p:pic>
+        <p:nvPicPr>
+          <p:cNvPr id="6" name="Segnaposto contenuto 5" descr="Immagine che contiene testo, Diagramma, linea, schermata&#10;&#10;Il contenuto generato dall'IA potrebbe non essere corretto.">
+            <a:extLst>
+              <a:ext uri="{FF2B5EF4-FFF2-40B4-BE49-F238E27FC236}">
+                <a16:creationId xmlns:a16="http://schemas.microsoft.com/office/drawing/2014/main" id="{6CB75469-2E39-927E-BD44-C8103E2FCF95}"/>
+              </a:ext>
+            </a:extLst>
+          </p:cNvPr>
+          <p:cNvPicPr>
+            <a:picLocks noGrp="1" noChangeAspect="1"/>
+          </p:cNvPicPr>
+          <p:nvPr>
+            <p:ph sz="half" idx="2"/>
+          </p:nvPr>
+        </p:nvPicPr>
+        <p:blipFill>
+          <a:blip r:embed="rId2">
+            <a:extLst>
+              <a:ext uri="{28A0092B-C50C-407E-A947-70E740481C1C}">
+                <a14:useLocalDpi xmlns:a14="http://schemas.microsoft.com/office/drawing/2010/main" val="0"/>
+              </a:ext>
+            </a:extLst>
+          </a:blip>
+          <a:stretch>
+            <a:fillRect/>
+          </a:stretch>
+        </p:blipFill>
+        <p:spPr>
+          <a:xfrm>
+            <a:off x="1584959" y="1099458"/>
+            <a:ext cx="9022081" cy="5638800"/>
+          </a:xfrm>
+        </p:spPr>
+      </p:pic>
+    </p:spTree>
+    <p:extLst>
+      <p:ext uri="{BB962C8B-B14F-4D97-AF65-F5344CB8AC3E}">
+        <p14:creationId xmlns:p14="http://schemas.microsoft.com/office/powerpoint/2010/main" val="1529424962"/>
+      </p:ext>
+    </p:extLst>
+  </p:cSld>
+  <p:clrMapOvr>
+    <a:masterClrMapping/>
+  </p:clrMapOvr>
+</p:sld>
+</file>
+
+<file path=ppt/slides/slide18.xml><?xml version="1.0" encoding="utf-8"?>
+<p:sld xmlns:a="http://schemas.openxmlformats.org/drawingml/2006/main" xmlns:r="http://schemas.openxmlformats.org/officeDocument/2006/relationships" xmlns:p="http://schemas.openxmlformats.org/presentationml/2006/main">
+  <p:cSld>
+    <p:spTree>
+      <p:nvGrpSpPr>
+        <p:cNvPr id="1" name=""/>
+        <p:cNvGrpSpPr/>
+        <p:nvPr/>
+      </p:nvGrpSpPr>
+      <p:grpSpPr>
+        <a:xfrm>
+          <a:off x="0" y="0"/>
+          <a:ext cx="0" cy="0"/>
+          <a:chOff x="0" y="0"/>
+          <a:chExt cx="0" cy="0"/>
+        </a:xfrm>
+      </p:grpSpPr>
+      <p:sp>
+        <p:nvSpPr>
+          <p:cNvPr id="2" name="Titolo 1">
+            <a:extLst>
+              <a:ext uri="{FF2B5EF4-FFF2-40B4-BE49-F238E27FC236}">
+                <a16:creationId xmlns:a16="http://schemas.microsoft.com/office/drawing/2014/main" id="{A3AEFFFB-FDDE-2406-F781-1F52FB37D976}"/>
+              </a:ext>
+            </a:extLst>
+          </p:cNvPr>
+          <p:cNvSpPr>
+            <a:spLocks noGrp="1"/>
+          </p:cNvSpPr>
+          <p:nvPr>
+            <p:ph type="title"/>
+          </p:nvPr>
+        </p:nvSpPr>
+        <p:spPr>
+          <a:xfrm>
+            <a:off x="838200" y="365125"/>
+            <a:ext cx="10515600" cy="843189"/>
+          </a:xfrm>
+        </p:spPr>
+        <p:txBody>
+          <a:bodyPr/>
+          <a:lstStyle/>
+          <a:p>
+            <a:pPr algn="ctr"/>
+            <a:r>
+              <a:rPr lang="it-IT" dirty="0"/>
+              <a:t>Total performances</a:t>
+            </a:r>
+          </a:p>
+        </p:txBody>
+      </p:sp>
+      <p:sp>
+        <p:nvSpPr>
+          <p:cNvPr id="3" name="Segnaposto contenuto 2">
+            <a:extLst>
+              <a:ext uri="{FF2B5EF4-FFF2-40B4-BE49-F238E27FC236}">
+                <a16:creationId xmlns:a16="http://schemas.microsoft.com/office/drawing/2014/main" id="{6E2638FA-B96A-8773-3AB9-552DF94670BE}"/>
+              </a:ext>
+            </a:extLst>
+          </p:cNvPr>
+          <p:cNvSpPr>
+            <a:spLocks noGrp="1"/>
+          </p:cNvSpPr>
+          <p:nvPr>
+            <p:ph idx="1"/>
+          </p:nvPr>
+        </p:nvSpPr>
+        <p:spPr>
+          <a:xfrm>
+            <a:off x="838200" y="1447800"/>
+            <a:ext cx="10515600" cy="4729163"/>
+          </a:xfrm>
+        </p:spPr>
+        <p:txBody>
+          <a:bodyPr/>
+          <a:lstStyle/>
+          <a:p>
+            <a:r>
+              <a:rPr lang="it-IT" dirty="0"/>
+              <a:t>CP </a:t>
+            </a:r>
+            <a:r>
+              <a:rPr lang="it-IT" dirty="0" err="1"/>
+              <a:t>outperforms</a:t>
+            </a:r>
+            <a:r>
+              <a:rPr lang="it-IT" dirty="0"/>
+              <a:t> </a:t>
+            </a:r>
+            <a:r>
+              <a:rPr lang="it-IT" dirty="0" err="1"/>
+              <a:t>all</a:t>
+            </a:r>
+            <a:r>
+              <a:rPr lang="it-IT" dirty="0"/>
+              <a:t> the DIDP models</a:t>
+            </a:r>
+          </a:p>
+          <a:p>
+            <a:r>
+              <a:rPr lang="it-IT" dirty="0"/>
+              <a:t>The </a:t>
+            </a:r>
+            <a:r>
+              <a:rPr lang="it-IT" dirty="0" err="1"/>
+              <a:t>difference</a:t>
+            </a:r>
+            <a:r>
+              <a:rPr lang="it-IT" dirty="0"/>
+              <a:t> in overall performances </a:t>
+            </a:r>
+            <a:r>
+              <a:rPr lang="it-IT" dirty="0" err="1"/>
+              <a:t>between</a:t>
+            </a:r>
+            <a:r>
+              <a:rPr lang="it-IT" dirty="0"/>
+              <a:t> the DIDP models </a:t>
+            </a:r>
+            <a:r>
+              <a:rPr lang="it-IT" dirty="0" err="1"/>
+              <a:t>is</a:t>
+            </a:r>
+            <a:r>
+              <a:rPr lang="it-IT" dirty="0"/>
+              <a:t> </a:t>
+            </a:r>
+            <a:r>
+              <a:rPr lang="it-IT" dirty="0" err="1"/>
+              <a:t>not</a:t>
+            </a:r>
+            <a:r>
+              <a:rPr lang="it-IT" dirty="0"/>
+              <a:t> so big, </a:t>
+            </a:r>
+            <a:r>
+              <a:rPr lang="it-IT" dirty="0" err="1"/>
+              <a:t>but</a:t>
+            </a:r>
+            <a:r>
+              <a:rPr lang="it-IT" dirty="0"/>
+              <a:t> </a:t>
+            </a:r>
+            <a:r>
+              <a:rPr lang="it-IT" dirty="0" err="1"/>
+              <a:t>we</a:t>
+            </a:r>
+            <a:r>
+              <a:rPr lang="it-IT" dirty="0"/>
+              <a:t> can state </a:t>
+            </a:r>
+            <a:r>
+              <a:rPr lang="it-IT" dirty="0" err="1"/>
+              <a:t>that</a:t>
+            </a:r>
+            <a:r>
+              <a:rPr lang="it-IT" dirty="0"/>
+              <a:t>:</a:t>
+            </a:r>
+          </a:p>
+          <a:p>
+            <a:pPr lvl="1">
+              <a:buFont typeface="Wingdings" panose="05000000000000000000" pitchFamily="2" charset="2"/>
+              <a:buChar char="§"/>
+            </a:pPr>
+            <a:r>
+              <a:rPr lang="it-IT" dirty="0"/>
+              <a:t>For </a:t>
+            </a:r>
+            <a:r>
+              <a:rPr lang="it-IT" dirty="0" err="1"/>
+              <a:t>most</a:t>
+            </a:r>
+            <a:r>
+              <a:rPr lang="it-IT" dirty="0"/>
+              <a:t> of the </a:t>
+            </a:r>
+            <a:r>
+              <a:rPr lang="it-IT" dirty="0" err="1"/>
+              <a:t>instances</a:t>
+            </a:r>
+            <a:r>
+              <a:rPr lang="it-IT" dirty="0"/>
+              <a:t> the dual bounds are </a:t>
+            </a:r>
+            <a:r>
+              <a:rPr lang="it-IT" dirty="0" err="1"/>
+              <a:t>not</a:t>
+            </a:r>
+            <a:r>
+              <a:rPr lang="it-IT" dirty="0"/>
+              <a:t> good for </a:t>
+            </a:r>
+            <a:r>
+              <a:rPr lang="it-IT" dirty="0" err="1"/>
+              <a:t>search</a:t>
+            </a:r>
+            <a:r>
+              <a:rPr lang="it-IT" dirty="0"/>
+              <a:t> </a:t>
+            </a:r>
+            <a:r>
+              <a:rPr lang="it-IT" dirty="0" err="1"/>
+              <a:t>guidance</a:t>
+            </a:r>
+            <a:r>
+              <a:rPr lang="it-IT" dirty="0"/>
+              <a:t>.</a:t>
+            </a:r>
+          </a:p>
+          <a:p>
+            <a:pPr lvl="1">
+              <a:buFont typeface="Wingdings" panose="05000000000000000000" pitchFamily="2" charset="2"/>
+              <a:buChar char="§"/>
+            </a:pPr>
+            <a:r>
+              <a:rPr lang="it-IT" dirty="0" err="1"/>
+              <a:t>If</a:t>
+            </a:r>
+            <a:r>
+              <a:rPr lang="it-IT" dirty="0"/>
+              <a:t> the </a:t>
+            </a:r>
+            <a:r>
+              <a:rPr lang="it-IT" dirty="0" err="1"/>
+              <a:t>only</a:t>
+            </a:r>
+            <a:r>
+              <a:rPr lang="it-IT" dirty="0"/>
+              <a:t> </a:t>
+            </a:r>
+            <a:r>
+              <a:rPr lang="it-IT" dirty="0" err="1"/>
+              <a:t>difference</a:t>
+            </a:r>
+            <a:r>
+              <a:rPr lang="it-IT" dirty="0"/>
+              <a:t> </a:t>
+            </a:r>
+            <a:r>
+              <a:rPr lang="it-IT" dirty="0" err="1"/>
+              <a:t>between</a:t>
+            </a:r>
+            <a:r>
+              <a:rPr lang="it-IT" dirty="0"/>
+              <a:t> </a:t>
+            </a:r>
+            <a:r>
+              <a:rPr lang="it-IT" dirty="0" err="1"/>
+              <a:t>two</a:t>
+            </a:r>
+            <a:r>
+              <a:rPr lang="it-IT" dirty="0"/>
+              <a:t> models </a:t>
+            </a:r>
+            <a:r>
+              <a:rPr lang="it-IT" dirty="0" err="1"/>
+              <a:t>is</a:t>
+            </a:r>
+            <a:r>
+              <a:rPr lang="it-IT" dirty="0"/>
+              <a:t> the </a:t>
+            </a:r>
+            <a:r>
+              <a:rPr lang="it-IT" dirty="0" err="1"/>
+              <a:t>usage</a:t>
+            </a:r>
+            <a:r>
+              <a:rPr lang="it-IT" dirty="0"/>
+              <a:t> of </a:t>
+            </a:r>
+            <a:r>
+              <a:rPr lang="it-IT" dirty="0" err="1"/>
+              <a:t>resource</a:t>
+            </a:r>
+            <a:r>
+              <a:rPr lang="it-IT" dirty="0"/>
+              <a:t> </a:t>
+            </a:r>
+            <a:r>
+              <a:rPr lang="it-IT" dirty="0" err="1"/>
+              <a:t>variables</a:t>
+            </a:r>
+            <a:r>
+              <a:rPr lang="it-IT" dirty="0"/>
+              <a:t>, the one </a:t>
+            </a:r>
+            <a:r>
+              <a:rPr lang="it-IT" dirty="0" err="1"/>
+              <a:t>exploiting</a:t>
+            </a:r>
+            <a:r>
+              <a:rPr lang="it-IT" dirty="0"/>
+              <a:t> </a:t>
+            </a:r>
+            <a:r>
+              <a:rPr lang="it-IT" dirty="0" err="1"/>
+              <a:t>them</a:t>
+            </a:r>
+            <a:r>
+              <a:rPr lang="it-IT" dirty="0"/>
+              <a:t> </a:t>
+            </a:r>
+            <a:r>
+              <a:rPr lang="it-IT" dirty="0" err="1"/>
+              <a:t>has</a:t>
+            </a:r>
+            <a:r>
+              <a:rPr lang="it-IT" dirty="0"/>
+              <a:t> </a:t>
+            </a:r>
+            <a:r>
+              <a:rPr lang="it-IT" dirty="0" err="1"/>
+              <a:t>better</a:t>
+            </a:r>
+            <a:r>
+              <a:rPr lang="it-IT" dirty="0"/>
+              <a:t> performances </a:t>
+            </a:r>
+            <a:r>
+              <a:rPr lang="it-IT" dirty="0" err="1"/>
+              <a:t>than</a:t>
+            </a:r>
+            <a:r>
+              <a:rPr lang="it-IT" dirty="0"/>
+              <a:t> the </a:t>
+            </a:r>
+            <a:r>
+              <a:rPr lang="it-IT" dirty="0" err="1"/>
+              <a:t>other</a:t>
+            </a:r>
+            <a:r>
+              <a:rPr lang="it-IT" dirty="0"/>
+              <a:t>.</a:t>
+            </a:r>
+            <a:br>
+              <a:rPr lang="it-IT" dirty="0"/>
+            </a:br>
+            <a:endParaRPr lang="it-IT" dirty="0"/>
+          </a:p>
+        </p:txBody>
+      </p:sp>
+    </p:spTree>
+    <p:extLst>
+      <p:ext uri="{BB962C8B-B14F-4D97-AF65-F5344CB8AC3E}">
+        <p14:creationId xmlns:p14="http://schemas.microsoft.com/office/powerpoint/2010/main" val="3148590285"/>
       </p:ext>
     </p:extLst>
   </p:cSld>
@@ -4550,8 +6756,8 @@
           </a:p>
         </p:txBody>
       </p:sp>
-      <mc:AlternateContent xmlns:mc="http://schemas.openxmlformats.org/markup-compatibility/2006">
-        <mc:Choice xmlns:a14="http://schemas.microsoft.com/office/drawing/2010/main" Requires="a14">
+      <mc:AlternateContent xmlns:mc="http://schemas.openxmlformats.org/markup-compatibility/2006" xmlns:a14="http://schemas.microsoft.com/office/drawing/2010/main">
+        <mc:Choice Requires="a14">
           <p:sp>
             <p:nvSpPr>
               <p:cNvPr id="4" name="テキスト ボックス 5">
@@ -5813,21 +8019,7 @@
                                       <a:latin typeface="Cambria Math" panose="02040503050406030204" pitchFamily="18" charset="0"/>
                                       <a:ea typeface="Cambria Math" panose="02040503050406030204" pitchFamily="18" charset="0"/>
                                     </a:rPr>
-                                    <m:t>        </m:t>
-                                  </m:r>
-                                  <m:r>
-                                    <a:rPr lang="it-IT" sz="1875" b="0" i="1" smtClean="0">
-                                      <a:latin typeface="Cambria Math" panose="02040503050406030204" pitchFamily="18" charset="0"/>
-                                      <a:ea typeface="Cambria Math" panose="02040503050406030204" pitchFamily="18" charset="0"/>
-                                    </a:rPr>
-                                    <m:t>     </m:t>
-                                  </m:r>
-                                  <m:r>
-                                    <a:rPr lang="it-IT" sz="1875" b="0" i="1" smtClean="0">
-                                      <a:latin typeface="Cambria Math" panose="02040503050406030204" pitchFamily="18" charset="0"/>
-                                      <a:ea typeface="Cambria Math" panose="02040503050406030204" pitchFamily="18" charset="0"/>
-                                    </a:rPr>
-                                    <m:t>   </m:t>
+                                    <m:t>                </m:t>
                                   </m:r>
                                   <m:r>
                                     <a:rPr lang="it-IT" sz="1875" b="0" i="1" smtClean="0">
@@ -6657,14 +8849,7 @@
                                       <a:latin typeface="Cambria Math" panose="02040503050406030204" pitchFamily="18" charset="0"/>
                                       <a:ea typeface="Cambria Math" panose="02040503050406030204" pitchFamily="18" charset="0"/>
                                     </a:rPr>
-                                    <m:t>0                                                                           </m:t>
-                                  </m:r>
-                                  <m:r>
-                                    <a:rPr lang="it-IT" sz="1875" b="0" i="1" smtClean="0">
-                                      <a:latin typeface="Cambria Math" panose="02040503050406030204" pitchFamily="18" charset="0"/>
-                                      <a:ea typeface="Cambria Math" panose="02040503050406030204" pitchFamily="18" charset="0"/>
-                                    </a:rPr>
-                                    <m:t>                                                                                    </m:t>
+                                    <m:t>0                                                                                                                                                               </m:t>
                                   </m:r>
                                   <m:r>
                                     <a:rPr lang="it-IT" sz="1875" i="1">
@@ -6739,7 +8924,7 @@
             </p:txBody>
           </p:sp>
         </mc:Choice>
-        <mc:Fallback>
+        <mc:Fallback xmlns="">
           <p:sp>
             <p:nvSpPr>
               <p:cNvPr id="4" name="テキスト ボックス 5">
@@ -7146,13 +9331,7 @@
                       <a:rPr lang="it-IT" b="0" i="0" smtClean="0">
                         <a:latin typeface="Cambria Math" panose="02040503050406030204" pitchFamily="18" charset="0"/>
                       </a:rPr>
-                      <m:t> </m:t>
-                    </m:r>
-                    <m:r>
-                      <a:rPr lang="it-IT" b="0" i="0" smtClean="0">
-                        <a:latin typeface="Cambria Math" panose="02040503050406030204" pitchFamily="18" charset="0"/>
-                      </a:rPr>
-                      <m:t> </m:t>
+                      <m:t>  </m:t>
                     </m:r>
                     <m:r>
                       <m:rPr>
@@ -8126,7 +10305,7 @@
                           <a:latin typeface="Cambria Math" panose="02040503050406030204" pitchFamily="18" charset="0"/>
                           <a:ea typeface="Cambria Math" panose="02040503050406030204" pitchFamily="18" charset="0"/>
                         </a:rPr>
-                        <m:t>&lt;</m:t>
+                        <m:t>≤</m:t>
                       </m:r>
                       <m:nary>
                         <m:naryPr>
@@ -8356,11 +10535,11 @@
                         </m:sub>
                       </m:sSub>
                       <m:r>
-                        <a:rPr lang="it-IT" b="0" i="1" smtClean="0">
+                        <a:rPr lang="it-IT" i="1">
                           <a:latin typeface="Cambria Math" panose="02040503050406030204" pitchFamily="18" charset="0"/>
                           <a:ea typeface="Cambria Math" panose="02040503050406030204" pitchFamily="18" charset="0"/>
                         </a:rPr>
-                        <m:t>&lt;</m:t>
+                        <m:t>≤</m:t>
                       </m:r>
                       <m:sSub>
                         <m:sSubPr>
@@ -8653,15 +10832,7 @@
             </a:r>
             <a:r>
               <a:rPr lang="it-IT" dirty="0"/>
-              <a:t> with </a:t>
-            </a:r>
-            <a:r>
-              <a:rPr lang="it-IT"/>
-              <a:t>LNBS solver </a:t>
-            </a:r>
-            <a:r>
-              <a:rPr lang="it-IT" dirty="0"/>
-              <a:t>with a time </a:t>
+              <a:t> with LNBS solver with a time </a:t>
             </a:r>
             <a:r>
               <a:rPr lang="it-IT" dirty="0" err="1"/>
@@ -8699,11 +10870,19 @@
             </a:r>
             <a:r>
               <a:rPr lang="it-IT" dirty="0"/>
-              <a:t> </a:t>
-            </a:r>
-            <a:r>
-              <a:rPr lang="it-IT" dirty="0" err="1"/>
-              <a:t>has</a:t>
+              <a:t> and the </a:t>
+            </a:r>
+            <a:r>
+              <a:rPr lang="it-IT" dirty="0" err="1"/>
+              <a:t>primal</a:t>
+            </a:r>
+            <a:r>
+              <a:rPr lang="it-IT" dirty="0"/>
+              <a:t> gap </a:t>
+            </a:r>
+            <a:r>
+              <a:rPr lang="it-IT" dirty="0" err="1"/>
+              <a:t>have</a:t>
             </a:r>
             <a:r>
               <a:rPr lang="it-IT" dirty="0"/>
@@ -8917,7 +11096,7 @@
           <a:p>
             <a:r>
               <a:rPr lang="en-US" dirty="0"/>
-              <a:t>CR1 &amp; CR2: mixture of clustered and random data</a:t>
+              <a:t>RC1 &amp; RC2: mixture of clustered and random data</a:t>
             </a:r>
           </a:p>
           <a:p>
@@ -8926,7 +11105,7 @@
             </a:pPr>
             <a:r>
               <a:rPr lang="en-US" dirty="0"/>
-              <a:t>The coordinates are the same within sets of problems of one type (C, R, RC), but C1, R1 and RC1 have a shorter scheduling horizon, allowing only a few customers for route.</a:t>
+              <a:t>The coordinates are the same within sets of problems of one type (C, R, RC), but C1, R1 and RC1 have a shorter scheduling horizon and a lower vehicles capacity, allowing only a few customers for route.</a:t>
             </a:r>
           </a:p>
         </p:txBody>
@@ -8935,6 +11114,580 @@
     <p:extLst>
       <p:ext uri="{BB962C8B-B14F-4D97-AF65-F5344CB8AC3E}">
         <p14:creationId xmlns:p14="http://schemas.microsoft.com/office/powerpoint/2010/main" val="3954846787"/>
+      </p:ext>
+    </p:extLst>
+  </p:cSld>
+  <p:clrMapOvr>
+    <a:masterClrMapping/>
+  </p:clrMapOvr>
+</p:sld>
+</file>
+
+<file path=ppt/slides/slide7.xml><?xml version="1.0" encoding="utf-8"?>
+<p:sld xmlns:a="http://schemas.openxmlformats.org/drawingml/2006/main" xmlns:r="http://schemas.openxmlformats.org/officeDocument/2006/relationships" xmlns:p="http://schemas.openxmlformats.org/presentationml/2006/main">
+  <p:cSld>
+    <p:spTree>
+      <p:nvGrpSpPr>
+        <p:cNvPr id="1" name=""/>
+        <p:cNvGrpSpPr/>
+        <p:nvPr/>
+      </p:nvGrpSpPr>
+      <p:grpSpPr>
+        <a:xfrm>
+          <a:off x="0" y="0"/>
+          <a:ext cx="0" cy="0"/>
+          <a:chOff x="0" y="0"/>
+          <a:chExt cx="0" cy="0"/>
+        </a:xfrm>
+      </p:grpSpPr>
+      <p:sp>
+        <p:nvSpPr>
+          <p:cNvPr id="2" name="Titolo 1">
+            <a:extLst>
+              <a:ext uri="{FF2B5EF4-FFF2-40B4-BE49-F238E27FC236}">
+                <a16:creationId xmlns:a16="http://schemas.microsoft.com/office/drawing/2014/main" id="{41BB110A-F5CD-1071-6FCA-3E1DA9CB6447}"/>
+              </a:ext>
+            </a:extLst>
+          </p:cNvPr>
+          <p:cNvSpPr>
+            <a:spLocks noGrp="1"/>
+          </p:cNvSpPr>
+          <p:nvPr>
+            <p:ph type="title"/>
+          </p:nvPr>
+        </p:nvSpPr>
+        <p:spPr>
+          <a:xfrm>
+            <a:off x="838200" y="365126"/>
+            <a:ext cx="10515600" cy="734332"/>
+          </a:xfrm>
+        </p:spPr>
+        <p:txBody>
+          <a:bodyPr/>
+          <a:lstStyle/>
+          <a:p>
+            <a:pPr algn="ctr"/>
+            <a:r>
+              <a:rPr lang="it-IT" dirty="0" err="1"/>
+              <a:t>Results</a:t>
+            </a:r>
+            <a:r>
+              <a:rPr lang="it-IT" dirty="0"/>
+              <a:t> on the 1-Group </a:t>
+            </a:r>
+            <a:r>
+              <a:rPr lang="it-IT" dirty="0" err="1"/>
+              <a:t>instances</a:t>
+            </a:r>
+            <a:endParaRPr lang="it-IT" dirty="0"/>
+          </a:p>
+        </p:txBody>
+      </p:sp>
+      <p:pic>
+        <p:nvPicPr>
+          <p:cNvPr id="10" name="Segnaposto contenuto 9" descr="Immagine che contiene testo, Diagramma, linea, diagramma&#10;&#10;Il contenuto generato dall'IA potrebbe non essere corretto.">
+            <a:extLst>
+              <a:ext uri="{FF2B5EF4-FFF2-40B4-BE49-F238E27FC236}">
+                <a16:creationId xmlns:a16="http://schemas.microsoft.com/office/drawing/2014/main" id="{E547955F-4703-AFA7-7187-3ECDAD401B29}"/>
+              </a:ext>
+            </a:extLst>
+          </p:cNvPr>
+          <p:cNvPicPr>
+            <a:picLocks noGrp="1" noChangeAspect="1"/>
+          </p:cNvPicPr>
+          <p:nvPr>
+            <p:ph sz="half" idx="2"/>
+          </p:nvPr>
+        </p:nvPicPr>
+        <p:blipFill>
+          <a:blip r:embed="rId2">
+            <a:extLst>
+              <a:ext uri="{28A0092B-C50C-407E-A947-70E740481C1C}">
+                <a14:useLocalDpi xmlns:a14="http://schemas.microsoft.com/office/drawing/2010/main" val="0"/>
+              </a:ext>
+            </a:extLst>
+          </a:blip>
+          <a:stretch>
+            <a:fillRect/>
+          </a:stretch>
+        </p:blipFill>
+        <p:spPr>
+          <a:xfrm>
+            <a:off x="1404257" y="1099458"/>
+            <a:ext cx="9622470" cy="5393416"/>
+          </a:xfrm>
+        </p:spPr>
+      </p:pic>
+    </p:spTree>
+    <p:extLst>
+      <p:ext uri="{BB962C8B-B14F-4D97-AF65-F5344CB8AC3E}">
+        <p14:creationId xmlns:p14="http://schemas.microsoft.com/office/powerpoint/2010/main" val="2319321172"/>
+      </p:ext>
+    </p:extLst>
+  </p:cSld>
+  <p:clrMapOvr>
+    <a:masterClrMapping/>
+  </p:clrMapOvr>
+</p:sld>
+</file>
+
+<file path=ppt/slides/slide8.xml><?xml version="1.0" encoding="utf-8"?>
+<p:sld xmlns:a="http://schemas.openxmlformats.org/drawingml/2006/main" xmlns:r="http://schemas.openxmlformats.org/officeDocument/2006/relationships" xmlns:p="http://schemas.openxmlformats.org/presentationml/2006/main">
+  <p:cSld>
+    <p:spTree>
+      <p:nvGrpSpPr>
+        <p:cNvPr id="1" name="">
+          <a:extLst>
+            <a:ext uri="{FF2B5EF4-FFF2-40B4-BE49-F238E27FC236}">
+              <a16:creationId xmlns:a16="http://schemas.microsoft.com/office/drawing/2014/main" id="{F196BFC9-0187-1E29-9228-4BB8D78729C7}"/>
+            </a:ext>
+          </a:extLst>
+        </p:cNvPr>
+        <p:cNvGrpSpPr/>
+        <p:nvPr/>
+      </p:nvGrpSpPr>
+      <p:grpSpPr>
+        <a:xfrm>
+          <a:off x="0" y="0"/>
+          <a:ext cx="0" cy="0"/>
+          <a:chOff x="0" y="0"/>
+          <a:chExt cx="0" cy="0"/>
+        </a:xfrm>
+      </p:grpSpPr>
+      <p:sp>
+        <p:nvSpPr>
+          <p:cNvPr id="2" name="Titolo 1">
+            <a:extLst>
+              <a:ext uri="{FF2B5EF4-FFF2-40B4-BE49-F238E27FC236}">
+                <a16:creationId xmlns:a16="http://schemas.microsoft.com/office/drawing/2014/main" id="{BAAD9AA5-C38F-F932-6C51-477441AAE736}"/>
+              </a:ext>
+            </a:extLst>
+          </p:cNvPr>
+          <p:cNvSpPr>
+            <a:spLocks noGrp="1"/>
+          </p:cNvSpPr>
+          <p:nvPr>
+            <p:ph type="title"/>
+          </p:nvPr>
+        </p:nvSpPr>
+        <p:spPr>
+          <a:xfrm>
+            <a:off x="838200" y="365126"/>
+            <a:ext cx="10515600" cy="734332"/>
+          </a:xfrm>
+        </p:spPr>
+        <p:txBody>
+          <a:bodyPr/>
+          <a:lstStyle/>
+          <a:p>
+            <a:pPr algn="ctr"/>
+            <a:r>
+              <a:rPr lang="it-IT" dirty="0" err="1"/>
+              <a:t>Results</a:t>
+            </a:r>
+            <a:r>
+              <a:rPr lang="it-IT" dirty="0"/>
+              <a:t> on the 1-Group </a:t>
+            </a:r>
+            <a:r>
+              <a:rPr lang="it-IT" dirty="0" err="1"/>
+              <a:t>instances</a:t>
+            </a:r>
+            <a:endParaRPr lang="it-IT" dirty="0"/>
+          </a:p>
+        </p:txBody>
+      </p:sp>
+      <p:sp>
+        <p:nvSpPr>
+          <p:cNvPr id="4" name="Segnaposto contenuto 3">
+            <a:extLst>
+              <a:ext uri="{FF2B5EF4-FFF2-40B4-BE49-F238E27FC236}">
+                <a16:creationId xmlns:a16="http://schemas.microsoft.com/office/drawing/2014/main" id="{7DDCCA24-8F32-167A-BDC3-E0E416A7E5A3}"/>
+              </a:ext>
+            </a:extLst>
+          </p:cNvPr>
+          <p:cNvSpPr>
+            <a:spLocks noGrp="1"/>
+          </p:cNvSpPr>
+          <p:nvPr>
+            <p:ph sz="half" idx="2"/>
+          </p:nvPr>
+        </p:nvSpPr>
+        <p:spPr>
+          <a:xfrm>
+            <a:off x="751114" y="1447800"/>
+            <a:ext cx="10515600" cy="4729163"/>
+          </a:xfrm>
+        </p:spPr>
+        <p:txBody>
+          <a:bodyPr/>
+          <a:lstStyle/>
+          <a:p>
+            <a:r>
+              <a:rPr lang="it-IT" dirty="0"/>
+              <a:t>The CP model </a:t>
+            </a:r>
+            <a:r>
+              <a:rPr lang="it-IT" dirty="0" err="1"/>
+              <a:t>outperforms</a:t>
+            </a:r>
+            <a:r>
+              <a:rPr lang="it-IT" dirty="0"/>
+              <a:t> the DIDP models.</a:t>
+            </a:r>
+          </a:p>
+          <a:p>
+            <a:r>
+              <a:rPr lang="it-IT" dirty="0"/>
+              <a:t>In 1-Group, </a:t>
+            </a:r>
+            <a:r>
+              <a:rPr lang="it-IT" dirty="0" err="1"/>
+              <a:t>we</a:t>
+            </a:r>
+            <a:r>
+              <a:rPr lang="it-IT" dirty="0"/>
+              <a:t> </a:t>
+            </a:r>
+            <a:r>
+              <a:rPr lang="it-IT" dirty="0" err="1"/>
+              <a:t>have</a:t>
+            </a:r>
+            <a:r>
+              <a:rPr lang="it-IT" dirty="0"/>
+              <a:t> </a:t>
+            </a:r>
+            <a:r>
+              <a:rPr lang="it-IT" dirty="0" err="1"/>
+              <a:t>stricter</a:t>
+            </a:r>
+            <a:r>
+              <a:rPr lang="it-IT" dirty="0"/>
+              <a:t> </a:t>
+            </a:r>
+            <a:r>
+              <a:rPr lang="it-IT" dirty="0" err="1"/>
+              <a:t>constraints</a:t>
+            </a:r>
+            <a:r>
+              <a:rPr lang="it-IT" dirty="0"/>
+              <a:t> on time windows and </a:t>
+            </a:r>
+            <a:r>
+              <a:rPr lang="it-IT" dirty="0" err="1"/>
+              <a:t>capacity</a:t>
+            </a:r>
+            <a:r>
+              <a:rPr lang="it-IT" dirty="0"/>
+              <a:t>, </a:t>
+            </a:r>
+            <a:r>
+              <a:rPr lang="it-IT" dirty="0" err="1"/>
+              <a:t>allowing</a:t>
+            </a:r>
+            <a:r>
+              <a:rPr lang="it-IT" dirty="0"/>
+              <a:t> </a:t>
+            </a:r>
+            <a:r>
+              <a:rPr lang="it-IT" dirty="0" err="1"/>
+              <a:t>fewer</a:t>
+            </a:r>
+            <a:r>
+              <a:rPr lang="it-IT" dirty="0"/>
+              <a:t> </a:t>
+            </a:r>
+            <a:r>
+              <a:rPr lang="it-IT" dirty="0" err="1"/>
+              <a:t>transitions</a:t>
+            </a:r>
+            <a:r>
+              <a:rPr lang="it-IT" dirty="0"/>
+              <a:t> in </a:t>
+            </a:r>
+            <a:r>
+              <a:rPr lang="it-IT" dirty="0" err="1"/>
+              <a:t>each</a:t>
+            </a:r>
+            <a:r>
+              <a:rPr lang="it-IT" dirty="0"/>
+              <a:t> state.</a:t>
+            </a:r>
+          </a:p>
+          <a:p>
+            <a:r>
+              <a:rPr lang="it-IT" dirty="0"/>
+              <a:t>With a </a:t>
+            </a:r>
+            <a:r>
+              <a:rPr lang="it-IT" dirty="0" err="1"/>
+              <a:t>lower</a:t>
+            </a:r>
+            <a:r>
+              <a:rPr lang="it-IT" dirty="0"/>
+              <a:t> branching </a:t>
+            </a:r>
+            <a:r>
+              <a:rPr lang="it-IT" dirty="0" err="1"/>
+              <a:t>factor</a:t>
+            </a:r>
+            <a:r>
+              <a:rPr lang="it-IT" dirty="0"/>
+              <a:t>, the dual bounds </a:t>
+            </a:r>
+            <a:r>
+              <a:rPr lang="it-IT" dirty="0" err="1"/>
+              <a:t>seem</a:t>
+            </a:r>
+            <a:r>
+              <a:rPr lang="it-IT" dirty="0"/>
+              <a:t> to be good for </a:t>
+            </a:r>
+            <a:r>
+              <a:rPr lang="it-IT" dirty="0" err="1"/>
+              <a:t>search</a:t>
+            </a:r>
+            <a:r>
+              <a:rPr lang="it-IT" dirty="0"/>
+              <a:t> </a:t>
+            </a:r>
+            <a:r>
+              <a:rPr lang="it-IT" dirty="0" err="1"/>
+              <a:t>guidance</a:t>
+            </a:r>
+            <a:r>
+              <a:rPr lang="it-IT" dirty="0"/>
+              <a:t>, making the Complete model the best </a:t>
+            </a:r>
+            <a:r>
+              <a:rPr lang="it-IT" dirty="0" err="1"/>
+              <a:t>among</a:t>
+            </a:r>
+            <a:r>
+              <a:rPr lang="it-IT" dirty="0"/>
+              <a:t> the DIDP </a:t>
+            </a:r>
+            <a:r>
+              <a:rPr lang="it-IT" dirty="0" err="1"/>
+              <a:t>variations</a:t>
+            </a:r>
+            <a:r>
+              <a:rPr lang="it-IT" dirty="0"/>
+              <a:t>.</a:t>
+            </a:r>
+          </a:p>
+          <a:p>
+            <a:r>
+              <a:rPr lang="it-IT" dirty="0"/>
+              <a:t>The </a:t>
+            </a:r>
+            <a:r>
+              <a:rPr lang="it-IT" dirty="0" err="1"/>
+              <a:t>worst</a:t>
+            </a:r>
+            <a:r>
+              <a:rPr lang="it-IT" dirty="0"/>
+              <a:t> DIDP models are the </a:t>
+            </a:r>
+            <a:r>
+              <a:rPr lang="it-IT" dirty="0" err="1"/>
+              <a:t>ones</a:t>
+            </a:r>
+            <a:r>
+              <a:rPr lang="it-IT" dirty="0"/>
+              <a:t> </a:t>
+            </a:r>
+            <a:r>
+              <a:rPr lang="it-IT" dirty="0" err="1"/>
+              <a:t>without</a:t>
+            </a:r>
+            <a:r>
+              <a:rPr lang="it-IT" dirty="0"/>
+              <a:t> </a:t>
+            </a:r>
+            <a:r>
+              <a:rPr lang="it-IT" dirty="0" err="1"/>
+              <a:t>resource</a:t>
+            </a:r>
+            <a:r>
+              <a:rPr lang="it-IT" dirty="0"/>
+              <a:t> </a:t>
+            </a:r>
+            <a:r>
+              <a:rPr lang="it-IT" dirty="0" err="1"/>
+              <a:t>variables</a:t>
+            </a:r>
+            <a:r>
+              <a:rPr lang="it-IT" dirty="0"/>
+              <a:t>.</a:t>
+            </a:r>
+          </a:p>
+          <a:p>
+            <a:r>
+              <a:rPr lang="it-IT" dirty="0"/>
+              <a:t>The </a:t>
+            </a:r>
+            <a:r>
+              <a:rPr lang="it-IT" dirty="0" err="1"/>
+              <a:t>difference</a:t>
+            </a:r>
+            <a:r>
+              <a:rPr lang="it-IT" dirty="0"/>
+              <a:t> in performances </a:t>
+            </a:r>
+            <a:r>
+              <a:rPr lang="it-IT" dirty="0" err="1"/>
+              <a:t>between</a:t>
+            </a:r>
+            <a:r>
+              <a:rPr lang="it-IT" dirty="0"/>
+              <a:t> DIDP models </a:t>
+            </a:r>
+            <a:r>
+              <a:rPr lang="it-IT" dirty="0" err="1"/>
+              <a:t>is</a:t>
+            </a:r>
+            <a:r>
+              <a:rPr lang="it-IT" dirty="0"/>
+              <a:t> </a:t>
+            </a:r>
+            <a:r>
+              <a:rPr lang="it-IT" dirty="0" err="1"/>
+              <a:t>not</a:t>
+            </a:r>
+            <a:r>
+              <a:rPr lang="it-IT" dirty="0"/>
+              <a:t> so high, </a:t>
+            </a:r>
+            <a:r>
+              <a:rPr lang="it-IT" dirty="0" err="1"/>
+              <a:t>compared</a:t>
+            </a:r>
+            <a:r>
+              <a:rPr lang="it-IT" dirty="0"/>
+              <a:t> to CP vs DIDP.</a:t>
+            </a:r>
+          </a:p>
+        </p:txBody>
+      </p:sp>
+    </p:spTree>
+    <p:extLst>
+      <p:ext uri="{BB962C8B-B14F-4D97-AF65-F5344CB8AC3E}">
+        <p14:creationId xmlns:p14="http://schemas.microsoft.com/office/powerpoint/2010/main" val="3870173674"/>
+      </p:ext>
+    </p:extLst>
+  </p:cSld>
+  <p:clrMapOvr>
+    <a:masterClrMapping/>
+  </p:clrMapOvr>
+</p:sld>
+</file>
+
+<file path=ppt/slides/slide9.xml><?xml version="1.0" encoding="utf-8"?>
+<p:sld xmlns:a="http://schemas.openxmlformats.org/drawingml/2006/main" xmlns:r="http://schemas.openxmlformats.org/officeDocument/2006/relationships" xmlns:p="http://schemas.openxmlformats.org/presentationml/2006/main">
+  <p:cSld>
+    <p:spTree>
+      <p:nvGrpSpPr>
+        <p:cNvPr id="1" name="">
+          <a:extLst>
+            <a:ext uri="{FF2B5EF4-FFF2-40B4-BE49-F238E27FC236}">
+              <a16:creationId xmlns:a16="http://schemas.microsoft.com/office/drawing/2014/main" id="{3D0D7CA6-8B32-A15E-651D-10BD9FB08E0A}"/>
+            </a:ext>
+          </a:extLst>
+        </p:cNvPr>
+        <p:cNvGrpSpPr/>
+        <p:nvPr/>
+      </p:nvGrpSpPr>
+      <p:grpSpPr>
+        <a:xfrm>
+          <a:off x="0" y="0"/>
+          <a:ext cx="0" cy="0"/>
+          <a:chOff x="0" y="0"/>
+          <a:chExt cx="0" cy="0"/>
+        </a:xfrm>
+      </p:grpSpPr>
+      <p:sp>
+        <p:nvSpPr>
+          <p:cNvPr id="2" name="Titolo 1">
+            <a:extLst>
+              <a:ext uri="{FF2B5EF4-FFF2-40B4-BE49-F238E27FC236}">
+                <a16:creationId xmlns:a16="http://schemas.microsoft.com/office/drawing/2014/main" id="{62C1E75E-1CB0-F92D-E31C-3759E3B32512}"/>
+              </a:ext>
+            </a:extLst>
+          </p:cNvPr>
+          <p:cNvSpPr>
+            <a:spLocks noGrp="1"/>
+          </p:cNvSpPr>
+          <p:nvPr>
+            <p:ph type="title"/>
+          </p:nvPr>
+        </p:nvSpPr>
+        <p:spPr>
+          <a:xfrm>
+            <a:off x="838200" y="365126"/>
+            <a:ext cx="10515600" cy="734332"/>
+          </a:xfrm>
+        </p:spPr>
+        <p:txBody>
+          <a:bodyPr/>
+          <a:lstStyle/>
+          <a:p>
+            <a:pPr algn="ctr"/>
+            <a:r>
+              <a:rPr lang="it-IT" dirty="0" err="1"/>
+              <a:t>Results</a:t>
+            </a:r>
+            <a:r>
+              <a:rPr lang="it-IT" dirty="0"/>
+              <a:t> on the 2-Group </a:t>
+            </a:r>
+            <a:r>
+              <a:rPr lang="it-IT" dirty="0" err="1"/>
+              <a:t>instances</a:t>
+            </a:r>
+            <a:endParaRPr lang="it-IT" dirty="0"/>
+          </a:p>
+        </p:txBody>
+      </p:sp>
+      <p:pic>
+        <p:nvPicPr>
+          <p:cNvPr id="6" name="Segnaposto contenuto 5" descr="Immagine che contiene testo, Diagramma, linea, diagramma&#10;&#10;Il contenuto generato dall'IA potrebbe non essere corretto.">
+            <a:extLst>
+              <a:ext uri="{FF2B5EF4-FFF2-40B4-BE49-F238E27FC236}">
+                <a16:creationId xmlns:a16="http://schemas.microsoft.com/office/drawing/2014/main" id="{2047B36B-7AB6-5695-6019-BED968ED77AB}"/>
+              </a:ext>
+            </a:extLst>
+          </p:cNvPr>
+          <p:cNvPicPr>
+            <a:picLocks noGrp="1" noChangeAspect="1"/>
+          </p:cNvPicPr>
+          <p:nvPr>
+            <p:ph sz="half" idx="2"/>
+          </p:nvPr>
+        </p:nvPicPr>
+        <p:blipFill>
+          <a:blip r:embed="rId2">
+            <a:extLst>
+              <a:ext uri="{28A0092B-C50C-407E-A947-70E740481C1C}">
+                <a14:useLocalDpi xmlns:a14="http://schemas.microsoft.com/office/drawing/2010/main" val="0"/>
+              </a:ext>
+            </a:extLst>
+          </a:blip>
+          <a:stretch>
+            <a:fillRect/>
+          </a:stretch>
+        </p:blipFill>
+        <p:spPr>
+          <a:xfrm>
+            <a:off x="1587182" y="1031080"/>
+            <a:ext cx="9017635" cy="5461794"/>
+          </a:xfrm>
+        </p:spPr>
+      </p:pic>
+    </p:spTree>
+    <p:extLst>
+      <p:ext uri="{BB962C8B-B14F-4D97-AF65-F5344CB8AC3E}">
+        <p14:creationId xmlns:p14="http://schemas.microsoft.com/office/powerpoint/2010/main" val="343853169"/>
       </p:ext>
     </p:extLst>
   </p:cSld>

--- a/cvrptw/CVRP-TW.pptx
+++ b/cvrptw/CVRP-TW.pptx
@@ -3372,34 +3372,14 @@
           <a:lstStyle/>
           <a:p>
             <a:r>
-              <a:rPr lang="it-IT" sz="4000" dirty="0" err="1"/>
-              <a:t>Capacited</a:t>
-            </a:r>
-            <a:r>
-              <a:rPr lang="it-IT" sz="4000" dirty="0"/>
-              <a:t> </a:t>
-            </a:r>
-            <a:r>
-              <a:rPr lang="it-IT" sz="4000" dirty="0" err="1"/>
-              <a:t>Vehicle</a:t>
-            </a:r>
-            <a:r>
-              <a:rPr lang="it-IT" sz="4000" dirty="0"/>
-              <a:t> Routing </a:t>
-            </a:r>
-            <a:r>
-              <a:rPr lang="it-IT" sz="4000" dirty="0" err="1"/>
-              <a:t>Problem</a:t>
-            </a:r>
-            <a:r>
-              <a:rPr lang="it-IT" sz="4000" dirty="0"/>
-              <a:t> with Time Windows</a:t>
+              <a:rPr lang="en-US" sz="4000" noProof="0" dirty="0"/>
+              <a:t>Capacitated Vehicle Routing Problem with Time Windows</a:t>
             </a:r>
           </a:p>
         </p:txBody>
       </p:sp>
-      <mc:AlternateContent xmlns:mc="http://schemas.openxmlformats.org/markup-compatibility/2006" xmlns:a14="http://schemas.microsoft.com/office/drawing/2010/main">
-        <mc:Choice Requires="a14">
+      <mc:AlternateContent xmlns:mc="http://schemas.openxmlformats.org/markup-compatibility/2006">
+        <mc:Choice xmlns:a14="http://schemas.microsoft.com/office/drawing/2010/main" Requires="a14">
           <p:sp>
             <p:nvSpPr>
               <p:cNvPr id="26" name="Content Placeholder 10">
@@ -3429,40 +3409,40 @@
               <a:lstStyle/>
               <a:p>
                 <a:r>
-                  <a:rPr lang="en-US" sz="2000" dirty="0"/>
+                  <a:rPr lang="en-US" sz="2000" noProof="0" dirty="0"/>
                   <a:t>m vehicles</a:t>
                 </a:r>
               </a:p>
               <a:p>
                 <a:r>
-                  <a:rPr lang="en-US" sz="2000" dirty="0"/>
-                  <a:t>n locations (n-1 customers + depot)</a:t>
+                  <a:rPr lang="en-US" sz="2000" noProof="0" dirty="0"/>
+                  <a:t>n locations (n-1 customers + depot).</a:t>
                 </a:r>
               </a:p>
               <a:p>
                 <a:r>
-                  <a:rPr lang="en-US" sz="2000" dirty="0"/>
+                  <a:rPr lang="en-US" sz="2000" noProof="0" dirty="0"/>
                   <a:t>Each customer has a demand d</a:t>
                 </a:r>
                 <a:r>
-                  <a:rPr lang="en-US" sz="2000" baseline="-25000" dirty="0"/>
+                  <a:rPr lang="en-US" sz="2000" baseline="-25000" noProof="0" dirty="0"/>
                   <a:t>i</a:t>
                 </a:r>
                 <a:r>
-                  <a:rPr lang="en-US" sz="2000" dirty="0"/>
+                  <a:rPr lang="en-US" sz="2000" noProof="0" dirty="0"/>
                   <a:t> , a service time </a:t>
                 </a:r>
                 <a:r>
-                  <a:rPr lang="en-US" sz="2000" dirty="0" err="1"/>
+                  <a:rPr lang="en-US" sz="2000" noProof="0" dirty="0" err="1"/>
                   <a:t>s</a:t>
                 </a:r>
                 <a:r>
-                  <a:rPr lang="en-US" sz="2000" baseline="-25000" dirty="0" err="1"/>
+                  <a:rPr lang="en-US" sz="2000" baseline="-25000" noProof="0" dirty="0" err="1"/>
                   <a:t>i</a:t>
                 </a:r>
                 <a:r>
-                  <a:rPr lang="en-US" sz="2000" dirty="0"/>
-                  <a:t> (time to spent at the customer’s location) and a time window </a:t>
+                  <a:rPr lang="en-US" sz="2000" noProof="0" dirty="0"/>
+                  <a:t> (time to spend at the customer’s location), and a time window </a:t>
                 </a:r>
                 <a14:m>
                   <m:oMath xmlns:m="http://schemas.openxmlformats.org/officeDocument/2006/math">
@@ -3471,7 +3451,7 @@
                         <m:begChr m:val="["/>
                         <m:endChr m:val="]"/>
                         <m:ctrlPr>
-                          <a:rPr lang="en-US" sz="2000" i="1" smtClean="0">
+                          <a:rPr lang="en-US" sz="2000" i="1" noProof="0" smtClean="0">
                             <a:latin typeface="Cambria Math" panose="02040503050406030204" pitchFamily="18" charset="0"/>
                           </a:rPr>
                         </m:ctrlPr>
@@ -3480,14 +3460,14 @@
                         <m:sSub>
                           <m:sSubPr>
                             <m:ctrlPr>
-                              <a:rPr lang="en-US" sz="2000" i="1" smtClean="0">
+                              <a:rPr lang="en-US" sz="2000" i="1" noProof="0" smtClean="0">
                                 <a:latin typeface="Cambria Math" panose="02040503050406030204" pitchFamily="18" charset="0"/>
                               </a:rPr>
                             </m:ctrlPr>
                           </m:sSubPr>
                           <m:e>
                             <m:r>
-                              <a:rPr lang="it-IT" sz="2000" b="0" i="1" smtClean="0">
+                              <a:rPr lang="en-US" sz="2000" b="0" i="1" noProof="0" smtClean="0">
                                 <a:latin typeface="Cambria Math" panose="02040503050406030204" pitchFamily="18" charset="0"/>
                               </a:rPr>
                               <m:t>𝑎</m:t>
@@ -3495,7 +3475,7 @@
                           </m:e>
                           <m:sub>
                             <m:r>
-                              <a:rPr lang="it-IT" sz="2000" b="0" i="1" smtClean="0">
+                              <a:rPr lang="en-US" sz="2000" b="0" i="1" noProof="0" smtClean="0">
                                 <a:latin typeface="Cambria Math" panose="02040503050406030204" pitchFamily="18" charset="0"/>
                               </a:rPr>
                               <m:t>𝑖</m:t>
@@ -3503,7 +3483,7 @@
                           </m:sub>
                         </m:sSub>
                         <m:r>
-                          <a:rPr lang="it-IT" sz="2000" b="0" i="1" smtClean="0">
+                          <a:rPr lang="en-US" sz="2000" b="0" i="1" noProof="0" smtClean="0">
                             <a:latin typeface="Cambria Math" panose="02040503050406030204" pitchFamily="18" charset="0"/>
                           </a:rPr>
                           <m:t>, </m:t>
@@ -3511,14 +3491,14 @@
                         <m:sSub>
                           <m:sSubPr>
                             <m:ctrlPr>
-                              <a:rPr lang="it-IT" sz="2000" b="0" i="1" smtClean="0">
+                              <a:rPr lang="en-US" sz="2000" b="0" i="1" noProof="0" smtClean="0">
                                 <a:latin typeface="Cambria Math" panose="02040503050406030204" pitchFamily="18" charset="0"/>
                               </a:rPr>
                             </m:ctrlPr>
                           </m:sSubPr>
                           <m:e>
                             <m:r>
-                              <a:rPr lang="it-IT" sz="2000" b="0" i="1" smtClean="0">
+                              <a:rPr lang="en-US" sz="2000" b="0" i="1" noProof="0" smtClean="0">
                                 <a:latin typeface="Cambria Math" panose="02040503050406030204" pitchFamily="18" charset="0"/>
                               </a:rPr>
                               <m:t>𝑏</m:t>
@@ -3526,7 +3506,7 @@
                           </m:e>
                           <m:sub>
                             <m:r>
-                              <a:rPr lang="it-IT" sz="2000" b="0" i="1" smtClean="0">
+                              <a:rPr lang="en-US" sz="2000" b="0" i="1" noProof="0" smtClean="0">
                                 <a:latin typeface="Cambria Math" panose="02040503050406030204" pitchFamily="18" charset="0"/>
                               </a:rPr>
                               <m:t>𝑖</m:t>
@@ -3535,51 +3515,58 @@
                         </m:sSub>
                       </m:e>
                     </m:d>
+                    <m:r>
+                      <a:rPr lang="it-IT" sz="2000" b="0" i="0" noProof="0" smtClean="0">
+                        <a:latin typeface="Cambria Math" panose="02040503050406030204" pitchFamily="18" charset="0"/>
+                      </a:rPr>
+                      <m:t>.</m:t>
+                    </m:r>
                   </m:oMath>
                 </a14:m>
+                <a:endParaRPr lang="en-US" sz="2000" noProof="0" dirty="0"/>
+              </a:p>
+              <a:p>
+                <a:r>
+                  <a:rPr lang="en-US" sz="2000" noProof="0" dirty="0"/>
+                  <a:t>Each vehicle has a capacity q.</a:t>
+                </a:r>
+                <a:endParaRPr lang="en-US" sz="2000" baseline="-25000" noProof="0" dirty="0"/>
+              </a:p>
+              <a:p>
+                <a:r>
+                  <a:rPr lang="en-US" sz="2000" noProof="0" dirty="0"/>
+                  <a:t>Two locations have a distance </a:t>
+                </a:r>
+                <a:r>
+                  <a:rPr lang="en-US" sz="2000" noProof="0" dirty="0" err="1"/>
+                  <a:t>c</a:t>
+                </a:r>
+                <a:r>
+                  <a:rPr lang="en-US" sz="2000" baseline="-25000" noProof="0" dirty="0" err="1"/>
+                  <a:t>ij</a:t>
+                </a:r>
                 <a:r>
                   <a:rPr lang="en-US" sz="2000" dirty="0"/>
-                  <a:t> </a:t>
+                  <a:t> .</a:t>
+                </a:r>
+                <a:endParaRPr lang="en-US" sz="2000" baseline="-25000" noProof="0" dirty="0"/>
+              </a:p>
+              <a:p>
+                <a:r>
+                  <a:rPr lang="en-US" sz="2000" noProof="0" dirty="0"/>
+                  <a:t>We must visit each customer once within its time window, starting and ending at the depot , without exceeding the capacity of the vehicles.</a:t>
                 </a:r>
               </a:p>
               <a:p>
                 <a:r>
-                  <a:rPr lang="en-US" sz="2000" dirty="0"/>
-                  <a:t>Each vehicle has a capacity q</a:t>
-                </a:r>
-                <a:endParaRPr lang="en-US" sz="2000" baseline="-25000" dirty="0"/>
-              </a:p>
-              <a:p>
-                <a:r>
-                  <a:rPr lang="en-US" sz="2000" dirty="0"/>
-                  <a:t>Two locations have a distance </a:t>
-                </a:r>
-                <a:r>
-                  <a:rPr lang="en-US" sz="2000" dirty="0" err="1"/>
-                  <a:t>c</a:t>
-                </a:r>
-                <a:r>
-                  <a:rPr lang="en-US" sz="2000" baseline="-25000" dirty="0" err="1"/>
-                  <a:t>ij</a:t>
-                </a:r>
-                <a:endParaRPr lang="en-US" sz="2000" baseline="-25000" dirty="0"/>
-              </a:p>
-              <a:p>
-                <a:r>
-                  <a:rPr lang="en-US" sz="2000" dirty="0"/>
-                  <a:t>We must visit each customer once within its time window starting and ending at the depot , without exceeding the capacity of the vehicles.</a:t>
-                </a:r>
-              </a:p>
-              <a:p>
-                <a:r>
-                  <a:rPr lang="en-US" sz="2000" dirty="0"/>
-                  <a:t>The objective is to minimize the total distance traveled</a:t>
+                  <a:rPr lang="en-US" sz="2000" noProof="0" dirty="0"/>
+                  <a:t>The objective is to minimize the total distance traveled.</a:t>
                 </a:r>
               </a:p>
             </p:txBody>
           </p:sp>
         </mc:Choice>
-        <mc:Fallback xmlns="">
+        <mc:Fallback>
           <p:sp>
             <p:nvSpPr>
               <p:cNvPr id="26" name="Content Placeholder 10">
@@ -3604,7 +3591,7 @@
               <a:blipFill>
                 <a:blip r:embed="rId2"/>
                 <a:stretch>
-                  <a:fillRect l="-510" t="-1776" b="-178"/>
+                  <a:fillRect l="-510" t="-1776" r="-764" b="-178"/>
                 </a:stretch>
               </a:blipFill>
             </p:spPr>
@@ -3723,18 +3710,9 @@
           <a:p>
             <a:pPr algn="ctr"/>
             <a:r>
-              <a:rPr lang="it-IT" dirty="0" err="1"/>
-              <a:t>Results</a:t>
-            </a:r>
-            <a:r>
-              <a:rPr lang="it-IT" dirty="0"/>
-              <a:t> on the 2-Group </a:t>
-            </a:r>
-            <a:r>
-              <a:rPr lang="it-IT" dirty="0" err="1"/>
-              <a:t>instances</a:t>
-            </a:r>
-            <a:endParaRPr lang="it-IT" dirty="0"/>
+              <a:rPr lang="en-US" noProof="0" dirty="0"/>
+              <a:t>Results on the 2-Group instances</a:t>
+            </a:r>
           </a:p>
         </p:txBody>
       </p:sp>
@@ -3765,154 +3743,26 @@
           <a:lstStyle/>
           <a:p>
             <a:r>
-              <a:rPr lang="it-IT" dirty="0"/>
-              <a:t>The CP model </a:t>
-            </a:r>
-            <a:r>
-              <a:rPr lang="it-IT" dirty="0" err="1"/>
-              <a:t>outperforms</a:t>
-            </a:r>
-            <a:r>
-              <a:rPr lang="it-IT" dirty="0"/>
-              <a:t> the DIDP models.</a:t>
-            </a:r>
-          </a:p>
-          <a:p>
-            <a:r>
-              <a:rPr lang="it-IT" dirty="0"/>
-              <a:t>In 2-Group, the </a:t>
-            </a:r>
-            <a:r>
-              <a:rPr lang="it-IT" dirty="0" err="1"/>
-              <a:t>instances</a:t>
-            </a:r>
-            <a:r>
-              <a:rPr lang="it-IT" dirty="0"/>
-              <a:t> are </a:t>
-            </a:r>
-            <a:r>
-              <a:rPr lang="it-IT" dirty="0" err="1"/>
-              <a:t>less</a:t>
-            </a:r>
-            <a:r>
-              <a:rPr lang="it-IT" dirty="0"/>
-              <a:t> </a:t>
-            </a:r>
-            <a:r>
-              <a:rPr lang="it-IT" dirty="0" err="1"/>
-              <a:t>constrained</a:t>
-            </a:r>
-            <a:r>
-              <a:rPr lang="it-IT" dirty="0"/>
-              <a:t>.</a:t>
-            </a:r>
-          </a:p>
-          <a:p>
-            <a:r>
-              <a:rPr lang="it-IT" dirty="0"/>
-              <a:t>The dual bounds </a:t>
-            </a:r>
-            <a:r>
-              <a:rPr lang="it-IT" dirty="0" err="1"/>
-              <a:t>seem</a:t>
-            </a:r>
-            <a:r>
-              <a:rPr lang="it-IT" dirty="0"/>
-              <a:t> to </a:t>
-            </a:r>
-            <a:r>
-              <a:rPr lang="it-IT" dirty="0" err="1"/>
-              <a:t>struggle</a:t>
-            </a:r>
-            <a:r>
-              <a:rPr lang="it-IT" dirty="0"/>
-              <a:t> more in the </a:t>
-            </a:r>
-            <a:r>
-              <a:rPr lang="it-IT" dirty="0" err="1"/>
-              <a:t>search</a:t>
-            </a:r>
-            <a:r>
-              <a:rPr lang="it-IT" dirty="0"/>
-              <a:t> </a:t>
-            </a:r>
-            <a:r>
-              <a:rPr lang="it-IT" dirty="0" err="1"/>
-              <a:t>guidance</a:t>
-            </a:r>
-            <a:r>
-              <a:rPr lang="it-IT" dirty="0"/>
-              <a:t> </a:t>
-            </a:r>
-            <a:r>
-              <a:rPr lang="it-IT" dirty="0" err="1"/>
-              <a:t>process</a:t>
-            </a:r>
-            <a:r>
-              <a:rPr lang="it-IT" dirty="0"/>
-              <a:t>, making the </a:t>
-            </a:r>
-            <a:r>
-              <a:rPr lang="it-IT" dirty="0" err="1"/>
-              <a:t>two</a:t>
-            </a:r>
-            <a:r>
-              <a:rPr lang="it-IT" dirty="0"/>
-              <a:t> DIDP models </a:t>
-            </a:r>
-            <a:r>
-              <a:rPr lang="it-IT" dirty="0" err="1"/>
-              <a:t>without</a:t>
-            </a:r>
-            <a:r>
-              <a:rPr lang="it-IT" dirty="0"/>
-              <a:t> dual bounds </a:t>
-            </a:r>
-            <a:r>
-              <a:rPr lang="it-IT" dirty="0" err="1"/>
-              <a:t>perform</a:t>
-            </a:r>
-            <a:r>
-              <a:rPr lang="it-IT" dirty="0"/>
-              <a:t> </a:t>
-            </a:r>
-            <a:r>
-              <a:rPr lang="it-IT" dirty="0" err="1"/>
-              <a:t>better</a:t>
-            </a:r>
-            <a:r>
-              <a:rPr lang="it-IT" dirty="0"/>
-              <a:t>.</a:t>
-            </a:r>
-          </a:p>
-          <a:p>
-            <a:r>
-              <a:rPr lang="it-IT" dirty="0"/>
-              <a:t>The </a:t>
-            </a:r>
-            <a:r>
-              <a:rPr lang="it-IT" dirty="0" err="1"/>
-              <a:t>highest</a:t>
-            </a:r>
-            <a:r>
-              <a:rPr lang="it-IT" dirty="0"/>
-              <a:t> performance gap </a:t>
-            </a:r>
-            <a:r>
-              <a:rPr lang="it-IT" dirty="0" err="1"/>
-              <a:t>remains</a:t>
-            </a:r>
-            <a:r>
-              <a:rPr lang="it-IT" dirty="0"/>
-              <a:t> the one </a:t>
-            </a:r>
-            <a:r>
-              <a:rPr lang="it-IT" dirty="0" err="1"/>
-              <a:t>between</a:t>
-            </a:r>
-            <a:r>
-              <a:rPr lang="it-IT" dirty="0"/>
-              <a:t> CP and DIDP.</a:t>
+              <a:rPr lang="en-US" noProof="0" dirty="0"/>
+              <a:t>The CP model outperforms the DIDP models.</a:t>
+            </a:r>
+          </a:p>
+          <a:p>
+            <a:r>
+              <a:rPr lang="en-US" noProof="0" dirty="0"/>
+              <a:t>In 2-Group, the instances are less constrained.</a:t>
+            </a:r>
+          </a:p>
+          <a:p>
+            <a:r>
+              <a:rPr lang="en-US" noProof="0" dirty="0"/>
+              <a:t>The dual bounds seem to struggle more in the search guidance process, making the two DIDP models without dual bounds perform better.</a:t>
+            </a:r>
+          </a:p>
+          <a:p>
+            <a:r>
+              <a:rPr lang="en-US" noProof="0" dirty="0"/>
+              <a:t>The highest performance gap remains the one between CP and DIDP.</a:t>
             </a:r>
           </a:p>
         </p:txBody>
@@ -3981,18 +3831,9 @@
           <a:p>
             <a:pPr algn="ctr"/>
             <a:r>
-              <a:rPr lang="it-IT" dirty="0" err="1"/>
-              <a:t>Results</a:t>
-            </a:r>
-            <a:r>
-              <a:rPr lang="it-IT" dirty="0"/>
-              <a:t> on the C-Group </a:t>
-            </a:r>
-            <a:r>
-              <a:rPr lang="it-IT" dirty="0" err="1"/>
-              <a:t>instances</a:t>
-            </a:r>
-            <a:endParaRPr lang="it-IT" dirty="0"/>
+              <a:rPr lang="en-US" noProof="0" dirty="0"/>
+              <a:t>Results on the C-Group instances</a:t>
+            </a:r>
           </a:p>
         </p:txBody>
       </p:sp>
@@ -4095,18 +3936,9 @@
           <a:p>
             <a:pPr algn="ctr"/>
             <a:r>
-              <a:rPr lang="it-IT" dirty="0" err="1"/>
-              <a:t>Results</a:t>
-            </a:r>
-            <a:r>
-              <a:rPr lang="it-IT" dirty="0"/>
-              <a:t> on the C-Group </a:t>
-            </a:r>
-            <a:r>
-              <a:rPr lang="it-IT" dirty="0" err="1"/>
-              <a:t>instances</a:t>
-            </a:r>
-            <a:endParaRPr lang="it-IT" dirty="0"/>
+              <a:rPr lang="en-US" noProof="0" dirty="0"/>
+              <a:t>Results on the C-Group instances</a:t>
+            </a:r>
           </a:p>
         </p:txBody>
       </p:sp>
@@ -4142,104 +3974,8 @@
               <a:buNone/>
             </a:pPr>
             <a:r>
-              <a:rPr lang="it-IT" dirty="0"/>
-              <a:t>The C-group shows a </a:t>
-            </a:r>
-            <a:r>
-              <a:rPr lang="it-IT" dirty="0" err="1"/>
-              <a:t>stranger</a:t>
-            </a:r>
-            <a:r>
-              <a:rPr lang="it-IT" dirty="0"/>
-              <a:t> </a:t>
-            </a:r>
-            <a:r>
-              <a:rPr lang="it-IT" dirty="0" err="1"/>
-              <a:t>behaviour</a:t>
-            </a:r>
-            <a:r>
-              <a:rPr lang="it-IT" dirty="0"/>
-              <a:t>, with DIDP complete </a:t>
-            </a:r>
-            <a:r>
-              <a:rPr lang="it-IT" dirty="0" err="1"/>
-              <a:t>even</a:t>
-            </a:r>
-            <a:r>
-              <a:rPr lang="it-IT" dirty="0"/>
-              <a:t> </a:t>
-            </a:r>
-            <a:r>
-              <a:rPr lang="it-IT" dirty="0" err="1"/>
-              <a:t>slightly</a:t>
-            </a:r>
-            <a:r>
-              <a:rPr lang="it-IT" dirty="0"/>
-              <a:t> </a:t>
-            </a:r>
-            <a:r>
-              <a:rPr lang="it-IT" dirty="0" err="1"/>
-              <a:t>outperforming</a:t>
-            </a:r>
-            <a:r>
-              <a:rPr lang="it-IT" dirty="0"/>
-              <a:t> CP </a:t>
-            </a:r>
-            <a:r>
-              <a:rPr lang="it-IT" dirty="0" err="1"/>
-              <a:t>at</a:t>
-            </a:r>
-            <a:r>
-              <a:rPr lang="it-IT" dirty="0"/>
-              <a:t> the </a:t>
-            </a:r>
-            <a:r>
-              <a:rPr lang="it-IT" dirty="0" err="1"/>
-              <a:t>beginning</a:t>
-            </a:r>
-            <a:r>
-              <a:rPr lang="it-IT" dirty="0"/>
-              <a:t>, </a:t>
-            </a:r>
-            <a:r>
-              <a:rPr lang="it-IT" dirty="0" err="1"/>
-              <a:t>before</a:t>
-            </a:r>
-            <a:r>
-              <a:rPr lang="it-IT" dirty="0"/>
-              <a:t> </a:t>
-            </a:r>
-            <a:r>
-              <a:rPr lang="it-IT" dirty="0" err="1"/>
-              <a:t>becaming</a:t>
-            </a:r>
-            <a:r>
-              <a:rPr lang="it-IT" dirty="0"/>
-              <a:t> the </a:t>
-            </a:r>
-            <a:r>
-              <a:rPr lang="it-IT" dirty="0" err="1"/>
-              <a:t>worst</a:t>
-            </a:r>
-            <a:r>
-              <a:rPr lang="it-IT" dirty="0"/>
-              <a:t> </a:t>
-            </a:r>
-            <a:r>
-              <a:rPr lang="it-IT" dirty="0" err="1"/>
-              <a:t>among</a:t>
-            </a:r>
-            <a:r>
-              <a:rPr lang="it-IT" dirty="0"/>
-              <a:t> </a:t>
-            </a:r>
-            <a:r>
-              <a:rPr lang="it-IT" dirty="0" err="1"/>
-              <a:t>all</a:t>
-            </a:r>
-            <a:r>
-              <a:rPr lang="it-IT" dirty="0"/>
-              <a:t> models.</a:t>
+              <a:rPr lang="en-US" noProof="0" dirty="0"/>
+              <a:t>The C-group shows a stranger behavior, with DIDP complete even slightly outperforming CP at the beginning, before becoming the worst among all models.</a:t>
             </a:r>
           </a:p>
           <a:p>
@@ -4247,348 +3983,20 @@
               <a:buNone/>
             </a:pPr>
             <a:r>
-              <a:rPr lang="it-IT" dirty="0"/>
-              <a:t>C </a:t>
-            </a:r>
-            <a:r>
-              <a:rPr lang="it-IT" dirty="0" err="1"/>
-              <a:t>instances</a:t>
-            </a:r>
-            <a:r>
-              <a:rPr lang="it-IT" dirty="0"/>
-              <a:t> </a:t>
-            </a:r>
-            <a:r>
-              <a:rPr lang="it-IT" dirty="0" err="1"/>
-              <a:t>have</a:t>
-            </a:r>
-            <a:r>
-              <a:rPr lang="it-IT" dirty="0"/>
-              <a:t> </a:t>
-            </a:r>
-            <a:r>
-              <a:rPr lang="it-IT" dirty="0" err="1"/>
-              <a:t>clustered</a:t>
-            </a:r>
-            <a:r>
-              <a:rPr lang="it-IT" dirty="0"/>
-              <a:t> locations: dual bounds are </a:t>
-            </a:r>
-            <a:r>
-              <a:rPr lang="it-IT" dirty="0" err="1"/>
-              <a:t>unable</a:t>
-            </a:r>
-            <a:r>
-              <a:rPr lang="it-IT" dirty="0"/>
-              <a:t> to </a:t>
-            </a:r>
-            <a:r>
-              <a:rPr lang="it-IT" dirty="0" err="1"/>
-              <a:t>capture</a:t>
-            </a:r>
-            <a:r>
-              <a:rPr lang="it-IT" dirty="0"/>
-              <a:t> the high </a:t>
-            </a:r>
-            <a:r>
-              <a:rPr lang="it-IT" dirty="0" err="1"/>
-              <a:t>discrepancy</a:t>
-            </a:r>
-            <a:r>
-              <a:rPr lang="it-IT" dirty="0"/>
-              <a:t> </a:t>
-            </a:r>
-            <a:r>
-              <a:rPr lang="it-IT" dirty="0" err="1"/>
-              <a:t>between</a:t>
-            </a:r>
-            <a:r>
-              <a:rPr lang="it-IT" dirty="0"/>
-              <a:t> the </a:t>
-            </a:r>
-            <a:r>
-              <a:rPr lang="it-IT" dirty="0" err="1"/>
-              <a:t>minimim</a:t>
-            </a:r>
-            <a:r>
-              <a:rPr lang="it-IT" dirty="0"/>
-              <a:t> </a:t>
-            </a:r>
-            <a:r>
-              <a:rPr lang="it-IT" dirty="0" err="1"/>
-              <a:t>distance</a:t>
-            </a:r>
-            <a:r>
-              <a:rPr lang="it-IT" dirty="0"/>
-              <a:t> from and to a location (</a:t>
-            </a:r>
-            <a:r>
-              <a:rPr lang="it-IT" dirty="0" err="1"/>
-              <a:t>distances</a:t>
-            </a:r>
-            <a:r>
-              <a:rPr lang="it-IT" dirty="0"/>
-              <a:t> inside the </a:t>
-            </a:r>
-            <a:r>
-              <a:rPr lang="it-IT" dirty="0" err="1"/>
-              <a:t>same</a:t>
-            </a:r>
-            <a:r>
-              <a:rPr lang="it-IT" dirty="0"/>
-              <a:t> cluster) and the </a:t>
-            </a:r>
-            <a:r>
-              <a:rPr lang="it-IT" dirty="0" err="1"/>
-              <a:t>actual</a:t>
-            </a:r>
-            <a:r>
-              <a:rPr lang="it-IT" dirty="0"/>
-              <a:t> cost of a </a:t>
-            </a:r>
-            <a:r>
-              <a:rPr lang="it-IT" dirty="0" err="1"/>
-              <a:t>transition</a:t>
-            </a:r>
-            <a:r>
-              <a:rPr lang="it-IT" dirty="0"/>
-              <a:t> </a:t>
-            </a:r>
-            <a:r>
-              <a:rPr lang="it-IT" dirty="0" err="1"/>
-              <a:t>if</a:t>
-            </a:r>
-            <a:r>
-              <a:rPr lang="it-IT" dirty="0"/>
-              <a:t> </a:t>
-            </a:r>
-            <a:r>
-              <a:rPr lang="it-IT" dirty="0" err="1"/>
-              <a:t>we</a:t>
-            </a:r>
-            <a:r>
-              <a:rPr lang="it-IT" dirty="0"/>
-              <a:t> </a:t>
-            </a:r>
-            <a:r>
-              <a:rPr lang="it-IT" dirty="0" err="1"/>
-              <a:t>have</a:t>
-            </a:r>
-            <a:r>
-              <a:rPr lang="it-IT" dirty="0"/>
-              <a:t> to </a:t>
-            </a:r>
-            <a:r>
-              <a:rPr lang="it-IT" dirty="0" err="1"/>
-              <a:t>reach</a:t>
-            </a:r>
-            <a:r>
-              <a:rPr lang="it-IT" dirty="0"/>
-              <a:t> a location from </a:t>
-            </a:r>
-            <a:r>
-              <a:rPr lang="it-IT" dirty="0" err="1"/>
-              <a:t>outiside</a:t>
-            </a:r>
-            <a:r>
-              <a:rPr lang="it-IT" dirty="0"/>
-              <a:t> </a:t>
-            </a:r>
-            <a:r>
-              <a:rPr lang="it-IT" dirty="0" err="1"/>
-              <a:t>its</a:t>
-            </a:r>
-            <a:r>
-              <a:rPr lang="it-IT" dirty="0"/>
-              <a:t> cluster:</a:t>
-            </a:r>
-          </a:p>
-          <a:p>
-            <a:r>
-              <a:rPr lang="it-IT" dirty="0"/>
-              <a:t>In C1, the </a:t>
-            </a:r>
-            <a:r>
-              <a:rPr lang="it-IT" dirty="0" err="1"/>
-              <a:t>natural</a:t>
-            </a:r>
-            <a:r>
-              <a:rPr lang="it-IT" dirty="0"/>
-              <a:t> </a:t>
-            </a:r>
-            <a:r>
-              <a:rPr lang="it-IT" dirty="0" err="1"/>
-              <a:t>solution</a:t>
-            </a:r>
-            <a:r>
-              <a:rPr lang="it-IT" dirty="0"/>
-              <a:t> of </a:t>
-            </a:r>
-            <a:r>
-              <a:rPr lang="it-IT" dirty="0" err="1"/>
-              <a:t>trying</a:t>
-            </a:r>
-            <a:r>
-              <a:rPr lang="it-IT" dirty="0"/>
-              <a:t> to </a:t>
-            </a:r>
-            <a:r>
-              <a:rPr lang="it-IT" dirty="0" err="1"/>
-              <a:t>assign</a:t>
-            </a:r>
-            <a:r>
-              <a:rPr lang="it-IT" dirty="0"/>
-              <a:t> a </a:t>
-            </a:r>
-            <a:r>
-              <a:rPr lang="it-IT" dirty="0" err="1"/>
-              <a:t>vehicle</a:t>
-            </a:r>
-            <a:r>
-              <a:rPr lang="it-IT" dirty="0"/>
-              <a:t> for cluster </a:t>
-            </a:r>
-            <a:r>
-              <a:rPr lang="it-IT" dirty="0" err="1"/>
-              <a:t>is</a:t>
-            </a:r>
-            <a:r>
-              <a:rPr lang="it-IT" dirty="0"/>
-              <a:t> </a:t>
-            </a:r>
-            <a:r>
-              <a:rPr lang="it-IT" dirty="0" err="1"/>
-              <a:t>not</a:t>
-            </a:r>
-            <a:r>
-              <a:rPr lang="it-IT" dirty="0"/>
-              <a:t> </a:t>
-            </a:r>
-            <a:r>
-              <a:rPr lang="it-IT" dirty="0" err="1"/>
-              <a:t>possible</a:t>
-            </a:r>
-            <a:r>
-              <a:rPr lang="it-IT" dirty="0"/>
-              <a:t> due to the </a:t>
-            </a:r>
-            <a:r>
-              <a:rPr lang="it-IT" dirty="0" err="1"/>
-              <a:t>stict</a:t>
-            </a:r>
-            <a:r>
-              <a:rPr lang="it-IT" dirty="0"/>
-              <a:t> </a:t>
-            </a:r>
-            <a:r>
-              <a:rPr lang="it-IT" dirty="0" err="1"/>
-              <a:t>constraints</a:t>
-            </a:r>
-            <a:r>
-              <a:rPr lang="it-IT" dirty="0"/>
-              <a:t>, so the dual bounds are </a:t>
-            </a:r>
-            <a:r>
-              <a:rPr lang="it-IT" dirty="0" err="1"/>
-              <a:t>not</a:t>
-            </a:r>
-            <a:r>
-              <a:rPr lang="it-IT" dirty="0"/>
-              <a:t> </a:t>
-            </a:r>
-            <a:r>
-              <a:rPr lang="it-IT" dirty="0" err="1"/>
-              <a:t>penalizing</a:t>
-            </a:r>
-            <a:r>
-              <a:rPr lang="it-IT" dirty="0"/>
-              <a:t> the </a:t>
-            </a:r>
-            <a:r>
-              <a:rPr lang="it-IT" dirty="0" err="1"/>
-              <a:t>search</a:t>
-            </a:r>
-            <a:r>
-              <a:rPr lang="it-IT" dirty="0"/>
-              <a:t> </a:t>
-            </a:r>
-            <a:r>
-              <a:rPr lang="it-IT" dirty="0" err="1"/>
-              <a:t>process</a:t>
-            </a:r>
-            <a:r>
-              <a:rPr lang="it-IT" dirty="0"/>
-              <a:t>, </a:t>
-            </a:r>
-            <a:r>
-              <a:rPr lang="it-IT" dirty="0" err="1"/>
-              <a:t>leading</a:t>
-            </a:r>
-            <a:r>
-              <a:rPr lang="it-IT" dirty="0"/>
-              <a:t> to </a:t>
-            </a:r>
-            <a:r>
-              <a:rPr lang="it-IT" dirty="0" err="1"/>
-              <a:t>similar</a:t>
-            </a:r>
-            <a:r>
-              <a:rPr lang="it-IT" dirty="0"/>
-              <a:t> performances to </a:t>
-            </a:r>
-            <a:r>
-              <a:rPr lang="it-IT" dirty="0" err="1"/>
-              <a:t>all</a:t>
-            </a:r>
-            <a:r>
-              <a:rPr lang="it-IT" dirty="0"/>
-              <a:t> the models.</a:t>
-            </a:r>
-          </a:p>
-          <a:p>
-            <a:r>
-              <a:rPr lang="it-IT" dirty="0"/>
-              <a:t>In C2, the low </a:t>
-            </a:r>
-            <a:r>
-              <a:rPr lang="it-IT" dirty="0" err="1"/>
-              <a:t>quality</a:t>
-            </a:r>
-            <a:r>
-              <a:rPr lang="it-IT" dirty="0"/>
-              <a:t> of the dual bounds for </a:t>
-            </a:r>
-            <a:r>
-              <a:rPr lang="it-IT" dirty="0" err="1"/>
-              <a:t>search</a:t>
-            </a:r>
-            <a:r>
-              <a:rPr lang="it-IT" dirty="0"/>
-              <a:t> </a:t>
-            </a:r>
-            <a:r>
-              <a:rPr lang="it-IT" dirty="0" err="1"/>
-              <a:t>guidance</a:t>
-            </a:r>
-            <a:r>
-              <a:rPr lang="it-IT" dirty="0"/>
-              <a:t> </a:t>
-            </a:r>
-            <a:r>
-              <a:rPr lang="it-IT" dirty="0" err="1"/>
-              <a:t>emerges</a:t>
-            </a:r>
-            <a:r>
-              <a:rPr lang="it-IT" dirty="0"/>
-              <a:t>, making the models with bounds the </a:t>
-            </a:r>
-            <a:r>
-              <a:rPr lang="it-IT" dirty="0" err="1"/>
-              <a:t>worst</a:t>
-            </a:r>
-            <a:r>
-              <a:rPr lang="it-IT" dirty="0"/>
-              <a:t>.</a:t>
+              <a:rPr lang="en-US" noProof="0" dirty="0"/>
+              <a:t>C instances have clustered locations: dual bounds are unable to capture the high discrepancy between the minimum distance from and to a location (distances inside the same cluster) and the actual cost of a transition if we have to reach a location from outside its cluster.</a:t>
+            </a:r>
+          </a:p>
+          <a:p>
+            <a:r>
+              <a:rPr lang="en-US" noProof="0" dirty="0"/>
+              <a:t>In C1, the natural solution of trying to assign a vehicle for cluster is not possible due to the strict constraints, so the dual bounds are not penalizing the search process, leading to similar performances for all the models.</a:t>
+            </a:r>
+          </a:p>
+          <a:p>
+            <a:r>
+              <a:rPr lang="en-US" noProof="0" dirty="0"/>
+              <a:t>In C2, the low quality of the dual bounds for search guidance emerges, making the models with bounds the worst.</a:t>
             </a:r>
           </a:p>
         </p:txBody>
@@ -4657,18 +4065,9 @@
           <a:p>
             <a:pPr algn="ctr"/>
             <a:r>
-              <a:rPr lang="it-IT" dirty="0" err="1"/>
-              <a:t>Results</a:t>
-            </a:r>
-            <a:r>
-              <a:rPr lang="it-IT" dirty="0"/>
-              <a:t> on the R-Group </a:t>
-            </a:r>
-            <a:r>
-              <a:rPr lang="it-IT" dirty="0" err="1"/>
-              <a:t>instances</a:t>
-            </a:r>
-            <a:endParaRPr lang="it-IT" dirty="0"/>
+              <a:rPr lang="en-US" noProof="0" dirty="0"/>
+              <a:t>Results on the R-Group instances</a:t>
+            </a:r>
           </a:p>
         </p:txBody>
       </p:sp>
@@ -4771,18 +4170,9 @@
           <a:p>
             <a:pPr algn="ctr"/>
             <a:r>
-              <a:rPr lang="it-IT" dirty="0" err="1"/>
-              <a:t>Results</a:t>
-            </a:r>
-            <a:r>
-              <a:rPr lang="it-IT" dirty="0"/>
-              <a:t> on the R-Group </a:t>
-            </a:r>
-            <a:r>
-              <a:rPr lang="it-IT" dirty="0" err="1"/>
-              <a:t>instances</a:t>
-            </a:r>
-            <a:endParaRPr lang="it-IT" dirty="0"/>
+              <a:rPr lang="en-US" noProof="0" dirty="0"/>
+              <a:t>Results on the R-Group instances</a:t>
+            </a:r>
           </a:p>
         </p:txBody>
       </p:sp>
@@ -4815,242 +4205,30 @@
           <a:lstStyle/>
           <a:p>
             <a:r>
-              <a:rPr lang="it-IT" dirty="0"/>
-              <a:t>R </a:t>
-            </a:r>
-            <a:r>
-              <a:rPr lang="it-IT" dirty="0" err="1"/>
-              <a:t>instances</a:t>
-            </a:r>
-            <a:r>
-              <a:rPr lang="it-IT" dirty="0"/>
-              <a:t> </a:t>
-            </a:r>
-            <a:r>
-              <a:rPr lang="it-IT" dirty="0" err="1"/>
-              <a:t>have</a:t>
-            </a:r>
-            <a:r>
-              <a:rPr lang="it-IT" dirty="0"/>
-              <a:t> random locations: the </a:t>
-            </a:r>
-            <a:r>
-              <a:rPr lang="it-IT" dirty="0" err="1"/>
-              <a:t>discrepancy</a:t>
-            </a:r>
-            <a:r>
-              <a:rPr lang="it-IT" dirty="0"/>
-              <a:t> </a:t>
-            </a:r>
-            <a:r>
-              <a:rPr lang="it-IT" dirty="0" err="1"/>
-              <a:t>between</a:t>
-            </a:r>
-            <a:r>
-              <a:rPr lang="it-IT" dirty="0"/>
-              <a:t> the </a:t>
-            </a:r>
-            <a:r>
-              <a:rPr lang="it-IT" dirty="0" err="1"/>
-              <a:t>minimim</a:t>
-            </a:r>
-            <a:r>
-              <a:rPr lang="it-IT" dirty="0"/>
-              <a:t> </a:t>
-            </a:r>
-            <a:r>
-              <a:rPr lang="it-IT" dirty="0" err="1"/>
-              <a:t>distance</a:t>
-            </a:r>
-            <a:r>
-              <a:rPr lang="it-IT" dirty="0"/>
-              <a:t> from and to a location and the </a:t>
-            </a:r>
-            <a:r>
-              <a:rPr lang="it-IT" dirty="0" err="1"/>
-              <a:t>actual</a:t>
-            </a:r>
-            <a:r>
-              <a:rPr lang="it-IT" dirty="0"/>
-              <a:t> cost of a </a:t>
-            </a:r>
-            <a:r>
-              <a:rPr lang="it-IT" dirty="0" err="1"/>
-              <a:t>transition</a:t>
-            </a:r>
-            <a:r>
-              <a:rPr lang="it-IT" dirty="0"/>
-              <a:t> </a:t>
-            </a:r>
-            <a:r>
-              <a:rPr lang="it-IT" dirty="0" err="1"/>
-              <a:t>is</a:t>
-            </a:r>
-            <a:r>
-              <a:rPr lang="it-IT" dirty="0"/>
-              <a:t> </a:t>
-            </a:r>
-            <a:r>
-              <a:rPr lang="it-IT" dirty="0" err="1"/>
-              <a:t>probably</a:t>
-            </a:r>
-            <a:r>
-              <a:rPr lang="it-IT" dirty="0"/>
-              <a:t> </a:t>
-            </a:r>
-            <a:r>
-              <a:rPr lang="it-IT" dirty="0" err="1"/>
-              <a:t>lower</a:t>
-            </a:r>
-            <a:r>
-              <a:rPr lang="it-IT" dirty="0"/>
-              <a:t> </a:t>
-            </a:r>
-            <a:r>
-              <a:rPr lang="it-IT" dirty="0" err="1"/>
-              <a:t>than</a:t>
-            </a:r>
-            <a:r>
-              <a:rPr lang="it-IT" dirty="0"/>
-              <a:t> in the C </a:t>
-            </a:r>
-            <a:r>
-              <a:rPr lang="it-IT" dirty="0" err="1"/>
-              <a:t>instances</a:t>
-            </a:r>
-            <a:r>
-              <a:rPr lang="it-IT" dirty="0"/>
-              <a:t>.</a:t>
-            </a:r>
-          </a:p>
-          <a:p>
-            <a:r>
-              <a:rPr lang="it-IT" dirty="0"/>
-              <a:t>In </a:t>
-            </a:r>
-            <a:r>
-              <a:rPr lang="it-IT" dirty="0" err="1"/>
-              <a:t>this</a:t>
-            </a:r>
-            <a:r>
-              <a:rPr lang="it-IT" dirty="0"/>
-              <a:t> case the dual bounds </a:t>
-            </a:r>
-            <a:r>
-              <a:rPr lang="it-IT" dirty="0" err="1"/>
-              <a:t>actually</a:t>
-            </a:r>
-            <a:r>
-              <a:rPr lang="it-IT" dirty="0"/>
-              <a:t> help the </a:t>
-            </a:r>
-            <a:r>
-              <a:rPr lang="it-IT" dirty="0" err="1"/>
-              <a:t>search</a:t>
-            </a:r>
-            <a:r>
-              <a:rPr lang="it-IT" dirty="0"/>
-              <a:t> </a:t>
-            </a:r>
-            <a:r>
-              <a:rPr lang="it-IT" dirty="0" err="1"/>
-              <a:t>process</a:t>
-            </a:r>
-            <a:r>
-              <a:rPr lang="it-IT" dirty="0"/>
-              <a:t>.</a:t>
-            </a:r>
-          </a:p>
-          <a:p>
-            <a:r>
-              <a:rPr lang="it-IT" dirty="0" err="1"/>
-              <a:t>As</a:t>
-            </a:r>
-            <a:r>
-              <a:rPr lang="it-IT" dirty="0"/>
-              <a:t> for the 1-Group, the </a:t>
-            </a:r>
-            <a:r>
-              <a:rPr lang="it-IT" dirty="0" err="1"/>
-              <a:t>resource</a:t>
-            </a:r>
-            <a:r>
-              <a:rPr lang="it-IT" dirty="0"/>
-              <a:t> </a:t>
-            </a:r>
-            <a:r>
-              <a:rPr lang="it-IT" dirty="0" err="1"/>
-              <a:t>variables</a:t>
-            </a:r>
-            <a:r>
-              <a:rPr lang="it-IT" dirty="0"/>
-              <a:t> make the models </a:t>
-            </a:r>
-            <a:r>
-              <a:rPr lang="it-IT" dirty="0" err="1"/>
-              <a:t>perform</a:t>
-            </a:r>
-            <a:r>
-              <a:rPr lang="it-IT" dirty="0"/>
-              <a:t> </a:t>
-            </a:r>
-            <a:r>
-              <a:rPr lang="it-IT" dirty="0" err="1"/>
-              <a:t>better</a:t>
-            </a:r>
-            <a:r>
-              <a:rPr lang="it-IT" dirty="0"/>
-              <a:t> </a:t>
-            </a:r>
-            <a:r>
-              <a:rPr lang="it-IT" dirty="0" err="1"/>
-              <a:t>independently</a:t>
-            </a:r>
-            <a:r>
-              <a:rPr lang="it-IT" dirty="0"/>
-              <a:t> from the </a:t>
-            </a:r>
-            <a:r>
-              <a:rPr lang="it-IT" dirty="0" err="1"/>
-              <a:t>usage</a:t>
-            </a:r>
-            <a:r>
-              <a:rPr lang="it-IT" dirty="0"/>
-              <a:t> of dual bounds.</a:t>
-            </a:r>
-          </a:p>
-          <a:p>
-            <a:r>
-              <a:rPr lang="it-IT" dirty="0"/>
-              <a:t>The </a:t>
-            </a:r>
-            <a:r>
-              <a:rPr lang="it-IT" dirty="0" err="1"/>
-              <a:t>greatest</a:t>
-            </a:r>
-            <a:r>
-              <a:rPr lang="it-IT" dirty="0"/>
-              <a:t> gap </a:t>
-            </a:r>
-            <a:r>
-              <a:rPr lang="it-IT" dirty="0" err="1"/>
-              <a:t>remains</a:t>
-            </a:r>
-            <a:r>
-              <a:rPr lang="it-IT" dirty="0"/>
-              <a:t> </a:t>
-            </a:r>
-            <a:r>
-              <a:rPr lang="it-IT" dirty="0" err="1"/>
-              <a:t>between</a:t>
-            </a:r>
-            <a:r>
-              <a:rPr lang="it-IT" dirty="0"/>
-              <a:t> CP and DIDP.</a:t>
-            </a:r>
-          </a:p>
-          <a:p>
-            <a:endParaRPr lang="it-IT" dirty="0"/>
+              <a:rPr lang="en-US" noProof="0" dirty="0"/>
+              <a:t>R instances have random locations: the discrepancy between the minimum distance from and to a location and the actual cost of a transition is probably lower than in the C instances.</a:t>
+            </a:r>
+          </a:p>
+          <a:p>
+            <a:r>
+              <a:rPr lang="en-US" noProof="0" dirty="0"/>
+              <a:t>In this case the dual bounds actually help the search process.</a:t>
+            </a:r>
+          </a:p>
+          <a:p>
+            <a:r>
+              <a:rPr lang="en-US" noProof="0" dirty="0"/>
+              <a:t>As for the 1-Group, the resource variables make the models perform better independently from the usage of dual bounds.</a:t>
+            </a:r>
+          </a:p>
+          <a:p>
+            <a:r>
+              <a:rPr lang="en-US" noProof="0" dirty="0"/>
+              <a:t>The greatest gap remains between CP and DIDP.</a:t>
+            </a:r>
+          </a:p>
+          <a:p>
+            <a:endParaRPr lang="en-US" noProof="0" dirty="0"/>
           </a:p>
         </p:txBody>
       </p:sp>
@@ -5118,18 +4296,9 @@
           <a:p>
             <a:pPr algn="ctr"/>
             <a:r>
-              <a:rPr lang="it-IT" dirty="0" err="1"/>
-              <a:t>Results</a:t>
-            </a:r>
-            <a:r>
-              <a:rPr lang="it-IT" dirty="0"/>
-              <a:t> on the RC-Group </a:t>
-            </a:r>
-            <a:r>
-              <a:rPr lang="it-IT" dirty="0" err="1"/>
-              <a:t>instances</a:t>
-            </a:r>
-            <a:endParaRPr lang="it-IT" dirty="0"/>
+              <a:rPr lang="en-US" noProof="0" dirty="0"/>
+              <a:t>Results on the RC-Group instances</a:t>
+            </a:r>
           </a:p>
         </p:txBody>
       </p:sp>
@@ -5232,18 +4401,9 @@
           <a:p>
             <a:pPr algn="ctr"/>
             <a:r>
-              <a:rPr lang="it-IT" dirty="0" err="1"/>
-              <a:t>Results</a:t>
-            </a:r>
-            <a:r>
-              <a:rPr lang="it-IT" dirty="0"/>
-              <a:t> on the RC-Group </a:t>
-            </a:r>
-            <a:r>
-              <a:rPr lang="it-IT" dirty="0" err="1"/>
-              <a:t>instances</a:t>
-            </a:r>
-            <a:endParaRPr lang="it-IT" dirty="0"/>
+              <a:rPr lang="en-US" noProof="0" dirty="0"/>
+              <a:t>Results on the RC-Group instances</a:t>
+            </a:r>
           </a:p>
         </p:txBody>
       </p:sp>
@@ -5276,114 +4436,14 @@
           <a:lstStyle/>
           <a:p>
             <a:r>
-              <a:rPr lang="it-IT" dirty="0" err="1"/>
-              <a:t>As</a:t>
-            </a:r>
-            <a:r>
-              <a:rPr lang="it-IT" dirty="0"/>
-              <a:t> for the C-group, the model </a:t>
-            </a:r>
-            <a:r>
-              <a:rPr lang="it-IT" dirty="0" err="1"/>
-              <a:t>without</a:t>
-            </a:r>
-            <a:r>
-              <a:rPr lang="it-IT" dirty="0"/>
-              <a:t> the bounds and with the </a:t>
-            </a:r>
-            <a:r>
-              <a:rPr lang="it-IT" dirty="0" err="1"/>
-              <a:t>resource</a:t>
-            </a:r>
-            <a:r>
-              <a:rPr lang="it-IT" dirty="0"/>
-              <a:t> </a:t>
-            </a:r>
-            <a:r>
-              <a:rPr lang="it-IT" dirty="0" err="1"/>
-              <a:t>variables</a:t>
-            </a:r>
-            <a:r>
-              <a:rPr lang="it-IT" dirty="0"/>
-              <a:t> </a:t>
-            </a:r>
-            <a:r>
-              <a:rPr lang="it-IT" dirty="0" err="1"/>
-              <a:t>is</a:t>
-            </a:r>
-            <a:r>
-              <a:rPr lang="it-IT" dirty="0"/>
-              <a:t> the best </a:t>
-            </a:r>
-            <a:r>
-              <a:rPr lang="it-IT" dirty="0" err="1"/>
-              <a:t>among</a:t>
-            </a:r>
-            <a:r>
-              <a:rPr lang="it-IT" dirty="0"/>
-              <a:t> the DIDP models.</a:t>
-            </a:r>
-          </a:p>
-          <a:p>
-            <a:r>
-              <a:rPr lang="it-IT" dirty="0"/>
-              <a:t>The </a:t>
-            </a:r>
-            <a:r>
-              <a:rPr lang="it-IT" dirty="0" err="1"/>
-              <a:t>difference</a:t>
-            </a:r>
-            <a:r>
-              <a:rPr lang="it-IT" dirty="0"/>
-              <a:t> in the performances </a:t>
-            </a:r>
-            <a:r>
-              <a:rPr lang="it-IT" dirty="0" err="1"/>
-              <a:t>is</a:t>
-            </a:r>
-            <a:r>
-              <a:rPr lang="it-IT" dirty="0"/>
-              <a:t> </a:t>
-            </a:r>
-            <a:r>
-              <a:rPr lang="it-IT" dirty="0" err="1"/>
-              <a:t>mitigated</a:t>
-            </a:r>
-            <a:r>
-              <a:rPr lang="it-IT" dirty="0"/>
-              <a:t> by the </a:t>
-            </a:r>
-            <a:r>
-              <a:rPr lang="it-IT" dirty="0" err="1"/>
-              <a:t>fact</a:t>
-            </a:r>
-            <a:r>
-              <a:rPr lang="it-IT" dirty="0"/>
-              <a:t> </a:t>
-            </a:r>
-            <a:r>
-              <a:rPr lang="it-IT" dirty="0" err="1"/>
-              <a:t>that</a:t>
-            </a:r>
-            <a:r>
-              <a:rPr lang="it-IT" dirty="0"/>
-              <a:t> </a:t>
-            </a:r>
-            <a:r>
-              <a:rPr lang="it-IT" dirty="0" err="1"/>
-              <a:t>only</a:t>
-            </a:r>
-            <a:r>
-              <a:rPr lang="it-IT" dirty="0"/>
-              <a:t> part of the customers are </a:t>
-            </a:r>
-            <a:r>
-              <a:rPr lang="it-IT" dirty="0" err="1"/>
-              <a:t>clustered</a:t>
-            </a:r>
-            <a:r>
-              <a:rPr lang="it-IT" dirty="0"/>
-              <a:t>.</a:t>
+              <a:rPr lang="en-US" noProof="0" dirty="0"/>
+              <a:t>As for the C-group, the model without the bounds and with the resource variables is the best among the DIDP models.</a:t>
+            </a:r>
+          </a:p>
+          <a:p>
+            <a:r>
+              <a:rPr lang="en-US" noProof="0" dirty="0"/>
+              <a:t>The difference in the performances is mitigated by the fact that only part of the customers are clustered.</a:t>
             </a:r>
           </a:p>
         </p:txBody>
@@ -5452,14 +4512,14 @@
           <a:p>
             <a:pPr algn="ctr"/>
             <a:r>
-              <a:rPr lang="it-IT" dirty="0"/>
+              <a:rPr lang="en-US" noProof="0" dirty="0"/>
               <a:t>Total </a:t>
             </a:r>
             <a:r>
-              <a:rPr lang="it-IT" dirty="0" err="1"/>
+              <a:rPr lang="en-US" noProof="0" dirty="0" err="1"/>
               <a:t>perfomances</a:t>
             </a:r>
-            <a:endParaRPr lang="it-IT" dirty="0"/>
+            <a:endParaRPr lang="en-US" noProof="0" dirty="0"/>
           </a:p>
         </p:txBody>
       </p:sp>
@@ -5556,7 +4616,7 @@
           <a:p>
             <a:pPr algn="ctr"/>
             <a:r>
-              <a:rPr lang="it-IT" dirty="0"/>
+              <a:rPr lang="en-US" noProof="0" dirty="0"/>
               <a:t>Total performances</a:t>
             </a:r>
           </a:p>
@@ -5589,86 +4649,14 @@
           <a:lstStyle/>
           <a:p>
             <a:r>
-              <a:rPr lang="it-IT" dirty="0"/>
-              <a:t>CP </a:t>
-            </a:r>
-            <a:r>
-              <a:rPr lang="it-IT" dirty="0" err="1"/>
-              <a:t>outperforms</a:t>
-            </a:r>
-            <a:r>
-              <a:rPr lang="it-IT" dirty="0"/>
-              <a:t> </a:t>
-            </a:r>
-            <a:r>
-              <a:rPr lang="it-IT" dirty="0" err="1"/>
-              <a:t>all</a:t>
-            </a:r>
-            <a:r>
-              <a:rPr lang="it-IT" dirty="0"/>
-              <a:t> the DIDP models</a:t>
-            </a:r>
-          </a:p>
-          <a:p>
-            <a:r>
-              <a:rPr lang="it-IT" dirty="0"/>
-              <a:t>The </a:t>
-            </a:r>
-            <a:r>
-              <a:rPr lang="it-IT" dirty="0" err="1"/>
-              <a:t>difference</a:t>
-            </a:r>
-            <a:r>
-              <a:rPr lang="it-IT" dirty="0"/>
-              <a:t> in overall performances </a:t>
-            </a:r>
-            <a:r>
-              <a:rPr lang="it-IT" dirty="0" err="1"/>
-              <a:t>between</a:t>
-            </a:r>
-            <a:r>
-              <a:rPr lang="it-IT" dirty="0"/>
-              <a:t> the DIDP models </a:t>
-            </a:r>
-            <a:r>
-              <a:rPr lang="it-IT" dirty="0" err="1"/>
-              <a:t>is</a:t>
-            </a:r>
-            <a:r>
-              <a:rPr lang="it-IT" dirty="0"/>
-              <a:t> </a:t>
-            </a:r>
-            <a:r>
-              <a:rPr lang="it-IT" dirty="0" err="1"/>
-              <a:t>not</a:t>
-            </a:r>
-            <a:r>
-              <a:rPr lang="it-IT" dirty="0"/>
-              <a:t> so big, </a:t>
-            </a:r>
-            <a:r>
-              <a:rPr lang="it-IT" dirty="0" err="1"/>
-              <a:t>but</a:t>
-            </a:r>
-            <a:r>
-              <a:rPr lang="it-IT" dirty="0"/>
-              <a:t> </a:t>
-            </a:r>
-            <a:r>
-              <a:rPr lang="it-IT" dirty="0" err="1"/>
-              <a:t>we</a:t>
-            </a:r>
-            <a:r>
-              <a:rPr lang="it-IT" dirty="0"/>
-              <a:t> can state </a:t>
-            </a:r>
-            <a:r>
-              <a:rPr lang="it-IT" dirty="0" err="1"/>
-              <a:t>that</a:t>
-            </a:r>
-            <a:r>
-              <a:rPr lang="it-IT" dirty="0"/>
-              <a:t>:</a:t>
+              <a:rPr lang="en-US" noProof="0" dirty="0"/>
+              <a:t>CP outperforms all the DIDP models.</a:t>
+            </a:r>
+          </a:p>
+          <a:p>
+            <a:r>
+              <a:rPr lang="en-US" noProof="0" dirty="0"/>
+              <a:t>The difference in overall performances between the DIDP models is not so big, but we can state that:</a:t>
             </a:r>
           </a:p>
           <a:p>
@@ -5677,48 +4665,8 @@
               <a:buChar char="§"/>
             </a:pPr>
             <a:r>
-              <a:rPr lang="it-IT" dirty="0"/>
-              <a:t>For </a:t>
-            </a:r>
-            <a:r>
-              <a:rPr lang="it-IT" dirty="0" err="1"/>
-              <a:t>most</a:t>
-            </a:r>
-            <a:r>
-              <a:rPr lang="it-IT" dirty="0"/>
-              <a:t> of the </a:t>
-            </a:r>
-            <a:r>
-              <a:rPr lang="it-IT" dirty="0" err="1"/>
-              <a:t>instances</a:t>
-            </a:r>
-            <a:r>
-              <a:rPr lang="it-IT" dirty="0"/>
-              <a:t> the dual bounds are </a:t>
-            </a:r>
-            <a:r>
-              <a:rPr lang="it-IT" dirty="0" err="1"/>
-              <a:t>not</a:t>
-            </a:r>
-            <a:r>
-              <a:rPr lang="it-IT" dirty="0"/>
-              <a:t> good for </a:t>
-            </a:r>
-            <a:r>
-              <a:rPr lang="it-IT" dirty="0" err="1"/>
-              <a:t>search</a:t>
-            </a:r>
-            <a:r>
-              <a:rPr lang="it-IT" dirty="0"/>
-              <a:t> </a:t>
-            </a:r>
-            <a:r>
-              <a:rPr lang="it-IT" dirty="0" err="1"/>
-              <a:t>guidance</a:t>
-            </a:r>
-            <a:r>
-              <a:rPr lang="it-IT" dirty="0"/>
-              <a:t>.</a:t>
+              <a:rPr lang="en-US" noProof="0" dirty="0"/>
+              <a:t>For most of the instances, the dual bounds are not good for search guidance.</a:t>
             </a:r>
           </a:p>
           <a:p>
@@ -5727,129 +4675,21 @@
               <a:buChar char="§"/>
             </a:pPr>
             <a:r>
-              <a:rPr lang="it-IT" dirty="0" err="1"/>
-              <a:t>If</a:t>
-            </a:r>
-            <a:r>
-              <a:rPr lang="it-IT" dirty="0"/>
-              <a:t> the </a:t>
-            </a:r>
-            <a:r>
-              <a:rPr lang="it-IT" dirty="0" err="1"/>
-              <a:t>only</a:t>
-            </a:r>
-            <a:r>
-              <a:rPr lang="it-IT" dirty="0"/>
-              <a:t> </a:t>
-            </a:r>
-            <a:r>
-              <a:rPr lang="it-IT" dirty="0" err="1"/>
-              <a:t>difference</a:t>
-            </a:r>
-            <a:r>
-              <a:rPr lang="it-IT" dirty="0"/>
-              <a:t> </a:t>
-            </a:r>
-            <a:r>
-              <a:rPr lang="it-IT" dirty="0" err="1"/>
-              <a:t>between</a:t>
-            </a:r>
-            <a:r>
-              <a:rPr lang="it-IT" dirty="0"/>
-              <a:t> </a:t>
-            </a:r>
-            <a:r>
-              <a:rPr lang="it-IT" dirty="0" err="1"/>
-              <a:t>two</a:t>
-            </a:r>
-            <a:r>
-              <a:rPr lang="it-IT" dirty="0"/>
-              <a:t> models </a:t>
-            </a:r>
-            <a:r>
-              <a:rPr lang="it-IT" dirty="0" err="1"/>
-              <a:t>is</a:t>
-            </a:r>
-            <a:r>
-              <a:rPr lang="it-IT" dirty="0"/>
-              <a:t> the </a:t>
-            </a:r>
-            <a:r>
-              <a:rPr lang="it-IT" dirty="0" err="1"/>
-              <a:t>usage</a:t>
-            </a:r>
-            <a:r>
-              <a:rPr lang="it-IT" dirty="0"/>
-              <a:t> of </a:t>
-            </a:r>
-            <a:r>
-              <a:rPr lang="it-IT" dirty="0" err="1"/>
-              <a:t>resource</a:t>
-            </a:r>
-            <a:r>
-              <a:rPr lang="it-IT" dirty="0"/>
-              <a:t> </a:t>
-            </a:r>
-            <a:r>
-              <a:rPr lang="it-IT" dirty="0" err="1"/>
-              <a:t>variables</a:t>
-            </a:r>
-            <a:r>
-              <a:rPr lang="it-IT" dirty="0"/>
-              <a:t>, the one </a:t>
-            </a:r>
-            <a:r>
-              <a:rPr lang="it-IT" dirty="0" err="1"/>
-              <a:t>exploiting</a:t>
-            </a:r>
-            <a:r>
-              <a:rPr lang="it-IT" dirty="0"/>
-              <a:t> </a:t>
-            </a:r>
-            <a:r>
-              <a:rPr lang="it-IT" dirty="0" err="1"/>
-              <a:t>them</a:t>
-            </a:r>
-            <a:r>
-              <a:rPr lang="it-IT" dirty="0"/>
-              <a:t> </a:t>
-            </a:r>
-            <a:r>
-              <a:rPr lang="it-IT" dirty="0" err="1"/>
-              <a:t>has</a:t>
-            </a:r>
-            <a:r>
-              <a:rPr lang="it-IT" dirty="0"/>
-              <a:t> </a:t>
-            </a:r>
-            <a:r>
-              <a:rPr lang="it-IT" dirty="0" err="1"/>
-              <a:t>better</a:t>
-            </a:r>
-            <a:r>
-              <a:rPr lang="it-IT" dirty="0"/>
-              <a:t> performances </a:t>
-            </a:r>
-            <a:r>
-              <a:rPr lang="it-IT" dirty="0" err="1"/>
-              <a:t>than</a:t>
-            </a:r>
-            <a:r>
-              <a:rPr lang="it-IT" dirty="0"/>
-              <a:t> the </a:t>
-            </a:r>
-            <a:r>
-              <a:rPr lang="it-IT" dirty="0" err="1"/>
-              <a:t>other</a:t>
-            </a:r>
-            <a:r>
-              <a:rPr lang="it-IT" dirty="0"/>
-              <a:t>.</a:t>
+              <a:rPr lang="en-US" noProof="0" dirty="0"/>
+              <a:t>If the only difference between two models is the usage of resource variables, the one exploiting them has </a:t>
+            </a:r>
+            <a:r>
+              <a:rPr lang="en-US" noProof="0"/>
+              <a:t>better performance </a:t>
+            </a:r>
+            <a:r>
+              <a:rPr lang="en-US" noProof="0" dirty="0"/>
+              <a:t>than the other.</a:t>
             </a:r>
             <a:br>
-              <a:rPr lang="it-IT" dirty="0"/>
+              <a:rPr lang="en-US" noProof="0" dirty="0"/>
             </a:br>
-            <a:endParaRPr lang="it-IT" dirty="0"/>
+            <a:endParaRPr lang="en-US" noProof="0" dirty="0"/>
           </a:p>
         </p:txBody>
       </p:sp>
@@ -5905,19 +4745,14 @@
           <a:lstStyle/>
           <a:p>
             <a:r>
-              <a:rPr lang="it-IT" dirty="0"/>
-              <a:t>DIDP </a:t>
-            </a:r>
-            <a:r>
-              <a:rPr lang="it-IT" dirty="0" err="1"/>
-              <a:t>Formulation</a:t>
-            </a:r>
-            <a:endParaRPr lang="it-IT" dirty="0"/>
+              <a:rPr lang="en-US" noProof="0" dirty="0"/>
+              <a:t>DIDP Formulation</a:t>
+            </a:r>
           </a:p>
         </p:txBody>
       </p:sp>
-      <mc:AlternateContent xmlns:mc="http://schemas.openxmlformats.org/markup-compatibility/2006" xmlns:a14="http://schemas.microsoft.com/office/drawing/2010/main">
-        <mc:Choice Requires="a14">
+      <mc:AlternateContent xmlns:mc="http://schemas.openxmlformats.org/markup-compatibility/2006">
+        <mc:Choice xmlns:a14="http://schemas.microsoft.com/office/drawing/2010/main" Requires="a14">
           <p:sp>
             <p:nvSpPr>
               <p:cNvPr id="3" name="Segnaposto contenuto 2">
@@ -5948,49 +4783,37 @@
                   <a:buNone/>
                 </a:pPr>
                 <a:r>
-                  <a:rPr lang="it-IT" dirty="0"/>
-                  <a:t>State </a:t>
-                </a:r>
-                <a:r>
-                  <a:rPr lang="it-IT" dirty="0" err="1"/>
-                  <a:t>Variables</a:t>
-                </a:r>
-                <a:r>
-                  <a:rPr lang="it-IT" dirty="0"/>
-                  <a:t>:</a:t>
+                  <a:rPr lang="en-US" noProof="0" dirty="0"/>
+                  <a:t>State Variables:</a:t>
                 </a:r>
               </a:p>
               <a:p>
                 <a:r>
-                  <a:rPr lang="it-IT" dirty="0"/>
-                  <a:t>U: set of </a:t>
-                </a:r>
-                <a:r>
-                  <a:rPr lang="it-IT" dirty="0" err="1"/>
-                  <a:t>unvisited</a:t>
-                </a:r>
-                <a:r>
-                  <a:rPr lang="it-IT" dirty="0"/>
-                  <a:t> customers</a:t>
+                  <a:rPr lang="en-US" noProof="0" dirty="0"/>
+                  <a:t>U: set of unvisited customers</a:t>
                 </a:r>
               </a:p>
               <a:p>
                 <a:r>
-                  <a:rPr lang="it-IT" dirty="0"/>
-                  <a:t>i : location</a:t>
+                  <a:rPr lang="en-US" noProof="0" dirty="0" err="1"/>
+                  <a:t>i</a:t>
+                </a:r>
+                <a:r>
+                  <a:rPr lang="en-US" noProof="0" dirty="0"/>
+                  <a:t> : location</a:t>
                 </a:r>
               </a:p>
               <a:p>
                 <a14:m>
                   <m:oMath xmlns:m="http://schemas.openxmlformats.org/officeDocument/2006/math">
                     <m:r>
-                      <a:rPr lang="it-IT" i="1" smtClean="0">
+                      <a:rPr lang="en-US" i="1" noProof="0" smtClean="0">
                         <a:latin typeface="Cambria Math" panose="02040503050406030204" pitchFamily="18" charset="0"/>
                       </a:rPr>
                       <m:t>𝑙</m:t>
                     </m:r>
                     <m:r>
-                      <a:rPr lang="it-IT" b="0" i="1" smtClean="0">
+                      <a:rPr lang="en-US" b="0" i="1" noProof="0" smtClean="0">
                         <a:latin typeface="Cambria Math" panose="02040503050406030204" pitchFamily="18" charset="0"/>
                       </a:rPr>
                       <m:t> : </m:t>
@@ -5998,7 +4821,7 @@
                   </m:oMath>
                 </a14:m>
                 <a:r>
-                  <a:rPr lang="it-IT" dirty="0"/>
+                  <a:rPr lang="en-US" noProof="0" dirty="0"/>
                   <a:t>load</a:t>
                 </a:r>
               </a:p>
@@ -6006,13 +4829,13 @@
                 <a14:m>
                   <m:oMath xmlns:m="http://schemas.openxmlformats.org/officeDocument/2006/math">
                     <m:r>
-                      <a:rPr lang="it-IT" b="0" i="1" smtClean="0">
+                      <a:rPr lang="en-US" b="0" i="1" noProof="0" smtClean="0">
                         <a:latin typeface="Cambria Math" panose="02040503050406030204" pitchFamily="18" charset="0"/>
                       </a:rPr>
                       <m:t>𝑘</m:t>
                     </m:r>
                     <m:r>
-                      <a:rPr lang="it-IT" b="0" i="1" smtClean="0">
+                      <a:rPr lang="en-US" b="0" i="1" noProof="0" smtClean="0">
                         <a:latin typeface="Cambria Math" panose="02040503050406030204" pitchFamily="18" charset="0"/>
                       </a:rPr>
                       <m:t> </m:t>
@@ -6020,26 +4843,13 @@
                   </m:oMath>
                 </a14:m>
                 <a:r>
-                  <a:rPr lang="it-IT" dirty="0"/>
-                  <a:t>: </a:t>
+                  <a:rPr lang="en-US" noProof="0" dirty="0"/>
+                  <a:t>: used vehicles</a:t>
                 </a:r>
-                <a:r>
-                  <a:rPr lang="it-IT" dirty="0" err="1"/>
-                  <a:t>used</a:t>
-                </a:r>
-                <a:r>
-                  <a:rPr lang="it-IT" dirty="0"/>
-                  <a:t> </a:t>
-                </a:r>
-                <a:r>
-                  <a:rPr lang="it-IT" dirty="0" err="1"/>
-                  <a:t>vehicles</a:t>
-                </a:r>
-                <a:endParaRPr lang="it-IT" dirty="0"/>
               </a:p>
               <a:p>
                 <a:r>
-                  <a:rPr lang="it-IT" dirty="0"/>
+                  <a:rPr lang="en-US" noProof="0" dirty="0"/>
                   <a:t>t: time</a:t>
                 </a:r>
               </a:p>
@@ -6047,12 +4857,12 @@
                 <a:pPr marL="0" indent="0">
                   <a:buNone/>
                 </a:pPr>
-                <a:endParaRPr lang="it-IT" dirty="0"/>
+                <a:endParaRPr lang="en-US" noProof="0" dirty="0"/>
               </a:p>
             </p:txBody>
           </p:sp>
         </mc:Choice>
-        <mc:Fallback xmlns="">
+        <mc:Fallback>
           <p:sp>
             <p:nvSpPr>
               <p:cNvPr id="3" name="Segnaposto contenuto 2">
@@ -6096,8 +4906,8 @@
           </p:sp>
         </mc:Fallback>
       </mc:AlternateContent>
-      <mc:AlternateContent xmlns:mc="http://schemas.openxmlformats.org/markup-compatibility/2006" xmlns:a14="http://schemas.microsoft.com/office/drawing/2010/main">
-        <mc:Choice Requires="a14">
+      <mc:AlternateContent xmlns:mc="http://schemas.openxmlformats.org/markup-compatibility/2006">
+        <mc:Choice xmlns:a14="http://schemas.microsoft.com/office/drawing/2010/main" Requires="a14">
           <p:sp>
             <p:nvSpPr>
               <p:cNvPr id="4" name="Segnaposto contenuto 2">
@@ -6295,44 +5105,20 @@
                   <a:buNone/>
                 </a:pPr>
                 <a:r>
-                  <a:rPr lang="it-IT" dirty="0"/>
+                  <a:rPr lang="en-US" noProof="0" dirty="0"/>
                   <a:t>Constants:</a:t>
                 </a:r>
               </a:p>
               <a:p>
                 <a:r>
-                  <a:rPr lang="it-IT" dirty="0"/>
-                  <a:t>N: customers (0 </a:t>
-                </a:r>
-                <a:r>
-                  <a:rPr lang="it-IT" dirty="0" err="1"/>
-                  <a:t>is</a:t>
-                </a:r>
-                <a:r>
-                  <a:rPr lang="it-IT" dirty="0"/>
-                  <a:t> the depot)</a:t>
+                  <a:rPr lang="en-US" noProof="0" dirty="0"/>
+                  <a:t>N: customers (0 is the depot)</a:t>
                 </a:r>
               </a:p>
               <a:p>
                 <a:r>
-                  <a:rPr lang="it-IT" dirty="0"/>
-                  <a:t>m: </a:t>
-                </a:r>
-                <a:r>
-                  <a:rPr lang="it-IT" dirty="0" err="1"/>
-                  <a:t>number</a:t>
-                </a:r>
-                <a:r>
-                  <a:rPr lang="it-IT" dirty="0"/>
-                  <a:t> of </a:t>
-                </a:r>
-                <a:r>
-                  <a:rPr lang="it-IT" dirty="0" err="1"/>
-                  <a:t>vehicles</a:t>
-                </a:r>
-                <a:r>
-                  <a:rPr lang="it-IT" dirty="0"/>
-                  <a:t>.</a:t>
+                  <a:rPr lang="en-US" noProof="0" dirty="0"/>
+                  <a:t>m: number of vehicles.</a:t>
                 </a:r>
               </a:p>
               <a:p>
@@ -6341,14 +5127,14 @@
                     <m:sSub>
                       <m:sSubPr>
                         <m:ctrlPr>
-                          <a:rPr lang="it-IT" i="1" smtClean="0">
+                          <a:rPr lang="en-US" i="1" noProof="0" smtClean="0">
                             <a:latin typeface="Cambria Math" panose="02040503050406030204" pitchFamily="18" charset="0"/>
                           </a:rPr>
                         </m:ctrlPr>
                       </m:sSubPr>
                       <m:e>
                         <m:r>
-                          <a:rPr lang="it-IT" b="0" i="1" smtClean="0">
+                          <a:rPr lang="en-US" b="0" i="1" noProof="0" smtClean="0">
                             <a:latin typeface="Cambria Math" panose="02040503050406030204" pitchFamily="18" charset="0"/>
                           </a:rPr>
                           <m:t>𝑐</m:t>
@@ -6356,7 +5142,7 @@
                       </m:e>
                       <m:sub>
                         <m:r>
-                          <a:rPr lang="it-IT" b="0" i="1" smtClean="0">
+                          <a:rPr lang="en-US" b="0" i="1" noProof="0" smtClean="0">
                             <a:latin typeface="Cambria Math" panose="02040503050406030204" pitchFamily="18" charset="0"/>
                           </a:rPr>
                           <m:t>𝑖𝑗</m:t>
@@ -6366,19 +5152,27 @@
                   </m:oMath>
                 </a14:m>
                 <a:r>
-                  <a:rPr lang="it-IT" dirty="0"/>
-                  <a:t>: travel cost from i to j</a:t>
+                  <a:rPr lang="en-US" noProof="0" dirty="0"/>
+                  <a:t>: travel cost from </a:t>
+                </a:r>
+                <a:r>
+                  <a:rPr lang="en-US" noProof="0" dirty="0" err="1"/>
+                  <a:t>i</a:t>
+                </a:r>
+                <a:r>
+                  <a:rPr lang="en-US" noProof="0" dirty="0"/>
+                  <a:t> to j</a:t>
                 </a:r>
               </a:p>
               <a:p>
                 <a:r>
-                  <a:rPr lang="it-IT" dirty="0"/>
+                  <a:rPr lang="en-US" noProof="0" dirty="0"/>
                   <a:t>q </a:t>
                 </a:r>
                 <a14:m>
                   <m:oMath xmlns:m="http://schemas.openxmlformats.org/officeDocument/2006/math">
                     <m:r>
-                      <a:rPr lang="it-IT" b="0" i="1" smtClean="0">
+                      <a:rPr lang="en-US" b="0" i="1" noProof="0" smtClean="0">
                         <a:latin typeface="Cambria Math" panose="02040503050406030204" pitchFamily="18" charset="0"/>
                       </a:rPr>
                       <m:t>:</m:t>
@@ -6386,24 +5180,8 @@
                   </m:oMath>
                 </a14:m>
                 <a:r>
-                  <a:rPr lang="it-IT" dirty="0"/>
-                  <a:t> </a:t>
-                </a:r>
-                <a:r>
-                  <a:rPr lang="it-IT" dirty="0" err="1"/>
-                  <a:t>vehicle’s</a:t>
-                </a:r>
-                <a:r>
-                  <a:rPr lang="it-IT" dirty="0"/>
-                  <a:t> </a:t>
-                </a:r>
-                <a:r>
-                  <a:rPr lang="it-IT" dirty="0" err="1"/>
-                  <a:t>capacity</a:t>
-                </a:r>
-                <a:r>
-                  <a:rPr lang="it-IT" dirty="0"/>
-                  <a:t> </a:t>
+                  <a:rPr lang="en-US" noProof="0" dirty="0"/>
+                  <a:t> vehicle’s capacity </a:t>
                 </a:r>
               </a:p>
               <a:p>
@@ -6414,7 +5192,7 @@
                         <m:begChr m:val="{"/>
                         <m:endChr m:val="}"/>
                         <m:ctrlPr>
-                          <a:rPr lang="it-IT" i="1" smtClean="0">
+                          <a:rPr lang="en-US" i="1" noProof="0" smtClean="0">
                             <a:latin typeface="Cambria Math" panose="02040503050406030204" pitchFamily="18" charset="0"/>
                           </a:rPr>
                         </m:ctrlPr>
@@ -6423,14 +5201,14 @@
                         <m:sSub>
                           <m:sSubPr>
                             <m:ctrlPr>
-                              <a:rPr lang="it-IT" i="1" smtClean="0">
+                              <a:rPr lang="en-US" i="1" noProof="0" smtClean="0">
                                 <a:latin typeface="Cambria Math" panose="02040503050406030204" pitchFamily="18" charset="0"/>
                               </a:rPr>
                             </m:ctrlPr>
                           </m:sSubPr>
                           <m:e>
                             <m:r>
-                              <a:rPr lang="it-IT" b="0" i="1" smtClean="0">
+                              <a:rPr lang="en-US" b="0" i="1" noProof="0" smtClean="0">
                                 <a:latin typeface="Cambria Math" panose="02040503050406030204" pitchFamily="18" charset="0"/>
                               </a:rPr>
                               <m:t>𝑑</m:t>
@@ -6438,7 +5216,7 @@
                           </m:e>
                           <m:sub>
                             <m:r>
-                              <a:rPr lang="it-IT" i="1" smtClean="0">
+                              <a:rPr lang="en-US" i="1" noProof="0" smtClean="0">
                                 <a:latin typeface="Cambria Math" panose="02040503050406030204" pitchFamily="18" charset="0"/>
                               </a:rPr>
                               <m:t>1</m:t>
@@ -6446,7 +5224,7 @@
                           </m:sub>
                         </m:sSub>
                         <m:r>
-                          <a:rPr lang="it-IT" i="1" smtClean="0">
+                          <a:rPr lang="en-US" i="1" noProof="0" smtClean="0">
                             <a:latin typeface="Cambria Math" panose="02040503050406030204" pitchFamily="18" charset="0"/>
                           </a:rPr>
                           <m:t>,…,</m:t>
@@ -6454,14 +5232,14 @@
                         <m:sSub>
                           <m:sSubPr>
                             <m:ctrlPr>
-                              <a:rPr lang="it-IT" i="1" smtClean="0">
+                              <a:rPr lang="en-US" i="1" noProof="0" smtClean="0">
                                 <a:latin typeface="Cambria Math" panose="02040503050406030204" pitchFamily="18" charset="0"/>
                               </a:rPr>
                             </m:ctrlPr>
                           </m:sSubPr>
                           <m:e>
                             <m:r>
-                              <a:rPr lang="it-IT" b="0" i="1" smtClean="0">
+                              <a:rPr lang="en-US" b="0" i="1" noProof="0" smtClean="0">
                                 <a:latin typeface="Cambria Math" panose="02040503050406030204" pitchFamily="18" charset="0"/>
                               </a:rPr>
                               <m:t>𝑑</m:t>
@@ -6469,13 +5247,13 @@
                           </m:e>
                           <m:sub>
                             <m:r>
-                              <a:rPr lang="it-IT" b="0" i="1" smtClean="0">
+                              <a:rPr lang="en-US" b="0" i="1" noProof="0" smtClean="0">
                                 <a:latin typeface="Cambria Math" panose="02040503050406030204" pitchFamily="18" charset="0"/>
                               </a:rPr>
                               <m:t>𝑛</m:t>
                             </m:r>
                             <m:r>
-                              <a:rPr lang="it-IT" b="0" i="1" smtClean="0">
+                              <a:rPr lang="en-US" b="0" i="1" noProof="0" smtClean="0">
                                 <a:latin typeface="Cambria Math" panose="02040503050406030204" pitchFamily="18" charset="0"/>
                               </a:rPr>
                               <m:t>−1</m:t>
@@ -6485,7 +5263,7 @@
                       </m:e>
                     </m:d>
                     <m:r>
-                      <a:rPr lang="it-IT" i="1" smtClean="0">
+                      <a:rPr lang="en-US" i="1" noProof="0" smtClean="0">
                         <a:latin typeface="Cambria Math" panose="02040503050406030204" pitchFamily="18" charset="0"/>
                       </a:rPr>
                       <m:t> </m:t>
@@ -6493,16 +5271,8 @@
                   </m:oMath>
                 </a14:m>
                 <a:r>
-                  <a:rPr lang="it-IT" dirty="0"/>
-                  <a:t>: </a:t>
-                </a:r>
-                <a:r>
-                  <a:rPr lang="it-IT" dirty="0" err="1"/>
-                  <a:t>customers’s</a:t>
-                </a:r>
-                <a:r>
-                  <a:rPr lang="it-IT" dirty="0"/>
-                  <a:t> demands </a:t>
+                  <a:rPr lang="en-US" noProof="0" dirty="0"/>
+                  <a:t>: customers’ demands </a:t>
                 </a:r>
               </a:p>
               <a:p>
@@ -6511,14 +5281,14 @@
                     <m:sSub>
                       <m:sSubPr>
                         <m:ctrlPr>
-                          <a:rPr lang="it-IT" i="1" smtClean="0">
+                          <a:rPr lang="en-US" i="1" noProof="0" smtClean="0">
                             <a:latin typeface="Cambria Math" panose="02040503050406030204" pitchFamily="18" charset="0"/>
                           </a:rPr>
                         </m:ctrlPr>
                       </m:sSubPr>
                       <m:e>
                         <m:r>
-                          <a:rPr lang="it-IT" b="0" i="1" smtClean="0">
+                          <a:rPr lang="en-US" b="0" i="1" noProof="0" smtClean="0">
                             <a:latin typeface="Cambria Math" panose="02040503050406030204" pitchFamily="18" charset="0"/>
                           </a:rPr>
                           <m:t>𝑠</m:t>
@@ -6526,7 +5296,7 @@
                       </m:e>
                       <m:sub>
                         <m:r>
-                          <a:rPr lang="it-IT" b="0" i="1" smtClean="0">
+                          <a:rPr lang="en-US" b="0" i="1" noProof="0" smtClean="0">
                             <a:latin typeface="Cambria Math" panose="02040503050406030204" pitchFamily="18" charset="0"/>
                           </a:rPr>
                           <m:t>𝑖</m:t>
@@ -6536,16 +5306,8 @@
                   </m:oMath>
                 </a14:m>
                 <a:r>
-                  <a:rPr lang="it-IT" dirty="0"/>
-                  <a:t>: </a:t>
-                </a:r>
-                <a:r>
-                  <a:rPr lang="it-IT" dirty="0" err="1"/>
-                  <a:t>customer’s</a:t>
-                </a:r>
-                <a:r>
-                  <a:rPr lang="it-IT" dirty="0"/>
-                  <a:t> service time</a:t>
+                  <a:rPr lang="en-US" noProof="0" dirty="0"/>
+                  <a:t>: customer’s service time</a:t>
                 </a:r>
               </a:p>
               <a:p>
@@ -6556,7 +5318,7 @@
                         <m:begChr m:val="["/>
                         <m:endChr m:val="]"/>
                         <m:ctrlPr>
-                          <a:rPr lang="en-US" sz="2800" i="1" smtClean="0">
+                          <a:rPr lang="en-US" sz="2800" i="1" noProof="0" smtClean="0">
                             <a:latin typeface="Cambria Math" panose="02040503050406030204" pitchFamily="18" charset="0"/>
                           </a:rPr>
                         </m:ctrlPr>
@@ -6565,14 +5327,14 @@
                         <m:sSub>
                           <m:sSubPr>
                             <m:ctrlPr>
-                              <a:rPr lang="en-US" sz="2800" i="1" smtClean="0">
+                              <a:rPr lang="en-US" sz="2800" i="1" noProof="0" smtClean="0">
                                 <a:latin typeface="Cambria Math" panose="02040503050406030204" pitchFamily="18" charset="0"/>
                               </a:rPr>
                             </m:ctrlPr>
                           </m:sSubPr>
                           <m:e>
                             <m:r>
-                              <a:rPr lang="it-IT" sz="2800" b="0" i="1" smtClean="0">
+                              <a:rPr lang="en-US" sz="2800" b="0" i="1" noProof="0" smtClean="0">
                                 <a:latin typeface="Cambria Math" panose="02040503050406030204" pitchFamily="18" charset="0"/>
                               </a:rPr>
                               <m:t>𝑎</m:t>
@@ -6580,7 +5342,7 @@
                           </m:e>
                           <m:sub>
                             <m:r>
-                              <a:rPr lang="it-IT" sz="2800" b="0" i="1" smtClean="0">
+                              <a:rPr lang="en-US" sz="2800" b="0" i="1" noProof="0" smtClean="0">
                                 <a:latin typeface="Cambria Math" panose="02040503050406030204" pitchFamily="18" charset="0"/>
                               </a:rPr>
                               <m:t>𝑖</m:t>
@@ -6588,7 +5350,7 @@
                           </m:sub>
                         </m:sSub>
                         <m:r>
-                          <a:rPr lang="it-IT" sz="2800" b="0" i="1" smtClean="0">
+                          <a:rPr lang="en-US" sz="2800" b="0" i="1" noProof="0" smtClean="0">
                             <a:latin typeface="Cambria Math" panose="02040503050406030204" pitchFamily="18" charset="0"/>
                           </a:rPr>
                           <m:t>, </m:t>
@@ -6596,14 +5358,14 @@
                         <m:sSub>
                           <m:sSubPr>
                             <m:ctrlPr>
-                              <a:rPr lang="it-IT" sz="2800" b="0" i="1" smtClean="0">
+                              <a:rPr lang="en-US" sz="2800" b="0" i="1" noProof="0" smtClean="0">
                                 <a:latin typeface="Cambria Math" panose="02040503050406030204" pitchFamily="18" charset="0"/>
                               </a:rPr>
                             </m:ctrlPr>
                           </m:sSubPr>
                           <m:e>
                             <m:r>
-                              <a:rPr lang="it-IT" sz="2800" b="0" i="1" smtClean="0">
+                              <a:rPr lang="en-US" sz="2800" b="0" i="1" noProof="0" smtClean="0">
                                 <a:latin typeface="Cambria Math" panose="02040503050406030204" pitchFamily="18" charset="0"/>
                               </a:rPr>
                               <m:t>𝑏</m:t>
@@ -6611,7 +5373,7 @@
                           </m:e>
                           <m:sub>
                             <m:r>
-                              <a:rPr lang="it-IT" sz="2800" b="0" i="1" smtClean="0">
+                              <a:rPr lang="en-US" sz="2800" b="0" i="1" noProof="0" smtClean="0">
                                 <a:latin typeface="Cambria Math" panose="02040503050406030204" pitchFamily="18" charset="0"/>
                               </a:rPr>
                               <m:t>𝑖</m:t>
@@ -6623,24 +5385,24 @@
                   </m:oMath>
                 </a14:m>
                 <a:r>
-                  <a:rPr lang="en-US" sz="2800" dirty="0"/>
+                  <a:rPr lang="en-US" sz="2800" noProof="0" dirty="0"/>
                   <a:t>: customer’s time window</a:t>
                 </a:r>
               </a:p>
               <a:p>
-                <a:endParaRPr lang="it-IT" dirty="0"/>
+                <a:endParaRPr lang="en-US" noProof="0" dirty="0"/>
               </a:p>
               <a:p>
                 <a:pPr marL="0" indent="0">
                   <a:buFont typeface="Arial" panose="020B0604020202020204" pitchFamily="34" charset="0"/>
                   <a:buNone/>
                 </a:pPr>
-                <a:endParaRPr lang="it-IT" dirty="0"/>
+                <a:endParaRPr lang="en-US" noProof="0" dirty="0"/>
               </a:p>
             </p:txBody>
           </p:sp>
         </mc:Choice>
-        <mc:Fallback xmlns="">
+        <mc:Fallback>
           <p:sp>
             <p:nvSpPr>
               <p:cNvPr id="4" name="Segnaposto contenuto 2">
@@ -6745,19 +5507,14 @@
           <a:p>
             <a:pPr algn="ctr"/>
             <a:r>
-              <a:rPr lang="it-IT" dirty="0"/>
-              <a:t>DIDP </a:t>
-            </a:r>
-            <a:r>
-              <a:rPr lang="it-IT" dirty="0" err="1"/>
-              <a:t>Formulation</a:t>
-            </a:r>
-            <a:endParaRPr lang="it-IT" dirty="0"/>
+              <a:rPr lang="en-US" noProof="0" dirty="0"/>
+              <a:t>DIDP Formulation</a:t>
+            </a:r>
           </a:p>
         </p:txBody>
       </p:sp>
-      <mc:AlternateContent xmlns:mc="http://schemas.openxmlformats.org/markup-compatibility/2006" xmlns:a14="http://schemas.microsoft.com/office/drawing/2010/main">
-        <mc:Choice Requires="a14">
+      <mc:AlternateContent xmlns:mc="http://schemas.openxmlformats.org/markup-compatibility/2006">
+        <mc:Choice xmlns:a14="http://schemas.microsoft.com/office/drawing/2010/main" Requires="a14">
           <p:sp>
             <p:nvSpPr>
               <p:cNvPr id="4" name="テキスト ボックス 5">
@@ -6803,37 +5560,37 @@
                         <m:rPr>
                           <m:sty m:val="p"/>
                         </m:rPr>
-                        <a:rPr lang="en-US" sz="1875" smtClean="0">
+                        <a:rPr lang="en-US" sz="1875" noProof="0" smtClean="0">
                           <a:latin typeface="Cambria Math" panose="02040503050406030204" pitchFamily="18" charset="0"/>
                         </a:rPr>
                         <m:t>compute</m:t>
                       </m:r>
                       <m:r>
-                        <a:rPr lang="en-US" sz="1875" i="1">
+                        <a:rPr lang="en-US" sz="1875" i="1" noProof="0">
                           <a:latin typeface="Cambria Math" panose="02040503050406030204" pitchFamily="18" charset="0"/>
                         </a:rPr>
                         <m:t> </m:t>
                       </m:r>
                       <m:r>
-                        <a:rPr lang="en-US" sz="1875" i="1" smtClean="0">
+                        <a:rPr lang="en-US" sz="1875" i="1" noProof="0" smtClean="0">
                           <a:latin typeface="Cambria Math" panose="02040503050406030204" pitchFamily="18" charset="0"/>
                         </a:rPr>
                         <m:t>𝑉</m:t>
                       </m:r>
                       <m:r>
-                        <a:rPr lang="en-US" sz="1875" i="1">
+                        <a:rPr lang="en-US" sz="1875" i="1" noProof="0">
                           <a:latin typeface="Cambria Math" panose="02040503050406030204" pitchFamily="18" charset="0"/>
                         </a:rPr>
                         <m:t>(</m:t>
                       </m:r>
                       <m:r>
-                        <a:rPr lang="en-US" sz="1875" i="1">
+                        <a:rPr lang="en-US" sz="1875" i="1" noProof="0">
                           <a:latin typeface="Cambria Math" panose="02040503050406030204" pitchFamily="18" charset="0"/>
                         </a:rPr>
                         <m:t>𝑁</m:t>
                       </m:r>
                       <m:r>
-                        <a:rPr lang="en-US" sz="1875" i="1">
+                        <a:rPr lang="en-US" sz="1875" i="1" noProof="0">
                           <a:latin typeface="Cambria Math" panose="02040503050406030204" pitchFamily="18" charset="0"/>
                         </a:rPr>
                         <m:t> \</m:t>
@@ -6842,7 +5599,7 @@
                         <m:rPr>
                           <m:lit/>
                         </m:rPr>
-                        <a:rPr lang="en-US" sz="1875" i="1">
+                        <a:rPr lang="en-US" sz="1875" i="1" noProof="0">
                           <a:latin typeface="Cambria Math" panose="02040503050406030204" pitchFamily="18" charset="0"/>
                         </a:rPr>
                         <m:t> </m:t>
@@ -6852,14 +5609,14 @@
                           <m:begChr m:val="{"/>
                           <m:endChr m:val="}"/>
                           <m:ctrlPr>
-                            <a:rPr lang="en-US" sz="1875" i="1">
+                            <a:rPr lang="en-US" sz="1875" i="1" noProof="0">
                               <a:latin typeface="Cambria Math" panose="02040503050406030204" pitchFamily="18" charset="0"/>
                             </a:rPr>
                           </m:ctrlPr>
                         </m:dPr>
                         <m:e>
                           <m:r>
-                            <a:rPr lang="en-US" sz="1875" i="1">
+                            <a:rPr lang="en-US" sz="1875" i="1" noProof="0">
                               <a:latin typeface="Cambria Math" panose="02040503050406030204" pitchFamily="18" charset="0"/>
                             </a:rPr>
                             <m:t>0</m:t>
@@ -6867,25 +5624,25 @@
                         </m:e>
                       </m:d>
                       <m:r>
-                        <a:rPr lang="en-US" sz="1875" i="1">
+                        <a:rPr lang="en-US" sz="1875" i="1" noProof="0">
                           <a:latin typeface="Cambria Math" panose="02040503050406030204" pitchFamily="18" charset="0"/>
                         </a:rPr>
                         <m:t>,</m:t>
                       </m:r>
                       <m:r>
-                        <a:rPr lang="en-US" sz="1875" i="1" smtClean="0">
+                        <a:rPr lang="en-US" sz="1875" i="1" noProof="0" smtClean="0">
                           <a:latin typeface="Cambria Math" panose="02040503050406030204" pitchFamily="18" charset="0"/>
                         </a:rPr>
                         <m:t> </m:t>
                       </m:r>
                       <m:r>
-                        <a:rPr lang="it-IT" sz="1875" b="0" i="1" smtClean="0">
+                        <a:rPr lang="en-US" sz="1875" b="0" i="1" noProof="0" smtClean="0">
                           <a:latin typeface="Cambria Math" panose="02040503050406030204" pitchFamily="18" charset="0"/>
                         </a:rPr>
                         <m:t>0, 0, 1, 0</m:t>
                       </m:r>
                       <m:r>
-                        <a:rPr lang="en-US" sz="1875" i="1">
+                        <a:rPr lang="en-US" sz="1875" i="1" noProof="0">
                           <a:latin typeface="Cambria Math" panose="02040503050406030204" pitchFamily="18" charset="0"/>
                         </a:rPr>
                         <m:t>)</m:t>
@@ -6893,7 +5650,7 @@
                     </m:oMath>
                   </m:oMathPara>
                 </a14:m>
-                <a:endParaRPr lang="en-US" sz="1875" i="1" dirty="0">
+                <a:endParaRPr lang="en-US" sz="1875" i="1" noProof="0" dirty="0">
                   <a:latin typeface="Cambria Math" panose="02040503050406030204" pitchFamily="18" charset="0"/>
                 </a:endParaRPr>
               </a:p>
@@ -6901,7 +5658,7 @@
                 <a:pPr marL="0" indent="0">
                   <a:buNone/>
                 </a:pPr>
-                <a:endParaRPr lang="en-US" sz="1875" i="1" dirty="0">
+                <a:endParaRPr lang="en-US" sz="1875" i="1" noProof="0" dirty="0">
                   <a:latin typeface="Cambria Math" panose="02040503050406030204" pitchFamily="18" charset="0"/>
                 </a:endParaRPr>
               </a:p>
@@ -6909,7 +5666,7 @@
                 <a:pPr marL="0" indent="0">
                   <a:buNone/>
                 </a:pPr>
-                <a:endParaRPr lang="en-US" sz="1875" i="1" dirty="0">
+                <a:endParaRPr lang="en-US" sz="1875" i="1" noProof="0" dirty="0">
                   <a:latin typeface="Cambria Math" panose="02040503050406030204" pitchFamily="18" charset="0"/>
                 </a:endParaRPr>
               </a:p>
@@ -6924,7 +5681,7 @@
                     </m:oMathParaPr>
                     <m:oMath xmlns:m="http://schemas.openxmlformats.org/officeDocument/2006/math">
                       <m:r>
-                        <a:rPr lang="it-IT" sz="1875" b="0" i="1" smtClean="0">
+                        <a:rPr lang="en-US" sz="1875" b="0" i="1" noProof="0" smtClean="0">
                           <a:latin typeface="Cambria Math" panose="02040503050406030204" pitchFamily="18" charset="0"/>
                         </a:rPr>
                         <m:t>𝑉</m:t>
@@ -6932,62 +5689,62 @@
                       <m:d>
                         <m:dPr>
                           <m:ctrlPr>
-                            <a:rPr lang="it-IT" sz="1875" b="0" i="1" smtClean="0">
+                            <a:rPr lang="en-US" sz="1875" b="0" i="1" noProof="0" smtClean="0">
                               <a:latin typeface="Cambria Math" panose="02040503050406030204" pitchFamily="18" charset="0"/>
                             </a:rPr>
                           </m:ctrlPr>
                         </m:dPr>
                         <m:e>
                           <m:r>
-                            <a:rPr lang="it-IT" sz="1875" b="0" i="1" smtClean="0">
+                            <a:rPr lang="en-US" sz="1875" b="0" i="1" noProof="0" smtClean="0">
                               <a:latin typeface="Cambria Math" panose="02040503050406030204" pitchFamily="18" charset="0"/>
                             </a:rPr>
                             <m:t>𝑈</m:t>
                           </m:r>
                           <m:r>
-                            <a:rPr lang="it-IT" sz="1875" b="0" i="1" smtClean="0">
+                            <a:rPr lang="en-US" sz="1875" b="0" i="1" noProof="0" smtClean="0">
                               <a:latin typeface="Cambria Math" panose="02040503050406030204" pitchFamily="18" charset="0"/>
                             </a:rPr>
                             <m:t>,</m:t>
                           </m:r>
                           <m:r>
-                            <a:rPr lang="it-IT" sz="1875" b="0" i="1" smtClean="0">
+                            <a:rPr lang="en-US" sz="1875" b="0" i="1" noProof="0" smtClean="0">
                               <a:latin typeface="Cambria Math" panose="02040503050406030204" pitchFamily="18" charset="0"/>
                             </a:rPr>
                             <m:t>𝑖</m:t>
                           </m:r>
                           <m:r>
-                            <a:rPr lang="it-IT" sz="1875" b="0" i="1" smtClean="0">
+                            <a:rPr lang="en-US" sz="1875" b="0" i="1" noProof="0" smtClean="0">
                               <a:latin typeface="Cambria Math" panose="02040503050406030204" pitchFamily="18" charset="0"/>
                             </a:rPr>
                             <m:t>,</m:t>
                           </m:r>
                           <m:r>
-                            <a:rPr lang="it-IT" sz="1875" b="0" i="1" smtClean="0">
+                            <a:rPr lang="en-US" sz="1875" b="0" i="1" noProof="0" smtClean="0">
                               <a:latin typeface="Cambria Math" panose="02040503050406030204" pitchFamily="18" charset="0"/>
                             </a:rPr>
                             <m:t>𝑙</m:t>
                           </m:r>
                           <m:r>
-                            <a:rPr lang="it-IT" sz="1875" b="0" i="1" smtClean="0">
+                            <a:rPr lang="en-US" sz="1875" b="0" i="1" noProof="0" smtClean="0">
                               <a:latin typeface="Cambria Math" panose="02040503050406030204" pitchFamily="18" charset="0"/>
                             </a:rPr>
                             <m:t>,</m:t>
                           </m:r>
                           <m:r>
-                            <a:rPr lang="it-IT" sz="1875" b="0" i="1" smtClean="0">
+                            <a:rPr lang="en-US" sz="1875" b="0" i="1" noProof="0" smtClean="0">
                               <a:latin typeface="Cambria Math" panose="02040503050406030204" pitchFamily="18" charset="0"/>
                             </a:rPr>
                             <m:t>𝑘</m:t>
                           </m:r>
                           <m:r>
-                            <a:rPr lang="it-IT" sz="1875" b="0" i="1" smtClean="0">
+                            <a:rPr lang="en-US" sz="1875" b="0" i="1" noProof="0" smtClean="0">
                               <a:latin typeface="Cambria Math" panose="02040503050406030204" pitchFamily="18" charset="0"/>
                             </a:rPr>
                             <m:t>,</m:t>
                           </m:r>
                           <m:r>
-                            <a:rPr lang="it-IT" sz="1875" b="0" i="1" smtClean="0">
+                            <a:rPr lang="en-US" sz="1875" b="0" i="1" noProof="0" smtClean="0">
                               <a:latin typeface="Cambria Math" panose="02040503050406030204" pitchFamily="18" charset="0"/>
                             </a:rPr>
                             <m:t>𝑡</m:t>
@@ -6995,7 +5752,7 @@
                         </m:e>
                       </m:d>
                       <m:r>
-                        <a:rPr lang="it-IT" sz="1875" b="0" i="1" smtClean="0">
+                        <a:rPr lang="en-US" sz="1875" b="0" i="1" noProof="0" smtClean="0">
                           <a:latin typeface="Cambria Math" panose="02040503050406030204" pitchFamily="18" charset="0"/>
                           <a:ea typeface="Cambria Math" panose="02040503050406030204" pitchFamily="18" charset="0"/>
                         </a:rPr>
@@ -7006,7 +5763,7 @@
                           <m:begChr m:val="{"/>
                           <m:endChr m:val=""/>
                           <m:ctrlPr>
-                            <a:rPr lang="it-IT" sz="1875" b="0" i="1" smtClean="0">
+                            <a:rPr lang="en-US" sz="1875" b="0" i="1" noProof="0" smtClean="0">
                               <a:latin typeface="Cambria Math" panose="02040503050406030204" pitchFamily="18" charset="0"/>
                               <a:ea typeface="Cambria Math" panose="02040503050406030204" pitchFamily="18" charset="0"/>
                             </a:rPr>
@@ -7016,7 +5773,7 @@
                           <m:eqArr>
                             <m:eqArrPr>
                               <m:ctrlPr>
-                                <a:rPr lang="it-IT" sz="1875" b="0" i="1" smtClean="0">
+                                <a:rPr lang="en-US" sz="1875" b="0" i="1" noProof="0" smtClean="0">
                                   <a:latin typeface="Cambria Math" panose="02040503050406030204" pitchFamily="18" charset="0"/>
                                   <a:ea typeface="Cambria Math" panose="02040503050406030204" pitchFamily="18" charset="0"/>
                                 </a:rPr>
@@ -7026,7 +5783,7 @@
                               <m:eqArr>
                                 <m:eqArrPr>
                                   <m:ctrlPr>
-                                    <a:rPr lang="it-IT" sz="1875" b="0" i="1" smtClean="0">
+                                    <a:rPr lang="en-US" sz="1875" b="0" i="1" noProof="0" smtClean="0">
                                       <a:latin typeface="Cambria Math" panose="02040503050406030204" pitchFamily="18" charset="0"/>
                                       <a:ea typeface="Cambria Math" panose="02040503050406030204" pitchFamily="18" charset="0"/>
                                     </a:rPr>
@@ -7034,7 +5791,7 @@
                                 </m:eqArrPr>
                                 <m:e>
                                   <m:r>
-                                    <a:rPr lang="it-IT" sz="1875" b="0" i="1" smtClean="0">
+                                    <a:rPr lang="en-US" sz="1875" b="0" i="1" noProof="0" smtClean="0">
                                       <a:latin typeface="Cambria Math" panose="02040503050406030204" pitchFamily="18" charset="0"/>
                                       <a:ea typeface="Cambria Math" panose="02040503050406030204" pitchFamily="18" charset="0"/>
                                     </a:rPr>
@@ -7045,7 +5802,7 @@
                                       <m:begChr m:val="{"/>
                                       <m:endChr m:val=""/>
                                       <m:ctrlPr>
-                                        <a:rPr lang="it-IT" sz="1875" b="0" i="1" smtClean="0">
+                                        <a:rPr lang="en-US" sz="1875" b="0" i="1" noProof="0" smtClean="0">
                                           <a:latin typeface="Cambria Math" panose="02040503050406030204" pitchFamily="18" charset="0"/>
                                           <a:ea typeface="Cambria Math" panose="02040503050406030204" pitchFamily="18" charset="0"/>
                                         </a:rPr>
@@ -7055,7 +5812,7 @@
                                       <m:eqArr>
                                         <m:eqArrPr>
                                           <m:ctrlPr>
-                                            <a:rPr lang="it-IT" sz="1875" b="0" i="1" smtClean="0">
+                                            <a:rPr lang="en-US" sz="1875" b="0" i="1" noProof="0" smtClean="0">
                                               <a:latin typeface="Cambria Math" panose="02040503050406030204" pitchFamily="18" charset="0"/>
                                               <a:ea typeface="Cambria Math" panose="02040503050406030204" pitchFamily="18" charset="0"/>
                                             </a:rPr>
@@ -7065,7 +5822,7 @@
                                           <m:func>
                                             <m:funcPr>
                                               <m:ctrlPr>
-                                                <a:rPr lang="it-IT" sz="1875" b="0" i="1" smtClean="0">
+                                                <a:rPr lang="en-US" sz="1875" b="0" i="1" noProof="0" smtClean="0">
                                                   <a:latin typeface="Cambria Math" panose="02040503050406030204" pitchFamily="18" charset="0"/>
                                                   <a:ea typeface="Cambria Math" panose="02040503050406030204" pitchFamily="18" charset="0"/>
                                                 </a:rPr>
@@ -7075,7 +5832,7 @@
                                               <m:limLow>
                                                 <m:limLowPr>
                                                   <m:ctrlPr>
-                                                    <a:rPr lang="it-IT" sz="1875" b="0" i="1" smtClean="0">
+                                                    <a:rPr lang="en-US" sz="1875" b="0" i="1" noProof="0" smtClean="0">
                                                       <a:latin typeface="Cambria Math" panose="02040503050406030204" pitchFamily="18" charset="0"/>
                                                       <a:ea typeface="Cambria Math" panose="02040503050406030204" pitchFamily="18" charset="0"/>
                                                     </a:rPr>
@@ -7086,7 +5843,7 @@
                                                     <m:rPr>
                                                       <m:sty m:val="p"/>
                                                     </m:rPr>
-                                                    <a:rPr lang="it-IT" sz="1875" b="0" i="0" smtClean="0">
+                                                    <a:rPr lang="en-US" sz="1875" b="0" i="0" noProof="0" smtClean="0">
                                                       <a:latin typeface="Cambria Math" panose="02040503050406030204" pitchFamily="18" charset="0"/>
                                                       <a:ea typeface="Cambria Math" panose="02040503050406030204" pitchFamily="18" charset="0"/>
                                                     </a:rPr>
@@ -7095,42 +5852,42 @@
                                                 </m:e>
                                                 <m:lim>
                                                   <m:r>
-                                                    <a:rPr lang="it-IT" sz="1875" b="0" i="1" smtClean="0">
+                                                    <a:rPr lang="en-US" sz="1875" b="0" i="1" noProof="0" smtClean="0">
                                                       <a:latin typeface="Cambria Math" panose="02040503050406030204" pitchFamily="18" charset="0"/>
                                                       <a:ea typeface="Cambria Math" panose="02040503050406030204" pitchFamily="18" charset="0"/>
                                                     </a:rPr>
                                                     <m:t>𝑗</m:t>
                                                   </m:r>
                                                   <m:r>
-                                                    <a:rPr lang="it-IT" sz="1875" b="0" i="1" smtClean="0">
+                                                    <a:rPr lang="en-US" sz="1875" b="0" i="1" noProof="0" smtClean="0">
                                                       <a:latin typeface="Cambria Math" panose="02040503050406030204" pitchFamily="18" charset="0"/>
                                                       <a:ea typeface="Cambria Math" panose="02040503050406030204" pitchFamily="18" charset="0"/>
                                                     </a:rPr>
                                                     <m:t>∈</m:t>
                                                   </m:r>
                                                   <m:r>
-                                                    <a:rPr lang="it-IT" sz="1875" b="0" i="1" smtClean="0">
+                                                    <a:rPr lang="en-US" sz="1875" b="0" i="1" noProof="0" smtClean="0">
                                                       <a:latin typeface="Cambria Math" panose="02040503050406030204" pitchFamily="18" charset="0"/>
                                                       <a:ea typeface="Cambria Math" panose="02040503050406030204" pitchFamily="18" charset="0"/>
                                                     </a:rPr>
                                                     <m:t>𝑈</m:t>
                                                   </m:r>
                                                   <m:r>
-                                                    <a:rPr lang="it-IT" sz="1875" b="0" i="1" smtClean="0">
+                                                    <a:rPr lang="en-US" sz="1875" b="0" i="1" noProof="0" smtClean="0">
                                                       <a:latin typeface="Cambria Math" panose="02040503050406030204" pitchFamily="18" charset="0"/>
                                                       <a:ea typeface="Cambria Math" panose="02040503050406030204" pitchFamily="18" charset="0"/>
                                                     </a:rPr>
                                                     <m:t>;</m:t>
                                                   </m:r>
                                                   <m:r>
-                                                    <a:rPr lang="it-IT" sz="1875" b="0" i="1" smtClean="0">
+                                                    <a:rPr lang="en-US" sz="1875" b="0" i="1" noProof="0" smtClean="0">
                                                       <a:latin typeface="Cambria Math" panose="02040503050406030204" pitchFamily="18" charset="0"/>
                                                       <a:ea typeface="Cambria Math" panose="02040503050406030204" pitchFamily="18" charset="0"/>
                                                     </a:rPr>
                                                     <m:t>𝑙</m:t>
                                                   </m:r>
                                                   <m:r>
-                                                    <a:rPr lang="it-IT" sz="1875" b="0" i="1" smtClean="0">
+                                                    <a:rPr lang="en-US" sz="1875" b="0" i="1" noProof="0" smtClean="0">
                                                       <a:latin typeface="Cambria Math" panose="02040503050406030204" pitchFamily="18" charset="0"/>
                                                       <a:ea typeface="Cambria Math" panose="02040503050406030204" pitchFamily="18" charset="0"/>
                                                     </a:rPr>
@@ -7139,7 +5896,7 @@
                                                   <m:sSub>
                                                     <m:sSubPr>
                                                       <m:ctrlPr>
-                                                        <a:rPr lang="it-IT" sz="1875" b="0" i="1" smtClean="0">
+                                                        <a:rPr lang="en-US" sz="1875" b="0" i="1" noProof="0" smtClean="0">
                                                           <a:latin typeface="Cambria Math" panose="02040503050406030204" pitchFamily="18" charset="0"/>
                                                           <a:ea typeface="Cambria Math" panose="02040503050406030204" pitchFamily="18" charset="0"/>
                                                         </a:rPr>
@@ -7147,7 +5904,7 @@
                                                     </m:sSubPr>
                                                     <m:e>
                                                       <m:r>
-                                                        <a:rPr lang="it-IT" sz="1875" b="0" i="1" smtClean="0">
+                                                        <a:rPr lang="en-US" sz="1875" b="0" i="1" noProof="0" smtClean="0">
                                                           <a:latin typeface="Cambria Math" panose="02040503050406030204" pitchFamily="18" charset="0"/>
                                                           <a:ea typeface="Cambria Math" panose="02040503050406030204" pitchFamily="18" charset="0"/>
                                                         </a:rPr>
@@ -7156,7 +5913,7 @@
                                                     </m:e>
                                                     <m:sub>
                                                       <m:r>
-                                                        <a:rPr lang="it-IT" sz="1875" b="0" i="1" smtClean="0">
+                                                        <a:rPr lang="en-US" sz="1875" b="0" i="1" noProof="0" smtClean="0">
                                                           <a:latin typeface="Cambria Math" panose="02040503050406030204" pitchFamily="18" charset="0"/>
                                                           <a:ea typeface="Cambria Math" panose="02040503050406030204" pitchFamily="18" charset="0"/>
                                                         </a:rPr>
@@ -7165,35 +5922,35 @@
                                                     </m:sub>
                                                   </m:sSub>
                                                   <m:r>
-                                                    <a:rPr lang="it-IT" sz="1875" b="0" i="1" smtClean="0">
+                                                    <a:rPr lang="en-US" sz="1875" b="0" i="1" noProof="0" smtClean="0">
                                                       <a:latin typeface="Cambria Math" panose="02040503050406030204" pitchFamily="18" charset="0"/>
                                                       <a:ea typeface="Cambria Math" panose="02040503050406030204" pitchFamily="18" charset="0"/>
                                                     </a:rPr>
                                                     <m:t>≤</m:t>
                                                   </m:r>
                                                   <m:r>
-                                                    <a:rPr lang="it-IT" sz="1875" b="0" i="1" smtClean="0">
+                                                    <a:rPr lang="en-US" sz="1875" b="0" i="1" noProof="0" smtClean="0">
                                                       <a:latin typeface="Cambria Math" panose="02040503050406030204" pitchFamily="18" charset="0"/>
                                                       <a:ea typeface="Cambria Math" panose="02040503050406030204" pitchFamily="18" charset="0"/>
                                                     </a:rPr>
                                                     <m:t>𝑞</m:t>
                                                   </m:r>
                                                   <m:r>
-                                                    <a:rPr lang="it-IT" sz="1875" b="0" i="1" smtClean="0">
+                                                    <a:rPr lang="en-US" sz="1875" b="0" i="1" noProof="0" smtClean="0">
                                                       <a:latin typeface="Cambria Math" panose="02040503050406030204" pitchFamily="18" charset="0"/>
                                                       <a:ea typeface="Cambria Math" panose="02040503050406030204" pitchFamily="18" charset="0"/>
                                                     </a:rPr>
                                                     <m:t>;</m:t>
                                                   </m:r>
                                                   <m:r>
-                                                    <a:rPr lang="it-IT" sz="1875" b="0" i="1" smtClean="0">
+                                                    <a:rPr lang="en-US" sz="1875" b="0" i="1" noProof="0" smtClean="0">
                                                       <a:latin typeface="Cambria Math" panose="02040503050406030204" pitchFamily="18" charset="0"/>
                                                       <a:ea typeface="Cambria Math" panose="02040503050406030204" pitchFamily="18" charset="0"/>
                                                     </a:rPr>
                                                     <m:t>𝑡</m:t>
                                                   </m:r>
                                                   <m:r>
-                                                    <a:rPr lang="it-IT" sz="1875" b="0" i="1" smtClean="0">
+                                                    <a:rPr lang="en-US" sz="1875" b="0" i="1" noProof="0" smtClean="0">
                                                       <a:latin typeface="Cambria Math" panose="02040503050406030204" pitchFamily="18" charset="0"/>
                                                       <a:ea typeface="Cambria Math" panose="02040503050406030204" pitchFamily="18" charset="0"/>
                                                     </a:rPr>
@@ -7202,7 +5959,7 @@
                                                   <m:sSub>
                                                     <m:sSubPr>
                                                       <m:ctrlPr>
-                                                        <a:rPr lang="it-IT" sz="1875" b="0" i="1" smtClean="0">
+                                                        <a:rPr lang="en-US" sz="1875" b="0" i="1" noProof="0" smtClean="0">
                                                           <a:latin typeface="Cambria Math" panose="02040503050406030204" pitchFamily="18" charset="0"/>
                                                           <a:ea typeface="Cambria Math" panose="02040503050406030204" pitchFamily="18" charset="0"/>
                                                         </a:rPr>
@@ -7210,7 +5967,7 @@
                                                     </m:sSubPr>
                                                     <m:e>
                                                       <m:r>
-                                                        <a:rPr lang="it-IT" sz="1875" b="0" i="1" smtClean="0">
+                                                        <a:rPr lang="en-US" sz="1875" b="0" i="1" noProof="0" smtClean="0">
                                                           <a:latin typeface="Cambria Math" panose="02040503050406030204" pitchFamily="18" charset="0"/>
                                                           <a:ea typeface="Cambria Math" panose="02040503050406030204" pitchFamily="18" charset="0"/>
                                                         </a:rPr>
@@ -7219,7 +5976,7 @@
                                                     </m:e>
                                                     <m:sub>
                                                       <m:r>
-                                                        <a:rPr lang="it-IT" sz="1875" b="0" i="1" smtClean="0">
+                                                        <a:rPr lang="en-US" sz="1875" b="0" i="1" noProof="0" smtClean="0">
                                                           <a:latin typeface="Cambria Math" panose="02040503050406030204" pitchFamily="18" charset="0"/>
                                                           <a:ea typeface="Cambria Math" panose="02040503050406030204" pitchFamily="18" charset="0"/>
                                                         </a:rPr>
@@ -7228,7 +5985,7 @@
                                                     </m:sub>
                                                   </m:sSub>
                                                   <m:r>
-                                                    <a:rPr lang="it-IT" sz="1875" b="0" i="1" smtClean="0">
+                                                    <a:rPr lang="en-US" sz="1875" b="0" i="1" noProof="0" smtClean="0">
                                                       <a:latin typeface="Cambria Math" panose="02040503050406030204" pitchFamily="18" charset="0"/>
                                                       <a:ea typeface="Cambria Math" panose="02040503050406030204" pitchFamily="18" charset="0"/>
                                                     </a:rPr>
@@ -7237,7 +5994,7 @@
                                                   <m:sSub>
                                                     <m:sSubPr>
                                                       <m:ctrlPr>
-                                                        <a:rPr lang="it-IT" sz="1875" b="0" i="1" smtClean="0">
+                                                        <a:rPr lang="en-US" sz="1875" b="0" i="1" noProof="0" smtClean="0">
                                                           <a:latin typeface="Cambria Math" panose="02040503050406030204" pitchFamily="18" charset="0"/>
                                                           <a:ea typeface="Cambria Math" panose="02040503050406030204" pitchFamily="18" charset="0"/>
                                                         </a:rPr>
@@ -7245,7 +6002,7 @@
                                                     </m:sSubPr>
                                                     <m:e>
                                                       <m:r>
-                                                        <a:rPr lang="it-IT" sz="1875" b="0" i="1" smtClean="0">
+                                                        <a:rPr lang="en-US" sz="1875" b="0" i="1" noProof="0" smtClean="0">
                                                           <a:latin typeface="Cambria Math" panose="02040503050406030204" pitchFamily="18" charset="0"/>
                                                           <a:ea typeface="Cambria Math" panose="02040503050406030204" pitchFamily="18" charset="0"/>
                                                         </a:rPr>
@@ -7254,7 +6011,7 @@
                                                     </m:e>
                                                     <m:sub>
                                                       <m:r>
-                                                        <a:rPr lang="it-IT" sz="1875" b="0" i="1" smtClean="0">
+                                                        <a:rPr lang="en-US" sz="1875" b="0" i="1" noProof="0" smtClean="0">
                                                           <a:latin typeface="Cambria Math" panose="02040503050406030204" pitchFamily="18" charset="0"/>
                                                           <a:ea typeface="Cambria Math" panose="02040503050406030204" pitchFamily="18" charset="0"/>
                                                         </a:rPr>
@@ -7263,7 +6020,7 @@
                                                     </m:sub>
                                                   </m:sSub>
                                                   <m:r>
-                                                    <a:rPr lang="it-IT" sz="1875" b="0" i="1" smtClean="0">
+                                                    <a:rPr lang="en-US" sz="1875" b="0" i="1" noProof="0" smtClean="0">
                                                       <a:latin typeface="Cambria Math" panose="02040503050406030204" pitchFamily="18" charset="0"/>
                                                       <a:ea typeface="Cambria Math" panose="02040503050406030204" pitchFamily="18" charset="0"/>
                                                     </a:rPr>
@@ -7276,7 +6033,7 @@
                                               <m:d>
                                                 <m:dPr>
                                                   <m:ctrlPr>
-                                                    <a:rPr lang="it-IT" sz="1875" b="0" i="1" smtClean="0">
+                                                    <a:rPr lang="en-US" sz="1875" b="0" i="1" noProof="0" smtClean="0">
                                                       <a:latin typeface="Cambria Math" panose="02040503050406030204" pitchFamily="18" charset="0"/>
                                                       <a:ea typeface="Cambria Math" panose="02040503050406030204" pitchFamily="18" charset="0"/>
                                                     </a:rPr>
@@ -7286,7 +6043,7 @@
                                                   <m:sSub>
                                                     <m:sSubPr>
                                                       <m:ctrlPr>
-                                                        <a:rPr lang="it-IT" sz="1875" b="0" i="1" smtClean="0">
+                                                        <a:rPr lang="en-US" sz="1875" b="0" i="1" noProof="0" smtClean="0">
                                                           <a:latin typeface="Cambria Math" panose="02040503050406030204" pitchFamily="18" charset="0"/>
                                                           <a:ea typeface="Cambria Math" panose="02040503050406030204" pitchFamily="18" charset="0"/>
                                                         </a:rPr>
@@ -7294,7 +6051,7 @@
                                                     </m:sSubPr>
                                                     <m:e>
                                                       <m:r>
-                                                        <a:rPr lang="it-IT" sz="1875" b="0" i="1" smtClean="0">
+                                                        <a:rPr lang="en-US" sz="1875" b="0" i="1" noProof="0" smtClean="0">
                                                           <a:latin typeface="Cambria Math" panose="02040503050406030204" pitchFamily="18" charset="0"/>
                                                           <a:ea typeface="Cambria Math" panose="02040503050406030204" pitchFamily="18" charset="0"/>
                                                         </a:rPr>
@@ -7303,7 +6060,7 @@
                                                     </m:e>
                                                     <m:sub>
                                                       <m:r>
-                                                        <a:rPr lang="it-IT" sz="1875" b="0" i="1" smtClean="0">
+                                                        <a:rPr lang="en-US" sz="1875" b="0" i="1" noProof="0" smtClean="0">
                                                           <a:latin typeface="Cambria Math" panose="02040503050406030204" pitchFamily="18" charset="0"/>
                                                           <a:ea typeface="Cambria Math" panose="02040503050406030204" pitchFamily="18" charset="0"/>
                                                         </a:rPr>
@@ -7312,14 +6069,14 @@
                                                     </m:sub>
                                                   </m:sSub>
                                                   <m:r>
-                                                    <a:rPr lang="it-IT" sz="1875" b="0" i="1" smtClean="0">
+                                                    <a:rPr lang="en-US" sz="1875" b="0" i="1" noProof="0" smtClean="0">
                                                       <a:latin typeface="Cambria Math" panose="02040503050406030204" pitchFamily="18" charset="0"/>
                                                       <a:ea typeface="Cambria Math" panose="02040503050406030204" pitchFamily="18" charset="0"/>
                                                     </a:rPr>
                                                     <m:t>+</m:t>
                                                   </m:r>
                                                   <m:r>
-                                                    <a:rPr lang="it-IT" sz="1875" b="0" i="1" smtClean="0">
+                                                    <a:rPr lang="en-US" sz="1875" b="0" i="1" noProof="0" smtClean="0">
                                                       <a:latin typeface="Cambria Math" panose="02040503050406030204" pitchFamily="18" charset="0"/>
                                                       <a:ea typeface="Cambria Math" panose="02040503050406030204" pitchFamily="18" charset="0"/>
                                                     </a:rPr>
@@ -7328,7 +6085,7 @@
                                                   <m:d>
                                                     <m:dPr>
                                                       <m:ctrlPr>
-                                                        <a:rPr lang="it-IT" sz="1875" b="0" i="1" smtClean="0">
+                                                        <a:rPr lang="en-US" sz="1875" b="0" i="1" noProof="0" smtClean="0">
                                                           <a:latin typeface="Cambria Math" panose="02040503050406030204" pitchFamily="18" charset="0"/>
                                                           <a:ea typeface="Cambria Math" panose="02040503050406030204" pitchFamily="18" charset="0"/>
                                                         </a:rPr>
@@ -7336,14 +6093,14 @@
                                                     </m:dPr>
                                                     <m:e>
                                                       <m:r>
-                                                        <a:rPr lang="it-IT" sz="1875" b="0" i="1" smtClean="0">
+                                                        <a:rPr lang="en-US" sz="1875" b="0" i="1" noProof="0" smtClean="0">
                                                           <a:latin typeface="Cambria Math" panose="02040503050406030204" pitchFamily="18" charset="0"/>
                                                           <a:ea typeface="Cambria Math" panose="02040503050406030204" pitchFamily="18" charset="0"/>
                                                         </a:rPr>
                                                         <m:t>𝑈</m:t>
                                                       </m:r>
                                                       <m:r>
-                                                        <a:rPr lang="it-IT" sz="1875" b="0" i="1" smtClean="0">
+                                                        <a:rPr lang="en-US" sz="1875" b="0" i="1" noProof="0" smtClean="0">
                                                           <a:latin typeface="Cambria Math" panose="02040503050406030204" pitchFamily="18" charset="0"/>
                                                           <a:ea typeface="Cambria Math" panose="02040503050406030204" pitchFamily="18" charset="0"/>
                                                         </a:rPr>
@@ -7354,7 +6111,7 @@
                                                           <m:begChr m:val="{"/>
                                                           <m:endChr m:val="}"/>
                                                           <m:ctrlPr>
-                                                            <a:rPr lang="it-IT" sz="1875" b="0" i="1" smtClean="0">
+                                                            <a:rPr lang="en-US" sz="1875" b="0" i="1" noProof="0" smtClean="0">
                                                               <a:latin typeface="Cambria Math" panose="02040503050406030204" pitchFamily="18" charset="0"/>
                                                               <a:ea typeface="Cambria Math" panose="02040503050406030204" pitchFamily="18" charset="0"/>
                                                             </a:rPr>
@@ -7362,7 +6119,7 @@
                                                         </m:dPr>
                                                         <m:e>
                                                           <m:r>
-                                                            <a:rPr lang="it-IT" sz="1875" b="0" i="1" smtClean="0">
+                                                            <a:rPr lang="en-US" sz="1875" b="0" i="1" noProof="0" smtClean="0">
                                                               <a:latin typeface="Cambria Math" panose="02040503050406030204" pitchFamily="18" charset="0"/>
                                                               <a:ea typeface="Cambria Math" panose="02040503050406030204" pitchFamily="18" charset="0"/>
                                                             </a:rPr>
@@ -7371,35 +6128,35 @@
                                                         </m:e>
                                                       </m:d>
                                                       <m:r>
-                                                        <a:rPr lang="it-IT" sz="1875" b="0" i="1" smtClean="0">
+                                                        <a:rPr lang="en-US" sz="1875" b="0" i="1" noProof="0" smtClean="0">
                                                           <a:latin typeface="Cambria Math" panose="02040503050406030204" pitchFamily="18" charset="0"/>
                                                           <a:ea typeface="Cambria Math" panose="02040503050406030204" pitchFamily="18" charset="0"/>
                                                         </a:rPr>
                                                         <m:t>,</m:t>
                                                       </m:r>
                                                       <m:r>
-                                                        <a:rPr lang="it-IT" sz="1875" b="0" i="1" smtClean="0">
+                                                        <a:rPr lang="en-US" sz="1875" b="0" i="1" noProof="0" smtClean="0">
                                                           <a:latin typeface="Cambria Math" panose="02040503050406030204" pitchFamily="18" charset="0"/>
                                                           <a:ea typeface="Cambria Math" panose="02040503050406030204" pitchFamily="18" charset="0"/>
                                                         </a:rPr>
                                                         <m:t>𝑗</m:t>
                                                       </m:r>
                                                       <m:r>
-                                                        <a:rPr lang="it-IT" sz="1875" b="0" i="1" smtClean="0">
+                                                        <a:rPr lang="en-US" sz="1875" b="0" i="1" noProof="0" smtClean="0">
                                                           <a:latin typeface="Cambria Math" panose="02040503050406030204" pitchFamily="18" charset="0"/>
                                                           <a:ea typeface="Cambria Math" panose="02040503050406030204" pitchFamily="18" charset="0"/>
                                                         </a:rPr>
                                                         <m:t>,</m:t>
                                                       </m:r>
                                                       <m:r>
-                                                        <a:rPr lang="it-IT" sz="1875" b="0" i="1" smtClean="0">
+                                                        <a:rPr lang="en-US" sz="1875" b="0" i="1" noProof="0" smtClean="0">
                                                           <a:latin typeface="Cambria Math" panose="02040503050406030204" pitchFamily="18" charset="0"/>
                                                           <a:ea typeface="Cambria Math" panose="02040503050406030204" pitchFamily="18" charset="0"/>
                                                         </a:rPr>
                                                         <m:t>𝑙</m:t>
                                                       </m:r>
                                                       <m:r>
-                                                        <a:rPr lang="it-IT" sz="1875" b="0" i="1" smtClean="0">
+                                                        <a:rPr lang="en-US" sz="1875" b="0" i="1" noProof="0" smtClean="0">
                                                           <a:latin typeface="Cambria Math" panose="02040503050406030204" pitchFamily="18" charset="0"/>
                                                           <a:ea typeface="Cambria Math" panose="02040503050406030204" pitchFamily="18" charset="0"/>
                                                         </a:rPr>
@@ -7408,7 +6165,7 @@
                                                       <m:sSub>
                                                         <m:sSubPr>
                                                           <m:ctrlPr>
-                                                            <a:rPr lang="it-IT" sz="1875" b="0" i="1" smtClean="0">
+                                                            <a:rPr lang="en-US" sz="1875" b="0" i="1" noProof="0" smtClean="0">
                                                               <a:latin typeface="Cambria Math" panose="02040503050406030204" pitchFamily="18" charset="0"/>
                                                               <a:ea typeface="Cambria Math" panose="02040503050406030204" pitchFamily="18" charset="0"/>
                                                             </a:rPr>
@@ -7416,7 +6173,7 @@
                                                         </m:sSubPr>
                                                         <m:e>
                                                           <m:r>
-                                                            <a:rPr lang="it-IT" sz="1875" b="0" i="1" smtClean="0">
+                                                            <a:rPr lang="en-US" sz="1875" b="0" i="1" noProof="0" smtClean="0">
                                                               <a:latin typeface="Cambria Math" panose="02040503050406030204" pitchFamily="18" charset="0"/>
                                                               <a:ea typeface="Cambria Math" panose="02040503050406030204" pitchFamily="18" charset="0"/>
                                                             </a:rPr>
@@ -7425,7 +6182,7 @@
                                                         </m:e>
                                                         <m:sub>
                                                           <m:r>
-                                                            <a:rPr lang="it-IT" sz="1875" b="0" i="1" smtClean="0">
+                                                            <a:rPr lang="en-US" sz="1875" b="0" i="1" noProof="0" smtClean="0">
                                                               <a:latin typeface="Cambria Math" panose="02040503050406030204" pitchFamily="18" charset="0"/>
                                                               <a:ea typeface="Cambria Math" panose="02040503050406030204" pitchFamily="18" charset="0"/>
                                                             </a:rPr>
@@ -7434,21 +6191,21 @@
                                                         </m:sub>
                                                       </m:sSub>
                                                       <m:r>
-                                                        <a:rPr lang="it-IT" sz="1875" b="0" i="1" smtClean="0">
+                                                        <a:rPr lang="en-US" sz="1875" b="0" i="1" noProof="0" smtClean="0">
                                                           <a:latin typeface="Cambria Math" panose="02040503050406030204" pitchFamily="18" charset="0"/>
                                                           <a:ea typeface="Cambria Math" panose="02040503050406030204" pitchFamily="18" charset="0"/>
                                                         </a:rPr>
                                                         <m:t>,</m:t>
                                                       </m:r>
                                                       <m:r>
-                                                        <a:rPr lang="it-IT" sz="1875" b="0" i="1" smtClean="0">
+                                                        <a:rPr lang="en-US" sz="1875" b="0" i="1" noProof="0" smtClean="0">
                                                           <a:latin typeface="Cambria Math" panose="02040503050406030204" pitchFamily="18" charset="0"/>
                                                           <a:ea typeface="Cambria Math" panose="02040503050406030204" pitchFamily="18" charset="0"/>
                                                         </a:rPr>
                                                         <m:t>𝑘</m:t>
                                                       </m:r>
                                                       <m:r>
-                                                        <a:rPr lang="it-IT" sz="1875" b="0" i="1" smtClean="0">
+                                                        <a:rPr lang="en-US" sz="1875" b="0" i="1" noProof="0" smtClean="0">
                                                           <a:latin typeface="Cambria Math" panose="02040503050406030204" pitchFamily="18" charset="0"/>
                                                           <a:ea typeface="Cambria Math" panose="02040503050406030204" pitchFamily="18" charset="0"/>
                                                         </a:rPr>
@@ -7457,7 +6214,7 @@
                                                       <m:sSub>
                                                         <m:sSubPr>
                                                           <m:ctrlPr>
-                                                            <a:rPr lang="it-IT" sz="1875" b="0" i="1" smtClean="0">
+                                                            <a:rPr lang="en-US" sz="1875" b="0" i="1" noProof="0" smtClean="0">
                                                               <a:latin typeface="Cambria Math" panose="02040503050406030204" pitchFamily="18" charset="0"/>
                                                               <a:ea typeface="Cambria Math" panose="02040503050406030204" pitchFamily="18" charset="0"/>
                                                             </a:rPr>
@@ -7465,7 +6222,7 @@
                                                         </m:sSubPr>
                                                         <m:e>
                                                           <m:r>
-                                                            <a:rPr lang="it-IT" sz="1875" b="0" i="1" smtClean="0">
+                                                            <a:rPr lang="en-US" sz="1875" b="0" i="1" noProof="0" smtClean="0">
                                                               <a:latin typeface="Cambria Math" panose="02040503050406030204" pitchFamily="18" charset="0"/>
                                                               <a:ea typeface="Cambria Math" panose="02040503050406030204" pitchFamily="18" charset="0"/>
                                                             </a:rPr>
@@ -7474,7 +6231,7 @@
                                                         </m:e>
                                                         <m:sub>
                                                           <m:r>
-                                                            <a:rPr lang="it-IT" sz="1875" b="0" i="1" smtClean="0">
+                                                            <a:rPr lang="en-US" sz="1875" b="0" i="1" noProof="0" smtClean="0">
                                                               <a:latin typeface="Cambria Math" panose="02040503050406030204" pitchFamily="18" charset="0"/>
                                                               <a:ea typeface="Cambria Math" panose="02040503050406030204" pitchFamily="18" charset="0"/>
                                                             </a:rPr>
@@ -7483,14 +6240,14 @@
                                                         </m:sub>
                                                       </m:sSub>
                                                       <m:r>
-                                                        <a:rPr lang="it-IT" sz="1875" b="0" i="1" smtClean="0">
+                                                        <a:rPr lang="en-US" sz="1875" b="0" i="1" noProof="0" smtClean="0">
                                                           <a:latin typeface="Cambria Math" panose="02040503050406030204" pitchFamily="18" charset="0"/>
                                                           <a:ea typeface="Cambria Math" panose="02040503050406030204" pitchFamily="18" charset="0"/>
                                                         </a:rPr>
                                                         <m:t>+</m:t>
                                                       </m:r>
                                                       <m:r>
-                                                        <a:rPr lang="it-IT" sz="1875" b="0" i="1" smtClean="0">
+                                                        <a:rPr lang="en-US" sz="1875" b="0" i="1" noProof="0" smtClean="0">
                                                           <a:latin typeface="Cambria Math" panose="02040503050406030204" pitchFamily="18" charset="0"/>
                                                           <a:ea typeface="Cambria Math" panose="02040503050406030204" pitchFamily="18" charset="0"/>
                                                         </a:rPr>
@@ -7499,7 +6256,7 @@
                                                       <m:d>
                                                         <m:dPr>
                                                           <m:ctrlPr>
-                                                            <a:rPr lang="it-IT" sz="1875" b="0" i="1" smtClean="0">
+                                                            <a:rPr lang="en-US" sz="1875" b="0" i="1" noProof="0" smtClean="0">
                                                               <a:latin typeface="Cambria Math" panose="02040503050406030204" pitchFamily="18" charset="0"/>
                                                               <a:ea typeface="Cambria Math" panose="02040503050406030204" pitchFamily="18" charset="0"/>
                                                             </a:rPr>
@@ -7507,14 +6264,14 @@
                                                         </m:dPr>
                                                         <m:e>
                                                           <m:r>
-                                                            <a:rPr lang="it-IT" sz="1875" b="0" i="1" smtClean="0">
+                                                            <a:rPr lang="en-US" sz="1875" b="0" i="1" noProof="0" smtClean="0">
                                                               <a:latin typeface="Cambria Math" panose="02040503050406030204" pitchFamily="18" charset="0"/>
                                                               <a:ea typeface="Cambria Math" panose="02040503050406030204" pitchFamily="18" charset="0"/>
                                                             </a:rPr>
                                                             <m:t>𝑡</m:t>
                                                           </m:r>
                                                           <m:r>
-                                                            <a:rPr lang="it-IT" sz="1875" b="0" i="1" smtClean="0">
+                                                            <a:rPr lang="en-US" sz="1875" b="0" i="1" noProof="0" smtClean="0">
                                                               <a:latin typeface="Cambria Math" panose="02040503050406030204" pitchFamily="18" charset="0"/>
                                                               <a:ea typeface="Cambria Math" panose="02040503050406030204" pitchFamily="18" charset="0"/>
                                                             </a:rPr>
@@ -7523,7 +6280,7 @@
                                                           <m:sSub>
                                                             <m:sSubPr>
                                                               <m:ctrlPr>
-                                                                <a:rPr lang="it-IT" sz="1875" b="0" i="1" smtClean="0">
+                                                                <a:rPr lang="en-US" sz="1875" b="0" i="1" noProof="0" smtClean="0">
                                                                   <a:latin typeface="Cambria Math" panose="02040503050406030204" pitchFamily="18" charset="0"/>
                                                                   <a:ea typeface="Cambria Math" panose="02040503050406030204" pitchFamily="18" charset="0"/>
                                                                 </a:rPr>
@@ -7531,7 +6288,7 @@
                                                             </m:sSubPr>
                                                             <m:e>
                                                               <m:r>
-                                                                <a:rPr lang="it-IT" sz="1875" b="0" i="1" smtClean="0">
+                                                                <a:rPr lang="en-US" sz="1875" b="0" i="1" noProof="0" smtClean="0">
                                                                   <a:latin typeface="Cambria Math" panose="02040503050406030204" pitchFamily="18" charset="0"/>
                                                                   <a:ea typeface="Cambria Math" panose="02040503050406030204" pitchFamily="18" charset="0"/>
                                                                 </a:rPr>
@@ -7540,7 +6297,7 @@
                                                             </m:e>
                                                             <m:sub>
                                                               <m:r>
-                                                                <a:rPr lang="it-IT" sz="1875" b="0" i="1" smtClean="0">
+                                                                <a:rPr lang="en-US" sz="1875" b="0" i="1" noProof="0" smtClean="0">
                                                                   <a:latin typeface="Cambria Math" panose="02040503050406030204" pitchFamily="18" charset="0"/>
                                                                   <a:ea typeface="Cambria Math" panose="02040503050406030204" pitchFamily="18" charset="0"/>
                                                                 </a:rPr>
@@ -7549,7 +6306,7 @@
                                                             </m:sub>
                                                           </m:sSub>
                                                           <m:r>
-                                                            <a:rPr lang="it-IT" sz="1875" b="0" i="1" smtClean="0">
+                                                            <a:rPr lang="en-US" sz="1875" b="0" i="1" noProof="0" smtClean="0">
                                                               <a:latin typeface="Cambria Math" panose="02040503050406030204" pitchFamily="18" charset="0"/>
                                                               <a:ea typeface="Cambria Math" panose="02040503050406030204" pitchFamily="18" charset="0"/>
                                                             </a:rPr>
@@ -7558,7 +6315,7 @@
                                                           <m:sSub>
                                                             <m:sSubPr>
                                                               <m:ctrlPr>
-                                                                <a:rPr lang="it-IT" sz="1875" b="0" i="1" smtClean="0">
+                                                                <a:rPr lang="en-US" sz="1875" b="0" i="1" noProof="0" smtClean="0">
                                                                   <a:latin typeface="Cambria Math" panose="02040503050406030204" pitchFamily="18" charset="0"/>
                                                                   <a:ea typeface="Cambria Math" panose="02040503050406030204" pitchFamily="18" charset="0"/>
                                                                 </a:rPr>
@@ -7566,7 +6323,7 @@
                                                             </m:sSubPr>
                                                             <m:e>
                                                               <m:r>
-                                                                <a:rPr lang="it-IT" sz="1875" b="0" i="1" smtClean="0">
+                                                                <a:rPr lang="en-US" sz="1875" b="0" i="1" noProof="0" smtClean="0">
                                                                   <a:latin typeface="Cambria Math" panose="02040503050406030204" pitchFamily="18" charset="0"/>
                                                                   <a:ea typeface="Cambria Math" panose="02040503050406030204" pitchFamily="18" charset="0"/>
                                                                 </a:rPr>
@@ -7575,7 +6332,7 @@
                                                             </m:e>
                                                             <m:sub>
                                                               <m:r>
-                                                                <a:rPr lang="it-IT" sz="1875" b="0" i="1" smtClean="0">
+                                                                <a:rPr lang="en-US" sz="1875" b="0" i="1" noProof="0" smtClean="0">
                                                                   <a:latin typeface="Cambria Math" panose="02040503050406030204" pitchFamily="18" charset="0"/>
                                                                   <a:ea typeface="Cambria Math" panose="02040503050406030204" pitchFamily="18" charset="0"/>
                                                                 </a:rPr>
@@ -7596,7 +6353,7 @@
                                           <m:func>
                                             <m:funcPr>
                                               <m:ctrlPr>
-                                                <a:rPr lang="it-IT" sz="1875" b="0" i="1" smtClean="0">
+                                                <a:rPr lang="en-US" sz="1875" b="0" i="1" noProof="0" smtClean="0">
                                                   <a:latin typeface="Cambria Math" panose="02040503050406030204" pitchFamily="18" charset="0"/>
                                                   <a:ea typeface="Cambria Math" panose="02040503050406030204" pitchFamily="18" charset="0"/>
                                                 </a:rPr>
@@ -7606,7 +6363,7 @@
                                               <m:limLow>
                                                 <m:limLowPr>
                                                   <m:ctrlPr>
-                                                    <a:rPr lang="it-IT" sz="1875" b="0" i="1" smtClean="0">
+                                                    <a:rPr lang="en-US" sz="1875" b="0" i="1" noProof="0" smtClean="0">
                                                       <a:latin typeface="Cambria Math" panose="02040503050406030204" pitchFamily="18" charset="0"/>
                                                       <a:ea typeface="Cambria Math" panose="02040503050406030204" pitchFamily="18" charset="0"/>
                                                     </a:rPr>
@@ -7617,7 +6374,7 @@
                                                     <m:rPr>
                                                       <m:sty m:val="p"/>
                                                     </m:rPr>
-                                                    <a:rPr lang="it-IT" sz="1875" b="0" i="0" smtClean="0">
+                                                    <a:rPr lang="en-US" sz="1875" b="0" i="0" noProof="0" smtClean="0">
                                                       <a:latin typeface="Cambria Math" panose="02040503050406030204" pitchFamily="18" charset="0"/>
                                                       <a:ea typeface="Cambria Math" panose="02040503050406030204" pitchFamily="18" charset="0"/>
                                                     </a:rPr>
@@ -7626,28 +6383,28 @@
                                                 </m:e>
                                                 <m:lim>
                                                   <m:r>
-                                                    <a:rPr lang="it-IT" sz="1875" i="1" smtClean="0">
+                                                    <a:rPr lang="en-US" sz="1875" i="1" noProof="0" smtClean="0">
                                                       <a:latin typeface="Cambria Math" panose="02040503050406030204" pitchFamily="18" charset="0"/>
                                                       <a:ea typeface="Cambria Math" panose="02040503050406030204" pitchFamily="18" charset="0"/>
                                                     </a:rPr>
                                                     <m:t> </m:t>
                                                   </m:r>
                                                   <m:r>
-                                                    <a:rPr lang="it-IT" sz="1875" b="0" i="1" smtClean="0">
+                                                    <a:rPr lang="en-US" sz="1875" b="0" i="1" noProof="0" smtClean="0">
                                                       <a:latin typeface="Cambria Math" panose="02040503050406030204" pitchFamily="18" charset="0"/>
                                                       <a:ea typeface="Cambria Math" panose="02040503050406030204" pitchFamily="18" charset="0"/>
                                                     </a:rPr>
                                                     <m:t>𝑗</m:t>
                                                   </m:r>
                                                   <m:r>
-                                                    <a:rPr lang="it-IT" sz="1875" i="1">
+                                                    <a:rPr lang="en-US" sz="1875" i="1" noProof="0" smtClean="0">
                                                       <a:latin typeface="Cambria Math" panose="02040503050406030204" pitchFamily="18" charset="0"/>
                                                       <a:ea typeface="Cambria Math" panose="02040503050406030204" pitchFamily="18" charset="0"/>
                                                     </a:rPr>
                                                     <m:t>∈</m:t>
                                                   </m:r>
                                                   <m:r>
-                                                    <a:rPr lang="it-IT" sz="1875" i="1" smtClean="0">
+                                                    <a:rPr lang="en-US" sz="1875" i="1" noProof="0" smtClean="0">
                                                       <a:latin typeface="Cambria Math" panose="02040503050406030204" pitchFamily="18" charset="0"/>
                                                       <a:ea typeface="Cambria Math" panose="02040503050406030204" pitchFamily="18" charset="0"/>
                                                     </a:rPr>
@@ -7660,7 +6417,7 @@
                                               <m:d>
                                                 <m:dPr>
                                                   <m:ctrlPr>
-                                                    <a:rPr lang="it-IT" sz="1875" i="1" smtClean="0">
+                                                    <a:rPr lang="en-US" sz="1875" i="1" noProof="0" smtClean="0">
                                                       <a:latin typeface="Cambria Math" panose="02040503050406030204" pitchFamily="18" charset="0"/>
                                                       <a:ea typeface="Cambria Math" panose="02040503050406030204" pitchFamily="18" charset="0"/>
                                                     </a:rPr>
@@ -7670,7 +6427,7 @@
                                                   <m:sSub>
                                                     <m:sSubPr>
                                                       <m:ctrlPr>
-                                                        <a:rPr lang="it-IT" sz="1875" i="1" smtClean="0">
+                                                        <a:rPr lang="en-US" sz="1875" i="1" noProof="0" smtClean="0">
                                                           <a:latin typeface="Cambria Math" panose="02040503050406030204" pitchFamily="18" charset="0"/>
                                                           <a:ea typeface="Cambria Math" panose="02040503050406030204" pitchFamily="18" charset="0"/>
                                                         </a:rPr>
@@ -7678,7 +6435,7 @@
                                                     </m:sSubPr>
                                                     <m:e>
                                                       <m:r>
-                                                        <a:rPr lang="it-IT" sz="1875" b="0" i="1" smtClean="0">
+                                                        <a:rPr lang="en-US" sz="1875" b="0" i="1" noProof="0" smtClean="0">
                                                           <a:latin typeface="Cambria Math" panose="02040503050406030204" pitchFamily="18" charset="0"/>
                                                           <a:ea typeface="Cambria Math" panose="02040503050406030204" pitchFamily="18" charset="0"/>
                                                         </a:rPr>
@@ -7687,14 +6444,14 @@
                                                     </m:e>
                                                     <m:sub>
                                                       <m:r>
-                                                        <a:rPr lang="it-IT" sz="1875" b="0" i="1" smtClean="0">
+                                                        <a:rPr lang="en-US" sz="1875" b="0" i="1" noProof="0" smtClean="0">
                                                           <a:latin typeface="Cambria Math" panose="02040503050406030204" pitchFamily="18" charset="0"/>
                                                           <a:ea typeface="Cambria Math" panose="02040503050406030204" pitchFamily="18" charset="0"/>
                                                         </a:rPr>
                                                         <m:t>𝑖</m:t>
                                                       </m:r>
                                                       <m:r>
-                                                        <a:rPr lang="it-IT" sz="1875" b="0" i="1" smtClean="0">
+                                                        <a:rPr lang="en-US" sz="1875" b="0" i="1" noProof="0" smtClean="0">
                                                           <a:latin typeface="Cambria Math" panose="02040503050406030204" pitchFamily="18" charset="0"/>
                                                           <a:ea typeface="Cambria Math" panose="02040503050406030204" pitchFamily="18" charset="0"/>
                                                         </a:rPr>
@@ -7703,7 +6460,7 @@
                                                     </m:sub>
                                                   </m:sSub>
                                                   <m:r>
-                                                    <a:rPr lang="it-IT" sz="1875" b="0" i="1" smtClean="0">
+                                                    <a:rPr lang="en-US" sz="1875" b="0" i="1" noProof="0" smtClean="0">
                                                       <a:latin typeface="Cambria Math" panose="02040503050406030204" pitchFamily="18" charset="0"/>
                                                       <a:ea typeface="Cambria Math" panose="02040503050406030204" pitchFamily="18" charset="0"/>
                                                     </a:rPr>
@@ -7712,7 +6469,7 @@
                                                   <m:sSub>
                                                     <m:sSubPr>
                                                       <m:ctrlPr>
-                                                        <a:rPr lang="it-IT" sz="1875" b="0" i="1" smtClean="0">
+                                                        <a:rPr lang="en-US" sz="1875" b="0" i="1" noProof="0" smtClean="0">
                                                           <a:latin typeface="Cambria Math" panose="02040503050406030204" pitchFamily="18" charset="0"/>
                                                           <a:ea typeface="Cambria Math" panose="02040503050406030204" pitchFamily="18" charset="0"/>
                                                         </a:rPr>
@@ -7720,7 +6477,7 @@
                                                     </m:sSubPr>
                                                     <m:e>
                                                       <m:r>
-                                                        <a:rPr lang="it-IT" sz="1875" b="0" i="1" smtClean="0">
+                                                        <a:rPr lang="en-US" sz="1875" b="0" i="1" noProof="0" smtClean="0">
                                                           <a:latin typeface="Cambria Math" panose="02040503050406030204" pitchFamily="18" charset="0"/>
                                                           <a:ea typeface="Cambria Math" panose="02040503050406030204" pitchFamily="18" charset="0"/>
                                                         </a:rPr>
@@ -7729,14 +6486,14 @@
                                                     </m:e>
                                                     <m:sub>
                                                       <m:r>
-                                                        <a:rPr lang="it-IT" sz="1875" b="0" i="1" smtClean="0">
+                                                        <a:rPr lang="en-US" sz="1875" b="0" i="1" noProof="0" smtClean="0">
                                                           <a:latin typeface="Cambria Math" panose="02040503050406030204" pitchFamily="18" charset="0"/>
                                                           <a:ea typeface="Cambria Math" panose="02040503050406030204" pitchFamily="18" charset="0"/>
                                                         </a:rPr>
                                                         <m:t>0</m:t>
                                                       </m:r>
                                                       <m:r>
-                                                        <a:rPr lang="it-IT" sz="1875" b="0" i="1" smtClean="0">
+                                                        <a:rPr lang="en-US" sz="1875" b="0" i="1" noProof="0" smtClean="0">
                                                           <a:latin typeface="Cambria Math" panose="02040503050406030204" pitchFamily="18" charset="0"/>
                                                           <a:ea typeface="Cambria Math" panose="02040503050406030204" pitchFamily="18" charset="0"/>
                                                         </a:rPr>
@@ -7745,14 +6502,14 @@
                                                     </m:sub>
                                                   </m:sSub>
                                                   <m:r>
-                                                    <a:rPr lang="it-IT" sz="1875" i="1">
+                                                    <a:rPr lang="en-US" sz="1875" i="1" noProof="0" smtClean="0">
                                                       <a:latin typeface="Cambria Math" panose="02040503050406030204" pitchFamily="18" charset="0"/>
                                                       <a:ea typeface="Cambria Math" panose="02040503050406030204" pitchFamily="18" charset="0"/>
                                                     </a:rPr>
                                                     <m:t>+</m:t>
                                                   </m:r>
                                                   <m:r>
-                                                    <a:rPr lang="it-IT" sz="1875" i="1">
+                                                    <a:rPr lang="en-US" sz="1875" i="1" noProof="0" smtClean="0">
                                                       <a:latin typeface="Cambria Math" panose="02040503050406030204" pitchFamily="18" charset="0"/>
                                                       <a:ea typeface="Cambria Math" panose="02040503050406030204" pitchFamily="18" charset="0"/>
                                                     </a:rPr>
@@ -7761,7 +6518,7 @@
                                                   <m:d>
                                                     <m:dPr>
                                                       <m:ctrlPr>
-                                                        <a:rPr lang="it-IT" sz="1875" i="1">
+                                                        <a:rPr lang="en-US" sz="1875" i="1" noProof="0" smtClean="0">
                                                           <a:latin typeface="Cambria Math" panose="02040503050406030204" pitchFamily="18" charset="0"/>
                                                           <a:ea typeface="Cambria Math" panose="02040503050406030204" pitchFamily="18" charset="0"/>
                                                         </a:rPr>
@@ -7769,14 +6526,14 @@
                                                     </m:dPr>
                                                     <m:e>
                                                       <m:r>
-                                                        <a:rPr lang="it-IT" sz="1875" i="1">
+                                                        <a:rPr lang="en-US" sz="1875" i="1" noProof="0" smtClean="0">
                                                           <a:latin typeface="Cambria Math" panose="02040503050406030204" pitchFamily="18" charset="0"/>
                                                           <a:ea typeface="Cambria Math" panose="02040503050406030204" pitchFamily="18" charset="0"/>
                                                         </a:rPr>
                                                         <m:t>𝑈</m:t>
                                                       </m:r>
                                                       <m:r>
-                                                        <a:rPr lang="it-IT" sz="1875" i="1">
+                                                        <a:rPr lang="en-US" sz="1875" i="1" noProof="0" smtClean="0">
                                                           <a:latin typeface="Cambria Math" panose="02040503050406030204" pitchFamily="18" charset="0"/>
                                                           <a:ea typeface="Cambria Math" panose="02040503050406030204" pitchFamily="18" charset="0"/>
                                                         </a:rPr>
@@ -7787,7 +6544,7 @@
                                                           <m:begChr m:val="{"/>
                                                           <m:endChr m:val="}"/>
                                                           <m:ctrlPr>
-                                                            <a:rPr lang="it-IT" sz="1875" i="1">
+                                                            <a:rPr lang="en-US" sz="1875" i="1" noProof="0" smtClean="0">
                                                               <a:latin typeface="Cambria Math" panose="02040503050406030204" pitchFamily="18" charset="0"/>
                                                               <a:ea typeface="Cambria Math" panose="02040503050406030204" pitchFamily="18" charset="0"/>
                                                             </a:rPr>
@@ -7795,7 +6552,7 @@
                                                         </m:dPr>
                                                         <m:e>
                                                           <m:r>
-                                                            <a:rPr lang="it-IT" sz="1875" i="1">
+                                                            <a:rPr lang="en-US" sz="1875" i="1" noProof="0" smtClean="0">
                                                               <a:latin typeface="Cambria Math" panose="02040503050406030204" pitchFamily="18" charset="0"/>
                                                               <a:ea typeface="Cambria Math" panose="02040503050406030204" pitchFamily="18" charset="0"/>
                                                             </a:rPr>
@@ -7804,21 +6561,21 @@
                                                         </m:e>
                                                       </m:d>
                                                       <m:r>
-                                                        <a:rPr lang="it-IT" sz="1875" i="1">
+                                                        <a:rPr lang="en-US" sz="1875" i="1" noProof="0" smtClean="0">
                                                           <a:latin typeface="Cambria Math" panose="02040503050406030204" pitchFamily="18" charset="0"/>
                                                           <a:ea typeface="Cambria Math" panose="02040503050406030204" pitchFamily="18" charset="0"/>
                                                         </a:rPr>
                                                         <m:t>,</m:t>
                                                       </m:r>
                                                       <m:r>
-                                                        <a:rPr lang="it-IT" sz="1875" i="1">
+                                                        <a:rPr lang="en-US" sz="1875" i="1" noProof="0" smtClean="0">
                                                           <a:latin typeface="Cambria Math" panose="02040503050406030204" pitchFamily="18" charset="0"/>
                                                           <a:ea typeface="Cambria Math" panose="02040503050406030204" pitchFamily="18" charset="0"/>
                                                         </a:rPr>
                                                         <m:t>𝑗</m:t>
                                                       </m:r>
                                                       <m:r>
-                                                        <a:rPr lang="it-IT" sz="1875" i="1">
+                                                        <a:rPr lang="en-US" sz="1875" i="1" noProof="0" smtClean="0">
                                                           <a:latin typeface="Cambria Math" panose="02040503050406030204" pitchFamily="18" charset="0"/>
                                                           <a:ea typeface="Cambria Math" panose="02040503050406030204" pitchFamily="18" charset="0"/>
                                                         </a:rPr>
@@ -7827,7 +6584,7 @@
                                                       <m:sSub>
                                                         <m:sSubPr>
                                                           <m:ctrlPr>
-                                                            <a:rPr lang="it-IT" sz="1875" i="1">
+                                                            <a:rPr lang="en-US" sz="1875" i="1" noProof="0" smtClean="0">
                                                               <a:latin typeface="Cambria Math" panose="02040503050406030204" pitchFamily="18" charset="0"/>
                                                               <a:ea typeface="Cambria Math" panose="02040503050406030204" pitchFamily="18" charset="0"/>
                                                             </a:rPr>
@@ -7835,7 +6592,7 @@
                                                         </m:sSubPr>
                                                         <m:e>
                                                           <m:r>
-                                                            <a:rPr lang="it-IT" sz="1875" i="1">
+                                                            <a:rPr lang="en-US" sz="1875" i="1" noProof="0" smtClean="0">
                                                               <a:latin typeface="Cambria Math" panose="02040503050406030204" pitchFamily="18" charset="0"/>
                                                               <a:ea typeface="Cambria Math" panose="02040503050406030204" pitchFamily="18" charset="0"/>
                                                             </a:rPr>
@@ -7844,7 +6601,7 @@
                                                         </m:e>
                                                         <m:sub>
                                                           <m:r>
-                                                            <a:rPr lang="it-IT" sz="1875" i="1">
+                                                            <a:rPr lang="en-US" sz="1875" i="1" noProof="0" smtClean="0">
                                                               <a:latin typeface="Cambria Math" panose="02040503050406030204" pitchFamily="18" charset="0"/>
                                                               <a:ea typeface="Cambria Math" panose="02040503050406030204" pitchFamily="18" charset="0"/>
                                                             </a:rPr>
@@ -7853,28 +6610,28 @@
                                                         </m:sub>
                                                       </m:sSub>
                                                       <m:r>
-                                                        <a:rPr lang="it-IT" sz="1875" i="1">
+                                                        <a:rPr lang="en-US" sz="1875" i="1" noProof="0" smtClean="0">
                                                           <a:latin typeface="Cambria Math" panose="02040503050406030204" pitchFamily="18" charset="0"/>
                                                           <a:ea typeface="Cambria Math" panose="02040503050406030204" pitchFamily="18" charset="0"/>
                                                         </a:rPr>
                                                         <m:t>,</m:t>
                                                       </m:r>
                                                       <m:r>
-                                                        <a:rPr lang="it-IT" sz="1875" i="1">
+                                                        <a:rPr lang="en-US" sz="1875" i="1" noProof="0" smtClean="0">
                                                           <a:latin typeface="Cambria Math" panose="02040503050406030204" pitchFamily="18" charset="0"/>
                                                           <a:ea typeface="Cambria Math" panose="02040503050406030204" pitchFamily="18" charset="0"/>
                                                         </a:rPr>
                                                         <m:t>𝑘</m:t>
                                                       </m:r>
                                                       <m:r>
-                                                        <a:rPr lang="it-IT" sz="1875" b="0" i="1" smtClean="0">
+                                                        <a:rPr lang="en-US" sz="1875" b="0" i="1" noProof="0" smtClean="0">
                                                           <a:latin typeface="Cambria Math" panose="02040503050406030204" pitchFamily="18" charset="0"/>
                                                           <a:ea typeface="Cambria Math" panose="02040503050406030204" pitchFamily="18" charset="0"/>
                                                         </a:rPr>
                                                         <m:t>+1</m:t>
                                                       </m:r>
                                                       <m:r>
-                                                        <a:rPr lang="it-IT" sz="1875" i="1">
+                                                        <a:rPr lang="en-US" sz="1875" i="1" noProof="0" smtClean="0">
                                                           <a:latin typeface="Cambria Math" panose="02040503050406030204" pitchFamily="18" charset="0"/>
                                                           <a:ea typeface="Cambria Math" panose="02040503050406030204" pitchFamily="18" charset="0"/>
                                                         </a:rPr>
@@ -7883,7 +6640,7 @@
                                                       <m:sSub>
                                                         <m:sSubPr>
                                                           <m:ctrlPr>
-                                                            <a:rPr lang="it-IT" sz="1875" i="1">
+                                                            <a:rPr lang="en-US" sz="1875" i="1" noProof="0" smtClean="0">
                                                               <a:latin typeface="Cambria Math" panose="02040503050406030204" pitchFamily="18" charset="0"/>
                                                               <a:ea typeface="Cambria Math" panose="02040503050406030204" pitchFamily="18" charset="0"/>
                                                             </a:rPr>
@@ -7891,7 +6648,7 @@
                                                         </m:sSubPr>
                                                         <m:e>
                                                           <m:r>
-                                                            <a:rPr lang="it-IT" sz="1875" i="1">
+                                                            <a:rPr lang="en-US" sz="1875" i="1" noProof="0" smtClean="0">
                                                               <a:latin typeface="Cambria Math" panose="02040503050406030204" pitchFamily="18" charset="0"/>
                                                               <a:ea typeface="Cambria Math" panose="02040503050406030204" pitchFamily="18" charset="0"/>
                                                             </a:rPr>
@@ -7900,7 +6657,7 @@
                                                         </m:e>
                                                         <m:sub>
                                                           <m:r>
-                                                            <a:rPr lang="it-IT" sz="1875" i="1">
+                                                            <a:rPr lang="en-US" sz="1875" i="1" noProof="0" smtClean="0">
                                                               <a:latin typeface="Cambria Math" panose="02040503050406030204" pitchFamily="18" charset="0"/>
                                                               <a:ea typeface="Cambria Math" panose="02040503050406030204" pitchFamily="18" charset="0"/>
                                                             </a:rPr>
@@ -7909,14 +6666,14 @@
                                                         </m:sub>
                                                       </m:sSub>
                                                       <m:r>
-                                                        <a:rPr lang="it-IT" sz="1875" i="1">
+                                                        <a:rPr lang="en-US" sz="1875" i="1" noProof="0" smtClean="0">
                                                           <a:latin typeface="Cambria Math" panose="02040503050406030204" pitchFamily="18" charset="0"/>
                                                           <a:ea typeface="Cambria Math" panose="02040503050406030204" pitchFamily="18" charset="0"/>
                                                         </a:rPr>
                                                         <m:t>+</m:t>
                                                       </m:r>
                                                       <m:r>
-                                                        <a:rPr lang="it-IT" sz="1875" i="1">
+                                                        <a:rPr lang="en-US" sz="1875" i="1" noProof="0" smtClean="0">
                                                           <a:latin typeface="Cambria Math" panose="02040503050406030204" pitchFamily="18" charset="0"/>
                                                           <a:ea typeface="Cambria Math" panose="02040503050406030204" pitchFamily="18" charset="0"/>
                                                         </a:rPr>
@@ -7925,7 +6682,7 @@
                                                       <m:d>
                                                         <m:dPr>
                                                           <m:ctrlPr>
-                                                            <a:rPr lang="it-IT" sz="1875" i="1">
+                                                            <a:rPr lang="en-US" sz="1875" i="1" noProof="0" smtClean="0">
                                                               <a:latin typeface="Cambria Math" panose="02040503050406030204" pitchFamily="18" charset="0"/>
                                                               <a:ea typeface="Cambria Math" panose="02040503050406030204" pitchFamily="18" charset="0"/>
                                                             </a:rPr>
@@ -7935,7 +6692,7 @@
                                                           <m:sSub>
                                                             <m:sSubPr>
                                                               <m:ctrlPr>
-                                                                <a:rPr lang="it-IT" sz="1875" i="1">
+                                                                <a:rPr lang="en-US" sz="1875" i="1" noProof="0" smtClean="0">
                                                                   <a:latin typeface="Cambria Math" panose="02040503050406030204" pitchFamily="18" charset="0"/>
                                                                   <a:ea typeface="Cambria Math" panose="02040503050406030204" pitchFamily="18" charset="0"/>
                                                                 </a:rPr>
@@ -7943,7 +6700,7 @@
                                                             </m:sSubPr>
                                                             <m:e>
                                                               <m:r>
-                                                                <a:rPr lang="it-IT" sz="1875" i="1">
+                                                                <a:rPr lang="en-US" sz="1875" i="1" noProof="0" smtClean="0">
                                                                   <a:latin typeface="Cambria Math" panose="02040503050406030204" pitchFamily="18" charset="0"/>
                                                                   <a:ea typeface="Cambria Math" panose="02040503050406030204" pitchFamily="18" charset="0"/>
                                                                 </a:rPr>
@@ -7952,14 +6709,14 @@
                                                             </m:e>
                                                             <m:sub>
                                                               <m:r>
-                                                                <a:rPr lang="it-IT" sz="1875" b="0" i="1" smtClean="0">
+                                                                <a:rPr lang="en-US" sz="1875" b="0" i="1" noProof="0" smtClean="0">
                                                                   <a:latin typeface="Cambria Math" panose="02040503050406030204" pitchFamily="18" charset="0"/>
                                                                   <a:ea typeface="Cambria Math" panose="02040503050406030204" pitchFamily="18" charset="0"/>
                                                                 </a:rPr>
                                                                 <m:t>0</m:t>
                                                               </m:r>
                                                               <m:r>
-                                                                <a:rPr lang="it-IT" sz="1875" i="1">
+                                                                <a:rPr lang="en-US" sz="1875" i="1" noProof="0" smtClean="0">
                                                                   <a:latin typeface="Cambria Math" panose="02040503050406030204" pitchFamily="18" charset="0"/>
                                                                   <a:ea typeface="Cambria Math" panose="02040503050406030204" pitchFamily="18" charset="0"/>
                                                                 </a:rPr>
@@ -7968,7 +6725,7 @@
                                                             </m:sub>
                                                           </m:sSub>
                                                           <m:r>
-                                                            <a:rPr lang="it-IT" sz="1875" i="1">
+                                                            <a:rPr lang="en-US" sz="1875" i="1" noProof="0" smtClean="0">
                                                               <a:latin typeface="Cambria Math" panose="02040503050406030204" pitchFamily="18" charset="0"/>
                                                               <a:ea typeface="Cambria Math" panose="02040503050406030204" pitchFamily="18" charset="0"/>
                                                             </a:rPr>
@@ -7977,7 +6734,7 @@
                                                           <m:sSub>
                                                             <m:sSubPr>
                                                               <m:ctrlPr>
-                                                                <a:rPr lang="it-IT" sz="1875" i="1">
+                                                                <a:rPr lang="en-US" sz="1875" i="1" noProof="0" smtClean="0">
                                                                   <a:latin typeface="Cambria Math" panose="02040503050406030204" pitchFamily="18" charset="0"/>
                                                                   <a:ea typeface="Cambria Math" panose="02040503050406030204" pitchFamily="18" charset="0"/>
                                                                 </a:rPr>
@@ -7985,7 +6742,7 @@
                                                             </m:sSubPr>
                                                             <m:e>
                                                               <m:r>
-                                                                <a:rPr lang="it-IT" sz="1875" i="1">
+                                                                <a:rPr lang="en-US" sz="1875" i="1" noProof="0" smtClean="0">
                                                                   <a:latin typeface="Cambria Math" panose="02040503050406030204" pitchFamily="18" charset="0"/>
                                                                   <a:ea typeface="Cambria Math" panose="02040503050406030204" pitchFamily="18" charset="0"/>
                                                                 </a:rPr>
@@ -7994,7 +6751,7 @@
                                                             </m:e>
                                                             <m:sub>
                                                               <m:r>
-                                                                <a:rPr lang="it-IT" sz="1875" i="1">
+                                                                <a:rPr lang="en-US" sz="1875" i="1" noProof="0" smtClean="0">
                                                                   <a:latin typeface="Cambria Math" panose="02040503050406030204" pitchFamily="18" charset="0"/>
                                                                   <a:ea typeface="Cambria Math" panose="02040503050406030204" pitchFamily="18" charset="0"/>
                                                                 </a:rPr>
@@ -8015,56 +6772,56 @@
                                     </m:e>
                                   </m:d>
                                   <m:r>
-                                    <a:rPr lang="it-IT" sz="1875" b="0" i="1" smtClean="0">
+                                    <a:rPr lang="en-US" sz="1875" b="0" i="1" noProof="0" smtClean="0">
                                       <a:latin typeface="Cambria Math" panose="02040503050406030204" pitchFamily="18" charset="0"/>
                                       <a:ea typeface="Cambria Math" panose="02040503050406030204" pitchFamily="18" charset="0"/>
                                     </a:rPr>
                                     <m:t>                </m:t>
                                   </m:r>
                                   <m:r>
-                                    <a:rPr lang="it-IT" sz="1875" b="0" i="1" smtClean="0">
+                                    <a:rPr lang="en-US" sz="1875" b="0" i="1" noProof="0" smtClean="0">
                                       <a:latin typeface="Cambria Math" panose="02040503050406030204" pitchFamily="18" charset="0"/>
                                       <a:ea typeface="Cambria Math" panose="02040503050406030204" pitchFamily="18" charset="0"/>
                                     </a:rPr>
                                     <m:t>𝑖𝑓</m:t>
                                   </m:r>
                                   <m:r>
-                                    <a:rPr lang="it-IT" sz="1875" b="0" i="1" smtClean="0">
+                                    <a:rPr lang="en-US" sz="1875" b="0" i="1" noProof="0" smtClean="0">
                                       <a:latin typeface="Cambria Math" panose="02040503050406030204" pitchFamily="18" charset="0"/>
                                       <a:ea typeface="Cambria Math" panose="02040503050406030204" pitchFamily="18" charset="0"/>
                                     </a:rPr>
                                     <m:t> </m:t>
                                   </m:r>
                                   <m:r>
-                                    <a:rPr lang="it-IT" sz="1875" b="0" i="1" smtClean="0">
+                                    <a:rPr lang="en-US" sz="1875" b="0" i="1" noProof="0" smtClean="0">
                                       <a:latin typeface="Cambria Math" panose="02040503050406030204" pitchFamily="18" charset="0"/>
                                       <a:ea typeface="Cambria Math" panose="02040503050406030204" pitchFamily="18" charset="0"/>
                                     </a:rPr>
                                     <m:t>𝑈</m:t>
                                   </m:r>
                                   <m:r>
-                                    <a:rPr lang="it-IT" sz="1875" b="0" i="1" smtClean="0">
+                                    <a:rPr lang="en-US" sz="1875" b="0" i="1" noProof="0" smtClean="0">
                                       <a:latin typeface="Cambria Math" panose="02040503050406030204" pitchFamily="18" charset="0"/>
                                       <a:ea typeface="Cambria Math" panose="02040503050406030204" pitchFamily="18" charset="0"/>
                                     </a:rPr>
                                     <m:t>≠∅, </m:t>
                                   </m:r>
                                   <m:r>
-                                    <a:rPr lang="it-IT" sz="1875" b="0" i="1" smtClean="0">
+                                    <a:rPr lang="en-US" sz="1875" b="0" i="1" noProof="0" smtClean="0">
                                       <a:latin typeface="Cambria Math" panose="02040503050406030204" pitchFamily="18" charset="0"/>
                                       <a:ea typeface="Cambria Math" panose="02040503050406030204" pitchFamily="18" charset="0"/>
                                     </a:rPr>
                                     <m:t>𝑘</m:t>
                                   </m:r>
                                   <m:r>
-                                    <a:rPr lang="it-IT" sz="1875" b="0" i="1" smtClean="0">
+                                    <a:rPr lang="en-US" sz="1875" b="0" i="1" noProof="0" smtClean="0">
                                       <a:latin typeface="Cambria Math" panose="02040503050406030204" pitchFamily="18" charset="0"/>
                                       <a:ea typeface="Cambria Math" panose="02040503050406030204" pitchFamily="18" charset="0"/>
                                     </a:rPr>
                                     <m:t>&lt;</m:t>
                                   </m:r>
                                   <m:r>
-                                    <a:rPr lang="it-IT" sz="1875" b="0" i="1" smtClean="0">
+                                    <a:rPr lang="en-US" sz="1875" b="0" i="1" noProof="0" smtClean="0">
                                       <a:latin typeface="Cambria Math" panose="02040503050406030204" pitchFamily="18" charset="0"/>
                                       <a:ea typeface="Cambria Math" panose="02040503050406030204" pitchFamily="18" charset="0"/>
                                     </a:rPr>
@@ -8076,7 +6833,7 @@
                                   <m:func>
                                     <m:funcPr>
                                       <m:ctrlPr>
-                                        <a:rPr lang="it-IT" sz="1875" i="1">
+                                        <a:rPr lang="en-US" sz="1875" i="1" noProof="0" smtClean="0">
                                           <a:latin typeface="Cambria Math" panose="02040503050406030204" pitchFamily="18" charset="0"/>
                                           <a:ea typeface="Cambria Math" panose="02040503050406030204" pitchFamily="18" charset="0"/>
                                         </a:rPr>
@@ -8086,7 +6843,7 @@
                                       <m:limLow>
                                         <m:limLowPr>
                                           <m:ctrlPr>
-                                            <a:rPr lang="it-IT" sz="1875" i="1">
+                                            <a:rPr lang="en-US" sz="1875" i="1" noProof="0" smtClean="0">
                                               <a:latin typeface="Cambria Math" panose="02040503050406030204" pitchFamily="18" charset="0"/>
                                               <a:ea typeface="Cambria Math" panose="02040503050406030204" pitchFamily="18" charset="0"/>
                                             </a:rPr>
@@ -8097,7 +6854,7 @@
                                             <m:rPr>
                                               <m:sty m:val="p"/>
                                             </m:rPr>
-                                            <a:rPr lang="it-IT" sz="1875">
+                                            <a:rPr lang="en-US" sz="1875" noProof="0" smtClean="0">
                                               <a:latin typeface="Cambria Math" panose="02040503050406030204" pitchFamily="18" charset="0"/>
                                               <a:ea typeface="Cambria Math" panose="02040503050406030204" pitchFamily="18" charset="0"/>
                                             </a:rPr>
@@ -8106,42 +6863,42 @@
                                         </m:e>
                                         <m:lim>
                                           <m:r>
-                                            <a:rPr lang="it-IT" sz="1875" i="1">
+                                            <a:rPr lang="en-US" sz="1875" i="1" noProof="0" smtClean="0">
                                               <a:latin typeface="Cambria Math" panose="02040503050406030204" pitchFamily="18" charset="0"/>
                                               <a:ea typeface="Cambria Math" panose="02040503050406030204" pitchFamily="18" charset="0"/>
                                             </a:rPr>
                                             <m:t>𝑗</m:t>
                                           </m:r>
                                           <m:r>
-                                            <a:rPr lang="it-IT" sz="1875" i="1">
+                                            <a:rPr lang="en-US" sz="1875" i="1" noProof="0" smtClean="0">
                                               <a:latin typeface="Cambria Math" panose="02040503050406030204" pitchFamily="18" charset="0"/>
                                               <a:ea typeface="Cambria Math" panose="02040503050406030204" pitchFamily="18" charset="0"/>
                                             </a:rPr>
                                             <m:t>∈</m:t>
                                           </m:r>
                                           <m:r>
-                                            <a:rPr lang="it-IT" sz="1875" i="1">
+                                            <a:rPr lang="en-US" sz="1875" i="1" noProof="0" smtClean="0">
                                               <a:latin typeface="Cambria Math" panose="02040503050406030204" pitchFamily="18" charset="0"/>
                                               <a:ea typeface="Cambria Math" panose="02040503050406030204" pitchFamily="18" charset="0"/>
                                             </a:rPr>
                                             <m:t>𝑈</m:t>
                                           </m:r>
                                           <m:r>
-                                            <a:rPr lang="it-IT" sz="1875" i="1">
+                                            <a:rPr lang="en-US" sz="1875" i="1" noProof="0" smtClean="0">
                                               <a:latin typeface="Cambria Math" panose="02040503050406030204" pitchFamily="18" charset="0"/>
                                               <a:ea typeface="Cambria Math" panose="02040503050406030204" pitchFamily="18" charset="0"/>
                                             </a:rPr>
                                             <m:t>;</m:t>
                                           </m:r>
                                           <m:r>
-                                            <a:rPr lang="it-IT" sz="1875" i="1">
+                                            <a:rPr lang="en-US" sz="1875" i="1" noProof="0" smtClean="0">
                                               <a:latin typeface="Cambria Math" panose="02040503050406030204" pitchFamily="18" charset="0"/>
                                               <a:ea typeface="Cambria Math" panose="02040503050406030204" pitchFamily="18" charset="0"/>
                                             </a:rPr>
                                             <m:t>𝑙</m:t>
                                           </m:r>
                                           <m:r>
-                                            <a:rPr lang="it-IT" sz="1875" i="1">
+                                            <a:rPr lang="en-US" sz="1875" i="1" noProof="0" smtClean="0">
                                               <a:latin typeface="Cambria Math" panose="02040503050406030204" pitchFamily="18" charset="0"/>
                                               <a:ea typeface="Cambria Math" panose="02040503050406030204" pitchFamily="18" charset="0"/>
                                             </a:rPr>
@@ -8150,7 +6907,7 @@
                                           <m:sSub>
                                             <m:sSubPr>
                                               <m:ctrlPr>
-                                                <a:rPr lang="it-IT" sz="1875" i="1">
+                                                <a:rPr lang="en-US" sz="1875" i="1" noProof="0" smtClean="0">
                                                   <a:latin typeface="Cambria Math" panose="02040503050406030204" pitchFamily="18" charset="0"/>
                                                   <a:ea typeface="Cambria Math" panose="02040503050406030204" pitchFamily="18" charset="0"/>
                                                 </a:rPr>
@@ -8158,7 +6915,7 @@
                                             </m:sSubPr>
                                             <m:e>
                                               <m:r>
-                                                <a:rPr lang="it-IT" sz="1875" i="1">
+                                                <a:rPr lang="en-US" sz="1875" i="1" noProof="0" smtClean="0">
                                                   <a:latin typeface="Cambria Math" panose="02040503050406030204" pitchFamily="18" charset="0"/>
                                                   <a:ea typeface="Cambria Math" panose="02040503050406030204" pitchFamily="18" charset="0"/>
                                                 </a:rPr>
@@ -8167,7 +6924,7 @@
                                             </m:e>
                                             <m:sub>
                                               <m:r>
-                                                <a:rPr lang="it-IT" sz="1875" i="1">
+                                                <a:rPr lang="en-US" sz="1875" i="1" noProof="0" smtClean="0">
                                                   <a:latin typeface="Cambria Math" panose="02040503050406030204" pitchFamily="18" charset="0"/>
                                                   <a:ea typeface="Cambria Math" panose="02040503050406030204" pitchFamily="18" charset="0"/>
                                                 </a:rPr>
@@ -8176,35 +6933,35 @@
                                             </m:sub>
                                           </m:sSub>
                                           <m:r>
-                                            <a:rPr lang="it-IT" sz="1875" i="1">
+                                            <a:rPr lang="en-US" sz="1875" i="1" noProof="0" smtClean="0">
                                               <a:latin typeface="Cambria Math" panose="02040503050406030204" pitchFamily="18" charset="0"/>
                                               <a:ea typeface="Cambria Math" panose="02040503050406030204" pitchFamily="18" charset="0"/>
                                             </a:rPr>
                                             <m:t>≤</m:t>
                                           </m:r>
                                           <m:r>
-                                            <a:rPr lang="it-IT" sz="1875" i="1">
+                                            <a:rPr lang="en-US" sz="1875" i="1" noProof="0" smtClean="0">
                                               <a:latin typeface="Cambria Math" panose="02040503050406030204" pitchFamily="18" charset="0"/>
                                               <a:ea typeface="Cambria Math" panose="02040503050406030204" pitchFamily="18" charset="0"/>
                                             </a:rPr>
                                             <m:t>𝑞</m:t>
                                           </m:r>
                                           <m:r>
-                                            <a:rPr lang="it-IT" sz="1875" i="1">
+                                            <a:rPr lang="en-US" sz="1875" i="1" noProof="0" smtClean="0">
                                               <a:latin typeface="Cambria Math" panose="02040503050406030204" pitchFamily="18" charset="0"/>
                                               <a:ea typeface="Cambria Math" panose="02040503050406030204" pitchFamily="18" charset="0"/>
                                             </a:rPr>
                                             <m:t>;</m:t>
                                           </m:r>
                                           <m:r>
-                                            <a:rPr lang="it-IT" sz="1875" i="1">
+                                            <a:rPr lang="en-US" sz="1875" i="1" noProof="0" smtClean="0">
                                               <a:latin typeface="Cambria Math" panose="02040503050406030204" pitchFamily="18" charset="0"/>
                                               <a:ea typeface="Cambria Math" panose="02040503050406030204" pitchFamily="18" charset="0"/>
                                             </a:rPr>
                                             <m:t>𝑡</m:t>
                                           </m:r>
                                           <m:r>
-                                            <a:rPr lang="it-IT" sz="1875" i="1">
+                                            <a:rPr lang="en-US" sz="1875" i="1" noProof="0" smtClean="0">
                                               <a:latin typeface="Cambria Math" panose="02040503050406030204" pitchFamily="18" charset="0"/>
                                               <a:ea typeface="Cambria Math" panose="02040503050406030204" pitchFamily="18" charset="0"/>
                                             </a:rPr>
@@ -8213,7 +6970,7 @@
                                           <m:sSub>
                                             <m:sSubPr>
                                               <m:ctrlPr>
-                                                <a:rPr lang="it-IT" sz="1875" i="1">
+                                                <a:rPr lang="en-US" sz="1875" i="1" noProof="0" smtClean="0">
                                                   <a:latin typeface="Cambria Math" panose="02040503050406030204" pitchFamily="18" charset="0"/>
                                                   <a:ea typeface="Cambria Math" panose="02040503050406030204" pitchFamily="18" charset="0"/>
                                                 </a:rPr>
@@ -8221,7 +6978,7 @@
                                             </m:sSubPr>
                                             <m:e>
                                               <m:r>
-                                                <a:rPr lang="it-IT" sz="1875" i="1">
+                                                <a:rPr lang="en-US" sz="1875" i="1" noProof="0" smtClean="0">
                                                   <a:latin typeface="Cambria Math" panose="02040503050406030204" pitchFamily="18" charset="0"/>
                                                   <a:ea typeface="Cambria Math" panose="02040503050406030204" pitchFamily="18" charset="0"/>
                                                 </a:rPr>
@@ -8230,7 +6987,7 @@
                                             </m:e>
                                             <m:sub>
                                               <m:r>
-                                                <a:rPr lang="it-IT" sz="1875" i="1">
+                                                <a:rPr lang="en-US" sz="1875" i="1" noProof="0" smtClean="0">
                                                   <a:latin typeface="Cambria Math" panose="02040503050406030204" pitchFamily="18" charset="0"/>
                                                   <a:ea typeface="Cambria Math" panose="02040503050406030204" pitchFamily="18" charset="0"/>
                                                 </a:rPr>
@@ -8239,7 +6996,7 @@
                                             </m:sub>
                                           </m:sSub>
                                           <m:r>
-                                            <a:rPr lang="it-IT" sz="1875" i="1">
+                                            <a:rPr lang="en-US" sz="1875" i="1" noProof="0" smtClean="0">
                                               <a:latin typeface="Cambria Math" panose="02040503050406030204" pitchFamily="18" charset="0"/>
                                               <a:ea typeface="Cambria Math" panose="02040503050406030204" pitchFamily="18" charset="0"/>
                                             </a:rPr>
@@ -8248,7 +7005,7 @@
                                           <m:sSub>
                                             <m:sSubPr>
                                               <m:ctrlPr>
-                                                <a:rPr lang="it-IT" sz="1875" i="1">
+                                                <a:rPr lang="en-US" sz="1875" i="1" noProof="0" smtClean="0">
                                                   <a:latin typeface="Cambria Math" panose="02040503050406030204" pitchFamily="18" charset="0"/>
                                                   <a:ea typeface="Cambria Math" panose="02040503050406030204" pitchFamily="18" charset="0"/>
                                                 </a:rPr>
@@ -8256,7 +7013,7 @@
                                             </m:sSubPr>
                                             <m:e>
                                               <m:r>
-                                                <a:rPr lang="it-IT" sz="1875" i="1">
+                                                <a:rPr lang="en-US" sz="1875" i="1" noProof="0" smtClean="0">
                                                   <a:latin typeface="Cambria Math" panose="02040503050406030204" pitchFamily="18" charset="0"/>
                                                   <a:ea typeface="Cambria Math" panose="02040503050406030204" pitchFamily="18" charset="0"/>
                                                 </a:rPr>
@@ -8265,7 +7022,7 @@
                                             </m:e>
                                             <m:sub>
                                               <m:r>
-                                                <a:rPr lang="it-IT" sz="1875" i="1">
+                                                <a:rPr lang="en-US" sz="1875" i="1" noProof="0" smtClean="0">
                                                   <a:latin typeface="Cambria Math" panose="02040503050406030204" pitchFamily="18" charset="0"/>
                                                   <a:ea typeface="Cambria Math" panose="02040503050406030204" pitchFamily="18" charset="0"/>
                                                 </a:rPr>
@@ -8274,7 +7031,7 @@
                                             </m:sub>
                                           </m:sSub>
                                           <m:r>
-                                            <a:rPr lang="it-IT" sz="1875" i="1">
+                                            <a:rPr lang="en-US" sz="1875" i="1" noProof="0" smtClean="0">
                                               <a:latin typeface="Cambria Math" panose="02040503050406030204" pitchFamily="18" charset="0"/>
                                               <a:ea typeface="Cambria Math" panose="02040503050406030204" pitchFamily="18" charset="0"/>
                                             </a:rPr>
@@ -8287,7 +7044,7 @@
                                       <m:d>
                                         <m:dPr>
                                           <m:ctrlPr>
-                                            <a:rPr lang="it-IT" sz="1875" i="1">
+                                            <a:rPr lang="en-US" sz="1875" i="1" noProof="0" smtClean="0">
                                               <a:latin typeface="Cambria Math" panose="02040503050406030204" pitchFamily="18" charset="0"/>
                                               <a:ea typeface="Cambria Math" panose="02040503050406030204" pitchFamily="18" charset="0"/>
                                             </a:rPr>
@@ -8297,7 +7054,7 @@
                                           <m:sSub>
                                             <m:sSubPr>
                                               <m:ctrlPr>
-                                                <a:rPr lang="it-IT" sz="1875" i="1">
+                                                <a:rPr lang="en-US" sz="1875" i="1" noProof="0" smtClean="0">
                                                   <a:latin typeface="Cambria Math" panose="02040503050406030204" pitchFamily="18" charset="0"/>
                                                   <a:ea typeface="Cambria Math" panose="02040503050406030204" pitchFamily="18" charset="0"/>
                                                 </a:rPr>
@@ -8305,7 +7062,7 @@
                                             </m:sSubPr>
                                             <m:e>
                                               <m:r>
-                                                <a:rPr lang="it-IT" sz="1875" i="1">
+                                                <a:rPr lang="en-US" sz="1875" i="1" noProof="0" smtClean="0">
                                                   <a:latin typeface="Cambria Math" panose="02040503050406030204" pitchFamily="18" charset="0"/>
                                                   <a:ea typeface="Cambria Math" panose="02040503050406030204" pitchFamily="18" charset="0"/>
                                                 </a:rPr>
@@ -8314,7 +7071,7 @@
                                             </m:e>
                                             <m:sub>
                                               <m:r>
-                                                <a:rPr lang="it-IT" sz="1875" i="1">
+                                                <a:rPr lang="en-US" sz="1875" i="1" noProof="0" smtClean="0">
                                                   <a:latin typeface="Cambria Math" panose="02040503050406030204" pitchFamily="18" charset="0"/>
                                                   <a:ea typeface="Cambria Math" panose="02040503050406030204" pitchFamily="18" charset="0"/>
                                                 </a:rPr>
@@ -8323,14 +7080,14 @@
                                             </m:sub>
                                           </m:sSub>
                                           <m:r>
-                                            <a:rPr lang="it-IT" sz="1875" i="1">
+                                            <a:rPr lang="en-US" sz="1875" i="1" noProof="0" smtClean="0">
                                               <a:latin typeface="Cambria Math" panose="02040503050406030204" pitchFamily="18" charset="0"/>
                                               <a:ea typeface="Cambria Math" panose="02040503050406030204" pitchFamily="18" charset="0"/>
                                             </a:rPr>
                                             <m:t>+</m:t>
                                           </m:r>
                                           <m:r>
-                                            <a:rPr lang="it-IT" sz="1875" i="1">
+                                            <a:rPr lang="en-US" sz="1875" i="1" noProof="0" smtClean="0">
                                               <a:latin typeface="Cambria Math" panose="02040503050406030204" pitchFamily="18" charset="0"/>
                                               <a:ea typeface="Cambria Math" panose="02040503050406030204" pitchFamily="18" charset="0"/>
                                             </a:rPr>
@@ -8339,7 +7096,7 @@
                                           <m:d>
                                             <m:dPr>
                                               <m:ctrlPr>
-                                                <a:rPr lang="it-IT" sz="1875" i="1">
+                                                <a:rPr lang="en-US" sz="1875" i="1" noProof="0" smtClean="0">
                                                   <a:latin typeface="Cambria Math" panose="02040503050406030204" pitchFamily="18" charset="0"/>
                                                   <a:ea typeface="Cambria Math" panose="02040503050406030204" pitchFamily="18" charset="0"/>
                                                 </a:rPr>
@@ -8347,14 +7104,14 @@
                                             </m:dPr>
                                             <m:e>
                                               <m:r>
-                                                <a:rPr lang="it-IT" sz="1875" i="1">
+                                                <a:rPr lang="en-US" sz="1875" i="1" noProof="0" smtClean="0">
                                                   <a:latin typeface="Cambria Math" panose="02040503050406030204" pitchFamily="18" charset="0"/>
                                                   <a:ea typeface="Cambria Math" panose="02040503050406030204" pitchFamily="18" charset="0"/>
                                                 </a:rPr>
                                                 <m:t>𝑈</m:t>
                                               </m:r>
                                               <m:r>
-                                                <a:rPr lang="it-IT" sz="1875" i="1">
+                                                <a:rPr lang="en-US" sz="1875" i="1" noProof="0" smtClean="0">
                                                   <a:latin typeface="Cambria Math" panose="02040503050406030204" pitchFamily="18" charset="0"/>
                                                   <a:ea typeface="Cambria Math" panose="02040503050406030204" pitchFamily="18" charset="0"/>
                                                 </a:rPr>
@@ -8365,7 +7122,7 @@
                                                   <m:begChr m:val="{"/>
                                                   <m:endChr m:val="}"/>
                                                   <m:ctrlPr>
-                                                    <a:rPr lang="it-IT" sz="1875" i="1">
+                                                    <a:rPr lang="en-US" sz="1875" i="1" noProof="0" smtClean="0">
                                                       <a:latin typeface="Cambria Math" panose="02040503050406030204" pitchFamily="18" charset="0"/>
                                                       <a:ea typeface="Cambria Math" panose="02040503050406030204" pitchFamily="18" charset="0"/>
                                                     </a:rPr>
@@ -8373,7 +7130,7 @@
                                                 </m:dPr>
                                                 <m:e>
                                                   <m:r>
-                                                    <a:rPr lang="it-IT" sz="1875" i="1">
+                                                    <a:rPr lang="en-US" sz="1875" i="1" noProof="0" smtClean="0">
                                                       <a:latin typeface="Cambria Math" panose="02040503050406030204" pitchFamily="18" charset="0"/>
                                                       <a:ea typeface="Cambria Math" panose="02040503050406030204" pitchFamily="18" charset="0"/>
                                                     </a:rPr>
@@ -8382,35 +7139,35 @@
                                                 </m:e>
                                               </m:d>
                                               <m:r>
-                                                <a:rPr lang="it-IT" sz="1875" i="1">
+                                                <a:rPr lang="en-US" sz="1875" i="1" noProof="0" smtClean="0">
                                                   <a:latin typeface="Cambria Math" panose="02040503050406030204" pitchFamily="18" charset="0"/>
                                                   <a:ea typeface="Cambria Math" panose="02040503050406030204" pitchFamily="18" charset="0"/>
                                                 </a:rPr>
                                                 <m:t>,</m:t>
                                               </m:r>
                                               <m:r>
-                                                <a:rPr lang="it-IT" sz="1875" i="1">
+                                                <a:rPr lang="en-US" sz="1875" i="1" noProof="0" smtClean="0">
                                                   <a:latin typeface="Cambria Math" panose="02040503050406030204" pitchFamily="18" charset="0"/>
                                                   <a:ea typeface="Cambria Math" panose="02040503050406030204" pitchFamily="18" charset="0"/>
                                                 </a:rPr>
                                                 <m:t>𝑗</m:t>
                                               </m:r>
                                               <m:r>
-                                                <a:rPr lang="it-IT" sz="1875" i="1">
+                                                <a:rPr lang="en-US" sz="1875" i="1" noProof="0" smtClean="0">
                                                   <a:latin typeface="Cambria Math" panose="02040503050406030204" pitchFamily="18" charset="0"/>
                                                   <a:ea typeface="Cambria Math" panose="02040503050406030204" pitchFamily="18" charset="0"/>
                                                 </a:rPr>
                                                 <m:t>,</m:t>
                                               </m:r>
                                               <m:r>
-                                                <a:rPr lang="it-IT" sz="1875" i="1">
+                                                <a:rPr lang="en-US" sz="1875" i="1" noProof="0" smtClean="0">
                                                   <a:latin typeface="Cambria Math" panose="02040503050406030204" pitchFamily="18" charset="0"/>
                                                   <a:ea typeface="Cambria Math" panose="02040503050406030204" pitchFamily="18" charset="0"/>
                                                 </a:rPr>
                                                 <m:t>𝑙</m:t>
                                               </m:r>
                                               <m:r>
-                                                <a:rPr lang="it-IT" sz="1875" i="1">
+                                                <a:rPr lang="en-US" sz="1875" i="1" noProof="0" smtClean="0">
                                                   <a:latin typeface="Cambria Math" panose="02040503050406030204" pitchFamily="18" charset="0"/>
                                                   <a:ea typeface="Cambria Math" panose="02040503050406030204" pitchFamily="18" charset="0"/>
                                                 </a:rPr>
@@ -8419,7 +7176,7 @@
                                               <m:sSub>
                                                 <m:sSubPr>
                                                   <m:ctrlPr>
-                                                    <a:rPr lang="it-IT" sz="1875" i="1">
+                                                    <a:rPr lang="en-US" sz="1875" i="1" noProof="0" smtClean="0">
                                                       <a:latin typeface="Cambria Math" panose="02040503050406030204" pitchFamily="18" charset="0"/>
                                                       <a:ea typeface="Cambria Math" panose="02040503050406030204" pitchFamily="18" charset="0"/>
                                                     </a:rPr>
@@ -8427,7 +7184,7 @@
                                                 </m:sSubPr>
                                                 <m:e>
                                                   <m:r>
-                                                    <a:rPr lang="it-IT" sz="1875" i="1">
+                                                    <a:rPr lang="en-US" sz="1875" i="1" noProof="0" smtClean="0">
                                                       <a:latin typeface="Cambria Math" panose="02040503050406030204" pitchFamily="18" charset="0"/>
                                                       <a:ea typeface="Cambria Math" panose="02040503050406030204" pitchFamily="18" charset="0"/>
                                                     </a:rPr>
@@ -8436,7 +7193,7 @@
                                                 </m:e>
                                                 <m:sub>
                                                   <m:r>
-                                                    <a:rPr lang="it-IT" sz="1875" i="1">
+                                                    <a:rPr lang="en-US" sz="1875" i="1" noProof="0" smtClean="0">
                                                       <a:latin typeface="Cambria Math" panose="02040503050406030204" pitchFamily="18" charset="0"/>
                                                       <a:ea typeface="Cambria Math" panose="02040503050406030204" pitchFamily="18" charset="0"/>
                                                     </a:rPr>
@@ -8445,21 +7202,21 @@
                                                 </m:sub>
                                               </m:sSub>
                                               <m:r>
-                                                <a:rPr lang="it-IT" sz="1875" i="1">
+                                                <a:rPr lang="en-US" sz="1875" i="1" noProof="0" smtClean="0">
                                                   <a:latin typeface="Cambria Math" panose="02040503050406030204" pitchFamily="18" charset="0"/>
                                                   <a:ea typeface="Cambria Math" panose="02040503050406030204" pitchFamily="18" charset="0"/>
                                                 </a:rPr>
                                                 <m:t>,</m:t>
                                               </m:r>
                                               <m:r>
-                                                <a:rPr lang="it-IT" sz="1875" i="1">
+                                                <a:rPr lang="en-US" sz="1875" i="1" noProof="0" smtClean="0">
                                                   <a:latin typeface="Cambria Math" panose="02040503050406030204" pitchFamily="18" charset="0"/>
                                                   <a:ea typeface="Cambria Math" panose="02040503050406030204" pitchFamily="18" charset="0"/>
                                                 </a:rPr>
                                                 <m:t>𝑘</m:t>
                                               </m:r>
                                               <m:r>
-                                                <a:rPr lang="it-IT" sz="1875" i="1">
+                                                <a:rPr lang="en-US" sz="1875" i="1" noProof="0" smtClean="0">
                                                   <a:latin typeface="Cambria Math" panose="02040503050406030204" pitchFamily="18" charset="0"/>
                                                   <a:ea typeface="Cambria Math" panose="02040503050406030204" pitchFamily="18" charset="0"/>
                                                 </a:rPr>
@@ -8468,7 +7225,7 @@
                                               <m:sSub>
                                                 <m:sSubPr>
                                                   <m:ctrlPr>
-                                                    <a:rPr lang="it-IT" sz="1875" i="1">
+                                                    <a:rPr lang="en-US" sz="1875" i="1" noProof="0" smtClean="0">
                                                       <a:latin typeface="Cambria Math" panose="02040503050406030204" pitchFamily="18" charset="0"/>
                                                       <a:ea typeface="Cambria Math" panose="02040503050406030204" pitchFamily="18" charset="0"/>
                                                     </a:rPr>
@@ -8476,7 +7233,7 @@
                                                 </m:sSubPr>
                                                 <m:e>
                                                   <m:r>
-                                                    <a:rPr lang="it-IT" sz="1875" i="1">
+                                                    <a:rPr lang="en-US" sz="1875" i="1" noProof="0" smtClean="0">
                                                       <a:latin typeface="Cambria Math" panose="02040503050406030204" pitchFamily="18" charset="0"/>
                                                       <a:ea typeface="Cambria Math" panose="02040503050406030204" pitchFamily="18" charset="0"/>
                                                     </a:rPr>
@@ -8485,7 +7242,7 @@
                                                 </m:e>
                                                 <m:sub>
                                                   <m:r>
-                                                    <a:rPr lang="it-IT" sz="1875" i="1">
+                                                    <a:rPr lang="en-US" sz="1875" i="1" noProof="0" smtClean="0">
                                                       <a:latin typeface="Cambria Math" panose="02040503050406030204" pitchFamily="18" charset="0"/>
                                                       <a:ea typeface="Cambria Math" panose="02040503050406030204" pitchFamily="18" charset="0"/>
                                                     </a:rPr>
@@ -8494,14 +7251,14 @@
                                                 </m:sub>
                                               </m:sSub>
                                               <m:r>
-                                                <a:rPr lang="it-IT" sz="1875" i="1">
+                                                <a:rPr lang="en-US" sz="1875" i="1" noProof="0" smtClean="0">
                                                   <a:latin typeface="Cambria Math" panose="02040503050406030204" pitchFamily="18" charset="0"/>
                                                   <a:ea typeface="Cambria Math" panose="02040503050406030204" pitchFamily="18" charset="0"/>
                                                 </a:rPr>
                                                 <m:t>+</m:t>
                                               </m:r>
                                               <m:r>
-                                                <a:rPr lang="it-IT" sz="1875" i="1">
+                                                <a:rPr lang="en-US" sz="1875" i="1" noProof="0" smtClean="0">
                                                   <a:latin typeface="Cambria Math" panose="02040503050406030204" pitchFamily="18" charset="0"/>
                                                   <a:ea typeface="Cambria Math" panose="02040503050406030204" pitchFamily="18" charset="0"/>
                                                 </a:rPr>
@@ -8510,7 +7267,7 @@
                                               <m:d>
                                                 <m:dPr>
                                                   <m:ctrlPr>
-                                                    <a:rPr lang="it-IT" sz="1875" i="1">
+                                                    <a:rPr lang="en-US" sz="1875" i="1" noProof="0" smtClean="0">
                                                       <a:latin typeface="Cambria Math" panose="02040503050406030204" pitchFamily="18" charset="0"/>
                                                       <a:ea typeface="Cambria Math" panose="02040503050406030204" pitchFamily="18" charset="0"/>
                                                     </a:rPr>
@@ -8518,14 +7275,14 @@
                                                 </m:dPr>
                                                 <m:e>
                                                   <m:r>
-                                                    <a:rPr lang="it-IT" sz="1875" i="1">
+                                                    <a:rPr lang="en-US" sz="1875" i="1" noProof="0" smtClean="0">
                                                       <a:latin typeface="Cambria Math" panose="02040503050406030204" pitchFamily="18" charset="0"/>
                                                       <a:ea typeface="Cambria Math" panose="02040503050406030204" pitchFamily="18" charset="0"/>
                                                     </a:rPr>
                                                     <m:t>𝑡</m:t>
                                                   </m:r>
                                                   <m:r>
-                                                    <a:rPr lang="it-IT" sz="1875" i="1">
+                                                    <a:rPr lang="en-US" sz="1875" i="1" noProof="0" smtClean="0">
                                                       <a:latin typeface="Cambria Math" panose="02040503050406030204" pitchFamily="18" charset="0"/>
                                                       <a:ea typeface="Cambria Math" panose="02040503050406030204" pitchFamily="18" charset="0"/>
                                                     </a:rPr>
@@ -8534,7 +7291,7 @@
                                                   <m:sSub>
                                                     <m:sSubPr>
                                                       <m:ctrlPr>
-                                                        <a:rPr lang="it-IT" sz="1875" i="1">
+                                                        <a:rPr lang="en-US" sz="1875" i="1" noProof="0" smtClean="0">
                                                           <a:latin typeface="Cambria Math" panose="02040503050406030204" pitchFamily="18" charset="0"/>
                                                           <a:ea typeface="Cambria Math" panose="02040503050406030204" pitchFamily="18" charset="0"/>
                                                         </a:rPr>
@@ -8542,7 +7299,7 @@
                                                     </m:sSubPr>
                                                     <m:e>
                                                       <m:r>
-                                                        <a:rPr lang="it-IT" sz="1875" i="1">
+                                                        <a:rPr lang="en-US" sz="1875" i="1" noProof="0" smtClean="0">
                                                           <a:latin typeface="Cambria Math" panose="02040503050406030204" pitchFamily="18" charset="0"/>
                                                           <a:ea typeface="Cambria Math" panose="02040503050406030204" pitchFamily="18" charset="0"/>
                                                         </a:rPr>
@@ -8551,7 +7308,7 @@
                                                     </m:e>
                                                     <m:sub>
                                                       <m:r>
-                                                        <a:rPr lang="it-IT" sz="1875" i="1">
+                                                        <a:rPr lang="en-US" sz="1875" i="1" noProof="0" smtClean="0">
                                                           <a:latin typeface="Cambria Math" panose="02040503050406030204" pitchFamily="18" charset="0"/>
                                                           <a:ea typeface="Cambria Math" panose="02040503050406030204" pitchFamily="18" charset="0"/>
                                                         </a:rPr>
@@ -8560,7 +7317,7 @@
                                                     </m:sub>
                                                   </m:sSub>
                                                   <m:r>
-                                                    <a:rPr lang="it-IT" sz="1875" i="1">
+                                                    <a:rPr lang="en-US" sz="1875" i="1" noProof="0" smtClean="0">
                                                       <a:latin typeface="Cambria Math" panose="02040503050406030204" pitchFamily="18" charset="0"/>
                                                       <a:ea typeface="Cambria Math" panose="02040503050406030204" pitchFamily="18" charset="0"/>
                                                     </a:rPr>
@@ -8569,7 +7326,7 @@
                                                   <m:sSub>
                                                     <m:sSubPr>
                                                       <m:ctrlPr>
-                                                        <a:rPr lang="it-IT" sz="1875" i="1">
+                                                        <a:rPr lang="en-US" sz="1875" i="1" noProof="0" smtClean="0">
                                                           <a:latin typeface="Cambria Math" panose="02040503050406030204" pitchFamily="18" charset="0"/>
                                                           <a:ea typeface="Cambria Math" panose="02040503050406030204" pitchFamily="18" charset="0"/>
                                                         </a:rPr>
@@ -8577,7 +7334,7 @@
                                                     </m:sSubPr>
                                                     <m:e>
                                                       <m:r>
-                                                        <a:rPr lang="it-IT" sz="1875" i="1">
+                                                        <a:rPr lang="en-US" sz="1875" i="1" noProof="0" smtClean="0">
                                                           <a:latin typeface="Cambria Math" panose="02040503050406030204" pitchFamily="18" charset="0"/>
                                                           <a:ea typeface="Cambria Math" panose="02040503050406030204" pitchFamily="18" charset="0"/>
                                                         </a:rPr>
@@ -8586,7 +7343,7 @@
                                                     </m:e>
                                                     <m:sub>
                                                       <m:r>
-                                                        <a:rPr lang="it-IT" sz="1875" i="1">
+                                                        <a:rPr lang="en-US" sz="1875" i="1" noProof="0" smtClean="0">
                                                           <a:latin typeface="Cambria Math" panose="02040503050406030204" pitchFamily="18" charset="0"/>
                                                           <a:ea typeface="Cambria Math" panose="02040503050406030204" pitchFamily="18" charset="0"/>
                                                         </a:rPr>
@@ -8603,56 +7360,56 @@
                                     </m:e>
                                   </m:func>
                                   <m:r>
-                                    <a:rPr lang="it-IT" sz="1875" i="1">
+                                    <a:rPr lang="en-US" sz="1875" i="1" noProof="0" smtClean="0">
                                       <a:latin typeface="Cambria Math" panose="02040503050406030204" pitchFamily="18" charset="0"/>
                                       <a:ea typeface="Cambria Math" panose="02040503050406030204" pitchFamily="18" charset="0"/>
                                     </a:rPr>
                                     <m:t>                            </m:t>
                                   </m:r>
                                   <m:r>
-                                    <a:rPr lang="it-IT" sz="1875" i="1">
+                                    <a:rPr lang="en-US" sz="1875" i="1" noProof="0" smtClean="0">
                                       <a:latin typeface="Cambria Math" panose="02040503050406030204" pitchFamily="18" charset="0"/>
                                       <a:ea typeface="Cambria Math" panose="02040503050406030204" pitchFamily="18" charset="0"/>
                                     </a:rPr>
                                     <m:t>𝑖𝑓</m:t>
                                   </m:r>
                                   <m:r>
-                                    <a:rPr lang="it-IT" sz="1875" i="1">
+                                    <a:rPr lang="en-US" sz="1875" i="1" noProof="0" smtClean="0">
                                       <a:latin typeface="Cambria Math" panose="02040503050406030204" pitchFamily="18" charset="0"/>
                                       <a:ea typeface="Cambria Math" panose="02040503050406030204" pitchFamily="18" charset="0"/>
                                     </a:rPr>
                                     <m:t> </m:t>
                                   </m:r>
                                   <m:r>
-                                    <a:rPr lang="it-IT" sz="1875" i="1">
+                                    <a:rPr lang="en-US" sz="1875" i="1" noProof="0" smtClean="0">
                                       <a:latin typeface="Cambria Math" panose="02040503050406030204" pitchFamily="18" charset="0"/>
                                       <a:ea typeface="Cambria Math" panose="02040503050406030204" pitchFamily="18" charset="0"/>
                                     </a:rPr>
                                     <m:t>𝑈</m:t>
                                   </m:r>
                                   <m:r>
-                                    <a:rPr lang="it-IT" sz="1875" i="1">
+                                    <a:rPr lang="en-US" sz="1875" i="1" noProof="0" smtClean="0">
                                       <a:latin typeface="Cambria Math" panose="02040503050406030204" pitchFamily="18" charset="0"/>
                                       <a:ea typeface="Cambria Math" panose="02040503050406030204" pitchFamily="18" charset="0"/>
                                     </a:rPr>
                                     <m:t>≠∅, </m:t>
                                   </m:r>
                                   <m:r>
-                                    <a:rPr lang="it-IT" sz="1875" i="1">
+                                    <a:rPr lang="en-US" sz="1875" i="1" noProof="0" smtClean="0">
                                       <a:latin typeface="Cambria Math" panose="02040503050406030204" pitchFamily="18" charset="0"/>
                                       <a:ea typeface="Cambria Math" panose="02040503050406030204" pitchFamily="18" charset="0"/>
                                     </a:rPr>
                                     <m:t>𝑘</m:t>
                                   </m:r>
                                   <m:r>
-                                    <a:rPr lang="it-IT" sz="1875" i="1">
+                                    <a:rPr lang="en-US" sz="1875" i="1" noProof="0" smtClean="0">
                                       <a:latin typeface="Cambria Math" panose="02040503050406030204" pitchFamily="18" charset="0"/>
                                       <a:ea typeface="Cambria Math" panose="02040503050406030204" pitchFamily="18" charset="0"/>
                                     </a:rPr>
                                     <m:t>=</m:t>
                                   </m:r>
                                   <m:r>
-                                    <a:rPr lang="it-IT" sz="1875" i="1">
+                                    <a:rPr lang="en-US" sz="1875" i="1" noProof="0" smtClean="0">
                                       <a:latin typeface="Cambria Math" panose="02040503050406030204" pitchFamily="18" charset="0"/>
                                       <a:ea typeface="Cambria Math" panose="02040503050406030204" pitchFamily="18" charset="0"/>
                                     </a:rPr>
@@ -8664,7 +7421,7 @@
                                   <m:sSub>
                                     <m:sSubPr>
                                       <m:ctrlPr>
-                                        <a:rPr lang="it-IT" sz="1875" b="0" i="1" smtClean="0">
+                                        <a:rPr lang="en-US" sz="1875" b="0" i="1" noProof="0" smtClean="0">
                                           <a:latin typeface="Cambria Math" panose="02040503050406030204" pitchFamily="18" charset="0"/>
                                           <a:ea typeface="Cambria Math" panose="02040503050406030204" pitchFamily="18" charset="0"/>
                                         </a:rPr>
@@ -8672,7 +7429,7 @@
                                     </m:sSubPr>
                                     <m:e>
                                       <m:r>
-                                        <a:rPr lang="it-IT" sz="1875" b="0" i="1" smtClean="0">
+                                        <a:rPr lang="en-US" sz="1875" b="0" i="1" noProof="0" smtClean="0">
                                           <a:latin typeface="Cambria Math" panose="02040503050406030204" pitchFamily="18" charset="0"/>
                                           <a:ea typeface="Cambria Math" panose="02040503050406030204" pitchFamily="18" charset="0"/>
                                         </a:rPr>
@@ -8681,14 +7438,14 @@
                                     </m:e>
                                     <m:sub>
                                       <m:r>
-                                        <a:rPr lang="it-IT" sz="1875" b="0" i="1" smtClean="0">
+                                        <a:rPr lang="en-US" sz="1875" b="0" i="1" noProof="0" smtClean="0">
                                           <a:latin typeface="Cambria Math" panose="02040503050406030204" pitchFamily="18" charset="0"/>
                                           <a:ea typeface="Cambria Math" panose="02040503050406030204" pitchFamily="18" charset="0"/>
                                         </a:rPr>
                                         <m:t>𝑖</m:t>
                                       </m:r>
                                       <m:r>
-                                        <a:rPr lang="it-IT" sz="1875" b="0" i="1" smtClean="0">
+                                        <a:rPr lang="en-US" sz="1875" b="0" i="1" noProof="0" smtClean="0">
                                           <a:latin typeface="Cambria Math" panose="02040503050406030204" pitchFamily="18" charset="0"/>
                                           <a:ea typeface="Cambria Math" panose="02040503050406030204" pitchFamily="18" charset="0"/>
                                         </a:rPr>
@@ -8697,14 +7454,14 @@
                                     </m:sub>
                                   </m:sSub>
                                   <m:r>
-                                    <a:rPr lang="it-IT" sz="1875" b="0" i="1" smtClean="0">
+                                    <a:rPr lang="en-US" sz="1875" b="0" i="1" noProof="0" smtClean="0">
                                       <a:latin typeface="Cambria Math" panose="02040503050406030204" pitchFamily="18" charset="0"/>
                                       <a:ea typeface="Cambria Math" panose="02040503050406030204" pitchFamily="18" charset="0"/>
                                     </a:rPr>
                                     <m:t>+</m:t>
                                   </m:r>
                                   <m:r>
-                                    <a:rPr lang="it-IT" sz="1875" b="0" i="1" smtClean="0">
+                                    <a:rPr lang="en-US" sz="1875" b="0" i="1" noProof="0" smtClean="0">
                                       <a:latin typeface="Cambria Math" panose="02040503050406030204" pitchFamily="18" charset="0"/>
                                       <a:ea typeface="Cambria Math" panose="02040503050406030204" pitchFamily="18" charset="0"/>
                                     </a:rPr>
@@ -8713,7 +7470,7 @@
                                   <m:d>
                                     <m:dPr>
                                       <m:ctrlPr>
-                                        <a:rPr lang="it-IT" sz="1875" b="0" i="1" smtClean="0">
+                                        <a:rPr lang="en-US" sz="1875" b="0" i="1" noProof="0" smtClean="0">
                                           <a:latin typeface="Cambria Math" panose="02040503050406030204" pitchFamily="18" charset="0"/>
                                           <a:ea typeface="Cambria Math" panose="02040503050406030204" pitchFamily="18" charset="0"/>
                                         </a:rPr>
@@ -8721,49 +7478,49 @@
                                     </m:dPr>
                                     <m:e>
                                       <m:r>
-                                        <a:rPr lang="it-IT" sz="1875" b="0" i="1" smtClean="0">
+                                        <a:rPr lang="en-US" sz="1875" b="0" i="1" noProof="0" smtClean="0">
                                           <a:latin typeface="Cambria Math" panose="02040503050406030204" pitchFamily="18" charset="0"/>
                                           <a:ea typeface="Cambria Math" panose="02040503050406030204" pitchFamily="18" charset="0"/>
                                         </a:rPr>
                                         <m:t>𝑈</m:t>
                                       </m:r>
                                       <m:r>
-                                        <a:rPr lang="it-IT" sz="1875" b="0" i="1" smtClean="0">
+                                        <a:rPr lang="en-US" sz="1875" b="0" i="1" noProof="0" smtClean="0">
                                           <a:latin typeface="Cambria Math" panose="02040503050406030204" pitchFamily="18" charset="0"/>
                                           <a:ea typeface="Cambria Math" panose="02040503050406030204" pitchFamily="18" charset="0"/>
                                         </a:rPr>
                                         <m:t>,0, </m:t>
                                       </m:r>
                                       <m:r>
-                                        <a:rPr lang="it-IT" sz="1875" b="0" i="1" smtClean="0">
+                                        <a:rPr lang="en-US" sz="1875" b="0" i="1" noProof="0" smtClean="0">
                                           <a:latin typeface="Cambria Math" panose="02040503050406030204" pitchFamily="18" charset="0"/>
                                           <a:ea typeface="Cambria Math" panose="02040503050406030204" pitchFamily="18" charset="0"/>
                                         </a:rPr>
                                         <m:t>𝑘</m:t>
                                       </m:r>
                                       <m:r>
-                                        <a:rPr lang="it-IT" sz="1875" b="0" i="1" smtClean="0">
+                                        <a:rPr lang="en-US" sz="1875" b="0" i="1" noProof="0" smtClean="0">
                                           <a:latin typeface="Cambria Math" panose="02040503050406030204" pitchFamily="18" charset="0"/>
                                           <a:ea typeface="Cambria Math" panose="02040503050406030204" pitchFamily="18" charset="0"/>
                                         </a:rPr>
                                         <m:t>, </m:t>
                                       </m:r>
                                       <m:r>
-                                        <a:rPr lang="it-IT" sz="1875" b="0" i="1" smtClean="0">
+                                        <a:rPr lang="en-US" sz="1875" b="0" i="1" noProof="0" smtClean="0">
                                           <a:latin typeface="Cambria Math" panose="02040503050406030204" pitchFamily="18" charset="0"/>
                                           <a:ea typeface="Cambria Math" panose="02040503050406030204" pitchFamily="18" charset="0"/>
                                         </a:rPr>
                                         <m:t>𝑙</m:t>
                                       </m:r>
                                       <m:r>
-                                        <a:rPr lang="it-IT" sz="1875" b="0" i="1" smtClean="0">
+                                        <a:rPr lang="en-US" sz="1875" b="0" i="1" noProof="0" smtClean="0">
                                           <a:latin typeface="Cambria Math" panose="02040503050406030204" pitchFamily="18" charset="0"/>
                                           <a:ea typeface="Cambria Math" panose="02040503050406030204" pitchFamily="18" charset="0"/>
                                         </a:rPr>
                                         <m:t>,</m:t>
                                       </m:r>
                                       <m:r>
-                                        <a:rPr lang="it-IT" sz="1875" b="0" i="1" smtClean="0">
+                                        <a:rPr lang="en-US" sz="1875" b="0" i="1" noProof="0" smtClean="0">
                                           <a:latin typeface="Cambria Math" panose="02040503050406030204" pitchFamily="18" charset="0"/>
                                           <a:ea typeface="Cambria Math" panose="02040503050406030204" pitchFamily="18" charset="0"/>
                                         </a:rPr>
@@ -8772,70 +7529,63 @@
                                     </m:e>
                                   </m:d>
                                   <m:r>
-                                    <a:rPr lang="it-IT" sz="1875" i="1">
+                                    <a:rPr lang="en-US" sz="1875" i="1" noProof="0" smtClean="0">
                                       <a:latin typeface="Cambria Math" panose="02040503050406030204" pitchFamily="18" charset="0"/>
                                       <a:ea typeface="Cambria Math" panose="02040503050406030204" pitchFamily="18" charset="0"/>
                                     </a:rPr>
                                     <m:t>   </m:t>
                                   </m:r>
                                   <m:r>
-                                    <a:rPr lang="it-IT" sz="1875" b="0" i="1" smtClean="0">
+                                    <a:rPr lang="en-US" sz="1875" b="0" i="1" noProof="0" smtClean="0">
                                       <a:latin typeface="Cambria Math" panose="02040503050406030204" pitchFamily="18" charset="0"/>
                                       <a:ea typeface="Cambria Math" panose="02040503050406030204" pitchFamily="18" charset="0"/>
                                     </a:rPr>
                                     <m:t>                                                                                                       </m:t>
                                   </m:r>
                                   <m:r>
-                                    <a:rPr lang="it-IT" sz="1875" i="1">
+                                    <a:rPr lang="en-US" sz="1875" i="1" noProof="0" smtClean="0">
                                       <a:latin typeface="Cambria Math" panose="02040503050406030204" pitchFamily="18" charset="0"/>
                                       <a:ea typeface="Cambria Math" panose="02040503050406030204" pitchFamily="18" charset="0"/>
                                     </a:rPr>
                                     <m:t>                   </m:t>
                                   </m:r>
                                   <m:r>
-                                    <a:rPr lang="it-IT" sz="1875" i="1">
+                                    <a:rPr lang="en-US" sz="1875" i="1" noProof="0" smtClean="0">
                                       <a:latin typeface="Cambria Math" panose="02040503050406030204" pitchFamily="18" charset="0"/>
                                       <a:ea typeface="Cambria Math" panose="02040503050406030204" pitchFamily="18" charset="0"/>
                                     </a:rPr>
                                     <m:t>𝑖𝑓</m:t>
                                   </m:r>
                                   <m:r>
-                                    <a:rPr lang="it-IT" sz="1875" i="1">
+                                    <a:rPr lang="en-US" sz="1875" i="1" noProof="0" smtClean="0">
                                       <a:latin typeface="Cambria Math" panose="02040503050406030204" pitchFamily="18" charset="0"/>
                                       <a:ea typeface="Cambria Math" panose="02040503050406030204" pitchFamily="18" charset="0"/>
                                     </a:rPr>
                                     <m:t> </m:t>
                                   </m:r>
                                   <m:r>
-                                    <a:rPr lang="it-IT" sz="1875" i="1">
+                                    <a:rPr lang="en-US" sz="1875" i="1" noProof="0" smtClean="0">
                                       <a:latin typeface="Cambria Math" panose="02040503050406030204" pitchFamily="18" charset="0"/>
                                       <a:ea typeface="Cambria Math" panose="02040503050406030204" pitchFamily="18" charset="0"/>
                                     </a:rPr>
                                     <m:t>𝑈</m:t>
                                   </m:r>
                                   <m:r>
-                                    <a:rPr lang="it-IT" sz="1875" i="1" smtClean="0">
+                                    <a:rPr lang="en-US" sz="1875" i="1" noProof="0" smtClean="0">
                                       <a:latin typeface="Cambria Math" panose="02040503050406030204" pitchFamily="18" charset="0"/>
                                       <a:ea typeface="Cambria Math" panose="02040503050406030204" pitchFamily="18" charset="0"/>
                                     </a:rPr>
-                                    <m:t>=</m:t>
+                                    <m:t>=∅, </m:t>
                                   </m:r>
                                   <m:r>
-                                    <a:rPr lang="it-IT" sz="1875" i="1">
-                                      <a:latin typeface="Cambria Math" panose="02040503050406030204" pitchFamily="18" charset="0"/>
-                                      <a:ea typeface="Cambria Math" panose="02040503050406030204" pitchFamily="18" charset="0"/>
-                                    </a:rPr>
-                                    <m:t>∅, </m:t>
-                                  </m:r>
-                                  <m:r>
-                                    <a:rPr lang="it-IT" sz="1875" b="0" i="1" smtClean="0">
+                                    <a:rPr lang="en-US" sz="1875" b="0" i="1" noProof="0" smtClean="0">
                                       <a:latin typeface="Cambria Math" panose="02040503050406030204" pitchFamily="18" charset="0"/>
                                       <a:ea typeface="Cambria Math" panose="02040503050406030204" pitchFamily="18" charset="0"/>
                                     </a:rPr>
                                     <m:t>𝑖</m:t>
                                   </m:r>
                                   <m:r>
-                                    <a:rPr lang="it-IT" sz="1875" b="0" i="1" smtClean="0">
+                                    <a:rPr lang="en-US" sz="1875" b="0" i="1" noProof="0" smtClean="0">
                                       <a:latin typeface="Cambria Math" panose="02040503050406030204" pitchFamily="18" charset="0"/>
                                       <a:ea typeface="Cambria Math" panose="02040503050406030204" pitchFamily="18" charset="0"/>
                                     </a:rPr>
@@ -8845,49 +7595,49 @@
                                 <m:e/>
                                 <m:e>
                                   <m:r>
-                                    <a:rPr lang="it-IT" sz="1875" b="0" i="1" smtClean="0">
+                                    <a:rPr lang="en-US" sz="1875" b="0" i="1" noProof="0" smtClean="0">
                                       <a:latin typeface="Cambria Math" panose="02040503050406030204" pitchFamily="18" charset="0"/>
                                       <a:ea typeface="Cambria Math" panose="02040503050406030204" pitchFamily="18" charset="0"/>
                                     </a:rPr>
                                     <m:t>0                                                                                                                                                               </m:t>
                                   </m:r>
                                   <m:r>
-                                    <a:rPr lang="it-IT" sz="1875" i="1">
+                                    <a:rPr lang="en-US" sz="1875" i="1" noProof="0" smtClean="0">
                                       <a:latin typeface="Cambria Math" panose="02040503050406030204" pitchFamily="18" charset="0"/>
                                       <a:ea typeface="Cambria Math" panose="02040503050406030204" pitchFamily="18" charset="0"/>
                                     </a:rPr>
                                     <m:t>𝑖𝑓</m:t>
                                   </m:r>
                                   <m:r>
-                                    <a:rPr lang="it-IT" sz="1875" i="1">
+                                    <a:rPr lang="en-US" sz="1875" i="1" noProof="0" smtClean="0">
                                       <a:latin typeface="Cambria Math" panose="02040503050406030204" pitchFamily="18" charset="0"/>
                                       <a:ea typeface="Cambria Math" panose="02040503050406030204" pitchFamily="18" charset="0"/>
                                     </a:rPr>
                                     <m:t> </m:t>
                                   </m:r>
                                   <m:r>
-                                    <a:rPr lang="it-IT" sz="1875" i="1">
+                                    <a:rPr lang="en-US" sz="1875" i="1" noProof="0" smtClean="0">
                                       <a:latin typeface="Cambria Math" panose="02040503050406030204" pitchFamily="18" charset="0"/>
                                       <a:ea typeface="Cambria Math" panose="02040503050406030204" pitchFamily="18" charset="0"/>
                                     </a:rPr>
                                     <m:t>𝑈</m:t>
                                   </m:r>
                                   <m:r>
-                                    <a:rPr lang="it-IT" sz="1875" i="1">
+                                    <a:rPr lang="en-US" sz="1875" i="1" noProof="0" smtClean="0">
                                       <a:latin typeface="Cambria Math" panose="02040503050406030204" pitchFamily="18" charset="0"/>
                                       <a:ea typeface="Cambria Math" panose="02040503050406030204" pitchFamily="18" charset="0"/>
                                     </a:rPr>
                                     <m:t> =∅,</m:t>
                                   </m:r>
                                   <m:r>
-                                    <a:rPr lang="it-IT" sz="1875" b="0" i="1" smtClean="0">
+                                    <a:rPr lang="en-US" sz="1875" b="0" i="1" noProof="0" smtClean="0">
                                       <a:latin typeface="Cambria Math" panose="02040503050406030204" pitchFamily="18" charset="0"/>
                                       <a:ea typeface="Cambria Math" panose="02040503050406030204" pitchFamily="18" charset="0"/>
                                     </a:rPr>
                                     <m:t>𝑖</m:t>
                                   </m:r>
                                   <m:r>
-                                    <a:rPr lang="it-IT" sz="1875" b="0" i="1" smtClean="0">
+                                    <a:rPr lang="en-US" sz="1875" b="0" i="1" noProof="0" smtClean="0">
                                       <a:latin typeface="Cambria Math" panose="02040503050406030204" pitchFamily="18" charset="0"/>
                                       <a:ea typeface="Cambria Math" panose="02040503050406030204" pitchFamily="18" charset="0"/>
                                     </a:rPr>
@@ -8903,7 +7653,7 @@
                     </m:oMath>
                   </m:oMathPara>
                 </a14:m>
-                <a:endParaRPr lang="en-US" sz="1875" i="1" dirty="0">
+                <a:endParaRPr lang="en-US" sz="1875" i="1" noProof="0" dirty="0">
                   <a:latin typeface="Cambria Math" panose="02040503050406030204" pitchFamily="18" charset="0"/>
                 </a:endParaRPr>
               </a:p>
@@ -8911,7 +7661,7 @@
                 <a:pPr marL="0" indent="0">
                   <a:buNone/>
                 </a:pPr>
-                <a:endParaRPr lang="it-IT" sz="1875" b="0" i="1" dirty="0">
+                <a:endParaRPr lang="en-US" sz="1875" b="0" i="1" noProof="0" dirty="0">
                   <a:latin typeface="Cambria Math" panose="02040503050406030204" pitchFamily="18" charset="0"/>
                 </a:endParaRPr>
               </a:p>
@@ -8919,12 +7669,12 @@
                 <a:pPr marL="0" indent="0">
                   <a:buNone/>
                 </a:pPr>
-                <a:endParaRPr lang="en-US" sz="1875" dirty="0"/>
+                <a:endParaRPr lang="en-US" sz="1875" noProof="0" dirty="0"/>
               </a:p>
             </p:txBody>
           </p:sp>
         </mc:Choice>
-        <mc:Fallback xmlns="">
+        <mc:Fallback>
           <p:sp>
             <p:nvSpPr>
               <p:cNvPr id="4" name="テキスト ボックス 5">
@@ -9029,14 +7779,14 @@
           <a:p>
             <a:pPr algn="ctr"/>
             <a:r>
-              <a:rPr lang="it-IT" dirty="0"/>
+              <a:rPr lang="en-US" noProof="0" dirty="0"/>
               <a:t>DIDP </a:t>
             </a:r>
             <a:r>
-              <a:rPr lang="it-IT" dirty="0" err="1"/>
+              <a:rPr lang="en-US" noProof="0" dirty="0" err="1"/>
               <a:t>Formultation</a:t>
             </a:r>
-            <a:endParaRPr lang="it-IT" dirty="0"/>
+            <a:endParaRPr lang="en-US" noProof="0" dirty="0"/>
           </a:p>
         </p:txBody>
       </p:sp>
@@ -9071,43 +7821,31 @@
               <a:lstStyle/>
               <a:p>
                 <a:r>
-                  <a:rPr lang="it-IT" i="1" dirty="0">
+                  <a:rPr lang="en-US" i="1" noProof="0" dirty="0">
                     <a:latin typeface="Cambria Math" panose="02040503050406030204" pitchFamily="18" charset="0"/>
                   </a:rPr>
                   <a:t> </a:t>
                 </a:r>
                 <a:r>
-                  <a:rPr lang="it-IT" dirty="0">
+                  <a:rPr lang="en-US" noProof="0" dirty="0">
                     <a:latin typeface="Cambria Math" panose="02040503050406030204" pitchFamily="18" charset="0"/>
                   </a:rPr>
-                  <a:t>Resource </a:t>
-                </a:r>
-                <a:r>
-                  <a:rPr lang="it-IT" dirty="0" err="1">
-                    <a:latin typeface="Cambria Math" panose="02040503050406030204" pitchFamily="18" charset="0"/>
-                  </a:rPr>
-                  <a:t>variables</a:t>
-                </a:r>
-                <a:r>
-                  <a:rPr lang="it-IT" dirty="0">
-                    <a:latin typeface="Cambria Math" panose="02040503050406030204" pitchFamily="18" charset="0"/>
-                  </a:rPr>
-                  <a:t>:</a:t>
+                  <a:t>Resource variables:</a:t>
                 </a:r>
                 <a:br>
-                  <a:rPr lang="it-IT" dirty="0">
+                  <a:rPr lang="en-US" noProof="0" dirty="0">
                     <a:latin typeface="Cambria Math" panose="02040503050406030204" pitchFamily="18" charset="0"/>
                   </a:rPr>
                 </a:br>
                 <a:br>
-                  <a:rPr lang="it-IT" i="1" dirty="0">
+                  <a:rPr lang="en-US" i="1" noProof="0" dirty="0">
                     <a:latin typeface="Cambria Math" panose="02040503050406030204" pitchFamily="18" charset="0"/>
                   </a:rPr>
                 </a:br>
                 <a14:m>
                   <m:oMath xmlns:m="http://schemas.openxmlformats.org/officeDocument/2006/math">
                     <m:r>
-                      <a:rPr lang="it-IT" i="1" smtClean="0">
+                      <a:rPr lang="en-US" i="1" noProof="0" smtClean="0">
                         <a:latin typeface="Cambria Math" panose="02040503050406030204" pitchFamily="18" charset="0"/>
                       </a:rPr>
                       <m:t>𝑉</m:t>
@@ -9115,62 +7853,62 @@
                     <m:d>
                       <m:dPr>
                         <m:ctrlPr>
-                          <a:rPr lang="it-IT" i="1">
+                          <a:rPr lang="en-US" i="1" noProof="0" smtClean="0">
                             <a:latin typeface="Cambria Math" panose="02040503050406030204" pitchFamily="18" charset="0"/>
                           </a:rPr>
                         </m:ctrlPr>
                       </m:dPr>
                       <m:e>
                         <m:r>
-                          <a:rPr lang="it-IT" i="1">
+                          <a:rPr lang="en-US" i="1" noProof="0" smtClean="0">
                             <a:latin typeface="Cambria Math" panose="02040503050406030204" pitchFamily="18" charset="0"/>
                           </a:rPr>
                           <m:t>𝑈</m:t>
                         </m:r>
                         <m:r>
-                          <a:rPr lang="it-IT" i="1">
+                          <a:rPr lang="en-US" i="1" noProof="0" smtClean="0">
                             <a:latin typeface="Cambria Math" panose="02040503050406030204" pitchFamily="18" charset="0"/>
                           </a:rPr>
                           <m:t>,</m:t>
                         </m:r>
                         <m:r>
-                          <a:rPr lang="it-IT" b="0" i="1" smtClean="0">
+                          <a:rPr lang="en-US" b="0" i="1" noProof="0" smtClean="0">
                             <a:latin typeface="Cambria Math" panose="02040503050406030204" pitchFamily="18" charset="0"/>
                           </a:rPr>
                           <m:t>𝑖</m:t>
                         </m:r>
                         <m:r>
-                          <a:rPr lang="it-IT" i="1">
+                          <a:rPr lang="en-US" i="1" noProof="0" smtClean="0">
                             <a:latin typeface="Cambria Math" panose="02040503050406030204" pitchFamily="18" charset="0"/>
                           </a:rPr>
                           <m:t>,</m:t>
                         </m:r>
                         <m:r>
-                          <a:rPr lang="it-IT" b="0" i="1" smtClean="0">
+                          <a:rPr lang="en-US" b="0" i="1" noProof="0" smtClean="0">
                             <a:latin typeface="Cambria Math" panose="02040503050406030204" pitchFamily="18" charset="0"/>
                           </a:rPr>
                           <m:t>𝑙</m:t>
                         </m:r>
                         <m:r>
-                          <a:rPr lang="it-IT" i="1">
+                          <a:rPr lang="en-US" i="1" noProof="0" smtClean="0">
                             <a:latin typeface="Cambria Math" panose="02040503050406030204" pitchFamily="18" charset="0"/>
                           </a:rPr>
                           <m:t>,</m:t>
                         </m:r>
                         <m:r>
-                          <a:rPr lang="it-IT" b="0" i="1" smtClean="0">
+                          <a:rPr lang="en-US" b="0" i="1" noProof="0" smtClean="0">
                             <a:latin typeface="Cambria Math" panose="02040503050406030204" pitchFamily="18" charset="0"/>
                           </a:rPr>
                           <m:t>𝑘</m:t>
                         </m:r>
                         <m:r>
-                          <a:rPr lang="it-IT" i="1">
+                          <a:rPr lang="en-US" i="1" noProof="0" smtClean="0">
                             <a:latin typeface="Cambria Math" panose="02040503050406030204" pitchFamily="18" charset="0"/>
                           </a:rPr>
                           <m:t>,</m:t>
                         </m:r>
                         <m:r>
-                          <a:rPr lang="it-IT" b="0" i="1" smtClean="0">
+                          <a:rPr lang="en-US" b="0" i="1" noProof="0" smtClean="0">
                             <a:latin typeface="Cambria Math" panose="02040503050406030204" pitchFamily="18" charset="0"/>
                           </a:rPr>
                           <m:t>𝑡</m:t>
@@ -9178,14 +7916,14 @@
                       </m:e>
                     </m:d>
                     <m:r>
-                      <a:rPr lang="it-IT" i="1" smtClean="0">
+                      <a:rPr lang="en-US" i="1" noProof="0" smtClean="0">
                         <a:latin typeface="Cambria Math" panose="02040503050406030204" pitchFamily="18" charset="0"/>
                         <a:ea typeface="Cambria Math" panose="02040503050406030204" pitchFamily="18" charset="0"/>
                       </a:rPr>
                       <m:t>≤</m:t>
                     </m:r>
                     <m:r>
-                      <a:rPr lang="it-IT" i="1">
+                      <a:rPr lang="en-US" i="1" noProof="0" smtClean="0">
                         <a:latin typeface="Cambria Math" panose="02040503050406030204" pitchFamily="18" charset="0"/>
                       </a:rPr>
                       <m:t>𝑉</m:t>
@@ -9193,32 +7931,32 @@
                     <m:d>
                       <m:dPr>
                         <m:ctrlPr>
-                          <a:rPr lang="it-IT" i="1">
+                          <a:rPr lang="en-US" i="1" noProof="0" smtClean="0">
                             <a:latin typeface="Cambria Math" panose="02040503050406030204" pitchFamily="18" charset="0"/>
                           </a:rPr>
                         </m:ctrlPr>
                       </m:dPr>
                       <m:e>
                         <m:r>
-                          <a:rPr lang="it-IT" i="1">
+                          <a:rPr lang="en-US" i="1" noProof="0" smtClean="0">
                             <a:latin typeface="Cambria Math" panose="02040503050406030204" pitchFamily="18" charset="0"/>
                           </a:rPr>
                           <m:t>𝑈</m:t>
                         </m:r>
                         <m:r>
-                          <a:rPr lang="it-IT" i="1">
+                          <a:rPr lang="en-US" i="1" noProof="0" smtClean="0">
                             <a:latin typeface="Cambria Math" panose="02040503050406030204" pitchFamily="18" charset="0"/>
                           </a:rPr>
                           <m:t>,</m:t>
                         </m:r>
                         <m:r>
-                          <a:rPr lang="it-IT" b="0" i="1" smtClean="0">
+                          <a:rPr lang="en-US" b="0" i="1" noProof="0" smtClean="0">
                             <a:latin typeface="Cambria Math" panose="02040503050406030204" pitchFamily="18" charset="0"/>
                           </a:rPr>
                           <m:t>𝑖</m:t>
                         </m:r>
                         <m:r>
-                          <a:rPr lang="it-IT" i="1">
+                          <a:rPr lang="en-US" i="1" noProof="0" smtClean="0">
                             <a:latin typeface="Cambria Math" panose="02040503050406030204" pitchFamily="18" charset="0"/>
                           </a:rPr>
                           <m:t>,</m:t>
@@ -9226,14 +7964,14 @@
                         <m:sSup>
                           <m:sSupPr>
                             <m:ctrlPr>
-                              <a:rPr lang="it-IT" b="0" i="1" smtClean="0">
+                              <a:rPr lang="en-US" b="0" i="1" noProof="0" smtClean="0">
                                 <a:latin typeface="Cambria Math" panose="02040503050406030204" pitchFamily="18" charset="0"/>
                               </a:rPr>
                             </m:ctrlPr>
                           </m:sSupPr>
                           <m:e>
                             <m:r>
-                              <a:rPr lang="it-IT" b="0" i="1" smtClean="0">
+                              <a:rPr lang="en-US" b="0" i="1" noProof="0" smtClean="0">
                                 <a:latin typeface="Cambria Math" panose="02040503050406030204" pitchFamily="18" charset="0"/>
                               </a:rPr>
                               <m:t>𝑙</m:t>
@@ -9241,7 +7979,7 @@
                           </m:e>
                           <m:sup>
                             <m:r>
-                              <a:rPr lang="it-IT" b="0" i="1" smtClean="0">
+                              <a:rPr lang="en-US" b="0" i="1" noProof="0" smtClean="0">
                                 <a:latin typeface="Cambria Math" panose="02040503050406030204" pitchFamily="18" charset="0"/>
                               </a:rPr>
                               <m:t>′</m:t>
@@ -9249,7 +7987,7 @@
                           </m:sup>
                         </m:sSup>
                         <m:r>
-                          <a:rPr lang="it-IT" i="1">
+                          <a:rPr lang="en-US" i="1" noProof="0" smtClean="0">
                             <a:latin typeface="Cambria Math" panose="02040503050406030204" pitchFamily="18" charset="0"/>
                           </a:rPr>
                           <m:t>,</m:t>
@@ -9257,14 +7995,14 @@
                         <m:sSup>
                           <m:sSupPr>
                             <m:ctrlPr>
-                              <a:rPr lang="it-IT" b="0" i="1" smtClean="0">
+                              <a:rPr lang="en-US" b="0" i="1" noProof="0" smtClean="0">
                                 <a:latin typeface="Cambria Math" panose="02040503050406030204" pitchFamily="18" charset="0"/>
                               </a:rPr>
                             </m:ctrlPr>
                           </m:sSupPr>
                           <m:e>
                             <m:r>
-                              <a:rPr lang="it-IT" b="0" i="1" smtClean="0">
+                              <a:rPr lang="en-US" b="0" i="1" noProof="0" smtClean="0">
                                 <a:latin typeface="Cambria Math" panose="02040503050406030204" pitchFamily="18" charset="0"/>
                               </a:rPr>
                               <m:t>𝑘</m:t>
@@ -9272,7 +8010,7 @@
                           </m:e>
                           <m:sup>
                             <m:r>
-                              <a:rPr lang="it-IT" b="0" i="1" smtClean="0">
+                              <a:rPr lang="en-US" b="0" i="1" noProof="0" smtClean="0">
                                 <a:latin typeface="Cambria Math" panose="02040503050406030204" pitchFamily="18" charset="0"/>
                               </a:rPr>
                               <m:t>′</m:t>
@@ -9280,7 +8018,7 @@
                           </m:sup>
                         </m:sSup>
                         <m:r>
-                          <a:rPr lang="it-IT" i="1">
+                          <a:rPr lang="en-US" i="1" noProof="0" smtClean="0">
                             <a:latin typeface="Cambria Math" panose="02040503050406030204" pitchFamily="18" charset="0"/>
                           </a:rPr>
                           <m:t>,</m:t>
@@ -9288,14 +8026,14 @@
                         <m:sSup>
                           <m:sSupPr>
                             <m:ctrlPr>
-                              <a:rPr lang="it-IT" i="1">
+                              <a:rPr lang="en-US" i="1" noProof="0" smtClean="0">
                                 <a:latin typeface="Cambria Math" panose="02040503050406030204" pitchFamily="18" charset="0"/>
                               </a:rPr>
                             </m:ctrlPr>
                           </m:sSupPr>
                           <m:e>
                             <m:r>
-                              <a:rPr lang="it-IT" b="0" i="1" smtClean="0">
+                              <a:rPr lang="en-US" b="0" i="1" noProof="0" smtClean="0">
                                 <a:latin typeface="Cambria Math" panose="02040503050406030204" pitchFamily="18" charset="0"/>
                               </a:rPr>
                               <m:t>𝑡</m:t>
@@ -9303,7 +8041,7 @@
                           </m:e>
                           <m:sup>
                             <m:r>
-                              <a:rPr lang="it-IT" i="1">
+                              <a:rPr lang="en-US" i="1" noProof="0" smtClean="0">
                                 <a:latin typeface="Cambria Math" panose="02040503050406030204" pitchFamily="18" charset="0"/>
                               </a:rPr>
                               <m:t>′</m:t>
@@ -9313,7 +8051,7 @@
                       </m:e>
                     </m:d>
                     <m:r>
-                      <a:rPr lang="it-IT" b="0" i="0" smtClean="0">
+                      <a:rPr lang="en-US" b="0" i="0" noProof="0" smtClean="0">
                         <a:latin typeface="Cambria Math" panose="02040503050406030204" pitchFamily="18" charset="0"/>
                       </a:rPr>
                       <m:t> </m:t>
@@ -9322,13 +8060,13 @@
                       <m:rPr>
                         <m:sty m:val="p"/>
                       </m:rPr>
-                      <a:rPr lang="it-IT" b="0" i="0" smtClean="0">
+                      <a:rPr lang="en-US" b="0" i="0" noProof="0" smtClean="0">
                         <a:latin typeface="Cambria Math" panose="02040503050406030204" pitchFamily="18" charset="0"/>
                       </a:rPr>
                       <m:t>if</m:t>
                     </m:r>
                     <m:r>
-                      <a:rPr lang="it-IT" b="0" i="0" smtClean="0">
+                      <a:rPr lang="en-US" b="0" i="0" noProof="0" smtClean="0">
                         <a:latin typeface="Cambria Math" panose="02040503050406030204" pitchFamily="18" charset="0"/>
                       </a:rPr>
                       <m:t>  </m:t>
@@ -9337,19 +8075,19 @@
                       <m:rPr>
                         <m:sty m:val="p"/>
                       </m:rPr>
-                      <a:rPr lang="it-IT" b="0" i="0" smtClean="0">
+                      <a:rPr lang="en-US" b="0" i="0" noProof="0" smtClean="0">
                         <a:latin typeface="Cambria Math" panose="02040503050406030204" pitchFamily="18" charset="0"/>
                       </a:rPr>
                       <m:t>l</m:t>
                     </m:r>
                     <m:r>
-                      <a:rPr lang="it-IT" b="0" i="0" smtClean="0">
+                      <a:rPr lang="en-US" b="0" i="0" noProof="0" smtClean="0">
                         <a:latin typeface="Cambria Math" panose="02040503050406030204" pitchFamily="18" charset="0"/>
                       </a:rPr>
                       <m:t> </m:t>
                     </m:r>
                     <m:r>
-                      <a:rPr lang="it-IT" i="1">
+                      <a:rPr lang="en-US" i="1" noProof="0" smtClean="0">
                         <a:latin typeface="Cambria Math" panose="02040503050406030204" pitchFamily="18" charset="0"/>
                         <a:ea typeface="Cambria Math" panose="02040503050406030204" pitchFamily="18" charset="0"/>
                       </a:rPr>
@@ -9358,7 +8096,7 @@
                     <m:sSup>
                       <m:sSupPr>
                         <m:ctrlPr>
-                          <a:rPr lang="it-IT" b="0" i="1" smtClean="0">
+                          <a:rPr lang="en-US" b="0" i="1" noProof="0" smtClean="0">
                             <a:latin typeface="Cambria Math" panose="02040503050406030204" pitchFamily="18" charset="0"/>
                             <a:ea typeface="Cambria Math" panose="02040503050406030204" pitchFamily="18" charset="0"/>
                           </a:rPr>
@@ -9366,7 +8104,7 @@
                       </m:sSupPr>
                       <m:e>
                         <m:r>
-                          <a:rPr lang="it-IT" b="0" i="1" smtClean="0">
+                          <a:rPr lang="en-US" b="0" i="1" noProof="0" smtClean="0">
                             <a:latin typeface="Cambria Math" panose="02040503050406030204" pitchFamily="18" charset="0"/>
                             <a:ea typeface="Cambria Math" panose="02040503050406030204" pitchFamily="18" charset="0"/>
                           </a:rPr>
@@ -9375,7 +8113,7 @@
                       </m:e>
                       <m:sup>
                         <m:r>
-                          <a:rPr lang="it-IT" b="0" i="1" smtClean="0">
+                          <a:rPr lang="en-US" b="0" i="1" noProof="0" smtClean="0">
                             <a:latin typeface="Cambria Math" panose="02040503050406030204" pitchFamily="18" charset="0"/>
                             <a:ea typeface="Cambria Math" panose="02040503050406030204" pitchFamily="18" charset="0"/>
                           </a:rPr>
@@ -9384,63 +8122,63 @@
                       </m:sup>
                     </m:sSup>
                     <m:r>
-                      <a:rPr lang="it-IT" b="0" i="1" smtClean="0">
+                      <a:rPr lang="en-US" b="0" i="1" noProof="0" smtClean="0">
                         <a:latin typeface="Cambria Math" panose="02040503050406030204" pitchFamily="18" charset="0"/>
                         <a:ea typeface="Cambria Math" panose="02040503050406030204" pitchFamily="18" charset="0"/>
                       </a:rPr>
                       <m:t>, </m:t>
                     </m:r>
                     <m:r>
-                      <a:rPr lang="it-IT" b="0" i="1" smtClean="0">
+                      <a:rPr lang="en-US" b="0" i="1" noProof="0" smtClean="0">
                         <a:latin typeface="Cambria Math" panose="02040503050406030204" pitchFamily="18" charset="0"/>
                         <a:ea typeface="Cambria Math" panose="02040503050406030204" pitchFamily="18" charset="0"/>
                       </a:rPr>
                       <m:t>𝑘</m:t>
                     </m:r>
                     <m:r>
-                      <a:rPr lang="it-IT" b="0" i="1" smtClean="0">
+                      <a:rPr lang="en-US" b="0" i="1" noProof="0" smtClean="0">
                         <a:latin typeface="Cambria Math" panose="02040503050406030204" pitchFamily="18" charset="0"/>
                         <a:ea typeface="Cambria Math" panose="02040503050406030204" pitchFamily="18" charset="0"/>
                       </a:rPr>
                       <m:t> ≤</m:t>
                     </m:r>
                     <m:r>
-                      <a:rPr lang="it-IT" b="0" i="1" smtClean="0">
+                      <a:rPr lang="en-US" b="0" i="1" noProof="0" smtClean="0">
                         <a:latin typeface="Cambria Math" panose="02040503050406030204" pitchFamily="18" charset="0"/>
                         <a:ea typeface="Cambria Math" panose="02040503050406030204" pitchFamily="18" charset="0"/>
                       </a:rPr>
                       <m:t>𝑘</m:t>
                     </m:r>
                     <m:r>
-                      <a:rPr lang="it-IT" b="0" i="1" smtClean="0">
+                      <a:rPr lang="en-US" b="0" i="1" noProof="0" smtClean="0">
                         <a:latin typeface="Cambria Math" panose="02040503050406030204" pitchFamily="18" charset="0"/>
                         <a:ea typeface="Cambria Math" panose="02040503050406030204" pitchFamily="18" charset="0"/>
                       </a:rPr>
                       <m:t>′, </m:t>
                     </m:r>
                     <m:r>
-                      <a:rPr lang="it-IT" b="0" i="1" smtClean="0">
+                      <a:rPr lang="en-US" b="0" i="1" noProof="0" smtClean="0">
                         <a:latin typeface="Cambria Math" panose="02040503050406030204" pitchFamily="18" charset="0"/>
                         <a:ea typeface="Cambria Math" panose="02040503050406030204" pitchFamily="18" charset="0"/>
                       </a:rPr>
                       <m:t>𝑡</m:t>
                     </m:r>
                     <m:r>
-                      <a:rPr lang="it-IT" b="0" i="1" smtClean="0">
+                      <a:rPr lang="en-US" b="0" i="1" noProof="0" smtClean="0">
                         <a:latin typeface="Cambria Math" panose="02040503050406030204" pitchFamily="18" charset="0"/>
                         <a:ea typeface="Cambria Math" panose="02040503050406030204" pitchFamily="18" charset="0"/>
                       </a:rPr>
                       <m:t>≤</m:t>
                     </m:r>
                     <m:r>
-                      <a:rPr lang="it-IT" b="0" i="1" smtClean="0">
+                      <a:rPr lang="en-US" b="0" i="1" noProof="0" smtClean="0">
                         <a:latin typeface="Cambria Math" panose="02040503050406030204" pitchFamily="18" charset="0"/>
                         <a:ea typeface="Cambria Math" panose="02040503050406030204" pitchFamily="18" charset="0"/>
                       </a:rPr>
                       <m:t>𝑡</m:t>
                     </m:r>
                     <m:r>
-                      <a:rPr lang="it-IT" b="0" i="1" smtClean="0">
+                      <a:rPr lang="en-US" b="0" i="1" noProof="0" smtClean="0">
                         <a:latin typeface="Cambria Math" panose="02040503050406030204" pitchFamily="18" charset="0"/>
                         <a:ea typeface="Cambria Math" panose="02040503050406030204" pitchFamily="18" charset="0"/>
                       </a:rPr>
@@ -9448,11 +8186,11 @@
                     </m:r>
                   </m:oMath>
                 </a14:m>
-                <a:endParaRPr lang="it-IT" dirty="0"/>
+                <a:endParaRPr lang="en-US" noProof="0" dirty="0"/>
               </a:p>
               <a:p>
                 <a:r>
-                  <a:rPr lang="it-IT" dirty="0"/>
+                  <a:rPr lang="en-US" noProof="0" dirty="0"/>
                   <a:t>Dual bounds:</a:t>
                 </a:r>
               </a:p>
@@ -9467,7 +8205,7 @@
                     </m:oMathParaPr>
                     <m:oMath xmlns:m="http://schemas.openxmlformats.org/officeDocument/2006/math">
                       <m:r>
-                        <a:rPr lang="it-IT" i="1">
+                        <a:rPr lang="en-US" i="1" noProof="0" smtClean="0">
                           <a:latin typeface="Cambria Math" panose="02040503050406030204" pitchFamily="18" charset="0"/>
                         </a:rPr>
                         <m:t>𝑉</m:t>
@@ -9475,62 +8213,62 @@
                       <m:d>
                         <m:dPr>
                           <m:ctrlPr>
-                            <a:rPr lang="it-IT" i="1">
+                            <a:rPr lang="en-US" i="1" noProof="0" smtClean="0">
                               <a:latin typeface="Cambria Math" panose="02040503050406030204" pitchFamily="18" charset="0"/>
                             </a:rPr>
                           </m:ctrlPr>
                         </m:dPr>
                         <m:e>
                           <m:r>
-                            <a:rPr lang="it-IT" i="1">
+                            <a:rPr lang="en-US" i="1" noProof="0" smtClean="0">
                               <a:latin typeface="Cambria Math" panose="02040503050406030204" pitchFamily="18" charset="0"/>
                             </a:rPr>
                             <m:t>𝑈</m:t>
                           </m:r>
                           <m:r>
-                            <a:rPr lang="it-IT" i="1">
+                            <a:rPr lang="en-US" i="1" noProof="0" smtClean="0">
                               <a:latin typeface="Cambria Math" panose="02040503050406030204" pitchFamily="18" charset="0"/>
                             </a:rPr>
                             <m:t>,</m:t>
                           </m:r>
                           <m:r>
-                            <a:rPr lang="it-IT" b="0" i="1" smtClean="0">
+                            <a:rPr lang="en-US" b="0" i="1" noProof="0" smtClean="0">
                               <a:latin typeface="Cambria Math" panose="02040503050406030204" pitchFamily="18" charset="0"/>
                             </a:rPr>
                             <m:t>𝑖</m:t>
                           </m:r>
                           <m:r>
-                            <a:rPr lang="it-IT" i="1">
+                            <a:rPr lang="en-US" i="1" noProof="0" smtClean="0">
                               <a:latin typeface="Cambria Math" panose="02040503050406030204" pitchFamily="18" charset="0"/>
                             </a:rPr>
                             <m:t>,</m:t>
                           </m:r>
                           <m:r>
-                            <a:rPr lang="it-IT" b="0" i="1" smtClean="0">
+                            <a:rPr lang="en-US" b="0" i="1" noProof="0" smtClean="0">
                               <a:latin typeface="Cambria Math" panose="02040503050406030204" pitchFamily="18" charset="0"/>
                             </a:rPr>
                             <m:t>𝑙</m:t>
                           </m:r>
                           <m:r>
-                            <a:rPr lang="it-IT" i="1">
+                            <a:rPr lang="en-US" i="1" noProof="0" smtClean="0">
                               <a:latin typeface="Cambria Math" panose="02040503050406030204" pitchFamily="18" charset="0"/>
                             </a:rPr>
                             <m:t>,</m:t>
                           </m:r>
                           <m:r>
-                            <a:rPr lang="it-IT" b="0" i="1" smtClean="0">
+                            <a:rPr lang="en-US" b="0" i="1" noProof="0" smtClean="0">
                               <a:latin typeface="Cambria Math" panose="02040503050406030204" pitchFamily="18" charset="0"/>
                             </a:rPr>
                             <m:t>𝑘</m:t>
                           </m:r>
                           <m:r>
-                            <a:rPr lang="it-IT" i="1">
+                            <a:rPr lang="en-US" i="1" noProof="0" smtClean="0">
                               <a:latin typeface="Cambria Math" panose="02040503050406030204" pitchFamily="18" charset="0"/>
                             </a:rPr>
                             <m:t>,</m:t>
                           </m:r>
                           <m:r>
-                            <a:rPr lang="it-IT" b="0" i="1" smtClean="0">
+                            <a:rPr lang="en-US" b="0" i="1" noProof="0" smtClean="0">
                               <a:latin typeface="Cambria Math" panose="02040503050406030204" pitchFamily="18" charset="0"/>
                             </a:rPr>
                             <m:t>𝑡</m:t>
@@ -9538,7 +8276,7 @@
                         </m:e>
                       </m:d>
                       <m:r>
-                        <a:rPr lang="it-IT" i="1" smtClean="0">
+                        <a:rPr lang="en-US" i="1" noProof="0" smtClean="0">
                           <a:latin typeface="Cambria Math" panose="02040503050406030204" pitchFamily="18" charset="0"/>
                           <a:ea typeface="Cambria Math" panose="02040503050406030204" pitchFamily="18" charset="0"/>
                         </a:rPr>
@@ -9549,7 +8287,7 @@
                           <m:chr m:val="∑"/>
                           <m:supHide m:val="on"/>
                           <m:ctrlPr>
-                            <a:rPr lang="it-IT" i="1" smtClean="0">
+                            <a:rPr lang="en-US" i="1" noProof="0" smtClean="0">
                               <a:latin typeface="Cambria Math" panose="02040503050406030204" pitchFamily="18" charset="0"/>
                               <a:ea typeface="Cambria Math" panose="02040503050406030204" pitchFamily="18" charset="0"/>
                             </a:rPr>
@@ -9560,14 +8298,14 @@
                             <m:rPr>
                               <m:brk m:alnAt="7"/>
                             </m:rPr>
-                            <a:rPr lang="it-IT" b="0" i="1" smtClean="0">
+                            <a:rPr lang="en-US" b="0" i="1" noProof="0" smtClean="0">
                               <a:latin typeface="Cambria Math" panose="02040503050406030204" pitchFamily="18" charset="0"/>
                               <a:ea typeface="Cambria Math" panose="02040503050406030204" pitchFamily="18" charset="0"/>
                             </a:rPr>
                             <m:t>𝑗</m:t>
                           </m:r>
                           <m:r>
-                            <a:rPr lang="it-IT" b="0" i="1" smtClean="0">
+                            <a:rPr lang="en-US" b="0" i="1" noProof="0" smtClean="0">
                               <a:latin typeface="Cambria Math" panose="02040503050406030204" pitchFamily="18" charset="0"/>
                               <a:ea typeface="Cambria Math" panose="02040503050406030204" pitchFamily="18" charset="0"/>
                             </a:rPr>
@@ -9576,7 +8314,7 @@
                           <m:d>
                             <m:dPr>
                               <m:ctrlPr>
-                                <a:rPr lang="it-IT" b="0" i="1" smtClean="0">
+                                <a:rPr lang="en-US" b="0" i="1" noProof="0" smtClean="0">
                                   <a:latin typeface="Cambria Math" panose="02040503050406030204" pitchFamily="18" charset="0"/>
                                   <a:ea typeface="Cambria Math" panose="02040503050406030204" pitchFamily="18" charset="0"/>
                                 </a:rPr>
@@ -9587,14 +8325,14 @@
                                 <m:rPr>
                                   <m:brk m:alnAt="7"/>
                                 </m:rPr>
-                                <a:rPr lang="it-IT" b="0" i="1" smtClean="0">
+                                <a:rPr lang="en-US" b="0" i="1" noProof="0" smtClean="0">
                                   <a:latin typeface="Cambria Math" panose="02040503050406030204" pitchFamily="18" charset="0"/>
                                   <a:ea typeface="Cambria Math" panose="02040503050406030204" pitchFamily="18" charset="0"/>
                                 </a:rPr>
                                 <m:t>𝑈</m:t>
                               </m:r>
                               <m:r>
-                                <a:rPr lang="it-IT" b="0" i="1" smtClean="0">
+                                <a:rPr lang="en-US" b="0" i="1" noProof="0" smtClean="0">
                                   <a:latin typeface="Cambria Math" panose="02040503050406030204" pitchFamily="18" charset="0"/>
                                   <a:ea typeface="Cambria Math" panose="02040503050406030204" pitchFamily="18" charset="0"/>
                                 </a:rPr>
@@ -9605,7 +8343,7 @@
                                   <m:begChr m:val="{"/>
                                   <m:endChr m:val="}"/>
                                   <m:ctrlPr>
-                                    <a:rPr lang="it-IT" b="0" i="1" smtClean="0">
+                                    <a:rPr lang="en-US" b="0" i="1" noProof="0" smtClean="0">
                                       <a:latin typeface="Cambria Math" panose="02040503050406030204" pitchFamily="18" charset="0"/>
                                       <a:ea typeface="Cambria Math" panose="02040503050406030204" pitchFamily="18" charset="0"/>
                                     </a:rPr>
@@ -9616,7 +8354,7 @@
                                     <m:rPr>
                                       <m:brk m:alnAt="7"/>
                                     </m:rPr>
-                                    <a:rPr lang="it-IT" b="0" i="1" smtClean="0">
+                                    <a:rPr lang="en-US" b="0" i="1" noProof="0" smtClean="0">
                                       <a:latin typeface="Cambria Math" panose="02040503050406030204" pitchFamily="18" charset="0"/>
                                       <a:ea typeface="Cambria Math" panose="02040503050406030204" pitchFamily="18" charset="0"/>
                                     </a:rPr>
@@ -9630,7 +8368,7 @@
                             <m:rPr>
                               <m:brk m:alnAt="7"/>
                             </m:rPr>
-                            <a:rPr lang="it-IT" b="0" i="1" smtClean="0">
+                            <a:rPr lang="en-US" b="0" i="1" noProof="0" smtClean="0">
                               <a:latin typeface="Cambria Math" panose="02040503050406030204" pitchFamily="18" charset="0"/>
                               <a:ea typeface="Cambria Math" panose="02040503050406030204" pitchFamily="18" charset="0"/>
                             </a:rPr>
@@ -9641,7 +8379,7 @@
                               <m:begChr m:val="{"/>
                               <m:endChr m:val="}"/>
                               <m:ctrlPr>
-                                <a:rPr lang="it-IT" b="0" i="1" smtClean="0">
+                                <a:rPr lang="en-US" b="0" i="1" noProof="0" smtClean="0">
                                   <a:latin typeface="Cambria Math" panose="02040503050406030204" pitchFamily="18" charset="0"/>
                                   <a:ea typeface="Cambria Math" panose="02040503050406030204" pitchFamily="18" charset="0"/>
                                 </a:rPr>
@@ -9649,7 +8387,7 @@
                             </m:dPr>
                             <m:e>
                               <m:r>
-                                <a:rPr lang="it-IT" b="0" i="1" smtClean="0">
+                                <a:rPr lang="en-US" b="0" i="1" noProof="0" smtClean="0">
                                   <a:latin typeface="Cambria Math" panose="02040503050406030204" pitchFamily="18" charset="0"/>
                                   <a:ea typeface="Cambria Math" panose="02040503050406030204" pitchFamily="18" charset="0"/>
                                 </a:rPr>
@@ -9663,7 +8401,7 @@
                           <m:func>
                             <m:funcPr>
                               <m:ctrlPr>
-                                <a:rPr lang="it-IT" i="1" smtClean="0">
+                                <a:rPr lang="en-US" i="1" noProof="0" smtClean="0">
                                   <a:latin typeface="Cambria Math" panose="02040503050406030204" pitchFamily="18" charset="0"/>
                                   <a:ea typeface="Cambria Math" panose="02040503050406030204" pitchFamily="18" charset="0"/>
                                 </a:rPr>
@@ -9673,7 +8411,7 @@
                               <m:limLow>
                                 <m:limLowPr>
                                   <m:ctrlPr>
-                                    <a:rPr lang="it-IT" i="1" smtClean="0">
+                                    <a:rPr lang="en-US" i="1" noProof="0" smtClean="0">
                                       <a:latin typeface="Cambria Math" panose="02040503050406030204" pitchFamily="18" charset="0"/>
                                       <a:ea typeface="Cambria Math" panose="02040503050406030204" pitchFamily="18" charset="0"/>
                                     </a:rPr>
@@ -9684,7 +8422,7 @@
                                     <m:rPr>
                                       <m:sty m:val="p"/>
                                     </m:rPr>
-                                    <a:rPr lang="it-IT" i="0" smtClean="0">
+                                    <a:rPr lang="en-US" i="0" noProof="0" smtClean="0">
                                       <a:latin typeface="Cambria Math" panose="02040503050406030204" pitchFamily="18" charset="0"/>
                                       <a:ea typeface="Cambria Math" panose="02040503050406030204" pitchFamily="18" charset="0"/>
                                     </a:rPr>
@@ -9693,28 +8431,28 @@
                                 </m:e>
                                 <m:lim>
                                   <m:r>
-                                    <a:rPr lang="it-IT" b="0" i="1" smtClean="0">
+                                    <a:rPr lang="en-US" b="0" i="1" noProof="0" smtClean="0">
                                       <a:latin typeface="Cambria Math" panose="02040503050406030204" pitchFamily="18" charset="0"/>
                                       <a:ea typeface="Cambria Math" panose="02040503050406030204" pitchFamily="18" charset="0"/>
                                     </a:rPr>
                                     <m:t>𝑘</m:t>
                                   </m:r>
                                   <m:r>
-                                    <a:rPr lang="it-IT" b="0" i="1" smtClean="0">
+                                    <a:rPr lang="en-US" b="0" i="1" noProof="0" smtClean="0">
                                       <a:latin typeface="Cambria Math" panose="02040503050406030204" pitchFamily="18" charset="0"/>
                                       <a:ea typeface="Cambria Math" panose="02040503050406030204" pitchFamily="18" charset="0"/>
                                     </a:rPr>
                                     <m:t>∈</m:t>
                                   </m:r>
                                   <m:r>
-                                    <a:rPr lang="it-IT" b="0" i="1" smtClean="0">
+                                    <a:rPr lang="en-US" b="0" i="1" noProof="0" smtClean="0">
                                       <a:latin typeface="Cambria Math" panose="02040503050406030204" pitchFamily="18" charset="0"/>
                                       <a:ea typeface="Cambria Math" panose="02040503050406030204" pitchFamily="18" charset="0"/>
                                     </a:rPr>
                                     <m:t>𝑁</m:t>
                                   </m:r>
                                   <m:r>
-                                    <a:rPr lang="it-IT" b="0" i="1" smtClean="0">
+                                    <a:rPr lang="en-US" b="0" i="1" noProof="0" smtClean="0">
                                       <a:latin typeface="Cambria Math" panose="02040503050406030204" pitchFamily="18" charset="0"/>
                                       <a:ea typeface="Cambria Math" panose="02040503050406030204" pitchFamily="18" charset="0"/>
                                     </a:rPr>
@@ -9725,7 +8463,7 @@
                                       <m:begChr m:val="{"/>
                                       <m:endChr m:val="}"/>
                                       <m:ctrlPr>
-                                        <a:rPr lang="it-IT" b="0" i="1" smtClean="0">
+                                        <a:rPr lang="en-US" b="0" i="1" noProof="0" smtClean="0">
                                           <a:latin typeface="Cambria Math" panose="02040503050406030204" pitchFamily="18" charset="0"/>
                                           <a:ea typeface="Cambria Math" panose="02040503050406030204" pitchFamily="18" charset="0"/>
                                         </a:rPr>
@@ -9733,7 +8471,7 @@
                                     </m:dPr>
                                     <m:e>
                                       <m:r>
-                                        <a:rPr lang="it-IT" b="0" i="1" smtClean="0">
+                                        <a:rPr lang="en-US" b="0" i="1" noProof="0" smtClean="0">
                                           <a:latin typeface="Cambria Math" panose="02040503050406030204" pitchFamily="18" charset="0"/>
                                           <a:ea typeface="Cambria Math" panose="02040503050406030204" pitchFamily="18" charset="0"/>
                                         </a:rPr>
@@ -9748,7 +8486,7 @@
                               <m:sSub>
                                 <m:sSubPr>
                                   <m:ctrlPr>
-                                    <a:rPr lang="it-IT" i="1" smtClean="0">
+                                    <a:rPr lang="en-US" i="1" noProof="0" smtClean="0">
                                       <a:latin typeface="Cambria Math" panose="02040503050406030204" pitchFamily="18" charset="0"/>
                                       <a:ea typeface="Cambria Math" panose="02040503050406030204" pitchFamily="18" charset="0"/>
                                     </a:rPr>
@@ -9756,7 +8494,7 @@
                                 </m:sSubPr>
                                 <m:e>
                                   <m:r>
-                                    <a:rPr lang="it-IT" b="0" i="1" smtClean="0">
+                                    <a:rPr lang="en-US" b="0" i="1" noProof="0" smtClean="0">
                                       <a:latin typeface="Cambria Math" panose="02040503050406030204" pitchFamily="18" charset="0"/>
                                       <a:ea typeface="Cambria Math" panose="02040503050406030204" pitchFamily="18" charset="0"/>
                                     </a:rPr>
@@ -9765,7 +8503,7 @@
                                 </m:e>
                                 <m:sub>
                                   <m:r>
-                                    <a:rPr lang="it-IT" b="0" i="1" smtClean="0">
+                                    <a:rPr lang="en-US" b="0" i="1" noProof="0" smtClean="0">
                                       <a:latin typeface="Cambria Math" panose="02040503050406030204" pitchFamily="18" charset="0"/>
                                       <a:ea typeface="Cambria Math" panose="02040503050406030204" pitchFamily="18" charset="0"/>
                                     </a:rPr>
@@ -9780,7 +8518,7 @@
                     </m:oMath>
                   </m:oMathPara>
                 </a14:m>
-                <a:endParaRPr lang="it-IT" i="1" dirty="0">
+                <a:endParaRPr lang="en-US" i="1" noProof="0" dirty="0">
                   <a:latin typeface="Cambria Math" panose="02040503050406030204" pitchFamily="18" charset="0"/>
                   <a:ea typeface="Cambria Math" panose="02040503050406030204" pitchFamily="18" charset="0"/>
                 </a:endParaRPr>
@@ -9789,7 +8527,7 @@
                 <a:pPr marL="0" indent="0">
                   <a:buNone/>
                 </a:pPr>
-                <a:endParaRPr lang="it-IT" b="0" i="1" dirty="0">
+                <a:endParaRPr lang="en-US" b="0" i="1" noProof="0" dirty="0">
                   <a:latin typeface="Cambria Math" panose="02040503050406030204" pitchFamily="18" charset="0"/>
                   <a:ea typeface="Cambria Math" panose="02040503050406030204" pitchFamily="18" charset="0"/>
                 </a:endParaRPr>
@@ -9805,14 +8543,14 @@
                     </m:oMathParaPr>
                     <m:oMath xmlns:m="http://schemas.openxmlformats.org/officeDocument/2006/math">
                       <m:r>
-                        <a:rPr lang="it-IT" b="0" i="1" smtClean="0">
+                        <a:rPr lang="en-US" b="0" i="1" noProof="0" smtClean="0">
                           <a:latin typeface="Cambria Math" panose="02040503050406030204" pitchFamily="18" charset="0"/>
                           <a:ea typeface="Cambria Math" panose="02040503050406030204" pitchFamily="18" charset="0"/>
                         </a:rPr>
                         <m:t>  </m:t>
                       </m:r>
                       <m:r>
-                        <a:rPr lang="it-IT" i="1" smtClean="0">
+                        <a:rPr lang="en-US" i="1" noProof="0" smtClean="0">
                           <a:latin typeface="Cambria Math" panose="02040503050406030204" pitchFamily="18" charset="0"/>
                         </a:rPr>
                         <m:t>𝑉</m:t>
@@ -9820,62 +8558,62 @@
                       <m:d>
                         <m:dPr>
                           <m:ctrlPr>
-                            <a:rPr lang="it-IT" i="1">
+                            <a:rPr lang="en-US" i="1" noProof="0" smtClean="0">
                               <a:latin typeface="Cambria Math" panose="02040503050406030204" pitchFamily="18" charset="0"/>
                             </a:rPr>
                           </m:ctrlPr>
                         </m:dPr>
                         <m:e>
                           <m:r>
-                            <a:rPr lang="it-IT" i="1">
+                            <a:rPr lang="en-US" i="1" noProof="0" smtClean="0">
                               <a:latin typeface="Cambria Math" panose="02040503050406030204" pitchFamily="18" charset="0"/>
                             </a:rPr>
                             <m:t>𝑈</m:t>
                           </m:r>
                           <m:r>
-                            <a:rPr lang="it-IT" i="1">
+                            <a:rPr lang="en-US" i="1" noProof="0" smtClean="0">
                               <a:latin typeface="Cambria Math" panose="02040503050406030204" pitchFamily="18" charset="0"/>
                             </a:rPr>
                             <m:t>,</m:t>
                           </m:r>
                           <m:r>
-                            <a:rPr lang="it-IT" b="0" i="1" smtClean="0">
+                            <a:rPr lang="en-US" b="0" i="1" noProof="0" smtClean="0">
                               <a:latin typeface="Cambria Math" panose="02040503050406030204" pitchFamily="18" charset="0"/>
                             </a:rPr>
                             <m:t>𝑖</m:t>
                           </m:r>
                           <m:r>
-                            <a:rPr lang="it-IT" i="1">
+                            <a:rPr lang="en-US" i="1" noProof="0" smtClean="0">
                               <a:latin typeface="Cambria Math" panose="02040503050406030204" pitchFamily="18" charset="0"/>
                             </a:rPr>
                             <m:t>,</m:t>
                           </m:r>
                           <m:r>
-                            <a:rPr lang="it-IT" b="0" i="1" smtClean="0">
+                            <a:rPr lang="en-US" b="0" i="1" noProof="0" smtClean="0">
                               <a:latin typeface="Cambria Math" panose="02040503050406030204" pitchFamily="18" charset="0"/>
                             </a:rPr>
                             <m:t>𝑙</m:t>
                           </m:r>
                           <m:r>
-                            <a:rPr lang="it-IT" i="1">
+                            <a:rPr lang="en-US" i="1" noProof="0" smtClean="0">
                               <a:latin typeface="Cambria Math" panose="02040503050406030204" pitchFamily="18" charset="0"/>
                             </a:rPr>
                             <m:t>,</m:t>
                           </m:r>
                           <m:r>
-                            <a:rPr lang="it-IT" b="0" i="1" smtClean="0">
+                            <a:rPr lang="en-US" b="0" i="1" noProof="0" smtClean="0">
                               <a:latin typeface="Cambria Math" panose="02040503050406030204" pitchFamily="18" charset="0"/>
                             </a:rPr>
                             <m:t>𝑘</m:t>
                           </m:r>
                           <m:r>
-                            <a:rPr lang="it-IT" i="1">
+                            <a:rPr lang="en-US" i="1" noProof="0" smtClean="0">
                               <a:latin typeface="Cambria Math" panose="02040503050406030204" pitchFamily="18" charset="0"/>
                             </a:rPr>
                             <m:t>,</m:t>
                           </m:r>
                           <m:r>
-                            <a:rPr lang="it-IT" b="0" i="1" smtClean="0">
+                            <a:rPr lang="en-US" b="0" i="1" noProof="0" smtClean="0">
                               <a:latin typeface="Cambria Math" panose="02040503050406030204" pitchFamily="18" charset="0"/>
                             </a:rPr>
                             <m:t>𝑡</m:t>
@@ -9883,7 +8621,7 @@
                         </m:e>
                       </m:d>
                       <m:r>
-                        <a:rPr lang="it-IT" i="1" smtClean="0">
+                        <a:rPr lang="en-US" i="1" noProof="0" smtClean="0">
                           <a:latin typeface="Cambria Math" panose="02040503050406030204" pitchFamily="18" charset="0"/>
                           <a:ea typeface="Cambria Math" panose="02040503050406030204" pitchFamily="18" charset="0"/>
                         </a:rPr>
@@ -9894,7 +8632,7 @@
                           <m:chr m:val="∑"/>
                           <m:supHide m:val="on"/>
                           <m:ctrlPr>
-                            <a:rPr lang="it-IT" i="1" smtClean="0">
+                            <a:rPr lang="en-US" i="1" noProof="0" smtClean="0">
                               <a:latin typeface="Cambria Math" panose="02040503050406030204" pitchFamily="18" charset="0"/>
                               <a:ea typeface="Cambria Math" panose="02040503050406030204" pitchFamily="18" charset="0"/>
                             </a:rPr>
@@ -9905,28 +8643,28 @@
                             <m:rPr>
                               <m:brk m:alnAt="7"/>
                             </m:rPr>
-                            <a:rPr lang="it-IT" i="1">
+                            <a:rPr lang="en-US" i="1" noProof="0" smtClean="0">
                               <a:latin typeface="Cambria Math" panose="02040503050406030204" pitchFamily="18" charset="0"/>
                               <a:ea typeface="Cambria Math" panose="02040503050406030204" pitchFamily="18" charset="0"/>
                             </a:rPr>
                             <m:t>𝑗</m:t>
                           </m:r>
                           <m:r>
-                            <a:rPr lang="it-IT" i="1">
+                            <a:rPr lang="en-US" i="1" noProof="0" smtClean="0">
                               <a:latin typeface="Cambria Math" panose="02040503050406030204" pitchFamily="18" charset="0"/>
                               <a:ea typeface="Cambria Math" panose="02040503050406030204" pitchFamily="18" charset="0"/>
                             </a:rPr>
                             <m:t>∈(</m:t>
                           </m:r>
                           <m:r>
-                            <a:rPr lang="it-IT" i="1">
+                            <a:rPr lang="en-US" i="1" noProof="0" smtClean="0">
                               <a:latin typeface="Cambria Math" panose="02040503050406030204" pitchFamily="18" charset="0"/>
                               <a:ea typeface="Cambria Math" panose="02040503050406030204" pitchFamily="18" charset="0"/>
                             </a:rPr>
                             <m:t>𝑈</m:t>
                           </m:r>
                           <m:r>
-                            <a:rPr lang="it-IT" i="1">
+                            <a:rPr lang="en-US" i="1" noProof="0" smtClean="0">
                               <a:latin typeface="Cambria Math" panose="02040503050406030204" pitchFamily="18" charset="0"/>
                               <a:ea typeface="Cambria Math" panose="02040503050406030204" pitchFamily="18" charset="0"/>
                             </a:rPr>
@@ -9937,7 +8675,7 @@
                               <m:begChr m:val="{"/>
                               <m:endChr m:val="}"/>
                               <m:ctrlPr>
-                                <a:rPr lang="it-IT" i="1">
+                                <a:rPr lang="en-US" i="1" noProof="0" smtClean="0">
                                   <a:latin typeface="Cambria Math" panose="02040503050406030204" pitchFamily="18" charset="0"/>
                                   <a:ea typeface="Cambria Math" panose="02040503050406030204" pitchFamily="18" charset="0"/>
                                 </a:rPr>
@@ -9945,7 +8683,7 @@
                             </m:dPr>
                             <m:e>
                               <m:r>
-                                <a:rPr lang="it-IT" b="0" i="1" smtClean="0">
+                                <a:rPr lang="en-US" b="0" i="1" noProof="0" smtClean="0">
                                   <a:latin typeface="Cambria Math" panose="02040503050406030204" pitchFamily="18" charset="0"/>
                                   <a:ea typeface="Cambria Math" panose="02040503050406030204" pitchFamily="18" charset="0"/>
                                 </a:rPr>
@@ -9957,14 +8695,14 @@
                             <m:rPr>
                               <m:brk m:alnAt="7"/>
                             </m:rPr>
-                            <a:rPr lang="it-IT" i="1">
+                            <a:rPr lang="en-US" i="1" noProof="0" smtClean="0">
                               <a:latin typeface="Cambria Math" panose="02040503050406030204" pitchFamily="18" charset="0"/>
                               <a:ea typeface="Cambria Math" panose="02040503050406030204" pitchFamily="18" charset="0"/>
                             </a:rPr>
                             <m:t>)</m:t>
                           </m:r>
                           <m:r>
-                            <a:rPr lang="it-IT" i="1">
+                            <a:rPr lang="en-US" i="1" noProof="0" smtClean="0">
                               <a:latin typeface="Cambria Math" panose="02040503050406030204" pitchFamily="18" charset="0"/>
                               <a:ea typeface="Cambria Math" panose="02040503050406030204" pitchFamily="18" charset="0"/>
                             </a:rPr>
@@ -9975,7 +8713,7 @@
                               <m:begChr m:val="{"/>
                               <m:endChr m:val="}"/>
                               <m:ctrlPr>
-                                <a:rPr lang="it-IT" i="1" smtClean="0">
+                                <a:rPr lang="en-US" i="1" noProof="0" smtClean="0">
                                   <a:latin typeface="Cambria Math" panose="02040503050406030204" pitchFamily="18" charset="0"/>
                                   <a:ea typeface="Cambria Math" panose="02040503050406030204" pitchFamily="18" charset="0"/>
                                 </a:rPr>
@@ -9983,7 +8721,7 @@
                             </m:dPr>
                             <m:e>
                               <m:r>
-                                <a:rPr lang="it-IT" b="0" i="1" smtClean="0">
+                                <a:rPr lang="en-US" b="0" i="1" noProof="0" smtClean="0">
                                   <a:latin typeface="Cambria Math" panose="02040503050406030204" pitchFamily="18" charset="0"/>
                                   <a:ea typeface="Cambria Math" panose="02040503050406030204" pitchFamily="18" charset="0"/>
                                 </a:rPr>
@@ -9997,7 +8735,7 @@
                           <m:func>
                             <m:funcPr>
                               <m:ctrlPr>
-                                <a:rPr lang="it-IT" i="1" smtClean="0">
+                                <a:rPr lang="en-US" i="1" noProof="0" smtClean="0">
                                   <a:latin typeface="Cambria Math" panose="02040503050406030204" pitchFamily="18" charset="0"/>
                                   <a:ea typeface="Cambria Math" panose="02040503050406030204" pitchFamily="18" charset="0"/>
                                 </a:rPr>
@@ -10007,7 +8745,7 @@
                               <m:limLow>
                                 <m:limLowPr>
                                   <m:ctrlPr>
-                                    <a:rPr lang="it-IT" i="1" smtClean="0">
+                                    <a:rPr lang="en-US" i="1" noProof="0" smtClean="0">
                                       <a:latin typeface="Cambria Math" panose="02040503050406030204" pitchFamily="18" charset="0"/>
                                       <a:ea typeface="Cambria Math" panose="02040503050406030204" pitchFamily="18" charset="0"/>
                                     </a:rPr>
@@ -10018,7 +8756,7 @@
                                     <m:rPr>
                                       <m:sty m:val="p"/>
                                     </m:rPr>
-                                    <a:rPr lang="it-IT" i="0" smtClean="0">
+                                    <a:rPr lang="en-US" i="0" noProof="0" smtClean="0">
                                       <a:latin typeface="Cambria Math" panose="02040503050406030204" pitchFamily="18" charset="0"/>
                                       <a:ea typeface="Cambria Math" panose="02040503050406030204" pitchFamily="18" charset="0"/>
                                     </a:rPr>
@@ -10027,28 +8765,28 @@
                                 </m:e>
                                 <m:lim>
                                   <m:r>
-                                    <a:rPr lang="it-IT" b="0" i="1" smtClean="0">
+                                    <a:rPr lang="en-US" b="0" i="1" noProof="0" smtClean="0">
                                       <a:latin typeface="Cambria Math" panose="02040503050406030204" pitchFamily="18" charset="0"/>
                                       <a:ea typeface="Cambria Math" panose="02040503050406030204" pitchFamily="18" charset="0"/>
                                     </a:rPr>
                                     <m:t>𝑘</m:t>
                                   </m:r>
                                   <m:r>
-                                    <a:rPr lang="it-IT" b="0" i="1" smtClean="0">
+                                    <a:rPr lang="en-US" b="0" i="1" noProof="0" smtClean="0">
                                       <a:latin typeface="Cambria Math" panose="02040503050406030204" pitchFamily="18" charset="0"/>
                                       <a:ea typeface="Cambria Math" panose="02040503050406030204" pitchFamily="18" charset="0"/>
                                     </a:rPr>
                                     <m:t>∈</m:t>
                                   </m:r>
                                   <m:r>
-                                    <a:rPr lang="it-IT" b="0" i="1" smtClean="0">
+                                    <a:rPr lang="en-US" b="0" i="1" noProof="0" smtClean="0">
                                       <a:latin typeface="Cambria Math" panose="02040503050406030204" pitchFamily="18" charset="0"/>
                                       <a:ea typeface="Cambria Math" panose="02040503050406030204" pitchFamily="18" charset="0"/>
                                     </a:rPr>
                                     <m:t>𝑁</m:t>
                                   </m:r>
                                   <m:r>
-                                    <a:rPr lang="it-IT" b="0" i="1" smtClean="0">
+                                    <a:rPr lang="en-US" b="0" i="1" noProof="0" smtClean="0">
                                       <a:latin typeface="Cambria Math" panose="02040503050406030204" pitchFamily="18" charset="0"/>
                                       <a:ea typeface="Cambria Math" panose="02040503050406030204" pitchFamily="18" charset="0"/>
                                     </a:rPr>
@@ -10059,7 +8797,7 @@
                                       <m:begChr m:val="{"/>
                                       <m:endChr m:val="}"/>
                                       <m:ctrlPr>
-                                        <a:rPr lang="it-IT" b="0" i="1" smtClean="0">
+                                        <a:rPr lang="en-US" b="0" i="1" noProof="0" smtClean="0">
                                           <a:latin typeface="Cambria Math" panose="02040503050406030204" pitchFamily="18" charset="0"/>
                                           <a:ea typeface="Cambria Math" panose="02040503050406030204" pitchFamily="18" charset="0"/>
                                         </a:rPr>
@@ -10067,7 +8805,7 @@
                                     </m:dPr>
                                     <m:e>
                                       <m:r>
-                                        <a:rPr lang="it-IT" b="0" i="1" smtClean="0">
+                                        <a:rPr lang="en-US" b="0" i="1" noProof="0" smtClean="0">
                                           <a:latin typeface="Cambria Math" panose="02040503050406030204" pitchFamily="18" charset="0"/>
                                           <a:ea typeface="Cambria Math" panose="02040503050406030204" pitchFamily="18" charset="0"/>
                                         </a:rPr>
@@ -10082,7 +8820,7 @@
                               <m:sSub>
                                 <m:sSubPr>
                                   <m:ctrlPr>
-                                    <a:rPr lang="it-IT" i="1" smtClean="0">
+                                    <a:rPr lang="en-US" i="1" noProof="0" smtClean="0">
                                       <a:latin typeface="Cambria Math" panose="02040503050406030204" pitchFamily="18" charset="0"/>
                                       <a:ea typeface="Cambria Math" panose="02040503050406030204" pitchFamily="18" charset="0"/>
                                     </a:rPr>
@@ -10090,7 +8828,7 @@
                                 </m:sSubPr>
                                 <m:e>
                                   <m:r>
-                                    <a:rPr lang="it-IT" b="0" i="1" smtClean="0">
+                                    <a:rPr lang="en-US" b="0" i="1" noProof="0" smtClean="0">
                                       <a:latin typeface="Cambria Math" panose="02040503050406030204" pitchFamily="18" charset="0"/>
                                       <a:ea typeface="Cambria Math" panose="02040503050406030204" pitchFamily="18" charset="0"/>
                                     </a:rPr>
@@ -10099,7 +8837,7 @@
                                 </m:e>
                                 <m:sub>
                                   <m:r>
-                                    <a:rPr lang="it-IT" b="0" i="1" smtClean="0">
+                                    <a:rPr lang="en-US" b="0" i="1" noProof="0" smtClean="0">
                                       <a:latin typeface="Cambria Math" panose="02040503050406030204" pitchFamily="18" charset="0"/>
                                       <a:ea typeface="Cambria Math" panose="02040503050406030204" pitchFamily="18" charset="0"/>
                                     </a:rPr>
@@ -10114,20 +8852,12 @@
                     </m:oMath>
                   </m:oMathPara>
                 </a14:m>
-                <a:endParaRPr lang="it-IT" dirty="0"/>
+                <a:endParaRPr lang="en-US" noProof="0" dirty="0"/>
               </a:p>
               <a:p>
                 <a:r>
-                  <a:rPr lang="it-IT" dirty="0"/>
-                  <a:t>State </a:t>
-                </a:r>
-                <a:r>
-                  <a:rPr lang="it-IT" dirty="0" err="1"/>
-                  <a:t>constraints</a:t>
-                </a:r>
-                <a:r>
-                  <a:rPr lang="it-IT" dirty="0"/>
-                  <a:t>:</a:t>
+                  <a:rPr lang="en-US" noProof="0" dirty="0"/>
+                  <a:t>State constraints:</a:t>
                 </a:r>
               </a:p>
               <a:p>
@@ -10141,7 +8871,7 @@
                     </m:oMathParaPr>
                     <m:oMath xmlns:m="http://schemas.openxmlformats.org/officeDocument/2006/math">
                       <m:r>
-                        <a:rPr lang="it-IT" i="1">
+                        <a:rPr lang="en-US" i="1" noProof="0" smtClean="0">
                           <a:latin typeface="Cambria Math" panose="02040503050406030204" pitchFamily="18" charset="0"/>
                         </a:rPr>
                         <m:t>𝑉</m:t>
@@ -10149,62 +8879,62 @@
                       <m:d>
                         <m:dPr>
                           <m:ctrlPr>
-                            <a:rPr lang="it-IT" i="1">
+                            <a:rPr lang="en-US" i="1" noProof="0" smtClean="0">
                               <a:latin typeface="Cambria Math" panose="02040503050406030204" pitchFamily="18" charset="0"/>
                             </a:rPr>
                           </m:ctrlPr>
                         </m:dPr>
                         <m:e>
                           <m:r>
-                            <a:rPr lang="it-IT" i="1">
+                            <a:rPr lang="en-US" i="1" noProof="0" smtClean="0">
                               <a:latin typeface="Cambria Math" panose="02040503050406030204" pitchFamily="18" charset="0"/>
                             </a:rPr>
                             <m:t>𝑈</m:t>
                           </m:r>
                           <m:r>
-                            <a:rPr lang="it-IT" i="1">
+                            <a:rPr lang="en-US" i="1" noProof="0" smtClean="0">
                               <a:latin typeface="Cambria Math" panose="02040503050406030204" pitchFamily="18" charset="0"/>
                             </a:rPr>
                             <m:t>,</m:t>
                           </m:r>
                           <m:r>
-                            <a:rPr lang="it-IT" i="1">
+                            <a:rPr lang="en-US" i="1" noProof="0" smtClean="0">
                               <a:latin typeface="Cambria Math" panose="02040503050406030204" pitchFamily="18" charset="0"/>
                             </a:rPr>
                             <m:t>𝑖</m:t>
                           </m:r>
                           <m:r>
-                            <a:rPr lang="it-IT" i="1">
+                            <a:rPr lang="en-US" i="1" noProof="0" smtClean="0">
                               <a:latin typeface="Cambria Math" panose="02040503050406030204" pitchFamily="18" charset="0"/>
                             </a:rPr>
                             <m:t>,</m:t>
                           </m:r>
                           <m:r>
-                            <a:rPr lang="it-IT" i="1">
+                            <a:rPr lang="en-US" i="1" noProof="0" smtClean="0">
                               <a:latin typeface="Cambria Math" panose="02040503050406030204" pitchFamily="18" charset="0"/>
                             </a:rPr>
                             <m:t>𝑙</m:t>
                           </m:r>
                           <m:r>
-                            <a:rPr lang="it-IT" i="1">
+                            <a:rPr lang="en-US" i="1" noProof="0" smtClean="0">
                               <a:latin typeface="Cambria Math" panose="02040503050406030204" pitchFamily="18" charset="0"/>
                             </a:rPr>
                             <m:t>,</m:t>
                           </m:r>
                           <m:r>
-                            <a:rPr lang="it-IT" i="1">
+                            <a:rPr lang="en-US" i="1" noProof="0" smtClean="0">
                               <a:latin typeface="Cambria Math" panose="02040503050406030204" pitchFamily="18" charset="0"/>
                             </a:rPr>
                             <m:t>𝑘</m:t>
                           </m:r>
                           <m:r>
-                            <a:rPr lang="it-IT" i="1">
+                            <a:rPr lang="en-US" i="1" noProof="0" smtClean="0">
                               <a:latin typeface="Cambria Math" panose="02040503050406030204" pitchFamily="18" charset="0"/>
                             </a:rPr>
                             <m:t>,</m:t>
                           </m:r>
                           <m:r>
-                            <a:rPr lang="it-IT" i="1">
+                            <a:rPr lang="en-US" i="1" noProof="0" smtClean="0">
                               <a:latin typeface="Cambria Math" panose="02040503050406030204" pitchFamily="18" charset="0"/>
                             </a:rPr>
                             <m:t>𝑡</m:t>
@@ -10212,28 +8942,28 @@
                         </m:e>
                       </m:d>
                       <m:r>
-                        <a:rPr lang="it-IT" i="1" smtClean="0">
+                        <a:rPr lang="en-US" i="1" noProof="0" smtClean="0">
                           <a:latin typeface="Cambria Math" panose="02040503050406030204" pitchFamily="18" charset="0"/>
                           <a:ea typeface="Cambria Math" panose="02040503050406030204" pitchFamily="18" charset="0"/>
                         </a:rPr>
                         <m:t>=∞</m:t>
                       </m:r>
                       <m:r>
-                        <a:rPr lang="it-IT" b="0" i="1" smtClean="0">
+                        <a:rPr lang="en-US" b="0" i="1" noProof="0" smtClean="0">
                           <a:latin typeface="Cambria Math" panose="02040503050406030204" pitchFamily="18" charset="0"/>
                           <a:ea typeface="Cambria Math" panose="02040503050406030204" pitchFamily="18" charset="0"/>
                         </a:rPr>
                         <m:t> </m:t>
                       </m:r>
                       <m:r>
-                        <a:rPr lang="it-IT" b="0" i="1" smtClean="0">
+                        <a:rPr lang="en-US" b="0" i="1" noProof="0" smtClean="0">
                           <a:latin typeface="Cambria Math" panose="02040503050406030204" pitchFamily="18" charset="0"/>
                           <a:ea typeface="Cambria Math" panose="02040503050406030204" pitchFamily="18" charset="0"/>
                         </a:rPr>
                         <m:t>𝑖𝑓</m:t>
                       </m:r>
                       <m:r>
-                        <a:rPr lang="it-IT" b="0" i="1" smtClean="0">
+                        <a:rPr lang="en-US" b="0" i="1" noProof="0" smtClean="0">
                           <a:latin typeface="Cambria Math" panose="02040503050406030204" pitchFamily="18" charset="0"/>
                           <a:ea typeface="Cambria Math" panose="02040503050406030204" pitchFamily="18" charset="0"/>
                         </a:rPr>
@@ -10242,7 +8972,7 @@
                       <m:d>
                         <m:dPr>
                           <m:ctrlPr>
-                            <a:rPr lang="it-IT" b="0" i="1" smtClean="0">
+                            <a:rPr lang="en-US" b="0" i="1" noProof="0" smtClean="0">
                               <a:latin typeface="Cambria Math" panose="02040503050406030204" pitchFamily="18" charset="0"/>
                               <a:ea typeface="Cambria Math" panose="02040503050406030204" pitchFamily="18" charset="0"/>
                             </a:rPr>
@@ -10250,28 +8980,28 @@
                         </m:dPr>
                         <m:e>
                           <m:r>
-                            <a:rPr lang="it-IT" b="0" i="1" smtClean="0">
+                            <a:rPr lang="en-US" b="0" i="1" noProof="0" smtClean="0">
                               <a:latin typeface="Cambria Math" panose="02040503050406030204" pitchFamily="18" charset="0"/>
                               <a:ea typeface="Cambria Math" panose="02040503050406030204" pitchFamily="18" charset="0"/>
                             </a:rPr>
                             <m:t>𝑚</m:t>
                           </m:r>
                           <m:r>
-                            <a:rPr lang="it-IT" b="0" i="1" smtClean="0">
+                            <a:rPr lang="en-US" b="0" i="1" noProof="0" smtClean="0">
                               <a:latin typeface="Cambria Math" panose="02040503050406030204" pitchFamily="18" charset="0"/>
                               <a:ea typeface="Cambria Math" panose="02040503050406030204" pitchFamily="18" charset="0"/>
                             </a:rPr>
                             <m:t>−</m:t>
                           </m:r>
                           <m:r>
-                            <a:rPr lang="it-IT" b="0" i="1" smtClean="0">
+                            <a:rPr lang="en-US" b="0" i="1" noProof="0" smtClean="0">
                               <a:latin typeface="Cambria Math" panose="02040503050406030204" pitchFamily="18" charset="0"/>
                               <a:ea typeface="Cambria Math" panose="02040503050406030204" pitchFamily="18" charset="0"/>
                             </a:rPr>
                             <m:t>𝑘</m:t>
                           </m:r>
                           <m:r>
-                            <a:rPr lang="it-IT" b="0" i="1" smtClean="0">
+                            <a:rPr lang="en-US" b="0" i="1" noProof="0" smtClean="0">
                               <a:latin typeface="Cambria Math" panose="02040503050406030204" pitchFamily="18" charset="0"/>
                               <a:ea typeface="Cambria Math" panose="02040503050406030204" pitchFamily="18" charset="0"/>
                             </a:rPr>
@@ -10280,28 +9010,28 @@
                         </m:e>
                       </m:d>
                       <m:r>
-                        <a:rPr lang="it-IT" b="0" i="1" smtClean="0">
+                        <a:rPr lang="en-US" b="0" i="1" noProof="0" smtClean="0">
                           <a:latin typeface="Cambria Math" panose="02040503050406030204" pitchFamily="18" charset="0"/>
                           <a:ea typeface="Cambria Math" panose="02040503050406030204" pitchFamily="18" charset="0"/>
                         </a:rPr>
                         <m:t>𝑞</m:t>
                       </m:r>
                       <m:r>
-                        <a:rPr lang="it-IT" b="0" i="1" smtClean="0">
+                        <a:rPr lang="en-US" b="0" i="1" noProof="0" smtClean="0">
                           <a:latin typeface="Cambria Math" panose="02040503050406030204" pitchFamily="18" charset="0"/>
                           <a:ea typeface="Cambria Math" panose="02040503050406030204" pitchFamily="18" charset="0"/>
                         </a:rPr>
                         <m:t>−</m:t>
                       </m:r>
                       <m:r>
-                        <a:rPr lang="it-IT" b="0" i="1" smtClean="0">
+                        <a:rPr lang="en-US" b="0" i="1" noProof="0" smtClean="0">
                           <a:latin typeface="Cambria Math" panose="02040503050406030204" pitchFamily="18" charset="0"/>
                           <a:ea typeface="Cambria Math" panose="02040503050406030204" pitchFamily="18" charset="0"/>
                         </a:rPr>
                         <m:t>𝑙</m:t>
                       </m:r>
                       <m:r>
-                        <a:rPr lang="it-IT" b="0" i="1" smtClean="0">
+                        <a:rPr lang="en-US" b="0" i="1" noProof="0" smtClean="0">
                           <a:latin typeface="Cambria Math" panose="02040503050406030204" pitchFamily="18" charset="0"/>
                           <a:ea typeface="Cambria Math" panose="02040503050406030204" pitchFamily="18" charset="0"/>
                         </a:rPr>
@@ -10312,7 +9042,7 @@
                           <m:chr m:val="∑"/>
                           <m:supHide m:val="on"/>
                           <m:ctrlPr>
-                            <a:rPr lang="it-IT" b="0" i="1" smtClean="0">
+                            <a:rPr lang="en-US" b="0" i="1" noProof="0" smtClean="0">
                               <a:latin typeface="Cambria Math" panose="02040503050406030204" pitchFamily="18" charset="0"/>
                               <a:ea typeface="Cambria Math" panose="02040503050406030204" pitchFamily="18" charset="0"/>
                             </a:rPr>
@@ -10323,21 +9053,21 @@
                             <m:rPr>
                               <m:brk m:alnAt="7"/>
                             </m:rPr>
-                            <a:rPr lang="it-IT" b="0" i="1" smtClean="0">
+                            <a:rPr lang="en-US" b="0" i="1" noProof="0" smtClean="0">
                               <a:latin typeface="Cambria Math" panose="02040503050406030204" pitchFamily="18" charset="0"/>
                               <a:ea typeface="Cambria Math" panose="02040503050406030204" pitchFamily="18" charset="0"/>
                             </a:rPr>
                             <m:t>𝑗</m:t>
                           </m:r>
                           <m:r>
-                            <a:rPr lang="it-IT" b="0" i="1" smtClean="0">
+                            <a:rPr lang="en-US" b="0" i="1" noProof="0" smtClean="0">
                               <a:latin typeface="Cambria Math" panose="02040503050406030204" pitchFamily="18" charset="0"/>
                               <a:ea typeface="Cambria Math" panose="02040503050406030204" pitchFamily="18" charset="0"/>
                             </a:rPr>
                             <m:t>∈</m:t>
                           </m:r>
                           <m:r>
-                            <a:rPr lang="it-IT" b="0" i="1" smtClean="0">
+                            <a:rPr lang="en-US" b="0" i="1" noProof="0" smtClean="0">
                               <a:latin typeface="Cambria Math" panose="02040503050406030204" pitchFamily="18" charset="0"/>
                               <a:ea typeface="Cambria Math" panose="02040503050406030204" pitchFamily="18" charset="0"/>
                             </a:rPr>
@@ -10349,7 +9079,7 @@
                           <m:sSub>
                             <m:sSubPr>
                               <m:ctrlPr>
-                                <a:rPr lang="it-IT" b="0" i="1" smtClean="0">
+                                <a:rPr lang="en-US" b="0" i="1" noProof="0" smtClean="0">
                                   <a:latin typeface="Cambria Math" panose="02040503050406030204" pitchFamily="18" charset="0"/>
                                   <a:ea typeface="Cambria Math" panose="02040503050406030204" pitchFamily="18" charset="0"/>
                                 </a:rPr>
@@ -10357,7 +9087,7 @@
                             </m:sSubPr>
                             <m:e>
                               <m:r>
-                                <a:rPr lang="it-IT" b="0" i="1" smtClean="0">
+                                <a:rPr lang="en-US" b="0" i="1" noProof="0" smtClean="0">
                                   <a:latin typeface="Cambria Math" panose="02040503050406030204" pitchFamily="18" charset="0"/>
                                   <a:ea typeface="Cambria Math" panose="02040503050406030204" pitchFamily="18" charset="0"/>
                                 </a:rPr>
@@ -10366,7 +9096,7 @@
                             </m:e>
                             <m:sub>
                               <m:r>
-                                <a:rPr lang="it-IT" b="0" i="1" smtClean="0">
+                                <a:rPr lang="en-US" b="0" i="1" noProof="0" smtClean="0">
                                   <a:latin typeface="Cambria Math" panose="02040503050406030204" pitchFamily="18" charset="0"/>
                                   <a:ea typeface="Cambria Math" panose="02040503050406030204" pitchFamily="18" charset="0"/>
                                 </a:rPr>
@@ -10379,7 +9109,7 @@
                     </m:oMath>
                   </m:oMathPara>
                 </a14:m>
-                <a:endParaRPr lang="it-IT" b="0" dirty="0">
+                <a:endParaRPr lang="en-US" b="0" noProof="0" dirty="0">
                   <a:ea typeface="Cambria Math" panose="02040503050406030204" pitchFamily="18" charset="0"/>
                 </a:endParaRPr>
               </a:p>
@@ -10394,7 +9124,7 @@
                     </m:oMathParaPr>
                     <m:oMath xmlns:m="http://schemas.openxmlformats.org/officeDocument/2006/math">
                       <m:r>
-                        <a:rPr lang="it-IT" i="1">
+                        <a:rPr lang="en-US" i="1" noProof="0" smtClean="0">
                           <a:latin typeface="Cambria Math" panose="02040503050406030204" pitchFamily="18" charset="0"/>
                         </a:rPr>
                         <m:t>𝑉</m:t>
@@ -10402,62 +9132,62 @@
                       <m:d>
                         <m:dPr>
                           <m:ctrlPr>
-                            <a:rPr lang="it-IT" i="1">
+                            <a:rPr lang="en-US" i="1" noProof="0" smtClean="0">
                               <a:latin typeface="Cambria Math" panose="02040503050406030204" pitchFamily="18" charset="0"/>
                             </a:rPr>
                           </m:ctrlPr>
                         </m:dPr>
                         <m:e>
                           <m:r>
-                            <a:rPr lang="it-IT" i="1">
+                            <a:rPr lang="en-US" i="1" noProof="0" smtClean="0">
                               <a:latin typeface="Cambria Math" panose="02040503050406030204" pitchFamily="18" charset="0"/>
                             </a:rPr>
                             <m:t>𝑈</m:t>
                           </m:r>
                           <m:r>
-                            <a:rPr lang="it-IT" i="1">
+                            <a:rPr lang="en-US" i="1" noProof="0" smtClean="0">
                               <a:latin typeface="Cambria Math" panose="02040503050406030204" pitchFamily="18" charset="0"/>
                             </a:rPr>
                             <m:t>,</m:t>
                           </m:r>
                           <m:r>
-                            <a:rPr lang="it-IT" i="1">
+                            <a:rPr lang="en-US" i="1" noProof="0" smtClean="0">
                               <a:latin typeface="Cambria Math" panose="02040503050406030204" pitchFamily="18" charset="0"/>
                             </a:rPr>
                             <m:t>𝑖</m:t>
                           </m:r>
                           <m:r>
-                            <a:rPr lang="it-IT" i="1">
+                            <a:rPr lang="en-US" i="1" noProof="0" smtClean="0">
                               <a:latin typeface="Cambria Math" panose="02040503050406030204" pitchFamily="18" charset="0"/>
                             </a:rPr>
                             <m:t>,</m:t>
                           </m:r>
                           <m:r>
-                            <a:rPr lang="it-IT" i="1">
+                            <a:rPr lang="en-US" i="1" noProof="0" smtClean="0">
                               <a:latin typeface="Cambria Math" panose="02040503050406030204" pitchFamily="18" charset="0"/>
                             </a:rPr>
                             <m:t>𝑙</m:t>
                           </m:r>
                           <m:r>
-                            <a:rPr lang="it-IT" i="1">
+                            <a:rPr lang="en-US" i="1" noProof="0" smtClean="0">
                               <a:latin typeface="Cambria Math" panose="02040503050406030204" pitchFamily="18" charset="0"/>
                             </a:rPr>
                             <m:t>,</m:t>
                           </m:r>
                           <m:r>
-                            <a:rPr lang="it-IT" i="1">
+                            <a:rPr lang="en-US" i="1" noProof="0" smtClean="0">
                               <a:latin typeface="Cambria Math" panose="02040503050406030204" pitchFamily="18" charset="0"/>
                             </a:rPr>
                             <m:t>𝑘</m:t>
                           </m:r>
                           <m:r>
-                            <a:rPr lang="it-IT" i="1">
+                            <a:rPr lang="en-US" i="1" noProof="0" smtClean="0">
                               <a:latin typeface="Cambria Math" panose="02040503050406030204" pitchFamily="18" charset="0"/>
                             </a:rPr>
                             <m:t>,</m:t>
                           </m:r>
                           <m:r>
-                            <a:rPr lang="it-IT" i="1">
+                            <a:rPr lang="en-US" i="1" noProof="0" smtClean="0">
                               <a:latin typeface="Cambria Math" panose="02040503050406030204" pitchFamily="18" charset="0"/>
                             </a:rPr>
                             <m:t>𝑡</m:t>
@@ -10465,35 +9195,35 @@
                         </m:e>
                       </m:d>
                       <m:r>
-                        <a:rPr lang="it-IT" i="1">
+                        <a:rPr lang="en-US" i="1" noProof="0" smtClean="0">
                           <a:latin typeface="Cambria Math" panose="02040503050406030204" pitchFamily="18" charset="0"/>
                           <a:ea typeface="Cambria Math" panose="02040503050406030204" pitchFamily="18" charset="0"/>
                         </a:rPr>
                         <m:t>=∞ </m:t>
                       </m:r>
                       <m:r>
-                        <a:rPr lang="it-IT" i="1">
+                        <a:rPr lang="en-US" i="1" noProof="0" smtClean="0">
                           <a:latin typeface="Cambria Math" panose="02040503050406030204" pitchFamily="18" charset="0"/>
                           <a:ea typeface="Cambria Math" panose="02040503050406030204" pitchFamily="18" charset="0"/>
                         </a:rPr>
                         <m:t>𝑖𝑓</m:t>
                       </m:r>
                       <m:r>
-                        <a:rPr lang="it-IT" i="1">
+                        <a:rPr lang="en-US" i="1" noProof="0" smtClean="0">
                           <a:latin typeface="Cambria Math" panose="02040503050406030204" pitchFamily="18" charset="0"/>
                           <a:ea typeface="Cambria Math" panose="02040503050406030204" pitchFamily="18" charset="0"/>
                         </a:rPr>
                         <m:t> </m:t>
                       </m:r>
                       <m:r>
-                        <a:rPr lang="it-IT" b="0" i="1" smtClean="0">
+                        <a:rPr lang="en-US" b="0" i="1" noProof="0" smtClean="0">
                           <a:latin typeface="Cambria Math" panose="02040503050406030204" pitchFamily="18" charset="0"/>
                           <a:ea typeface="Cambria Math" panose="02040503050406030204" pitchFamily="18" charset="0"/>
                         </a:rPr>
                         <m:t>𝑡</m:t>
                       </m:r>
                       <m:r>
-                        <a:rPr lang="it-IT" b="0" i="1" smtClean="0">
+                        <a:rPr lang="en-US" b="0" i="1" noProof="0" smtClean="0">
                           <a:latin typeface="Cambria Math" panose="02040503050406030204" pitchFamily="18" charset="0"/>
                           <a:ea typeface="Cambria Math" panose="02040503050406030204" pitchFamily="18" charset="0"/>
                         </a:rPr>
@@ -10502,7 +9232,7 @@
                       <m:sSub>
                         <m:sSubPr>
                           <m:ctrlPr>
-                            <a:rPr lang="it-IT" b="0" i="1" smtClean="0">
+                            <a:rPr lang="en-US" b="0" i="1" noProof="0" smtClean="0">
                               <a:latin typeface="Cambria Math" panose="02040503050406030204" pitchFamily="18" charset="0"/>
                               <a:ea typeface="Cambria Math" panose="02040503050406030204" pitchFamily="18" charset="0"/>
                             </a:rPr>
@@ -10510,7 +9240,7 @@
                         </m:sSubPr>
                         <m:e>
                           <m:r>
-                            <a:rPr lang="it-IT" b="0" i="1" smtClean="0">
+                            <a:rPr lang="en-US" b="0" i="1" noProof="0" smtClean="0">
                               <a:latin typeface="Cambria Math" panose="02040503050406030204" pitchFamily="18" charset="0"/>
                               <a:ea typeface="Cambria Math" panose="02040503050406030204" pitchFamily="18" charset="0"/>
                             </a:rPr>
@@ -10519,14 +9249,14 @@
                         </m:e>
                         <m:sub>
                           <m:r>
-                            <a:rPr lang="it-IT" b="0" i="1" smtClean="0">
+                            <a:rPr lang="en-US" b="0" i="1" noProof="0" smtClean="0">
                               <a:latin typeface="Cambria Math" panose="02040503050406030204" pitchFamily="18" charset="0"/>
                               <a:ea typeface="Cambria Math" panose="02040503050406030204" pitchFamily="18" charset="0"/>
                             </a:rPr>
                             <m:t>𝑖</m:t>
                           </m:r>
                           <m:r>
-                            <a:rPr lang="it-IT" b="0" i="1" smtClean="0">
+                            <a:rPr lang="en-US" b="0" i="1" noProof="0" smtClean="0">
                               <a:latin typeface="Cambria Math" panose="02040503050406030204" pitchFamily="18" charset="0"/>
                               <a:ea typeface="Cambria Math" panose="02040503050406030204" pitchFamily="18" charset="0"/>
                             </a:rPr>
@@ -10535,7 +9265,7 @@
                         </m:sub>
                       </m:sSub>
                       <m:r>
-                        <a:rPr lang="it-IT" i="1">
+                        <a:rPr lang="en-US" i="1" noProof="0" smtClean="0">
                           <a:latin typeface="Cambria Math" panose="02040503050406030204" pitchFamily="18" charset="0"/>
                           <a:ea typeface="Cambria Math" panose="02040503050406030204" pitchFamily="18" charset="0"/>
                         </a:rPr>
@@ -10544,7 +9274,7 @@
                       <m:sSub>
                         <m:sSubPr>
                           <m:ctrlPr>
-                            <a:rPr lang="it-IT" b="0" i="1" smtClean="0">
+                            <a:rPr lang="en-US" b="0" i="1" noProof="0" smtClean="0">
                               <a:latin typeface="Cambria Math" panose="02040503050406030204" pitchFamily="18" charset="0"/>
                               <a:ea typeface="Cambria Math" panose="02040503050406030204" pitchFamily="18" charset="0"/>
                             </a:rPr>
@@ -10552,7 +9282,7 @@
                         </m:sSubPr>
                         <m:e>
                           <m:r>
-                            <a:rPr lang="it-IT" b="0" i="1" smtClean="0">
+                            <a:rPr lang="en-US" b="0" i="1" noProof="0" smtClean="0">
                               <a:latin typeface="Cambria Math" panose="02040503050406030204" pitchFamily="18" charset="0"/>
                               <a:ea typeface="Cambria Math" panose="02040503050406030204" pitchFamily="18" charset="0"/>
                             </a:rPr>
@@ -10561,7 +9291,7 @@
                         </m:e>
                         <m:sub>
                           <m:r>
-                            <a:rPr lang="it-IT" b="0" i="1" smtClean="0">
+                            <a:rPr lang="en-US" b="0" i="1" noProof="0" smtClean="0">
                               <a:latin typeface="Cambria Math" panose="02040503050406030204" pitchFamily="18" charset="0"/>
                               <a:ea typeface="Cambria Math" panose="02040503050406030204" pitchFamily="18" charset="0"/>
                             </a:rPr>
@@ -10572,19 +9302,19 @@
                     </m:oMath>
                   </m:oMathPara>
                 </a14:m>
-                <a:endParaRPr lang="it-IT" dirty="0"/>
+                <a:endParaRPr lang="en-US" noProof="0" dirty="0"/>
               </a:p>
               <a:p>
                 <a:pPr marL="0" indent="0">
                   <a:buNone/>
                 </a:pPr>
-                <a:endParaRPr lang="it-IT" dirty="0"/>
+                <a:endParaRPr lang="en-US" noProof="0" dirty="0"/>
               </a:p>
               <a:p>
                 <a:pPr marL="0" indent="0">
                   <a:buNone/>
                 </a:pPr>
-                <a:endParaRPr lang="it-IT" dirty="0"/>
+                <a:endParaRPr lang="en-US" noProof="0" dirty="0"/>
               </a:p>
             </p:txBody>
           </p:sp>
@@ -10685,7 +9415,7 @@
           <a:lstStyle/>
           <a:p>
             <a:r>
-              <a:rPr lang="it-IT" dirty="0"/>
+              <a:rPr lang="en-US" noProof="0" dirty="0"/>
               <a:t>Testing the models</a:t>
             </a:r>
           </a:p>
@@ -10713,243 +9443,51 @@
           <a:lstStyle/>
           <a:p>
             <a:r>
-              <a:rPr lang="it-IT" dirty="0" err="1"/>
-              <a:t>Four</a:t>
-            </a:r>
-            <a:r>
-              <a:rPr lang="it-IT" dirty="0"/>
-              <a:t> </a:t>
-            </a:r>
-            <a:r>
-              <a:rPr lang="it-IT" dirty="0" err="1"/>
-              <a:t>different</a:t>
-            </a:r>
-            <a:r>
-              <a:rPr lang="it-IT" dirty="0"/>
-              <a:t> DIDP models: complete; </a:t>
-            </a:r>
-            <a:r>
-              <a:rPr lang="it-IT" dirty="0" err="1"/>
-              <a:t>without</a:t>
-            </a:r>
-            <a:r>
-              <a:rPr lang="it-IT" dirty="0"/>
-              <a:t> dual bounds; </a:t>
-            </a:r>
-            <a:r>
-              <a:rPr lang="it-IT" dirty="0" err="1"/>
-              <a:t>without</a:t>
-            </a:r>
-            <a:r>
-              <a:rPr lang="it-IT" dirty="0"/>
-              <a:t> </a:t>
-            </a:r>
-            <a:r>
-              <a:rPr lang="it-IT" dirty="0" err="1"/>
-              <a:t>resource</a:t>
-            </a:r>
-            <a:r>
-              <a:rPr lang="it-IT" dirty="0"/>
-              <a:t> </a:t>
-            </a:r>
-            <a:r>
-              <a:rPr lang="it-IT" dirty="0" err="1"/>
-              <a:t>variables</a:t>
-            </a:r>
-            <a:r>
-              <a:rPr lang="it-IT" dirty="0"/>
-              <a:t>; </a:t>
-            </a:r>
-            <a:r>
-              <a:rPr lang="it-IT" dirty="0" err="1"/>
-              <a:t>without</a:t>
-            </a:r>
-            <a:r>
-              <a:rPr lang="it-IT" dirty="0"/>
-              <a:t> dual bounds and </a:t>
-            </a:r>
-            <a:r>
-              <a:rPr lang="it-IT" dirty="0" err="1"/>
-              <a:t>resource</a:t>
-            </a:r>
-            <a:r>
-              <a:rPr lang="it-IT" dirty="0"/>
-              <a:t> </a:t>
-            </a:r>
-            <a:r>
-              <a:rPr lang="it-IT" dirty="0" err="1"/>
-              <a:t>variables</a:t>
-            </a:r>
-            <a:r>
-              <a:rPr lang="it-IT" dirty="0"/>
-              <a:t>.</a:t>
-            </a:r>
-          </a:p>
-          <a:p>
-            <a:r>
-              <a:rPr lang="it-IT" dirty="0" err="1"/>
-              <a:t>Each</a:t>
-            </a:r>
-            <a:r>
-              <a:rPr lang="it-IT" dirty="0"/>
-              <a:t> model </a:t>
-            </a:r>
-            <a:r>
-              <a:rPr lang="it-IT" dirty="0" err="1"/>
-              <a:t>has</a:t>
-            </a:r>
-            <a:r>
-              <a:rPr lang="it-IT" dirty="0"/>
-              <a:t> </a:t>
-            </a:r>
-            <a:r>
-              <a:rPr lang="it-IT" dirty="0" err="1"/>
-              <a:t>been</a:t>
-            </a:r>
-            <a:r>
-              <a:rPr lang="it-IT" dirty="0"/>
-              <a:t> </a:t>
-            </a:r>
-            <a:r>
-              <a:rPr lang="it-IT" dirty="0" err="1"/>
-              <a:t>run</a:t>
-            </a:r>
-            <a:r>
-              <a:rPr lang="it-IT" dirty="0"/>
-              <a:t> on the </a:t>
-            </a:r>
-            <a:r>
-              <a:rPr lang="it-IT" dirty="0" err="1"/>
-              <a:t>Solomon’s</a:t>
-            </a:r>
-            <a:r>
-              <a:rPr lang="it-IT" dirty="0"/>
-              <a:t> benchmark </a:t>
-            </a:r>
-            <a:r>
-              <a:rPr lang="it-IT" dirty="0" err="1"/>
-              <a:t>instances</a:t>
-            </a:r>
-            <a:r>
-              <a:rPr lang="it-IT" dirty="0"/>
-              <a:t> with LNBS solver with a time </a:t>
-            </a:r>
-            <a:r>
-              <a:rPr lang="it-IT" dirty="0" err="1"/>
-              <a:t>limit</a:t>
-            </a:r>
-            <a:r>
-              <a:rPr lang="it-IT" dirty="0"/>
-              <a:t> of 10 minutes on an ASUS </a:t>
-            </a:r>
-            <a:r>
-              <a:rPr lang="it-IT" dirty="0" err="1"/>
+              <a:rPr lang="en-US" noProof="0" dirty="0"/>
+              <a:t>Four different DIDP models: complete; without dual bounds; without resource variables; and without dual bounds and resource variables.</a:t>
+            </a:r>
+          </a:p>
+          <a:p>
+            <a:r>
+              <a:rPr lang="en-US" noProof="0" dirty="0"/>
+              <a:t>Each model has been run on the Solomon’s benchmark instances with the LNBS solver with a time limit of 10 minutes on an ASUS </a:t>
+            </a:r>
+            <a:r>
+              <a:rPr lang="en-US" noProof="0" dirty="0" err="1"/>
               <a:t>Zenbook</a:t>
             </a:r>
             <a:r>
-              <a:rPr lang="it-IT" dirty="0"/>
+              <a:rPr lang="en-US" noProof="0" dirty="0"/>
               <a:t> UX431FN, Intel(R) Core(TM)i7-8565U CPU @ 1.80GHz, 8,00 GB RAM.</a:t>
             </a:r>
           </a:p>
           <a:p>
             <a:r>
-              <a:rPr lang="it-IT" dirty="0"/>
-              <a:t>The </a:t>
-            </a:r>
-            <a:r>
-              <a:rPr lang="it-IT" dirty="0" err="1"/>
-              <a:t>primal</a:t>
-            </a:r>
-            <a:r>
-              <a:rPr lang="it-IT" dirty="0"/>
-              <a:t> </a:t>
-            </a:r>
-            <a:r>
-              <a:rPr lang="it-IT" dirty="0" err="1"/>
-              <a:t>integral</a:t>
-            </a:r>
-            <a:r>
-              <a:rPr lang="it-IT" dirty="0"/>
-              <a:t> and the </a:t>
-            </a:r>
-            <a:r>
-              <a:rPr lang="it-IT" dirty="0" err="1"/>
-              <a:t>primal</a:t>
-            </a:r>
-            <a:r>
-              <a:rPr lang="it-IT" dirty="0"/>
-              <a:t> gap </a:t>
-            </a:r>
-            <a:r>
-              <a:rPr lang="it-IT" dirty="0" err="1"/>
-              <a:t>have</a:t>
-            </a:r>
-            <a:r>
-              <a:rPr lang="it-IT" dirty="0"/>
-              <a:t> </a:t>
-            </a:r>
-            <a:r>
-              <a:rPr lang="it-IT" dirty="0" err="1"/>
-              <a:t>been</a:t>
-            </a:r>
-            <a:r>
-              <a:rPr lang="it-IT" dirty="0"/>
-              <a:t> </a:t>
-            </a:r>
-            <a:r>
-              <a:rPr lang="it-IT" dirty="0" err="1"/>
-              <a:t>computed</a:t>
-            </a:r>
-            <a:r>
-              <a:rPr lang="it-IT" dirty="0"/>
-              <a:t> to compare the performances with a CP model </a:t>
-            </a:r>
-            <a:r>
-              <a:rPr lang="it-IT" dirty="0" err="1"/>
-              <a:t>defined</a:t>
-            </a:r>
-            <a:r>
-              <a:rPr lang="it-IT" dirty="0"/>
-              <a:t> on </a:t>
-            </a:r>
-            <a:r>
-              <a:rPr lang="it-IT" dirty="0" err="1"/>
-              <a:t>Minizinc</a:t>
-            </a:r>
-            <a:r>
-              <a:rPr lang="it-IT" dirty="0"/>
-              <a:t>, </a:t>
-            </a:r>
-            <a:r>
-              <a:rPr lang="it-IT" dirty="0" err="1"/>
-              <a:t>using</a:t>
-            </a:r>
-            <a:r>
-              <a:rPr lang="it-IT" dirty="0"/>
-              <a:t> LNS and </a:t>
-            </a:r>
-            <a:r>
-              <a:rPr lang="it-IT" dirty="0" err="1"/>
+              <a:rPr lang="en-US" noProof="0" dirty="0"/>
+              <a:t>The primal integral and the primal gap have been computed to compare the performances with a CP model defined on </a:t>
+            </a:r>
+            <a:r>
+              <a:rPr lang="en-US" noProof="0" dirty="0" err="1"/>
+              <a:t>MiniZinc</a:t>
+            </a:r>
+            <a:r>
+              <a:rPr lang="en-US" noProof="0" dirty="0"/>
+              <a:t>, using LNS and </a:t>
+            </a:r>
+            <a:r>
+              <a:rPr lang="en-US" noProof="0" dirty="0" err="1"/>
               <a:t>Gecode</a:t>
             </a:r>
             <a:r>
-              <a:rPr lang="it-IT" dirty="0"/>
-              <a:t> </a:t>
-            </a:r>
-            <a:r>
-              <a:rPr lang="it-IT" dirty="0" err="1"/>
-              <a:t>as</a:t>
-            </a:r>
-            <a:r>
-              <a:rPr lang="it-IT" dirty="0"/>
-              <a:t> solver.</a:t>
-            </a:r>
-          </a:p>
-          <a:p>
-            <a:endParaRPr lang="it-IT" dirty="0"/>
-          </a:p>
-          <a:p>
-            <a:endParaRPr lang="it-IT" dirty="0"/>
+              <a:rPr lang="en-US" noProof="0" dirty="0"/>
+              <a:t> as solver.</a:t>
+            </a:r>
+          </a:p>
+          <a:p>
+            <a:endParaRPr lang="en-US" noProof="0" dirty="0"/>
+          </a:p>
+          <a:p>
+            <a:endParaRPr lang="en-US" noProof="0" dirty="0"/>
           </a:p>
         </p:txBody>
       </p:sp>
@@ -11005,18 +9543,9 @@
           <a:lstStyle/>
           <a:p>
             <a:r>
-              <a:rPr lang="it-IT" dirty="0" err="1"/>
-              <a:t>Solomon’s</a:t>
-            </a:r>
-            <a:r>
-              <a:rPr lang="it-IT" dirty="0"/>
-              <a:t> benchmark </a:t>
-            </a:r>
-            <a:r>
-              <a:rPr lang="it-IT" dirty="0" err="1"/>
-              <a:t>instances</a:t>
-            </a:r>
-            <a:endParaRPr lang="it-IT" dirty="0"/>
+              <a:rPr lang="en-US" noProof="0" dirty="0"/>
+              <a:t>Solomon’s benchmark instances</a:t>
+            </a:r>
           </a:p>
         </p:txBody>
       </p:sp>
@@ -11045,57 +9574,25 @@
               <a:buNone/>
             </a:pPr>
             <a:r>
-              <a:rPr lang="it-IT" dirty="0" err="1"/>
-              <a:t>Composed</a:t>
-            </a:r>
-            <a:r>
-              <a:rPr lang="it-IT" dirty="0"/>
-              <a:t> by </a:t>
-            </a:r>
-            <a:r>
-              <a:rPr lang="it-IT" dirty="0" err="1"/>
-              <a:t>six</a:t>
-            </a:r>
-            <a:r>
-              <a:rPr lang="it-IT" dirty="0"/>
-              <a:t> sets of </a:t>
-            </a:r>
-            <a:r>
-              <a:rPr lang="it-IT" dirty="0" err="1"/>
-              <a:t>instances</a:t>
-            </a:r>
-            <a:r>
-              <a:rPr lang="it-IT" dirty="0"/>
-              <a:t> </a:t>
-            </a:r>
-            <a:r>
-              <a:rPr lang="it-IT" dirty="0" err="1"/>
-              <a:t>highlighting</a:t>
-            </a:r>
-            <a:r>
-              <a:rPr lang="it-IT" dirty="0"/>
-              <a:t> </a:t>
-            </a:r>
-            <a:r>
-              <a:rPr lang="en-US" dirty="0"/>
-              <a:t>several factors that  affect the behavior of routing and scheduling algorithms:</a:t>
-            </a:r>
-          </a:p>
-          <a:p>
-            <a:r>
-              <a:rPr lang="en-US" dirty="0"/>
+              <a:rPr lang="en-US" noProof="0" dirty="0"/>
+              <a:t>Composed of six sets of instances highlighting several factors that affect the behavior of routing and scheduling algorithms:</a:t>
+            </a:r>
+          </a:p>
+          <a:p>
+            <a:r>
+              <a:rPr lang="en-US" noProof="0" dirty="0"/>
               <a:t>C1 &amp; C2: clustered geographical data</a:t>
             </a:r>
           </a:p>
           <a:p>
             <a:r>
-              <a:rPr lang="en-US" dirty="0"/>
-              <a:t>R1 &amp; 2: random-generated geographical data</a:t>
-            </a:r>
-          </a:p>
-          <a:p>
-            <a:r>
-              <a:rPr lang="en-US" dirty="0"/>
+              <a:rPr lang="en-US" noProof="0" dirty="0"/>
+              <a:t>R1 &amp; R2: random-generated geographical data</a:t>
+            </a:r>
+          </a:p>
+          <a:p>
+            <a:r>
+              <a:rPr lang="en-US" noProof="0" dirty="0"/>
               <a:t>RC1 &amp; RC2: mixture of clustered and random data</a:t>
             </a:r>
           </a:p>
@@ -11104,8 +9601,8 @@
               <a:buNone/>
             </a:pPr>
             <a:r>
-              <a:rPr lang="en-US" dirty="0"/>
-              <a:t>The coordinates are the same within sets of problems of one type (C, R, RC), but C1, R1 and RC1 have a shorter scheduling horizon and a lower vehicles capacity, allowing only a few customers for route.</a:t>
+              <a:rPr lang="en-US" noProof="0" dirty="0"/>
+              <a:t>The coordinates are the same within sets of problems of one type (C, R, RC), but C1, R1 and RC1 have a shorter scheduling horizon and a lower vehicle capacity, allowing only a few customers per route.</a:t>
             </a:r>
           </a:p>
         </p:txBody>
@@ -11168,18 +9665,9 @@
           <a:p>
             <a:pPr algn="ctr"/>
             <a:r>
-              <a:rPr lang="it-IT" dirty="0" err="1"/>
-              <a:t>Results</a:t>
-            </a:r>
-            <a:r>
-              <a:rPr lang="it-IT" dirty="0"/>
-              <a:t> on the 1-Group </a:t>
-            </a:r>
-            <a:r>
-              <a:rPr lang="it-IT" dirty="0" err="1"/>
-              <a:t>instances</a:t>
-            </a:r>
-            <a:endParaRPr lang="it-IT" dirty="0"/>
+              <a:rPr lang="en-US" noProof="0" dirty="0"/>
+              <a:t>Results on the 1-Group instances</a:t>
+            </a:r>
           </a:p>
         </p:txBody>
       </p:sp>
@@ -11282,18 +9770,9 @@
           <a:p>
             <a:pPr algn="ctr"/>
             <a:r>
-              <a:rPr lang="it-IT" dirty="0" err="1"/>
-              <a:t>Results</a:t>
-            </a:r>
-            <a:r>
-              <a:rPr lang="it-IT" dirty="0"/>
-              <a:t> on the 1-Group </a:t>
-            </a:r>
-            <a:r>
-              <a:rPr lang="it-IT" dirty="0" err="1"/>
-              <a:t>instances</a:t>
-            </a:r>
-            <a:endParaRPr lang="it-IT" dirty="0"/>
+              <a:rPr lang="en-US" noProof="0" dirty="0"/>
+              <a:t>Results on the 1-Group instances</a:t>
+            </a:r>
           </a:p>
         </p:txBody>
       </p:sp>
@@ -11324,248 +9803,32 @@
           <a:lstStyle/>
           <a:p>
             <a:r>
-              <a:rPr lang="it-IT" dirty="0"/>
-              <a:t>The CP model </a:t>
-            </a:r>
-            <a:r>
-              <a:rPr lang="it-IT" dirty="0" err="1"/>
-              <a:t>outperforms</a:t>
-            </a:r>
-            <a:r>
-              <a:rPr lang="it-IT" dirty="0"/>
-              <a:t> the DIDP models.</a:t>
-            </a:r>
-          </a:p>
-          <a:p>
-            <a:r>
-              <a:rPr lang="it-IT" dirty="0"/>
-              <a:t>In 1-Group, </a:t>
-            </a:r>
-            <a:r>
-              <a:rPr lang="it-IT" dirty="0" err="1"/>
-              <a:t>we</a:t>
-            </a:r>
-            <a:r>
-              <a:rPr lang="it-IT" dirty="0"/>
-              <a:t> </a:t>
-            </a:r>
-            <a:r>
-              <a:rPr lang="it-IT" dirty="0" err="1"/>
-              <a:t>have</a:t>
-            </a:r>
-            <a:r>
-              <a:rPr lang="it-IT" dirty="0"/>
-              <a:t> </a:t>
-            </a:r>
-            <a:r>
-              <a:rPr lang="it-IT" dirty="0" err="1"/>
-              <a:t>stricter</a:t>
-            </a:r>
-            <a:r>
-              <a:rPr lang="it-IT" dirty="0"/>
-              <a:t> </a:t>
-            </a:r>
-            <a:r>
-              <a:rPr lang="it-IT" dirty="0" err="1"/>
-              <a:t>constraints</a:t>
-            </a:r>
-            <a:r>
-              <a:rPr lang="it-IT" dirty="0"/>
-              <a:t> on time windows and </a:t>
-            </a:r>
-            <a:r>
-              <a:rPr lang="it-IT" dirty="0" err="1"/>
-              <a:t>capacity</a:t>
-            </a:r>
-            <a:r>
-              <a:rPr lang="it-IT" dirty="0"/>
-              <a:t>, </a:t>
-            </a:r>
-            <a:r>
-              <a:rPr lang="it-IT" dirty="0" err="1"/>
-              <a:t>allowing</a:t>
-            </a:r>
-            <a:r>
-              <a:rPr lang="it-IT" dirty="0"/>
-              <a:t> </a:t>
-            </a:r>
-            <a:r>
-              <a:rPr lang="it-IT" dirty="0" err="1"/>
-              <a:t>fewer</a:t>
-            </a:r>
-            <a:r>
-              <a:rPr lang="it-IT" dirty="0"/>
-              <a:t> </a:t>
-            </a:r>
-            <a:r>
-              <a:rPr lang="it-IT" dirty="0" err="1"/>
-              <a:t>transitions</a:t>
-            </a:r>
-            <a:r>
-              <a:rPr lang="it-IT" dirty="0"/>
-              <a:t> in </a:t>
-            </a:r>
-            <a:r>
-              <a:rPr lang="it-IT" dirty="0" err="1"/>
-              <a:t>each</a:t>
-            </a:r>
-            <a:r>
-              <a:rPr lang="it-IT" dirty="0"/>
-              <a:t> state.</a:t>
-            </a:r>
-          </a:p>
-          <a:p>
-            <a:r>
-              <a:rPr lang="it-IT" dirty="0"/>
-              <a:t>With a </a:t>
-            </a:r>
-            <a:r>
-              <a:rPr lang="it-IT" dirty="0" err="1"/>
-              <a:t>lower</a:t>
-            </a:r>
-            <a:r>
-              <a:rPr lang="it-IT" dirty="0"/>
-              <a:t> branching </a:t>
-            </a:r>
-            <a:r>
-              <a:rPr lang="it-IT" dirty="0" err="1"/>
-              <a:t>factor</a:t>
-            </a:r>
-            <a:r>
-              <a:rPr lang="it-IT" dirty="0"/>
-              <a:t>, the dual bounds </a:t>
-            </a:r>
-            <a:r>
-              <a:rPr lang="it-IT" dirty="0" err="1"/>
-              <a:t>seem</a:t>
-            </a:r>
-            <a:r>
-              <a:rPr lang="it-IT" dirty="0"/>
-              <a:t> to be good for </a:t>
-            </a:r>
-            <a:r>
-              <a:rPr lang="it-IT" dirty="0" err="1"/>
-              <a:t>search</a:t>
-            </a:r>
-            <a:r>
-              <a:rPr lang="it-IT" dirty="0"/>
-              <a:t> </a:t>
-            </a:r>
-            <a:r>
-              <a:rPr lang="it-IT" dirty="0" err="1"/>
-              <a:t>guidance</a:t>
-            </a:r>
-            <a:r>
-              <a:rPr lang="it-IT" dirty="0"/>
-              <a:t>, making the Complete model the best </a:t>
-            </a:r>
-            <a:r>
-              <a:rPr lang="it-IT" dirty="0" err="1"/>
-              <a:t>among</a:t>
-            </a:r>
-            <a:r>
-              <a:rPr lang="it-IT" dirty="0"/>
-              <a:t> the DIDP </a:t>
-            </a:r>
-            <a:r>
-              <a:rPr lang="it-IT" dirty="0" err="1"/>
-              <a:t>variations</a:t>
-            </a:r>
-            <a:r>
-              <a:rPr lang="it-IT" dirty="0"/>
-              <a:t>.</a:t>
-            </a:r>
-          </a:p>
-          <a:p>
-            <a:r>
-              <a:rPr lang="it-IT" dirty="0"/>
-              <a:t>The </a:t>
-            </a:r>
-            <a:r>
-              <a:rPr lang="it-IT" dirty="0" err="1"/>
-              <a:t>worst</a:t>
-            </a:r>
-            <a:r>
-              <a:rPr lang="it-IT" dirty="0"/>
-              <a:t> DIDP models are the </a:t>
-            </a:r>
-            <a:r>
-              <a:rPr lang="it-IT" dirty="0" err="1"/>
-              <a:t>ones</a:t>
-            </a:r>
-            <a:r>
-              <a:rPr lang="it-IT" dirty="0"/>
-              <a:t> </a:t>
-            </a:r>
-            <a:r>
-              <a:rPr lang="it-IT" dirty="0" err="1"/>
-              <a:t>without</a:t>
-            </a:r>
-            <a:r>
-              <a:rPr lang="it-IT" dirty="0"/>
-              <a:t> </a:t>
-            </a:r>
-            <a:r>
-              <a:rPr lang="it-IT" dirty="0" err="1"/>
-              <a:t>resource</a:t>
-            </a:r>
-            <a:r>
-              <a:rPr lang="it-IT" dirty="0"/>
-              <a:t> </a:t>
-            </a:r>
-            <a:r>
-              <a:rPr lang="it-IT" dirty="0" err="1"/>
-              <a:t>variables</a:t>
-            </a:r>
-            <a:r>
-              <a:rPr lang="it-IT" dirty="0"/>
-              <a:t>.</a:t>
-            </a:r>
-          </a:p>
-          <a:p>
-            <a:r>
-              <a:rPr lang="it-IT" dirty="0"/>
-              <a:t>The </a:t>
-            </a:r>
-            <a:r>
-              <a:rPr lang="it-IT" dirty="0" err="1"/>
-              <a:t>difference</a:t>
-            </a:r>
-            <a:r>
-              <a:rPr lang="it-IT" dirty="0"/>
-              <a:t> in performances </a:t>
-            </a:r>
-            <a:r>
-              <a:rPr lang="it-IT" dirty="0" err="1"/>
-              <a:t>between</a:t>
-            </a:r>
-            <a:r>
-              <a:rPr lang="it-IT" dirty="0"/>
-              <a:t> DIDP models </a:t>
-            </a:r>
-            <a:r>
-              <a:rPr lang="it-IT" dirty="0" err="1"/>
-              <a:t>is</a:t>
-            </a:r>
-            <a:r>
-              <a:rPr lang="it-IT" dirty="0"/>
-              <a:t> </a:t>
-            </a:r>
-            <a:r>
-              <a:rPr lang="it-IT" dirty="0" err="1"/>
-              <a:t>not</a:t>
-            </a:r>
-            <a:r>
-              <a:rPr lang="it-IT" dirty="0"/>
-              <a:t> so high, </a:t>
-            </a:r>
-            <a:r>
-              <a:rPr lang="it-IT" dirty="0" err="1"/>
-              <a:t>compared</a:t>
-            </a:r>
-            <a:r>
-              <a:rPr lang="it-IT" dirty="0"/>
-              <a:t> to CP vs DIDP.</a:t>
+              <a:rPr lang="en-US" noProof="0" dirty="0"/>
+              <a:t>The CP model outperforms the DIDP models.</a:t>
+            </a:r>
+          </a:p>
+          <a:p>
+            <a:r>
+              <a:rPr lang="en-US" noProof="0" dirty="0"/>
+              <a:t>In 1-Group, we have stricter constraints on time windows and capacity, allowing fewer transitions in each state.</a:t>
+            </a:r>
+          </a:p>
+          <a:p>
+            <a:r>
+              <a:rPr lang="en-US" noProof="0" dirty="0"/>
+              <a:t>With a lower branching factor, the dual bounds seem to be good for search guidance, making the Complete model the best among the DIDP variations.</a:t>
+            </a:r>
+          </a:p>
+          <a:p>
+            <a:r>
+              <a:rPr lang="en-US" noProof="0" dirty="0"/>
+              <a:t>The worst DIDP models are the ones without resource variables.</a:t>
+            </a:r>
+          </a:p>
+          <a:p>
+            <a:r>
+              <a:rPr lang="en-US" noProof="0" dirty="0"/>
+              <a:t>The difference in performances between DIDP models is not so high compared to CP vs DIDP.</a:t>
             </a:r>
           </a:p>
         </p:txBody>
@@ -11634,18 +9897,9 @@
           <a:p>
             <a:pPr algn="ctr"/>
             <a:r>
-              <a:rPr lang="it-IT" dirty="0" err="1"/>
-              <a:t>Results</a:t>
-            </a:r>
-            <a:r>
-              <a:rPr lang="it-IT" dirty="0"/>
-              <a:t> on the 2-Group </a:t>
-            </a:r>
-            <a:r>
-              <a:rPr lang="it-IT" dirty="0" err="1"/>
-              <a:t>instances</a:t>
-            </a:r>
-            <a:endParaRPr lang="it-IT" dirty="0"/>
+              <a:rPr lang="en-US" noProof="0" dirty="0"/>
+              <a:t>Results on the 2-Group instances</a:t>
+            </a:r>
           </a:p>
         </p:txBody>
       </p:sp>

--- a/cvrptw/CVRP-TW.pptx
+++ b/cvrptw/CVRP-TW.pptx
@@ -3378,8 +3378,8 @@
           </a:p>
         </p:txBody>
       </p:sp>
-      <mc:AlternateContent xmlns:mc="http://schemas.openxmlformats.org/markup-compatibility/2006">
-        <mc:Choice xmlns:a14="http://schemas.microsoft.com/office/drawing/2010/main" Requires="a14">
+      <mc:AlternateContent xmlns:mc="http://schemas.openxmlformats.org/markup-compatibility/2006" xmlns:a14="http://schemas.microsoft.com/office/drawing/2010/main">
+        <mc:Choice Requires="a14">
           <p:sp>
             <p:nvSpPr>
               <p:cNvPr id="26" name="Content Placeholder 10">
@@ -3566,7 +3566,7 @@
             </p:txBody>
           </p:sp>
         </mc:Choice>
-        <mc:Fallback>
+        <mc:Fallback xmlns="">
           <p:sp>
             <p:nvSpPr>
               <p:cNvPr id="26" name="Content Placeholder 10">
@@ -4751,8 +4751,8 @@
           </a:p>
         </p:txBody>
       </p:sp>
-      <mc:AlternateContent xmlns:mc="http://schemas.openxmlformats.org/markup-compatibility/2006">
-        <mc:Choice xmlns:a14="http://schemas.microsoft.com/office/drawing/2010/main" Requires="a14">
+      <mc:AlternateContent xmlns:mc="http://schemas.openxmlformats.org/markup-compatibility/2006" xmlns:a14="http://schemas.microsoft.com/office/drawing/2010/main">
+        <mc:Choice Requires="a14">
           <p:sp>
             <p:nvSpPr>
               <p:cNvPr id="3" name="Segnaposto contenuto 2">
@@ -4862,7 +4862,7 @@
             </p:txBody>
           </p:sp>
         </mc:Choice>
-        <mc:Fallback>
+        <mc:Fallback xmlns="">
           <p:sp>
             <p:nvSpPr>
               <p:cNvPr id="3" name="Segnaposto contenuto 2">
@@ -4906,8 +4906,8 @@
           </p:sp>
         </mc:Fallback>
       </mc:AlternateContent>
-      <mc:AlternateContent xmlns:mc="http://schemas.openxmlformats.org/markup-compatibility/2006">
-        <mc:Choice xmlns:a14="http://schemas.microsoft.com/office/drawing/2010/main" Requires="a14">
+      <mc:AlternateContent xmlns:mc="http://schemas.openxmlformats.org/markup-compatibility/2006" xmlns:a14="http://schemas.microsoft.com/office/drawing/2010/main">
+        <mc:Choice Requires="a14">
           <p:sp>
             <p:nvSpPr>
               <p:cNvPr id="4" name="Segnaposto contenuto 2">
@@ -5402,7 +5402,7 @@
             </p:txBody>
           </p:sp>
         </mc:Choice>
-        <mc:Fallback>
+        <mc:Fallback xmlns="">
           <p:sp>
             <p:nvSpPr>
               <p:cNvPr id="4" name="Segnaposto contenuto 2">
@@ -7526,21 +7526,56 @@
                                         </a:rPr>
                                         <m:t>𝑡</m:t>
                                       </m:r>
+                                      <m:r>
+                                        <a:rPr lang="it-IT" sz="1875" b="0" i="1" noProof="0" smtClean="0">
+                                          <a:latin typeface="Cambria Math" panose="02040503050406030204" pitchFamily="18" charset="0"/>
+                                          <a:ea typeface="Cambria Math" panose="02040503050406030204" pitchFamily="18" charset="0"/>
+                                        </a:rPr>
+                                        <m:t>+</m:t>
+                                      </m:r>
+                                      <m:sSub>
+                                        <m:sSubPr>
+                                          <m:ctrlPr>
+                                            <a:rPr lang="it-IT" sz="1875" b="0" i="1" noProof="0" smtClean="0">
+                                              <a:latin typeface="Cambria Math" panose="02040503050406030204" pitchFamily="18" charset="0"/>
+                                              <a:ea typeface="Cambria Math" panose="02040503050406030204" pitchFamily="18" charset="0"/>
+                                            </a:rPr>
+                                          </m:ctrlPr>
+                                        </m:sSubPr>
+                                        <m:e>
+                                          <m:r>
+                                            <a:rPr lang="it-IT" sz="1875" b="0" i="1" noProof="0" smtClean="0">
+                                              <a:latin typeface="Cambria Math" panose="02040503050406030204" pitchFamily="18" charset="0"/>
+                                              <a:ea typeface="Cambria Math" panose="02040503050406030204" pitchFamily="18" charset="0"/>
+                                            </a:rPr>
+                                            <m:t>𝑐</m:t>
+                                          </m:r>
+                                        </m:e>
+                                        <m:sub>
+                                          <m:r>
+                                            <a:rPr lang="it-IT" sz="1875" b="0" i="1" noProof="0" smtClean="0">
+                                              <a:latin typeface="Cambria Math" panose="02040503050406030204" pitchFamily="18" charset="0"/>
+                                              <a:ea typeface="Cambria Math" panose="02040503050406030204" pitchFamily="18" charset="0"/>
+                                            </a:rPr>
+                                            <m:t>𝑖</m:t>
+                                          </m:r>
+                                          <m:r>
+                                            <a:rPr lang="it-IT" sz="1875" b="0" i="1" noProof="0" smtClean="0">
+                                              <a:latin typeface="Cambria Math" panose="02040503050406030204" pitchFamily="18" charset="0"/>
+                                              <a:ea typeface="Cambria Math" panose="02040503050406030204" pitchFamily="18" charset="0"/>
+                                            </a:rPr>
+                                            <m:t>0</m:t>
+                                          </m:r>
+                                        </m:sub>
+                                      </m:sSub>
                                     </m:e>
                                   </m:d>
-                                  <m:r>
-                                    <a:rPr lang="en-US" sz="1875" i="1" noProof="0" smtClean="0">
-                                      <a:latin typeface="Cambria Math" panose="02040503050406030204" pitchFamily="18" charset="0"/>
-                                      <a:ea typeface="Cambria Math" panose="02040503050406030204" pitchFamily="18" charset="0"/>
-                                    </a:rPr>
-                                    <m:t>   </m:t>
-                                  </m:r>
                                   <m:r>
                                     <a:rPr lang="en-US" sz="1875" b="0" i="1" noProof="0" smtClean="0">
                                       <a:latin typeface="Cambria Math" panose="02040503050406030204" pitchFamily="18" charset="0"/>
                                       <a:ea typeface="Cambria Math" panose="02040503050406030204" pitchFamily="18" charset="0"/>
                                     </a:rPr>
-                                    <m:t>                                                                                                       </m:t>
+                                    <m:t>                                                                                                </m:t>
                                   </m:r>
                                   <m:r>
                                     <a:rPr lang="en-US" sz="1875" i="1" noProof="0" smtClean="0">
@@ -9269,7 +9304,7 @@
                           <a:latin typeface="Cambria Math" panose="02040503050406030204" pitchFamily="18" charset="0"/>
                           <a:ea typeface="Cambria Math" panose="02040503050406030204" pitchFamily="18" charset="0"/>
                         </a:rPr>
-                        <m:t>≤</m:t>
+                        <m:t>&gt;</m:t>
                       </m:r>
                       <m:sSub>
                         <m:sSubPr>

--- a/cvrptw/CVRP-TW.pptx
+++ b/cvrptw/CVRP-TW.pptx
@@ -276,7 +276,7 @@
           <a:p>
             <a:fld id="{5509EB16-9B05-4C73-9EC2-D5C69DC6B901}" type="datetimeFigureOut">
               <a:rPr lang="it-IT" smtClean="0"/>
-              <a:t>06/04/2025</a:t>
+              <a:t>21/07/2025</a:t>
             </a:fld>
             <a:endParaRPr lang="it-IT"/>
           </a:p>
@@ -474,7 +474,7 @@
           <a:p>
             <a:fld id="{5509EB16-9B05-4C73-9EC2-D5C69DC6B901}" type="datetimeFigureOut">
               <a:rPr lang="it-IT" smtClean="0"/>
-              <a:t>06/04/2025</a:t>
+              <a:t>21/07/2025</a:t>
             </a:fld>
             <a:endParaRPr lang="it-IT"/>
           </a:p>
@@ -682,7 +682,7 @@
           <a:p>
             <a:fld id="{5509EB16-9B05-4C73-9EC2-D5C69DC6B901}" type="datetimeFigureOut">
               <a:rPr lang="it-IT" smtClean="0"/>
-              <a:t>06/04/2025</a:t>
+              <a:t>21/07/2025</a:t>
             </a:fld>
             <a:endParaRPr lang="it-IT"/>
           </a:p>
@@ -880,7 +880,7 @@
           <a:p>
             <a:fld id="{5509EB16-9B05-4C73-9EC2-D5C69DC6B901}" type="datetimeFigureOut">
               <a:rPr lang="it-IT" smtClean="0"/>
-              <a:t>06/04/2025</a:t>
+              <a:t>21/07/2025</a:t>
             </a:fld>
             <a:endParaRPr lang="it-IT"/>
           </a:p>
@@ -1155,7 +1155,7 @@
           <a:p>
             <a:fld id="{5509EB16-9B05-4C73-9EC2-D5C69DC6B901}" type="datetimeFigureOut">
               <a:rPr lang="it-IT" smtClean="0"/>
-              <a:t>06/04/2025</a:t>
+              <a:t>21/07/2025</a:t>
             </a:fld>
             <a:endParaRPr lang="it-IT"/>
           </a:p>
@@ -1420,7 +1420,7 @@
           <a:p>
             <a:fld id="{5509EB16-9B05-4C73-9EC2-D5C69DC6B901}" type="datetimeFigureOut">
               <a:rPr lang="it-IT" smtClean="0"/>
-              <a:t>06/04/2025</a:t>
+              <a:t>21/07/2025</a:t>
             </a:fld>
             <a:endParaRPr lang="it-IT"/>
           </a:p>
@@ -1832,7 +1832,7 @@
           <a:p>
             <a:fld id="{5509EB16-9B05-4C73-9EC2-D5C69DC6B901}" type="datetimeFigureOut">
               <a:rPr lang="it-IT" smtClean="0"/>
-              <a:t>06/04/2025</a:t>
+              <a:t>21/07/2025</a:t>
             </a:fld>
             <a:endParaRPr lang="it-IT"/>
           </a:p>
@@ -1973,7 +1973,7 @@
           <a:p>
             <a:fld id="{5509EB16-9B05-4C73-9EC2-D5C69DC6B901}" type="datetimeFigureOut">
               <a:rPr lang="it-IT" smtClean="0"/>
-              <a:t>06/04/2025</a:t>
+              <a:t>21/07/2025</a:t>
             </a:fld>
             <a:endParaRPr lang="it-IT"/>
           </a:p>
@@ -2086,7 +2086,7 @@
           <a:p>
             <a:fld id="{5509EB16-9B05-4C73-9EC2-D5C69DC6B901}" type="datetimeFigureOut">
               <a:rPr lang="it-IT" smtClean="0"/>
-              <a:t>06/04/2025</a:t>
+              <a:t>21/07/2025</a:t>
             </a:fld>
             <a:endParaRPr lang="it-IT"/>
           </a:p>
@@ -2397,7 +2397,7 @@
           <a:p>
             <a:fld id="{5509EB16-9B05-4C73-9EC2-D5C69DC6B901}" type="datetimeFigureOut">
               <a:rPr lang="it-IT" smtClean="0"/>
-              <a:t>06/04/2025</a:t>
+              <a:t>21/07/2025</a:t>
             </a:fld>
             <a:endParaRPr lang="it-IT"/>
           </a:p>
@@ -2685,7 +2685,7 @@
           <a:p>
             <a:fld id="{5509EB16-9B05-4C73-9EC2-D5C69DC6B901}" type="datetimeFigureOut">
               <a:rPr lang="it-IT" smtClean="0"/>
-              <a:t>06/04/2025</a:t>
+              <a:t>21/07/2025</a:t>
             </a:fld>
             <a:endParaRPr lang="it-IT"/>
           </a:p>
@@ -2926,7 +2926,7 @@
           <a:p>
             <a:fld id="{5509EB16-9B05-4C73-9EC2-D5C69DC6B901}" type="datetimeFigureOut">
               <a:rPr lang="it-IT" smtClean="0"/>
-              <a:t>06/04/2025</a:t>
+              <a:t>21/07/2025</a:t>
             </a:fld>
             <a:endParaRPr lang="it-IT"/>
           </a:p>
@@ -5513,8 +5513,8 @@
           </a:p>
         </p:txBody>
       </p:sp>
-      <mc:AlternateContent xmlns:mc="http://schemas.openxmlformats.org/markup-compatibility/2006">
-        <mc:Choice xmlns:a14="http://schemas.microsoft.com/office/drawing/2010/main" Requires="a14">
+      <mc:AlternateContent xmlns:mc="http://schemas.openxmlformats.org/markup-compatibility/2006" xmlns:a14="http://schemas.microsoft.com/office/drawing/2010/main">
+        <mc:Choice Requires="a14">
           <p:sp>
             <p:nvSpPr>
               <p:cNvPr id="4" name="テキスト ボックス 5">
@@ -7709,7 +7709,7 @@
             </p:txBody>
           </p:sp>
         </mc:Choice>
-        <mc:Fallback>
+        <mc:Fallback xmlns="">
           <p:sp>
             <p:nvSpPr>
               <p:cNvPr id="4" name="テキスト ボックス 5">
@@ -7825,8 +7825,8 @@
           </a:p>
         </p:txBody>
       </p:sp>
-      <mc:AlternateContent xmlns:mc="http://schemas.openxmlformats.org/markup-compatibility/2006">
-        <mc:Choice xmlns:a14="http://schemas.microsoft.com/office/drawing/2010/main" Requires="a14">
+      <mc:AlternateContent xmlns:mc="http://schemas.openxmlformats.org/markup-compatibility/2006" xmlns:a14="http://schemas.microsoft.com/office/drawing/2010/main">
+        <mc:Choice Requires="a14">
           <p:sp>
             <p:nvSpPr>
               <p:cNvPr id="3" name="Segnaposto contenuto 2">
@@ -9354,7 +9354,7 @@
             </p:txBody>
           </p:sp>
         </mc:Choice>
-        <mc:Fallback>
+        <mc:Fallback xmlns="">
           <p:sp>
             <p:nvSpPr>
               <p:cNvPr id="3" name="Segnaposto contenuto 2">

--- a/cvrptw/CVRP-TW.pptx
+++ b/cvrptw/CVRP-TW.pptx
@@ -276,7 +276,7 @@
           <a:p>
             <a:fld id="{5509EB16-9B05-4C73-9EC2-D5C69DC6B901}" type="datetimeFigureOut">
               <a:rPr lang="it-IT" smtClean="0"/>
-              <a:t>21/07/2025</a:t>
+              <a:t>22/07/2025</a:t>
             </a:fld>
             <a:endParaRPr lang="it-IT"/>
           </a:p>
@@ -474,7 +474,7 @@
           <a:p>
             <a:fld id="{5509EB16-9B05-4C73-9EC2-D5C69DC6B901}" type="datetimeFigureOut">
               <a:rPr lang="it-IT" smtClean="0"/>
-              <a:t>21/07/2025</a:t>
+              <a:t>22/07/2025</a:t>
             </a:fld>
             <a:endParaRPr lang="it-IT"/>
           </a:p>
@@ -682,7 +682,7 @@
           <a:p>
             <a:fld id="{5509EB16-9B05-4C73-9EC2-D5C69DC6B901}" type="datetimeFigureOut">
               <a:rPr lang="it-IT" smtClean="0"/>
-              <a:t>21/07/2025</a:t>
+              <a:t>22/07/2025</a:t>
             </a:fld>
             <a:endParaRPr lang="it-IT"/>
           </a:p>
@@ -880,7 +880,7 @@
           <a:p>
             <a:fld id="{5509EB16-9B05-4C73-9EC2-D5C69DC6B901}" type="datetimeFigureOut">
               <a:rPr lang="it-IT" smtClean="0"/>
-              <a:t>21/07/2025</a:t>
+              <a:t>22/07/2025</a:t>
             </a:fld>
             <a:endParaRPr lang="it-IT"/>
           </a:p>
@@ -1155,7 +1155,7 @@
           <a:p>
             <a:fld id="{5509EB16-9B05-4C73-9EC2-D5C69DC6B901}" type="datetimeFigureOut">
               <a:rPr lang="it-IT" smtClean="0"/>
-              <a:t>21/07/2025</a:t>
+              <a:t>22/07/2025</a:t>
             </a:fld>
             <a:endParaRPr lang="it-IT"/>
           </a:p>
@@ -1420,7 +1420,7 @@
           <a:p>
             <a:fld id="{5509EB16-9B05-4C73-9EC2-D5C69DC6B901}" type="datetimeFigureOut">
               <a:rPr lang="it-IT" smtClean="0"/>
-              <a:t>21/07/2025</a:t>
+              <a:t>22/07/2025</a:t>
             </a:fld>
             <a:endParaRPr lang="it-IT"/>
           </a:p>
@@ -1832,7 +1832,7 @@
           <a:p>
             <a:fld id="{5509EB16-9B05-4C73-9EC2-D5C69DC6B901}" type="datetimeFigureOut">
               <a:rPr lang="it-IT" smtClean="0"/>
-              <a:t>21/07/2025</a:t>
+              <a:t>22/07/2025</a:t>
             </a:fld>
             <a:endParaRPr lang="it-IT"/>
           </a:p>
@@ -1973,7 +1973,7 @@
           <a:p>
             <a:fld id="{5509EB16-9B05-4C73-9EC2-D5C69DC6B901}" type="datetimeFigureOut">
               <a:rPr lang="it-IT" smtClean="0"/>
-              <a:t>21/07/2025</a:t>
+              <a:t>22/07/2025</a:t>
             </a:fld>
             <a:endParaRPr lang="it-IT"/>
           </a:p>
@@ -2086,7 +2086,7 @@
           <a:p>
             <a:fld id="{5509EB16-9B05-4C73-9EC2-D5C69DC6B901}" type="datetimeFigureOut">
               <a:rPr lang="it-IT" smtClean="0"/>
-              <a:t>21/07/2025</a:t>
+              <a:t>22/07/2025</a:t>
             </a:fld>
             <a:endParaRPr lang="it-IT"/>
           </a:p>
@@ -2397,7 +2397,7 @@
           <a:p>
             <a:fld id="{5509EB16-9B05-4C73-9EC2-D5C69DC6B901}" type="datetimeFigureOut">
               <a:rPr lang="it-IT" smtClean="0"/>
-              <a:t>21/07/2025</a:t>
+              <a:t>22/07/2025</a:t>
             </a:fld>
             <a:endParaRPr lang="it-IT"/>
           </a:p>
@@ -2685,7 +2685,7 @@
           <a:p>
             <a:fld id="{5509EB16-9B05-4C73-9EC2-D5C69DC6B901}" type="datetimeFigureOut">
               <a:rPr lang="it-IT" smtClean="0"/>
-              <a:t>21/07/2025</a:t>
+              <a:t>22/07/2025</a:t>
             </a:fld>
             <a:endParaRPr lang="it-IT"/>
           </a:p>
@@ -2926,7 +2926,7 @@
           <a:p>
             <a:fld id="{5509EB16-9B05-4C73-9EC2-D5C69DC6B901}" type="datetimeFigureOut">
               <a:rPr lang="it-IT" smtClean="0"/>
-              <a:t>21/07/2025</a:t>
+              <a:t>22/07/2025</a:t>
             </a:fld>
             <a:endParaRPr lang="it-IT"/>
           </a:p>

--- a/cvrptw/CVRP-TW.pptx
+++ b/cvrptw/CVRP-TW.pptx
@@ -6,23 +6,24 @@
   </p:sldMasterIdLst>
   <p:sldIdLst>
     <p:sldId id="257" r:id="rId2"/>
-    <p:sldId id="258" r:id="rId3"/>
-    <p:sldId id="259" r:id="rId4"/>
-    <p:sldId id="260" r:id="rId5"/>
-    <p:sldId id="261" r:id="rId6"/>
-    <p:sldId id="262" r:id="rId7"/>
-    <p:sldId id="264" r:id="rId8"/>
-    <p:sldId id="271" r:id="rId9"/>
-    <p:sldId id="265" r:id="rId10"/>
-    <p:sldId id="272" r:id="rId11"/>
-    <p:sldId id="266" r:id="rId12"/>
-    <p:sldId id="273" r:id="rId13"/>
-    <p:sldId id="267" r:id="rId14"/>
-    <p:sldId id="274" r:id="rId15"/>
-    <p:sldId id="268" r:id="rId16"/>
-    <p:sldId id="275" r:id="rId17"/>
-    <p:sldId id="269" r:id="rId18"/>
-    <p:sldId id="270" r:id="rId19"/>
+    <p:sldId id="302" r:id="rId3"/>
+    <p:sldId id="258" r:id="rId4"/>
+    <p:sldId id="259" r:id="rId5"/>
+    <p:sldId id="260" r:id="rId6"/>
+    <p:sldId id="261" r:id="rId7"/>
+    <p:sldId id="262" r:id="rId8"/>
+    <p:sldId id="264" r:id="rId9"/>
+    <p:sldId id="271" r:id="rId10"/>
+    <p:sldId id="265" r:id="rId11"/>
+    <p:sldId id="272" r:id="rId12"/>
+    <p:sldId id="266" r:id="rId13"/>
+    <p:sldId id="273" r:id="rId14"/>
+    <p:sldId id="267" r:id="rId15"/>
+    <p:sldId id="274" r:id="rId16"/>
+    <p:sldId id="268" r:id="rId17"/>
+    <p:sldId id="275" r:id="rId18"/>
+    <p:sldId id="269" r:id="rId19"/>
+    <p:sldId id="270" r:id="rId20"/>
   </p:sldIdLst>
   <p:sldSz cx="12192000" cy="6858000"/>
   <p:notesSz cx="6858000" cy="9144000"/>
@@ -276,7 +277,7 @@
           <a:p>
             <a:fld id="{5509EB16-9B05-4C73-9EC2-D5C69DC6B901}" type="datetimeFigureOut">
               <a:rPr lang="it-IT" smtClean="0"/>
-              <a:t>22/07/2025</a:t>
+              <a:t>23/07/2025</a:t>
             </a:fld>
             <a:endParaRPr lang="it-IT"/>
           </a:p>
@@ -474,7 +475,7 @@
           <a:p>
             <a:fld id="{5509EB16-9B05-4C73-9EC2-D5C69DC6B901}" type="datetimeFigureOut">
               <a:rPr lang="it-IT" smtClean="0"/>
-              <a:t>22/07/2025</a:t>
+              <a:t>23/07/2025</a:t>
             </a:fld>
             <a:endParaRPr lang="it-IT"/>
           </a:p>
@@ -682,7 +683,7 @@
           <a:p>
             <a:fld id="{5509EB16-9B05-4C73-9EC2-D5C69DC6B901}" type="datetimeFigureOut">
               <a:rPr lang="it-IT" smtClean="0"/>
-              <a:t>22/07/2025</a:t>
+              <a:t>23/07/2025</a:t>
             </a:fld>
             <a:endParaRPr lang="it-IT"/>
           </a:p>
@@ -880,7 +881,7 @@
           <a:p>
             <a:fld id="{5509EB16-9B05-4C73-9EC2-D5C69DC6B901}" type="datetimeFigureOut">
               <a:rPr lang="it-IT" smtClean="0"/>
-              <a:t>22/07/2025</a:t>
+              <a:t>23/07/2025</a:t>
             </a:fld>
             <a:endParaRPr lang="it-IT"/>
           </a:p>
@@ -1155,7 +1156,7 @@
           <a:p>
             <a:fld id="{5509EB16-9B05-4C73-9EC2-D5C69DC6B901}" type="datetimeFigureOut">
               <a:rPr lang="it-IT" smtClean="0"/>
-              <a:t>22/07/2025</a:t>
+              <a:t>23/07/2025</a:t>
             </a:fld>
             <a:endParaRPr lang="it-IT"/>
           </a:p>
@@ -1420,7 +1421,7 @@
           <a:p>
             <a:fld id="{5509EB16-9B05-4C73-9EC2-D5C69DC6B901}" type="datetimeFigureOut">
               <a:rPr lang="it-IT" smtClean="0"/>
-              <a:t>22/07/2025</a:t>
+              <a:t>23/07/2025</a:t>
             </a:fld>
             <a:endParaRPr lang="it-IT"/>
           </a:p>
@@ -1832,7 +1833,7 @@
           <a:p>
             <a:fld id="{5509EB16-9B05-4C73-9EC2-D5C69DC6B901}" type="datetimeFigureOut">
               <a:rPr lang="it-IT" smtClean="0"/>
-              <a:t>22/07/2025</a:t>
+              <a:t>23/07/2025</a:t>
             </a:fld>
             <a:endParaRPr lang="it-IT"/>
           </a:p>
@@ -1973,7 +1974,7 @@
           <a:p>
             <a:fld id="{5509EB16-9B05-4C73-9EC2-D5C69DC6B901}" type="datetimeFigureOut">
               <a:rPr lang="it-IT" smtClean="0"/>
-              <a:t>22/07/2025</a:t>
+              <a:t>23/07/2025</a:t>
             </a:fld>
             <a:endParaRPr lang="it-IT"/>
           </a:p>
@@ -2086,7 +2087,7 @@
           <a:p>
             <a:fld id="{5509EB16-9B05-4C73-9EC2-D5C69DC6B901}" type="datetimeFigureOut">
               <a:rPr lang="it-IT" smtClean="0"/>
-              <a:t>22/07/2025</a:t>
+              <a:t>23/07/2025</a:t>
             </a:fld>
             <a:endParaRPr lang="it-IT"/>
           </a:p>
@@ -2397,7 +2398,7 @@
           <a:p>
             <a:fld id="{5509EB16-9B05-4C73-9EC2-D5C69DC6B901}" type="datetimeFigureOut">
               <a:rPr lang="it-IT" smtClean="0"/>
-              <a:t>22/07/2025</a:t>
+              <a:t>23/07/2025</a:t>
             </a:fld>
             <a:endParaRPr lang="it-IT"/>
           </a:p>
@@ -2685,7 +2686,7 @@
           <a:p>
             <a:fld id="{5509EB16-9B05-4C73-9EC2-D5C69DC6B901}" type="datetimeFigureOut">
               <a:rPr lang="it-IT" smtClean="0"/>
-              <a:t>22/07/2025</a:t>
+              <a:t>23/07/2025</a:t>
             </a:fld>
             <a:endParaRPr lang="it-IT"/>
           </a:p>
@@ -2926,7 +2927,7 @@
           <a:p>
             <a:fld id="{5509EB16-9B05-4C73-9EC2-D5C69DC6B901}" type="datetimeFigureOut">
               <a:rPr lang="it-IT" smtClean="0"/>
-              <a:t>22/07/2025</a:t>
+              <a:t>23/07/2025</a:t>
             </a:fld>
             <a:endParaRPr lang="it-IT"/>
           </a:p>
@@ -3667,6 +3668,111 @@
         <p:cNvPr id="1" name="">
           <a:extLst>
             <a:ext uri="{FF2B5EF4-FFF2-40B4-BE49-F238E27FC236}">
+              <a16:creationId xmlns:a16="http://schemas.microsoft.com/office/drawing/2014/main" id="{3D0D7CA6-8B32-A15E-651D-10BD9FB08E0A}"/>
+            </a:ext>
+          </a:extLst>
+        </p:cNvPr>
+        <p:cNvGrpSpPr/>
+        <p:nvPr/>
+      </p:nvGrpSpPr>
+      <p:grpSpPr>
+        <a:xfrm>
+          <a:off x="0" y="0"/>
+          <a:ext cx="0" cy="0"/>
+          <a:chOff x="0" y="0"/>
+          <a:chExt cx="0" cy="0"/>
+        </a:xfrm>
+      </p:grpSpPr>
+      <p:sp>
+        <p:nvSpPr>
+          <p:cNvPr id="2" name="Titolo 1">
+            <a:extLst>
+              <a:ext uri="{FF2B5EF4-FFF2-40B4-BE49-F238E27FC236}">
+                <a16:creationId xmlns:a16="http://schemas.microsoft.com/office/drawing/2014/main" id="{62C1E75E-1CB0-F92D-E31C-3759E3B32512}"/>
+              </a:ext>
+            </a:extLst>
+          </p:cNvPr>
+          <p:cNvSpPr>
+            <a:spLocks noGrp="1"/>
+          </p:cNvSpPr>
+          <p:nvPr>
+            <p:ph type="title"/>
+          </p:nvPr>
+        </p:nvSpPr>
+        <p:spPr>
+          <a:xfrm>
+            <a:off x="838200" y="365126"/>
+            <a:ext cx="10515600" cy="734332"/>
+          </a:xfrm>
+        </p:spPr>
+        <p:txBody>
+          <a:bodyPr/>
+          <a:lstStyle/>
+          <a:p>
+            <a:pPr algn="ctr"/>
+            <a:r>
+              <a:rPr lang="en-US" noProof="0" dirty="0"/>
+              <a:t>Results on the 2-Group instances</a:t>
+            </a:r>
+          </a:p>
+        </p:txBody>
+      </p:sp>
+      <p:pic>
+        <p:nvPicPr>
+          <p:cNvPr id="6" name="Segnaposto contenuto 5" descr="Immagine che contiene testo, Diagramma, linea, diagramma&#10;&#10;Il contenuto generato dall'IA potrebbe non essere corretto.">
+            <a:extLst>
+              <a:ext uri="{FF2B5EF4-FFF2-40B4-BE49-F238E27FC236}">
+                <a16:creationId xmlns:a16="http://schemas.microsoft.com/office/drawing/2014/main" id="{2047B36B-7AB6-5695-6019-BED968ED77AB}"/>
+              </a:ext>
+            </a:extLst>
+          </p:cNvPr>
+          <p:cNvPicPr>
+            <a:picLocks noGrp="1" noChangeAspect="1"/>
+          </p:cNvPicPr>
+          <p:nvPr>
+            <p:ph sz="half" idx="2"/>
+          </p:nvPr>
+        </p:nvPicPr>
+        <p:blipFill>
+          <a:blip r:embed="rId2">
+            <a:extLst>
+              <a:ext uri="{28A0092B-C50C-407E-A947-70E740481C1C}">
+                <a14:useLocalDpi xmlns:a14="http://schemas.microsoft.com/office/drawing/2010/main" val="0"/>
+              </a:ext>
+            </a:extLst>
+          </a:blip>
+          <a:stretch>
+            <a:fillRect/>
+          </a:stretch>
+        </p:blipFill>
+        <p:spPr>
+          <a:xfrm>
+            <a:off x="1587182" y="1031080"/>
+            <a:ext cx="9017635" cy="5461794"/>
+          </a:xfrm>
+        </p:spPr>
+      </p:pic>
+    </p:spTree>
+    <p:extLst>
+      <p:ext uri="{BB962C8B-B14F-4D97-AF65-F5344CB8AC3E}">
+        <p14:creationId xmlns:p14="http://schemas.microsoft.com/office/powerpoint/2010/main" val="343853169"/>
+      </p:ext>
+    </p:extLst>
+  </p:cSld>
+  <p:clrMapOvr>
+    <a:masterClrMapping/>
+  </p:clrMapOvr>
+</p:sld>
+</file>
+
+<file path=ppt/slides/slide11.xml><?xml version="1.0" encoding="utf-8"?>
+<p:sld xmlns:a="http://schemas.openxmlformats.org/drawingml/2006/main" xmlns:r="http://schemas.openxmlformats.org/officeDocument/2006/relationships" xmlns:p="http://schemas.openxmlformats.org/presentationml/2006/main">
+  <p:cSld>
+    <p:spTree>
+      <p:nvGrpSpPr>
+        <p:cNvPr id="1" name="">
+          <a:extLst>
+            <a:ext uri="{FF2B5EF4-FFF2-40B4-BE49-F238E27FC236}">
               <a16:creationId xmlns:a16="http://schemas.microsoft.com/office/drawing/2014/main" id="{6E40939E-8E34-7E61-3E34-F911180AC1AB}"/>
             </a:ext>
           </a:extLst>
@@ -3780,7 +3886,7 @@
 </p:sld>
 </file>
 
-<file path=ppt/slides/slide11.xml><?xml version="1.0" encoding="utf-8"?>
+<file path=ppt/slides/slide12.xml><?xml version="1.0" encoding="utf-8"?>
 <p:sld xmlns:a="http://schemas.openxmlformats.org/drawingml/2006/main" xmlns:r="http://schemas.openxmlformats.org/officeDocument/2006/relationships" xmlns:p="http://schemas.openxmlformats.org/presentationml/2006/main">
   <p:cSld>
     <p:spTree>
@@ -3885,7 +3991,7 @@
 </p:sld>
 </file>
 
-<file path=ppt/slides/slide12.xml><?xml version="1.0" encoding="utf-8"?>
+<file path=ppt/slides/slide13.xml><?xml version="1.0" encoding="utf-8"?>
 <p:sld xmlns:a="http://schemas.openxmlformats.org/drawingml/2006/main" xmlns:r="http://schemas.openxmlformats.org/officeDocument/2006/relationships" xmlns:p="http://schemas.openxmlformats.org/presentationml/2006/main">
   <p:cSld>
     <p:spTree>
@@ -4014,7 +4120,7 @@
 </p:sld>
 </file>
 
-<file path=ppt/slides/slide13.xml><?xml version="1.0" encoding="utf-8"?>
+<file path=ppt/slides/slide14.xml><?xml version="1.0" encoding="utf-8"?>
 <p:sld xmlns:a="http://schemas.openxmlformats.org/drawingml/2006/main" xmlns:r="http://schemas.openxmlformats.org/officeDocument/2006/relationships" xmlns:p="http://schemas.openxmlformats.org/presentationml/2006/main">
   <p:cSld>
     <p:spTree>
@@ -4119,7 +4225,7 @@
 </p:sld>
 </file>
 
-<file path=ppt/slides/slide14.xml><?xml version="1.0" encoding="utf-8"?>
+<file path=ppt/slides/slide15.xml><?xml version="1.0" encoding="utf-8"?>
 <p:sld xmlns:a="http://schemas.openxmlformats.org/drawingml/2006/main" xmlns:r="http://schemas.openxmlformats.org/officeDocument/2006/relationships" xmlns:p="http://schemas.openxmlformats.org/presentationml/2006/main">
   <p:cSld>
     <p:spTree>
@@ -4245,7 +4351,7 @@
 </p:sld>
 </file>
 
-<file path=ppt/slides/slide15.xml><?xml version="1.0" encoding="utf-8"?>
+<file path=ppt/slides/slide16.xml><?xml version="1.0" encoding="utf-8"?>
 <p:sld xmlns:a="http://schemas.openxmlformats.org/drawingml/2006/main" xmlns:r="http://schemas.openxmlformats.org/officeDocument/2006/relationships" xmlns:p="http://schemas.openxmlformats.org/presentationml/2006/main">
   <p:cSld>
     <p:spTree>
@@ -4350,7 +4456,7 @@
 </p:sld>
 </file>
 
-<file path=ppt/slides/slide16.xml><?xml version="1.0" encoding="utf-8"?>
+<file path=ppt/slides/slide17.xml><?xml version="1.0" encoding="utf-8"?>
 <p:sld xmlns:a="http://schemas.openxmlformats.org/drawingml/2006/main" xmlns:r="http://schemas.openxmlformats.org/officeDocument/2006/relationships" xmlns:p="http://schemas.openxmlformats.org/presentationml/2006/main">
   <p:cSld>
     <p:spTree>
@@ -4461,7 +4567,7 @@
 </p:sld>
 </file>
 
-<file path=ppt/slides/slide17.xml><?xml version="1.0" encoding="utf-8"?>
+<file path=ppt/slides/slide18.xml><?xml version="1.0" encoding="utf-8"?>
 <p:sld xmlns:a="http://schemas.openxmlformats.org/drawingml/2006/main" xmlns:r="http://schemas.openxmlformats.org/officeDocument/2006/relationships" xmlns:p="http://schemas.openxmlformats.org/presentationml/2006/main">
   <p:cSld>
     <p:spTree>
@@ -4571,7 +4677,7 @@
 </p:sld>
 </file>
 
-<file path=ppt/slides/slide18.xml><?xml version="1.0" encoding="utf-8"?>
+<file path=ppt/slides/slide19.xml><?xml version="1.0" encoding="utf-8"?>
 <p:sld xmlns:a="http://schemas.openxmlformats.org/drawingml/2006/main" xmlns:r="http://schemas.openxmlformats.org/officeDocument/2006/relationships" xmlns:p="http://schemas.openxmlformats.org/presentationml/2006/main">
   <p:cSld>
     <p:spTree>
@@ -4707,6 +4813,130 @@
 </file>
 
 <file path=ppt/slides/slide2.xml><?xml version="1.0" encoding="utf-8"?>
+<p:sld xmlns:a="http://schemas.openxmlformats.org/drawingml/2006/main" xmlns:r="http://schemas.openxmlformats.org/officeDocument/2006/relationships" xmlns:p="http://schemas.openxmlformats.org/presentationml/2006/main">
+  <p:cSld>
+    <p:spTree>
+      <p:nvGrpSpPr>
+        <p:cNvPr id="1" name="">
+          <a:extLst>
+            <a:ext uri="{FF2B5EF4-FFF2-40B4-BE49-F238E27FC236}">
+              <a16:creationId xmlns:a16="http://schemas.microsoft.com/office/drawing/2014/main" id="{705E3694-311D-70FA-B31D-0F392098A8A3}"/>
+            </a:ext>
+          </a:extLst>
+        </p:cNvPr>
+        <p:cNvGrpSpPr/>
+        <p:nvPr/>
+      </p:nvGrpSpPr>
+      <p:grpSpPr>
+        <a:xfrm>
+          <a:off x="0" y="0"/>
+          <a:ext cx="0" cy="0"/>
+          <a:chOff x="0" y="0"/>
+          <a:chExt cx="0" cy="0"/>
+        </a:xfrm>
+      </p:grpSpPr>
+      <p:sp>
+        <p:nvSpPr>
+          <p:cNvPr id="2" name="Titolo 1">
+            <a:extLst>
+              <a:ext uri="{FF2B5EF4-FFF2-40B4-BE49-F238E27FC236}">
+                <a16:creationId xmlns:a16="http://schemas.microsoft.com/office/drawing/2014/main" id="{56703E8E-DAA9-45E4-F1FC-F352FAF575D7}"/>
+              </a:ext>
+            </a:extLst>
+          </p:cNvPr>
+          <p:cNvSpPr>
+            <a:spLocks noGrp="1"/>
+          </p:cNvSpPr>
+          <p:nvPr>
+            <p:ph type="title"/>
+          </p:nvPr>
+        </p:nvSpPr>
+        <p:spPr/>
+        <p:txBody>
+          <a:bodyPr/>
+          <a:lstStyle/>
+          <a:p>
+            <a:r>
+              <a:rPr lang="en-US" noProof="0" dirty="0"/>
+              <a:t>Source code and datasets</a:t>
+            </a:r>
+          </a:p>
+        </p:txBody>
+      </p:sp>
+      <p:sp>
+        <p:nvSpPr>
+          <p:cNvPr id="3" name="Segnaposto contenuto 2">
+            <a:extLst>
+              <a:ext uri="{FF2B5EF4-FFF2-40B4-BE49-F238E27FC236}">
+                <a16:creationId xmlns:a16="http://schemas.microsoft.com/office/drawing/2014/main" id="{D09F6332-87A3-C593-73D4-DBB4D8DA3550}"/>
+              </a:ext>
+            </a:extLst>
+          </p:cNvPr>
+          <p:cNvSpPr>
+            <a:spLocks noGrp="1"/>
+          </p:cNvSpPr>
+          <p:nvPr>
+            <p:ph idx="1"/>
+          </p:nvPr>
+        </p:nvSpPr>
+        <p:spPr>
+          <a:xfrm>
+            <a:off x="838199" y="1825625"/>
+            <a:ext cx="10929257" cy="4351338"/>
+          </a:xfrm>
+        </p:spPr>
+        <p:txBody>
+          <a:bodyPr/>
+          <a:lstStyle/>
+          <a:p>
+            <a:r>
+              <a:rPr lang="en-US" dirty="0"/>
+              <a:t>The source code is available at: </a:t>
+            </a:r>
+            <a:r>
+              <a:rPr lang="en-US" dirty="0">
+                <a:hlinkClick r:id="rId2"/>
+              </a:rPr>
+              <a:t>https://github.com/FabioGiordana/DIDP-On-Routing-Problems</a:t>
+            </a:r>
+            <a:r>
+              <a:rPr lang="en-US" dirty="0"/>
+              <a:t> </a:t>
+            </a:r>
+          </a:p>
+          <a:p>
+            <a:r>
+              <a:rPr lang="en-US" noProof="0" dirty="0"/>
+              <a:t>All the benchmark instances </a:t>
+            </a:r>
+            <a:r>
+              <a:rPr lang="en-US" dirty="0"/>
+              <a:t>has been taken from the following source: </a:t>
+            </a:r>
+            <a:r>
+              <a:rPr lang="en-US" dirty="0">
+                <a:hlinkClick r:id="rId3"/>
+              </a:rPr>
+              <a:t>http://vrp.atd-lab.inf.puc-rio.br/index.php/en/</a:t>
+            </a:r>
+            <a:endParaRPr lang="en-US" noProof="0" dirty="0"/>
+          </a:p>
+        </p:txBody>
+      </p:sp>
+    </p:spTree>
+    <p:extLst>
+      <p:ext uri="{BB962C8B-B14F-4D97-AF65-F5344CB8AC3E}">
+        <p14:creationId xmlns:p14="http://schemas.microsoft.com/office/powerpoint/2010/main" val="3179630190"/>
+      </p:ext>
+    </p:extLst>
+  </p:cSld>
+  <p:clrMapOvr>
+    <a:masterClrMapping/>
+  </p:clrMapOvr>
+</p:sld>
+</file>
+
+<file path=ppt/slides/slide3.xml><?xml version="1.0" encoding="utf-8"?>
 <p:sld xmlns:a="http://schemas.openxmlformats.org/drawingml/2006/main" xmlns:r="http://schemas.openxmlformats.org/officeDocument/2006/relationships" xmlns:p="http://schemas.openxmlformats.org/presentationml/2006/main">
   <p:cSld>
     <p:spTree>
@@ -5460,7 +5690,7 @@
 </p:sld>
 </file>
 
-<file path=ppt/slides/slide3.xml><?xml version="1.0" encoding="utf-8"?>
+<file path=ppt/slides/slide4.xml><?xml version="1.0" encoding="utf-8"?>
 <p:sld xmlns:a="http://schemas.openxmlformats.org/drawingml/2006/main" xmlns:r="http://schemas.openxmlformats.org/officeDocument/2006/relationships" xmlns:p="http://schemas.openxmlformats.org/presentationml/2006/main">
   <p:cSld>
     <p:spTree>
@@ -7769,7 +7999,7 @@
 </p:sld>
 </file>
 
-<file path=ppt/slides/slide4.xml><?xml version="1.0" encoding="utf-8"?>
+<file path=ppt/slides/slide5.xml><?xml version="1.0" encoding="utf-8"?>
 <p:sld xmlns:a="http://schemas.openxmlformats.org/drawingml/2006/main" xmlns:r="http://schemas.openxmlformats.org/officeDocument/2006/relationships" xmlns:p="http://schemas.openxmlformats.org/presentationml/2006/main">
   <p:cSld>
     <p:spTree>
@@ -9411,7 +9641,7 @@
 </p:sld>
 </file>
 
-<file path=ppt/slides/slide5.xml><?xml version="1.0" encoding="utf-8"?>
+<file path=ppt/slides/slide6.xml><?xml version="1.0" encoding="utf-8"?>
 <p:sld xmlns:a="http://schemas.openxmlformats.org/drawingml/2006/main" xmlns:r="http://schemas.openxmlformats.org/officeDocument/2006/relationships" xmlns:p="http://schemas.openxmlformats.org/presentationml/2006/main">
   <p:cSld>
     <p:spTree>
@@ -9539,7 +9769,7 @@
 </p:sld>
 </file>
 
-<file path=ppt/slides/slide6.xml><?xml version="1.0" encoding="utf-8"?>
+<file path=ppt/slides/slide7.xml><?xml version="1.0" encoding="utf-8"?>
 <p:sld xmlns:a="http://schemas.openxmlformats.org/drawingml/2006/main" xmlns:r="http://schemas.openxmlformats.org/officeDocument/2006/relationships" xmlns:p="http://schemas.openxmlformats.org/presentationml/2006/main">
   <p:cSld>
     <p:spTree>
@@ -9655,7 +9885,7 @@
 </p:sld>
 </file>
 
-<file path=ppt/slides/slide7.xml><?xml version="1.0" encoding="utf-8"?>
+<file path=ppt/slides/slide8.xml><?xml version="1.0" encoding="utf-8"?>
 <p:sld xmlns:a="http://schemas.openxmlformats.org/drawingml/2006/main" xmlns:r="http://schemas.openxmlformats.org/officeDocument/2006/relationships" xmlns:p="http://schemas.openxmlformats.org/presentationml/2006/main">
   <p:cSld>
     <p:spTree>
@@ -9754,7 +9984,7 @@
 </p:sld>
 </file>
 
-<file path=ppt/slides/slide8.xml><?xml version="1.0" encoding="utf-8"?>
+<file path=ppt/slides/slide9.xml><?xml version="1.0" encoding="utf-8"?>
 <p:sld xmlns:a="http://schemas.openxmlformats.org/drawingml/2006/main" xmlns:r="http://schemas.openxmlformats.org/officeDocument/2006/relationships" xmlns:p="http://schemas.openxmlformats.org/presentationml/2006/main">
   <p:cSld>
     <p:spTree>
@@ -9872,111 +10102,6 @@
     <p:extLst>
       <p:ext uri="{BB962C8B-B14F-4D97-AF65-F5344CB8AC3E}">
         <p14:creationId xmlns:p14="http://schemas.microsoft.com/office/powerpoint/2010/main" val="3870173674"/>
-      </p:ext>
-    </p:extLst>
-  </p:cSld>
-  <p:clrMapOvr>
-    <a:masterClrMapping/>
-  </p:clrMapOvr>
-</p:sld>
-</file>
-
-<file path=ppt/slides/slide9.xml><?xml version="1.0" encoding="utf-8"?>
-<p:sld xmlns:a="http://schemas.openxmlformats.org/drawingml/2006/main" xmlns:r="http://schemas.openxmlformats.org/officeDocument/2006/relationships" xmlns:p="http://schemas.openxmlformats.org/presentationml/2006/main">
-  <p:cSld>
-    <p:spTree>
-      <p:nvGrpSpPr>
-        <p:cNvPr id="1" name="">
-          <a:extLst>
-            <a:ext uri="{FF2B5EF4-FFF2-40B4-BE49-F238E27FC236}">
-              <a16:creationId xmlns:a16="http://schemas.microsoft.com/office/drawing/2014/main" id="{3D0D7CA6-8B32-A15E-651D-10BD9FB08E0A}"/>
-            </a:ext>
-          </a:extLst>
-        </p:cNvPr>
-        <p:cNvGrpSpPr/>
-        <p:nvPr/>
-      </p:nvGrpSpPr>
-      <p:grpSpPr>
-        <a:xfrm>
-          <a:off x="0" y="0"/>
-          <a:ext cx="0" cy="0"/>
-          <a:chOff x="0" y="0"/>
-          <a:chExt cx="0" cy="0"/>
-        </a:xfrm>
-      </p:grpSpPr>
-      <p:sp>
-        <p:nvSpPr>
-          <p:cNvPr id="2" name="Titolo 1">
-            <a:extLst>
-              <a:ext uri="{FF2B5EF4-FFF2-40B4-BE49-F238E27FC236}">
-                <a16:creationId xmlns:a16="http://schemas.microsoft.com/office/drawing/2014/main" id="{62C1E75E-1CB0-F92D-E31C-3759E3B32512}"/>
-              </a:ext>
-            </a:extLst>
-          </p:cNvPr>
-          <p:cNvSpPr>
-            <a:spLocks noGrp="1"/>
-          </p:cNvSpPr>
-          <p:nvPr>
-            <p:ph type="title"/>
-          </p:nvPr>
-        </p:nvSpPr>
-        <p:spPr>
-          <a:xfrm>
-            <a:off x="838200" y="365126"/>
-            <a:ext cx="10515600" cy="734332"/>
-          </a:xfrm>
-        </p:spPr>
-        <p:txBody>
-          <a:bodyPr/>
-          <a:lstStyle/>
-          <a:p>
-            <a:pPr algn="ctr"/>
-            <a:r>
-              <a:rPr lang="en-US" noProof="0" dirty="0"/>
-              <a:t>Results on the 2-Group instances</a:t>
-            </a:r>
-          </a:p>
-        </p:txBody>
-      </p:sp>
-      <p:pic>
-        <p:nvPicPr>
-          <p:cNvPr id="6" name="Segnaposto contenuto 5" descr="Immagine che contiene testo, Diagramma, linea, diagramma&#10;&#10;Il contenuto generato dall'IA potrebbe non essere corretto.">
-            <a:extLst>
-              <a:ext uri="{FF2B5EF4-FFF2-40B4-BE49-F238E27FC236}">
-                <a16:creationId xmlns:a16="http://schemas.microsoft.com/office/drawing/2014/main" id="{2047B36B-7AB6-5695-6019-BED968ED77AB}"/>
-              </a:ext>
-            </a:extLst>
-          </p:cNvPr>
-          <p:cNvPicPr>
-            <a:picLocks noGrp="1" noChangeAspect="1"/>
-          </p:cNvPicPr>
-          <p:nvPr>
-            <p:ph sz="half" idx="2"/>
-          </p:nvPr>
-        </p:nvPicPr>
-        <p:blipFill>
-          <a:blip r:embed="rId2">
-            <a:extLst>
-              <a:ext uri="{28A0092B-C50C-407E-A947-70E740481C1C}">
-                <a14:useLocalDpi xmlns:a14="http://schemas.microsoft.com/office/drawing/2010/main" val="0"/>
-              </a:ext>
-            </a:extLst>
-          </a:blip>
-          <a:stretch>
-            <a:fillRect/>
-          </a:stretch>
-        </p:blipFill>
-        <p:spPr>
-          <a:xfrm>
-            <a:off x="1587182" y="1031080"/>
-            <a:ext cx="9017635" cy="5461794"/>
-          </a:xfrm>
-        </p:spPr>
-      </p:pic>
-    </p:spTree>
-    <p:extLst>
-      <p:ext uri="{BB962C8B-B14F-4D97-AF65-F5344CB8AC3E}">
-        <p14:creationId xmlns:p14="http://schemas.microsoft.com/office/powerpoint/2010/main" val="343853169"/>
       </p:ext>
     </p:extLst>
   </p:cSld>
